--- a/pico8-workshop.pptx
+++ b/pico8-workshop.pptx
@@ -7,9 +7,31 @@
   <p:sldIdLst>
     <p:sldId id="256" r:id="rId2"/>
     <p:sldId id="259" r:id="rId3"/>
-    <p:sldId id="260" r:id="rId4"/>
-    <p:sldId id="262" r:id="rId5"/>
-    <p:sldId id="261" r:id="rId6"/>
+    <p:sldId id="264" r:id="rId4"/>
+    <p:sldId id="284" r:id="rId5"/>
+    <p:sldId id="271" r:id="rId6"/>
+    <p:sldId id="272" r:id="rId7"/>
+    <p:sldId id="273" r:id="rId8"/>
+    <p:sldId id="275" r:id="rId9"/>
+    <p:sldId id="276" r:id="rId10"/>
+    <p:sldId id="265" r:id="rId11"/>
+    <p:sldId id="278" r:id="rId12"/>
+    <p:sldId id="279" r:id="rId13"/>
+    <p:sldId id="277" r:id="rId14"/>
+    <p:sldId id="269" r:id="rId15"/>
+    <p:sldId id="267" r:id="rId16"/>
+    <p:sldId id="268" r:id="rId17"/>
+    <p:sldId id="270" r:id="rId18"/>
+    <p:sldId id="281" r:id="rId19"/>
+    <p:sldId id="266" r:id="rId20"/>
+    <p:sldId id="263" r:id="rId21"/>
+    <p:sldId id="260" r:id="rId22"/>
+    <p:sldId id="262" r:id="rId23"/>
+    <p:sldId id="261" r:id="rId24"/>
+    <p:sldId id="274" r:id="rId25"/>
+    <p:sldId id="280" r:id="rId26"/>
+    <p:sldId id="282" r:id="rId27"/>
+    <p:sldId id="283" r:id="rId28"/>
   </p:sldIdLst>
   <p:sldSz cx="12192000" cy="6858000"/>
   <p:notesSz cx="6858000" cy="9144000"/>
@@ -299,7 +321,7 @@
           <a:p>
             <a:fld id="{4AAD347D-5ACD-4C99-B74B-A9C85AD731AF}" type="datetimeFigureOut">
               <a:rPr lang="en-US" dirty="0"/>
-              <a:t>10/23/2019</a:t>
+              <a:t>10/26/2019</a:t>
             </a:fld>
             <a:endParaRPr lang="en-US" dirty="0"/>
           </a:p>
@@ -569,7 +591,7 @@
           <a:p>
             <a:fld id="{4509A250-FF31-4206-8172-F9D3106AACB1}" type="datetimeFigureOut">
               <a:rPr lang="en-US" dirty="0"/>
-              <a:t>10/23/2019</a:t>
+              <a:t>10/26/2019</a:t>
             </a:fld>
             <a:endParaRPr lang="en-US" dirty="0"/>
           </a:p>
@@ -758,7 +780,7 @@
           <a:p>
             <a:fld id="{4509A250-FF31-4206-8172-F9D3106AACB1}" type="datetimeFigureOut">
               <a:rPr lang="en-US" dirty="0"/>
-              <a:t>10/23/2019</a:t>
+              <a:t>10/26/2019</a:t>
             </a:fld>
             <a:endParaRPr lang="en-US" dirty="0"/>
           </a:p>
@@ -1021,7 +1043,7 @@
           <a:p>
             <a:fld id="{4509A250-FF31-4206-8172-F9D3106AACB1}" type="datetimeFigureOut">
               <a:rPr lang="en-US" dirty="0"/>
-              <a:t>10/23/2019</a:t>
+              <a:t>10/26/2019</a:t>
             </a:fld>
             <a:endParaRPr lang="en-US" dirty="0"/>
           </a:p>
@@ -1348,7 +1370,7 @@
           <a:p>
             <a:fld id="{4509A250-FF31-4206-8172-F9D3106AACB1}" type="datetimeFigureOut">
               <a:rPr lang="en-US" dirty="0"/>
-              <a:t>10/23/2019</a:t>
+              <a:t>10/26/2019</a:t>
             </a:fld>
             <a:endParaRPr lang="en-US" dirty="0"/>
           </a:p>
@@ -1953,7 +1975,7 @@
           <a:p>
             <a:fld id="{4509A250-FF31-4206-8172-F9D3106AACB1}" type="datetimeFigureOut">
               <a:rPr lang="en-US" dirty="0"/>
-              <a:t>10/23/2019</a:t>
+              <a:t>10/26/2019</a:t>
             </a:fld>
             <a:endParaRPr lang="en-US" dirty="0"/>
           </a:p>
@@ -2795,7 +2817,7 @@
           <a:p>
             <a:fld id="{4509A250-FF31-4206-8172-F9D3106AACB1}" type="datetimeFigureOut">
               <a:rPr lang="en-US" dirty="0"/>
-              <a:t>10/23/2019</a:t>
+              <a:t>10/26/2019</a:t>
             </a:fld>
             <a:endParaRPr lang="en-US" dirty="0"/>
           </a:p>
@@ -2960,7 +2982,7 @@
           <a:p>
             <a:fld id="{4509A250-FF31-4206-8172-F9D3106AACB1}" type="datetimeFigureOut">
               <a:rPr lang="en-US" dirty="0"/>
-              <a:t>10/23/2019</a:t>
+              <a:t>10/26/2019</a:t>
             </a:fld>
             <a:endParaRPr lang="en-US" dirty="0"/>
           </a:p>
@@ -3135,7 +3157,7 @@
           <a:p>
             <a:fld id="{4509A250-FF31-4206-8172-F9D3106AACB1}" type="datetimeFigureOut">
               <a:rPr lang="en-US" dirty="0"/>
-              <a:t>10/23/2019</a:t>
+              <a:t>10/26/2019</a:t>
             </a:fld>
             <a:endParaRPr lang="en-US" dirty="0"/>
           </a:p>
@@ -3218,89 +3240,128 @@
             <p:ph type="title"/>
           </p:nvPr>
         </p:nvSpPr>
+        <p:spPr>
+          <a:noFill/>
+        </p:spPr>
+        <p:txBody>
+          <a:bodyPr/>
+          <a:lstStyle>
+            <a:lvl1pPr>
+              <a:defRPr sz="4800">
+                <a:solidFill>
+                  <a:srgbClr val="FFA300"/>
+                </a:solidFill>
+                <a:effectLst>
+                  <a:outerShdw dist="215900" dir="2700000" algn="tl" rotWithShape="0">
+                    <a:prstClr val="black"/>
+                  </a:outerShdw>
+                </a:effectLst>
+                <a:latin typeface="Zepto-8" panose="00000400000000000000" pitchFamily="2" charset="-128"/>
+                <a:ea typeface="Zepto-8" panose="00000400000000000000" pitchFamily="2" charset="-128"/>
+              </a:defRPr>
+            </a:lvl1pPr>
+          </a:lstStyle>
+          <a:p>
+            <a:r>
+              <a:rPr lang="en-US" dirty="0"/>
+              <a:t>Click to edit Master title style</a:t>
+            </a:r>
+          </a:p>
+        </p:txBody>
+      </p:sp>
+      <p:sp>
+        <p:nvSpPr>
+          <p:cNvPr id="3" name="Content Placeholder 2"/>
+          <p:cNvSpPr>
+            <a:spLocks noGrp="1"/>
+          </p:cNvSpPr>
+          <p:nvPr>
+            <p:ph idx="1"/>
+          </p:nvPr>
+        </p:nvSpPr>
+        <p:spPr/>
+        <p:txBody>
+          <a:bodyPr/>
+          <a:lstStyle>
+            <a:lvl1pPr marL="342900" indent="-342900">
+              <a:lnSpc>
+                <a:spcPct val="125000"/>
+              </a:lnSpc>
+              <a:buClr>
+                <a:srgbClr val="83769C"/>
+              </a:buClr>
+              <a:buSzPct val="120000"/>
+              <a:buFont typeface="Wingdings" panose="05000000000000000000" pitchFamily="2" charset="2"/>
+              <a:buChar char="§"/>
+              <a:defRPr sz="3000">
+                <a:solidFill>
+                  <a:srgbClr val="FFF1E8"/>
+                </a:solidFill>
+                <a:effectLst>
+                  <a:outerShdw dist="203200" dir="2700000" algn="tl" rotWithShape="0">
+                    <a:prstClr val="black"/>
+                  </a:outerShdw>
+                </a:effectLst>
+                <a:latin typeface="Zepto-8" panose="00000400000000000000" pitchFamily="2" charset="-128"/>
+                <a:ea typeface="Zepto-8" panose="00000400000000000000" pitchFamily="2" charset="-128"/>
+              </a:defRPr>
+            </a:lvl1pPr>
+          </a:lstStyle>
+          <a:p>
+            <a:pPr lvl="0"/>
+            <a:r>
+              <a:rPr lang="en-US" dirty="0"/>
+              <a:t>Click to edit Master text styles</a:t>
+            </a:r>
+          </a:p>
+          <a:p>
+            <a:pPr lvl="1"/>
+            <a:r>
+              <a:rPr lang="en-US" dirty="0"/>
+              <a:t>Second level</a:t>
+            </a:r>
+          </a:p>
+          <a:p>
+            <a:pPr lvl="2"/>
+            <a:r>
+              <a:rPr lang="en-US" dirty="0"/>
+              <a:t>Third level</a:t>
+            </a:r>
+          </a:p>
+          <a:p>
+            <a:pPr lvl="3"/>
+            <a:r>
+              <a:rPr lang="en-US" dirty="0"/>
+              <a:t>Fourth level</a:t>
+            </a:r>
+          </a:p>
+          <a:p>
+            <a:pPr lvl="4"/>
+            <a:r>
+              <a:rPr lang="en-US" dirty="0"/>
+              <a:t>Fifth level</a:t>
+            </a:r>
+          </a:p>
+        </p:txBody>
+      </p:sp>
+      <p:sp>
+        <p:nvSpPr>
+          <p:cNvPr id="4" name="Date Placeholder 3"/>
+          <p:cNvSpPr>
+            <a:spLocks noGrp="1"/>
+          </p:cNvSpPr>
+          <p:nvPr>
+            <p:ph type="dt" sz="half" idx="10"/>
+          </p:nvPr>
+        </p:nvSpPr>
         <p:spPr/>
         <p:txBody>
           <a:bodyPr/>
           <a:lstStyle/>
           <a:p>
-            <a:r>
-              <a:rPr lang="en-US"/>
-              <a:t>Click to edit Master title style</a:t>
-            </a:r>
-            <a:endParaRPr lang="en-US" dirty="0"/>
-          </a:p>
-        </p:txBody>
-      </p:sp>
-      <p:sp>
-        <p:nvSpPr>
-          <p:cNvPr id="3" name="Content Placeholder 2"/>
-          <p:cNvSpPr>
-            <a:spLocks noGrp="1"/>
-          </p:cNvSpPr>
-          <p:nvPr>
-            <p:ph idx="1"/>
-          </p:nvPr>
-        </p:nvSpPr>
-        <p:spPr/>
-        <p:txBody>
-          <a:bodyPr/>
-          <a:lstStyle/>
-          <a:p>
-            <a:pPr lvl="0"/>
-            <a:r>
-              <a:rPr lang="en-US"/>
-              <a:t>Click to edit Master text styles</a:t>
-            </a:r>
-          </a:p>
-          <a:p>
-            <a:pPr lvl="1"/>
-            <a:r>
-              <a:rPr lang="en-US"/>
-              <a:t>Second level</a:t>
-            </a:r>
-          </a:p>
-          <a:p>
-            <a:pPr lvl="2"/>
-            <a:r>
-              <a:rPr lang="en-US"/>
-              <a:t>Third level</a:t>
-            </a:r>
-          </a:p>
-          <a:p>
-            <a:pPr lvl="3"/>
-            <a:r>
-              <a:rPr lang="en-US"/>
-              <a:t>Fourth level</a:t>
-            </a:r>
-          </a:p>
-          <a:p>
-            <a:pPr lvl="4"/>
-            <a:r>
-              <a:rPr lang="en-US"/>
-              <a:t>Fifth level</a:t>
-            </a:r>
-            <a:endParaRPr lang="en-US" dirty="0"/>
-          </a:p>
-        </p:txBody>
-      </p:sp>
-      <p:sp>
-        <p:nvSpPr>
-          <p:cNvPr id="4" name="Date Placeholder 3"/>
-          <p:cNvSpPr>
-            <a:spLocks noGrp="1"/>
-          </p:cNvSpPr>
-          <p:nvPr>
-            <p:ph type="dt" sz="half" idx="10"/>
-          </p:nvPr>
-        </p:nvSpPr>
-        <p:spPr/>
-        <p:txBody>
-          <a:bodyPr/>
-          <a:lstStyle/>
-          <a:p>
             <a:fld id="{4509A250-FF31-4206-8172-F9D3106AACB1}" type="datetimeFigureOut">
               <a:rPr lang="en-US" dirty="0"/>
-              <a:t>10/23/2019</a:t>
+              <a:t>10/26/2019</a:t>
             </a:fld>
             <a:endParaRPr lang="en-US" dirty="0"/>
           </a:p>
@@ -3539,7 +3600,7 @@
           <a:p>
             <a:fld id="{4509A250-FF31-4206-8172-F9D3106AACB1}" type="datetimeFigureOut">
               <a:rPr lang="en-US" dirty="0"/>
-              <a:t>10/23/2019</a:t>
+              <a:t>10/26/2019</a:t>
             </a:fld>
             <a:endParaRPr lang="en-US" dirty="0"/>
           </a:p>
@@ -3826,7 +3887,7 @@
           <a:p>
             <a:fld id="{4509A250-FF31-4206-8172-F9D3106AACB1}" type="datetimeFigureOut">
               <a:rPr lang="en-US" dirty="0"/>
-              <a:t>10/23/2019</a:t>
+              <a:t>10/26/2019</a:t>
             </a:fld>
             <a:endParaRPr lang="en-US" dirty="0"/>
           </a:p>
@@ -4259,7 +4320,7 @@
           <a:p>
             <a:fld id="{4509A250-FF31-4206-8172-F9D3106AACB1}" type="datetimeFigureOut">
               <a:rPr lang="en-US" dirty="0"/>
-              <a:t>10/23/2019</a:t>
+              <a:t>10/26/2019</a:t>
             </a:fld>
             <a:endParaRPr lang="en-US" dirty="0"/>
           </a:p>
@@ -4372,7 +4433,7 @@
           <a:p>
             <a:fld id="{4509A250-FF31-4206-8172-F9D3106AACB1}" type="datetimeFigureOut">
               <a:rPr lang="en-US" dirty="0"/>
-              <a:t>10/23/2019</a:t>
+              <a:t>10/26/2019</a:t>
             </a:fld>
             <a:endParaRPr lang="en-US" dirty="0"/>
           </a:p>
@@ -4462,7 +4523,7 @@
           <a:p>
             <a:fld id="{4509A250-FF31-4206-8172-F9D3106AACB1}" type="datetimeFigureOut">
               <a:rPr lang="en-US" dirty="0"/>
-              <a:t>10/23/2019</a:t>
+              <a:t>10/26/2019</a:t>
             </a:fld>
             <a:endParaRPr lang="en-US" dirty="0"/>
           </a:p>
@@ -4736,7 +4797,7 @@
           <a:p>
             <a:fld id="{4509A250-FF31-4206-8172-F9D3106AACB1}" type="datetimeFigureOut">
               <a:rPr lang="en-US" dirty="0"/>
-              <a:t>10/23/2019</a:t>
+              <a:t>10/26/2019</a:t>
             </a:fld>
             <a:endParaRPr lang="en-US" dirty="0"/>
           </a:p>
@@ -5006,7 +5067,7 @@
           <a:p>
             <a:fld id="{4509A250-FF31-4206-8172-F9D3106AACB1}" type="datetimeFigureOut">
               <a:rPr lang="en-US" dirty="0"/>
-              <a:t>10/23/2019</a:t>
+              <a:t>10/26/2019</a:t>
             </a:fld>
             <a:endParaRPr lang="en-US" dirty="0"/>
           </a:p>
@@ -5439,7 +5500,7 @@
           <a:p>
             <a:fld id="{4509A250-FF31-4206-8172-F9D3106AACB1}" type="datetimeFigureOut">
               <a:rPr lang="en-US" dirty="0"/>
-              <a:t>10/23/2019</a:t>
+              <a:t>10/26/2019</a:t>
             </a:fld>
             <a:endParaRPr lang="en-US" dirty="0"/>
           </a:p>
@@ -6197,6 +6258,3092 @@
 </p:sld>
 </file>
 
+<file path=ppt/slides/slide10.xml><?xml version="1.0" encoding="utf-8"?>
+<p:sld xmlns:a="http://schemas.openxmlformats.org/drawingml/2006/main" xmlns:r="http://schemas.openxmlformats.org/officeDocument/2006/relationships" xmlns:p="http://schemas.openxmlformats.org/presentationml/2006/main">
+  <p:cSld>
+    <p:spTree>
+      <p:nvGrpSpPr>
+        <p:cNvPr id="1" name=""/>
+        <p:cNvGrpSpPr/>
+        <p:nvPr/>
+      </p:nvGrpSpPr>
+      <p:grpSpPr>
+        <a:xfrm>
+          <a:off x="0" y="0"/>
+          <a:ext cx="0" cy="0"/>
+          <a:chOff x="0" y="0"/>
+          <a:chExt cx="0" cy="0"/>
+        </a:xfrm>
+      </p:grpSpPr>
+      <p:sp>
+        <p:nvSpPr>
+          <p:cNvPr id="2" name="Title 1">
+            <a:extLst>
+              <a:ext uri="{FF2B5EF4-FFF2-40B4-BE49-F238E27FC236}">
+                <a16:creationId xmlns:a16="http://schemas.microsoft.com/office/drawing/2014/main" id="{69E16F7A-F582-42EF-9C1A-8B1F355B40A7}"/>
+              </a:ext>
+            </a:extLst>
+          </p:cNvPr>
+          <p:cNvSpPr>
+            <a:spLocks noGrp="1"/>
+          </p:cNvSpPr>
+          <p:nvPr>
+            <p:ph type="title"/>
+          </p:nvPr>
+        </p:nvSpPr>
+        <p:spPr/>
+        <p:txBody>
+          <a:bodyPr/>
+          <a:lstStyle/>
+          <a:p>
+            <a:r>
+              <a:rPr lang="en-GB" dirty="0"/>
+              <a:t>Lua: </a:t>
+            </a:r>
+            <a:r>
+              <a:rPr lang="en-GB" dirty="0" err="1"/>
+              <a:t>syntaxe</a:t>
+            </a:r>
+            <a:r>
+              <a:rPr lang="en-GB" dirty="0"/>
+              <a:t> 1/3</a:t>
+            </a:r>
+          </a:p>
+        </p:txBody>
+      </p:sp>
+      <p:sp>
+        <p:nvSpPr>
+          <p:cNvPr id="3" name="Content Placeholder 2">
+            <a:extLst>
+              <a:ext uri="{FF2B5EF4-FFF2-40B4-BE49-F238E27FC236}">
+                <a16:creationId xmlns:a16="http://schemas.microsoft.com/office/drawing/2014/main" id="{C5B3D6A7-8A71-4CF2-9254-3B68DDD4E5BC}"/>
+              </a:ext>
+            </a:extLst>
+          </p:cNvPr>
+          <p:cNvSpPr>
+            <a:spLocks noGrp="1"/>
+          </p:cNvSpPr>
+          <p:nvPr>
+            <p:ph idx="1"/>
+          </p:nvPr>
+        </p:nvSpPr>
+        <p:spPr/>
+        <p:txBody>
+          <a:bodyPr/>
+          <a:lstStyle/>
+          <a:p>
+            <a:r>
+              <a:rPr lang="en-GB" dirty="0">
+                <a:solidFill>
+                  <a:srgbClr val="C2C3C7"/>
+                </a:solidFill>
+              </a:rPr>
+              <a:t>A</a:t>
+            </a:r>
+            <a:r>
+              <a:rPr lang="en-GB" dirty="0"/>
+              <a:t>=</a:t>
+            </a:r>
+            <a:r>
+              <a:rPr lang="en-GB" dirty="0">
+                <a:solidFill>
+                  <a:srgbClr val="29ADFF"/>
+                </a:solidFill>
+              </a:rPr>
+              <a:t>2</a:t>
+            </a:r>
+            <a:r>
+              <a:rPr lang="en-GB" dirty="0"/>
+              <a:t> </a:t>
+            </a:r>
+            <a:r>
+              <a:rPr lang="en-GB" dirty="0">
+                <a:solidFill>
+                  <a:srgbClr val="C2C3C7"/>
+                </a:solidFill>
+              </a:rPr>
+              <a:t>P</a:t>
+            </a:r>
+            <a:r>
+              <a:rPr lang="en-GB" dirty="0"/>
+              <a:t>=</a:t>
+            </a:r>
+            <a:r>
+              <a:rPr lang="en-GB" dirty="0">
+                <a:solidFill>
+                  <a:srgbClr val="C2C3C7"/>
+                </a:solidFill>
+              </a:rPr>
+              <a:t>F</a:t>
+            </a:r>
+            <a:r>
+              <a:rPr lang="en-GB" dirty="0"/>
+              <a:t>(</a:t>
+            </a:r>
+            <a:r>
+              <a:rPr lang="en-GB" dirty="0">
+                <a:solidFill>
+                  <a:srgbClr val="C2C3C7"/>
+                </a:solidFill>
+              </a:rPr>
+              <a:t>X</a:t>
+            </a:r>
+            <a:r>
+              <a:rPr lang="en-GB" dirty="0"/>
+              <a:t>)</a:t>
+            </a:r>
+            <a:r>
+              <a:rPr lang="en-GB" dirty="0">
+                <a:solidFill>
+                  <a:srgbClr val="C2C3C7"/>
+                </a:solidFill>
+              </a:rPr>
+              <a:t>Z</a:t>
+            </a:r>
+            <a:r>
+              <a:rPr lang="en-GB" dirty="0"/>
+              <a:t>=</a:t>
+            </a:r>
+            <a:r>
+              <a:rPr lang="en-GB" dirty="0">
+                <a:solidFill>
+                  <a:srgbClr val="29ADFF"/>
+                </a:solidFill>
+              </a:rPr>
+              <a:t>3.5</a:t>
+            </a:r>
+          </a:p>
+          <a:p>
+            <a:r>
+              <a:rPr lang="en-GB" dirty="0">
+                <a:solidFill>
+                  <a:srgbClr val="C2C3C7"/>
+                </a:solidFill>
+              </a:rPr>
+              <a:t>A</a:t>
+            </a:r>
+            <a:r>
+              <a:rPr lang="en-GB" dirty="0"/>
+              <a:t>,</a:t>
+            </a:r>
+            <a:r>
+              <a:rPr lang="en-GB" dirty="0">
+                <a:solidFill>
+                  <a:srgbClr val="C2C3C7"/>
+                </a:solidFill>
+              </a:rPr>
+              <a:t>B</a:t>
+            </a:r>
+            <a:r>
+              <a:rPr lang="en-GB" dirty="0"/>
+              <a:t>=</a:t>
+            </a:r>
+            <a:r>
+              <a:rPr lang="en-GB" dirty="0">
+                <a:solidFill>
+                  <a:srgbClr val="29ADFF"/>
+                </a:solidFill>
+              </a:rPr>
+              <a:t>12</a:t>
+            </a:r>
+            <a:r>
+              <a:rPr lang="en-GB" dirty="0"/>
+              <a:t>,</a:t>
+            </a:r>
+            <a:r>
+              <a:rPr lang="en-GB" dirty="0">
+                <a:solidFill>
+                  <a:srgbClr val="C2C3C7"/>
+                </a:solidFill>
+              </a:rPr>
+              <a:t>A</a:t>
+            </a:r>
+            <a:r>
+              <a:rPr lang="en-GB" dirty="0"/>
+              <a:t>+</a:t>
+            </a:r>
+            <a:r>
+              <a:rPr lang="en-GB" dirty="0">
+                <a:solidFill>
+                  <a:srgbClr val="29ADFF"/>
+                </a:solidFill>
+              </a:rPr>
+              <a:t>5</a:t>
+            </a:r>
+          </a:p>
+          <a:p>
+            <a:r>
+              <a:rPr lang="en-GB" dirty="0"/>
+              <a:t>pas </a:t>
+            </a:r>
+            <a:r>
+              <a:rPr lang="en-GB" dirty="0" err="1"/>
+              <a:t>besoin</a:t>
+            </a:r>
+            <a:r>
+              <a:rPr lang="en-GB" dirty="0"/>
+              <a:t> de ";"</a:t>
+            </a:r>
+          </a:p>
+          <a:p>
+            <a:r>
+              <a:rPr lang="en-GB" dirty="0">
+                <a:solidFill>
+                  <a:srgbClr val="FF76A7"/>
+                </a:solidFill>
+              </a:rPr>
+              <a:t>END</a:t>
+            </a:r>
+            <a:r>
+              <a:rPr lang="en-GB" dirty="0"/>
+              <a:t> pour </a:t>
+            </a:r>
+            <a:r>
+              <a:rPr lang="en-GB" dirty="0" err="1"/>
+              <a:t>finir</a:t>
+            </a:r>
+            <a:r>
+              <a:rPr lang="en-GB" dirty="0"/>
+              <a:t> un bloc</a:t>
+            </a:r>
+          </a:p>
+          <a:p>
+            <a:r>
+              <a:rPr lang="en-GB" dirty="0">
+                <a:solidFill>
+                  <a:srgbClr val="83769C"/>
+                </a:solidFill>
+              </a:rPr>
+              <a:t>-- </a:t>
+            </a:r>
+            <a:r>
+              <a:rPr lang="en-GB" dirty="0" err="1">
+                <a:solidFill>
+                  <a:srgbClr val="83769C"/>
+                </a:solidFill>
+              </a:rPr>
+              <a:t>commentaires</a:t>
+            </a:r>
+            <a:endParaRPr lang="en-GB" dirty="0">
+              <a:solidFill>
+                <a:srgbClr val="83769C"/>
+              </a:solidFill>
+            </a:endParaRPr>
+          </a:p>
+          <a:p>
+            <a:r>
+              <a:rPr lang="en-GB" dirty="0">
+                <a:solidFill>
+                  <a:srgbClr val="83769C"/>
+                </a:solidFill>
+              </a:rPr>
+              <a:t>// </a:t>
+            </a:r>
+            <a:r>
+              <a:rPr lang="en-GB" dirty="0" err="1">
+                <a:solidFill>
+                  <a:srgbClr val="83769C"/>
+                </a:solidFill>
+              </a:rPr>
+              <a:t>marche</a:t>
+            </a:r>
+            <a:r>
+              <a:rPr lang="en-GB" dirty="0">
+                <a:solidFill>
+                  <a:srgbClr val="83769C"/>
+                </a:solidFill>
+              </a:rPr>
+              <a:t> </a:t>
+            </a:r>
+            <a:r>
+              <a:rPr lang="en-GB" dirty="0" err="1">
+                <a:solidFill>
+                  <a:srgbClr val="83769C"/>
+                </a:solidFill>
+              </a:rPr>
+              <a:t>aussi</a:t>
+            </a:r>
+            <a:endParaRPr lang="en-GB" dirty="0">
+              <a:solidFill>
+                <a:srgbClr val="83769C"/>
+              </a:solidFill>
+            </a:endParaRPr>
+          </a:p>
+        </p:txBody>
+      </p:sp>
+    </p:spTree>
+    <p:extLst>
+      <p:ext uri="{BB962C8B-B14F-4D97-AF65-F5344CB8AC3E}">
+        <p14:creationId xmlns:p14="http://schemas.microsoft.com/office/powerpoint/2010/main" val="1983614278"/>
+      </p:ext>
+    </p:extLst>
+  </p:cSld>
+  <p:clrMapOvr>
+    <a:masterClrMapping/>
+  </p:clrMapOvr>
+</p:sld>
+</file>
+
+<file path=ppt/slides/slide11.xml><?xml version="1.0" encoding="utf-8"?>
+<p:sld xmlns:a="http://schemas.openxmlformats.org/drawingml/2006/main" xmlns:r="http://schemas.openxmlformats.org/officeDocument/2006/relationships" xmlns:p="http://schemas.openxmlformats.org/presentationml/2006/main">
+  <p:cSld>
+    <p:spTree>
+      <p:nvGrpSpPr>
+        <p:cNvPr id="1" name=""/>
+        <p:cNvGrpSpPr/>
+        <p:nvPr/>
+      </p:nvGrpSpPr>
+      <p:grpSpPr>
+        <a:xfrm>
+          <a:off x="0" y="0"/>
+          <a:ext cx="0" cy="0"/>
+          <a:chOff x="0" y="0"/>
+          <a:chExt cx="0" cy="0"/>
+        </a:xfrm>
+      </p:grpSpPr>
+      <p:sp>
+        <p:nvSpPr>
+          <p:cNvPr id="2" name="Title 1">
+            <a:extLst>
+              <a:ext uri="{FF2B5EF4-FFF2-40B4-BE49-F238E27FC236}">
+                <a16:creationId xmlns:a16="http://schemas.microsoft.com/office/drawing/2014/main" id="{69E16F7A-F582-42EF-9C1A-8B1F355B40A7}"/>
+              </a:ext>
+            </a:extLst>
+          </p:cNvPr>
+          <p:cNvSpPr>
+            <a:spLocks noGrp="1"/>
+          </p:cNvSpPr>
+          <p:nvPr>
+            <p:ph type="title"/>
+          </p:nvPr>
+        </p:nvSpPr>
+        <p:spPr/>
+        <p:txBody>
+          <a:bodyPr/>
+          <a:lstStyle/>
+          <a:p>
+            <a:r>
+              <a:rPr lang="en-GB" dirty="0"/>
+              <a:t>Lua: </a:t>
+            </a:r>
+            <a:r>
+              <a:rPr lang="en-GB" dirty="0" err="1"/>
+              <a:t>syntaxe</a:t>
+            </a:r>
+            <a:r>
+              <a:rPr lang="en-GB" dirty="0"/>
+              <a:t> 2/3</a:t>
+            </a:r>
+          </a:p>
+        </p:txBody>
+      </p:sp>
+      <p:sp>
+        <p:nvSpPr>
+          <p:cNvPr id="3" name="Content Placeholder 2">
+            <a:extLst>
+              <a:ext uri="{FF2B5EF4-FFF2-40B4-BE49-F238E27FC236}">
+                <a16:creationId xmlns:a16="http://schemas.microsoft.com/office/drawing/2014/main" id="{C5B3D6A7-8A71-4CF2-9254-3B68DDD4E5BC}"/>
+              </a:ext>
+            </a:extLst>
+          </p:cNvPr>
+          <p:cNvSpPr>
+            <a:spLocks noGrp="1"/>
+          </p:cNvSpPr>
+          <p:nvPr>
+            <p:ph idx="1"/>
+          </p:nvPr>
+        </p:nvSpPr>
+        <p:spPr/>
+        <p:txBody>
+          <a:bodyPr>
+            <a:normAutofit lnSpcReduction="10000"/>
+          </a:bodyPr>
+          <a:lstStyle/>
+          <a:p>
+            <a:r>
+              <a:rPr lang="en-GB" dirty="0">
+                <a:solidFill>
+                  <a:srgbClr val="FF76A7"/>
+                </a:solidFill>
+              </a:rPr>
+              <a:t>IF</a:t>
+            </a:r>
+            <a:r>
+              <a:rPr lang="en-GB" dirty="0"/>
+              <a:t> </a:t>
+            </a:r>
+            <a:r>
+              <a:rPr lang="en-GB" dirty="0">
+                <a:solidFill>
+                  <a:srgbClr val="C2C3C7"/>
+                </a:solidFill>
+              </a:rPr>
+              <a:t>A</a:t>
+            </a:r>
+            <a:r>
+              <a:rPr lang="en-GB" dirty="0"/>
+              <a:t>==</a:t>
+            </a:r>
+            <a:r>
+              <a:rPr lang="en-GB" dirty="0">
+                <a:solidFill>
+                  <a:srgbClr val="29ADFF"/>
+                </a:solidFill>
+              </a:rPr>
+              <a:t>1</a:t>
+            </a:r>
+            <a:r>
+              <a:rPr lang="en-GB" dirty="0"/>
+              <a:t> </a:t>
+            </a:r>
+            <a:r>
+              <a:rPr lang="en-GB" dirty="0">
+                <a:solidFill>
+                  <a:srgbClr val="FF76A7"/>
+                </a:solidFill>
+              </a:rPr>
+              <a:t>THEN</a:t>
+            </a:r>
+            <a:r>
+              <a:rPr lang="en-GB" dirty="0">
+                <a:solidFill>
+                  <a:srgbClr val="83769C"/>
+                </a:solidFill>
+              </a:rPr>
+              <a:t> *****</a:t>
+            </a:r>
+            <a:r>
+              <a:rPr lang="en-GB" dirty="0"/>
+              <a:t> </a:t>
+            </a:r>
+            <a:r>
+              <a:rPr lang="en-GB" dirty="0">
+                <a:solidFill>
+                  <a:srgbClr val="FF76A7"/>
+                </a:solidFill>
+              </a:rPr>
+              <a:t>END</a:t>
+            </a:r>
+          </a:p>
+          <a:p>
+            <a:r>
+              <a:rPr lang="en-GB" dirty="0">
+                <a:solidFill>
+                  <a:srgbClr val="FF76A7"/>
+                </a:solidFill>
+              </a:rPr>
+              <a:t>IF</a:t>
+            </a:r>
+            <a:r>
+              <a:rPr lang="en-GB" dirty="0"/>
+              <a:t> </a:t>
+            </a:r>
+            <a:r>
+              <a:rPr lang="en-GB" dirty="0">
+                <a:solidFill>
+                  <a:srgbClr val="C2C3C7"/>
+                </a:solidFill>
+              </a:rPr>
+              <a:t>A</a:t>
+            </a:r>
+            <a:r>
+              <a:rPr lang="en-GB" dirty="0"/>
+              <a:t>==</a:t>
+            </a:r>
+            <a:r>
+              <a:rPr lang="en-GB" dirty="0">
+                <a:solidFill>
+                  <a:srgbClr val="29ADFF"/>
+                </a:solidFill>
+              </a:rPr>
+              <a:t>1</a:t>
+            </a:r>
+            <a:r>
+              <a:rPr lang="en-GB" dirty="0"/>
+              <a:t> </a:t>
+            </a:r>
+            <a:r>
+              <a:rPr lang="en-GB" dirty="0">
+                <a:solidFill>
+                  <a:srgbClr val="FF76A7"/>
+                </a:solidFill>
+              </a:rPr>
+              <a:t>THEN</a:t>
+            </a:r>
+            <a:r>
+              <a:rPr lang="en-GB" dirty="0"/>
+              <a:t> </a:t>
+            </a:r>
+            <a:r>
+              <a:rPr lang="en-GB" dirty="0">
+                <a:solidFill>
+                  <a:srgbClr val="83769C"/>
+                </a:solidFill>
+              </a:rPr>
+              <a:t>*****</a:t>
+            </a:r>
+            <a:br>
+              <a:rPr lang="en-GB" dirty="0"/>
+            </a:br>
+            <a:r>
+              <a:rPr lang="en-GB" dirty="0"/>
+              <a:t>  </a:t>
+            </a:r>
+            <a:r>
+              <a:rPr lang="en-GB" dirty="0">
+                <a:solidFill>
+                  <a:srgbClr val="FF76A7"/>
+                </a:solidFill>
+              </a:rPr>
+              <a:t>ELSE</a:t>
+            </a:r>
+            <a:r>
+              <a:rPr lang="en-GB" dirty="0"/>
+              <a:t> </a:t>
+            </a:r>
+            <a:r>
+              <a:rPr lang="en-GB" dirty="0">
+                <a:solidFill>
+                  <a:srgbClr val="83769C"/>
+                </a:solidFill>
+              </a:rPr>
+              <a:t>*****</a:t>
+            </a:r>
+            <a:r>
+              <a:rPr lang="en-GB" dirty="0"/>
+              <a:t> </a:t>
+            </a:r>
+            <a:r>
+              <a:rPr lang="en-GB" dirty="0">
+                <a:solidFill>
+                  <a:srgbClr val="FF76A7"/>
+                </a:solidFill>
+              </a:rPr>
+              <a:t>END</a:t>
+            </a:r>
+          </a:p>
+          <a:p>
+            <a:r>
+              <a:rPr lang="en-GB" dirty="0">
+                <a:solidFill>
+                  <a:srgbClr val="FF76A7"/>
+                </a:solidFill>
+              </a:rPr>
+              <a:t>IF</a:t>
+            </a:r>
+            <a:r>
+              <a:rPr lang="en-GB" dirty="0"/>
+              <a:t> </a:t>
+            </a:r>
+            <a:r>
+              <a:rPr lang="en-GB" dirty="0">
+                <a:solidFill>
+                  <a:srgbClr val="C2C3C7"/>
+                </a:solidFill>
+              </a:rPr>
+              <a:t>A</a:t>
+            </a:r>
+            <a:r>
+              <a:rPr lang="en-GB" dirty="0"/>
+              <a:t>==</a:t>
+            </a:r>
+            <a:r>
+              <a:rPr lang="en-GB" dirty="0">
+                <a:solidFill>
+                  <a:srgbClr val="29ADFF"/>
+                </a:solidFill>
+              </a:rPr>
+              <a:t>1</a:t>
+            </a:r>
+            <a:r>
+              <a:rPr lang="en-GB" dirty="0"/>
+              <a:t> </a:t>
+            </a:r>
+            <a:r>
+              <a:rPr lang="en-GB" dirty="0">
+                <a:solidFill>
+                  <a:srgbClr val="FF76A7"/>
+                </a:solidFill>
+              </a:rPr>
+              <a:t>THEN</a:t>
+            </a:r>
+            <a:r>
+              <a:rPr lang="en-GB" dirty="0"/>
+              <a:t> </a:t>
+            </a:r>
+            <a:r>
+              <a:rPr lang="en-GB" dirty="0">
+                <a:solidFill>
+                  <a:srgbClr val="83769C"/>
+                </a:solidFill>
+              </a:rPr>
+              <a:t>*****</a:t>
+            </a:r>
+            <a:br>
+              <a:rPr lang="en-GB" dirty="0"/>
+            </a:br>
+            <a:r>
+              <a:rPr lang="en-GB" dirty="0"/>
+              <a:t>  </a:t>
+            </a:r>
+            <a:r>
+              <a:rPr lang="en-GB" dirty="0">
+                <a:solidFill>
+                  <a:srgbClr val="FF76A7"/>
+                </a:solidFill>
+              </a:rPr>
+              <a:t>ELSEIF</a:t>
+            </a:r>
+            <a:r>
+              <a:rPr lang="en-GB" dirty="0"/>
+              <a:t> </a:t>
+            </a:r>
+            <a:r>
+              <a:rPr lang="en-GB" dirty="0">
+                <a:solidFill>
+                  <a:srgbClr val="C2C3C7"/>
+                </a:solidFill>
+              </a:rPr>
+              <a:t>A</a:t>
+            </a:r>
+            <a:r>
+              <a:rPr lang="en-GB" dirty="0"/>
+              <a:t>==</a:t>
+            </a:r>
+            <a:r>
+              <a:rPr lang="en-GB" dirty="0">
+                <a:solidFill>
+                  <a:srgbClr val="29ADFF"/>
+                </a:solidFill>
+              </a:rPr>
+              <a:t>2</a:t>
+            </a:r>
+            <a:r>
+              <a:rPr lang="en-GB" dirty="0"/>
+              <a:t> </a:t>
+            </a:r>
+            <a:r>
+              <a:rPr lang="en-GB" dirty="0">
+                <a:solidFill>
+                  <a:srgbClr val="FF76A7"/>
+                </a:solidFill>
+              </a:rPr>
+              <a:t>THEN</a:t>
+            </a:r>
+            <a:r>
+              <a:rPr lang="en-GB" dirty="0"/>
+              <a:t> </a:t>
+            </a:r>
+            <a:r>
+              <a:rPr lang="en-GB" dirty="0">
+                <a:solidFill>
+                  <a:srgbClr val="83769C"/>
+                </a:solidFill>
+              </a:rPr>
+              <a:t>*****</a:t>
+            </a:r>
+            <a:br>
+              <a:rPr lang="en-GB" dirty="0"/>
+            </a:br>
+            <a:r>
+              <a:rPr lang="en-GB" dirty="0"/>
+              <a:t>  </a:t>
+            </a:r>
+            <a:r>
+              <a:rPr lang="en-GB" dirty="0">
+                <a:solidFill>
+                  <a:srgbClr val="FF76A7"/>
+                </a:solidFill>
+              </a:rPr>
+              <a:t>ELSE</a:t>
+            </a:r>
+            <a:r>
+              <a:rPr lang="en-GB" dirty="0"/>
+              <a:t> </a:t>
+            </a:r>
+            <a:r>
+              <a:rPr lang="en-GB" dirty="0">
+                <a:solidFill>
+                  <a:srgbClr val="83769C"/>
+                </a:solidFill>
+              </a:rPr>
+              <a:t>*****</a:t>
+            </a:r>
+            <a:r>
+              <a:rPr lang="en-GB" dirty="0"/>
+              <a:t> </a:t>
+            </a:r>
+            <a:r>
+              <a:rPr lang="en-GB" dirty="0">
+                <a:solidFill>
+                  <a:srgbClr val="FF76A7"/>
+                </a:solidFill>
+              </a:rPr>
+              <a:t>END</a:t>
+            </a:r>
+          </a:p>
+          <a:p>
+            <a:r>
+              <a:rPr lang="en-GB" dirty="0">
+                <a:solidFill>
+                  <a:srgbClr val="FF76A7"/>
+                </a:solidFill>
+              </a:rPr>
+              <a:t>IF</a:t>
+            </a:r>
+            <a:r>
+              <a:rPr lang="en-GB" dirty="0"/>
+              <a:t> (</a:t>
+            </a:r>
+            <a:r>
+              <a:rPr lang="en-GB" dirty="0">
+                <a:solidFill>
+                  <a:srgbClr val="C2C3C7"/>
+                </a:solidFill>
+              </a:rPr>
+              <a:t>A</a:t>
+            </a:r>
+            <a:r>
+              <a:rPr lang="en-GB" dirty="0"/>
+              <a:t>==</a:t>
+            </a:r>
+            <a:r>
+              <a:rPr lang="en-GB" dirty="0">
+                <a:solidFill>
+                  <a:srgbClr val="29ADFF"/>
+                </a:solidFill>
+              </a:rPr>
+              <a:t>1</a:t>
+            </a:r>
+            <a:r>
+              <a:rPr lang="en-GB" dirty="0"/>
+              <a:t>)</a:t>
+            </a:r>
+            <a:r>
+              <a:rPr lang="en-GB" dirty="0">
+                <a:solidFill>
+                  <a:srgbClr val="29ADFF"/>
+                </a:solidFill>
+              </a:rPr>
+              <a:t> </a:t>
+            </a:r>
+            <a:r>
+              <a:rPr lang="en-GB" dirty="0">
+                <a:solidFill>
+                  <a:srgbClr val="83769C"/>
+                </a:solidFill>
+              </a:rPr>
+              <a:t>*****</a:t>
+            </a:r>
+            <a:endParaRPr lang="en-GB" dirty="0">
+              <a:solidFill>
+                <a:srgbClr val="FF76A7"/>
+              </a:solidFill>
+            </a:endParaRPr>
+          </a:p>
+        </p:txBody>
+      </p:sp>
+    </p:spTree>
+    <p:extLst>
+      <p:ext uri="{BB962C8B-B14F-4D97-AF65-F5344CB8AC3E}">
+        <p14:creationId xmlns:p14="http://schemas.microsoft.com/office/powerpoint/2010/main" val="2582991776"/>
+      </p:ext>
+    </p:extLst>
+  </p:cSld>
+  <p:clrMapOvr>
+    <a:masterClrMapping/>
+  </p:clrMapOvr>
+</p:sld>
+</file>
+
+<file path=ppt/slides/slide12.xml><?xml version="1.0" encoding="utf-8"?>
+<p:sld xmlns:a="http://schemas.openxmlformats.org/drawingml/2006/main" xmlns:r="http://schemas.openxmlformats.org/officeDocument/2006/relationships" xmlns:p="http://schemas.openxmlformats.org/presentationml/2006/main">
+  <p:cSld>
+    <p:spTree>
+      <p:nvGrpSpPr>
+        <p:cNvPr id="1" name=""/>
+        <p:cNvGrpSpPr/>
+        <p:nvPr/>
+      </p:nvGrpSpPr>
+      <p:grpSpPr>
+        <a:xfrm>
+          <a:off x="0" y="0"/>
+          <a:ext cx="0" cy="0"/>
+          <a:chOff x="0" y="0"/>
+          <a:chExt cx="0" cy="0"/>
+        </a:xfrm>
+      </p:grpSpPr>
+      <p:sp>
+        <p:nvSpPr>
+          <p:cNvPr id="2" name="Title 1">
+            <a:extLst>
+              <a:ext uri="{FF2B5EF4-FFF2-40B4-BE49-F238E27FC236}">
+                <a16:creationId xmlns:a16="http://schemas.microsoft.com/office/drawing/2014/main" id="{69E16F7A-F582-42EF-9C1A-8B1F355B40A7}"/>
+              </a:ext>
+            </a:extLst>
+          </p:cNvPr>
+          <p:cNvSpPr>
+            <a:spLocks noGrp="1"/>
+          </p:cNvSpPr>
+          <p:nvPr>
+            <p:ph type="title"/>
+          </p:nvPr>
+        </p:nvSpPr>
+        <p:spPr/>
+        <p:txBody>
+          <a:bodyPr/>
+          <a:lstStyle/>
+          <a:p>
+            <a:r>
+              <a:rPr lang="en-GB" dirty="0"/>
+              <a:t>Lua: </a:t>
+            </a:r>
+            <a:r>
+              <a:rPr lang="en-GB" dirty="0" err="1"/>
+              <a:t>syntaxe</a:t>
+            </a:r>
+            <a:r>
+              <a:rPr lang="en-GB" dirty="0"/>
+              <a:t> 3/3</a:t>
+            </a:r>
+          </a:p>
+        </p:txBody>
+      </p:sp>
+      <p:sp>
+        <p:nvSpPr>
+          <p:cNvPr id="3" name="Content Placeholder 2">
+            <a:extLst>
+              <a:ext uri="{FF2B5EF4-FFF2-40B4-BE49-F238E27FC236}">
+                <a16:creationId xmlns:a16="http://schemas.microsoft.com/office/drawing/2014/main" id="{C5B3D6A7-8A71-4CF2-9254-3B68DDD4E5BC}"/>
+              </a:ext>
+            </a:extLst>
+          </p:cNvPr>
+          <p:cNvSpPr>
+            <a:spLocks noGrp="1"/>
+          </p:cNvSpPr>
+          <p:nvPr>
+            <p:ph idx="1"/>
+          </p:nvPr>
+        </p:nvSpPr>
+        <p:spPr>
+          <a:xfrm>
+            <a:off x="1103312" y="2052918"/>
+            <a:ext cx="9297115" cy="4195481"/>
+          </a:xfrm>
+        </p:spPr>
+        <p:txBody>
+          <a:bodyPr>
+            <a:normAutofit/>
+          </a:bodyPr>
+          <a:lstStyle/>
+          <a:p>
+            <a:r>
+              <a:rPr lang="en-GB" dirty="0">
+                <a:solidFill>
+                  <a:srgbClr val="FF76A7"/>
+                </a:solidFill>
+              </a:rPr>
+              <a:t>FOR</a:t>
+            </a:r>
+            <a:r>
+              <a:rPr lang="en-GB" dirty="0"/>
+              <a:t> </a:t>
+            </a:r>
+            <a:r>
+              <a:rPr lang="en-GB" dirty="0">
+                <a:solidFill>
+                  <a:srgbClr val="C2C3C7"/>
+                </a:solidFill>
+              </a:rPr>
+              <a:t>X</a:t>
+            </a:r>
+            <a:r>
+              <a:rPr lang="en-GB" dirty="0"/>
+              <a:t>=</a:t>
+            </a:r>
+            <a:r>
+              <a:rPr lang="en-GB" dirty="0">
+                <a:solidFill>
+                  <a:srgbClr val="29ADFF"/>
+                </a:solidFill>
+              </a:rPr>
+              <a:t>1</a:t>
+            </a:r>
+            <a:r>
+              <a:rPr lang="en-GB" dirty="0"/>
+              <a:t>,</a:t>
+            </a:r>
+            <a:r>
+              <a:rPr lang="en-GB" dirty="0">
+                <a:solidFill>
+                  <a:srgbClr val="29ADFF"/>
+                </a:solidFill>
+              </a:rPr>
+              <a:t>10</a:t>
+            </a:r>
+            <a:r>
+              <a:rPr lang="en-GB" dirty="0"/>
+              <a:t> </a:t>
+            </a:r>
+            <a:r>
+              <a:rPr lang="en-GB" dirty="0">
+                <a:solidFill>
+                  <a:srgbClr val="FF76A7"/>
+                </a:solidFill>
+              </a:rPr>
+              <a:t>DO</a:t>
+            </a:r>
+            <a:r>
+              <a:rPr lang="en-GB" dirty="0">
+                <a:solidFill>
+                  <a:srgbClr val="83769C"/>
+                </a:solidFill>
+              </a:rPr>
+              <a:t> *****</a:t>
+            </a:r>
+            <a:r>
+              <a:rPr lang="en-GB" dirty="0"/>
+              <a:t> </a:t>
+            </a:r>
+            <a:r>
+              <a:rPr lang="en-GB" dirty="0">
+                <a:solidFill>
+                  <a:srgbClr val="FF76A7"/>
+                </a:solidFill>
+              </a:rPr>
+              <a:t>END</a:t>
+            </a:r>
+          </a:p>
+          <a:p>
+            <a:r>
+              <a:rPr lang="en-GB" dirty="0">
+                <a:solidFill>
+                  <a:srgbClr val="FF76A7"/>
+                </a:solidFill>
+              </a:rPr>
+              <a:t>FOR</a:t>
+            </a:r>
+            <a:r>
+              <a:rPr lang="en-GB" dirty="0"/>
+              <a:t> </a:t>
+            </a:r>
+            <a:r>
+              <a:rPr lang="en-GB" dirty="0">
+                <a:solidFill>
+                  <a:srgbClr val="C2C3C7"/>
+                </a:solidFill>
+              </a:rPr>
+              <a:t>X</a:t>
+            </a:r>
+            <a:r>
+              <a:rPr lang="en-GB" dirty="0"/>
+              <a:t>=</a:t>
+            </a:r>
+            <a:r>
+              <a:rPr lang="en-GB" dirty="0">
+                <a:solidFill>
+                  <a:srgbClr val="29ADFF"/>
+                </a:solidFill>
+              </a:rPr>
+              <a:t>10</a:t>
+            </a:r>
+            <a:r>
+              <a:rPr lang="en-GB" dirty="0"/>
+              <a:t>,</a:t>
+            </a:r>
+            <a:r>
+              <a:rPr lang="en-GB" dirty="0">
+                <a:solidFill>
+                  <a:srgbClr val="29ADFF"/>
+                </a:solidFill>
+              </a:rPr>
+              <a:t>1</a:t>
+            </a:r>
+            <a:r>
+              <a:rPr lang="en-GB" dirty="0"/>
+              <a:t>,-</a:t>
+            </a:r>
+            <a:r>
+              <a:rPr lang="en-GB" dirty="0">
+                <a:solidFill>
+                  <a:srgbClr val="29ADFF"/>
+                </a:solidFill>
+              </a:rPr>
+              <a:t>1</a:t>
+            </a:r>
+            <a:r>
+              <a:rPr lang="en-GB" dirty="0"/>
+              <a:t> </a:t>
+            </a:r>
+            <a:r>
+              <a:rPr lang="en-GB" dirty="0">
+                <a:solidFill>
+                  <a:srgbClr val="FF76A7"/>
+                </a:solidFill>
+              </a:rPr>
+              <a:t>DO</a:t>
+            </a:r>
+            <a:r>
+              <a:rPr lang="en-GB" dirty="0">
+                <a:solidFill>
+                  <a:srgbClr val="83769C"/>
+                </a:solidFill>
+              </a:rPr>
+              <a:t> *****</a:t>
+            </a:r>
+            <a:r>
+              <a:rPr lang="en-GB" dirty="0"/>
+              <a:t> </a:t>
+            </a:r>
+            <a:r>
+              <a:rPr lang="en-GB" dirty="0">
+                <a:solidFill>
+                  <a:srgbClr val="FF76A7"/>
+                </a:solidFill>
+              </a:rPr>
+              <a:t>END</a:t>
+            </a:r>
+          </a:p>
+          <a:p>
+            <a:r>
+              <a:rPr lang="en-GB" dirty="0">
+                <a:solidFill>
+                  <a:srgbClr val="FF76A7"/>
+                </a:solidFill>
+              </a:rPr>
+              <a:t>WHILE </a:t>
+            </a:r>
+            <a:r>
+              <a:rPr lang="en-GB" dirty="0">
+                <a:solidFill>
+                  <a:srgbClr val="C2C3C7"/>
+                </a:solidFill>
+              </a:rPr>
+              <a:t>X</a:t>
+            </a:r>
+            <a:r>
+              <a:rPr lang="en-GB" dirty="0"/>
+              <a:t>&lt;</a:t>
+            </a:r>
+            <a:r>
+              <a:rPr lang="en-GB" dirty="0">
+                <a:solidFill>
+                  <a:srgbClr val="29ADFF"/>
+                </a:solidFill>
+              </a:rPr>
+              <a:t>10</a:t>
+            </a:r>
+            <a:r>
+              <a:rPr lang="en-GB" dirty="0"/>
+              <a:t> </a:t>
+            </a:r>
+            <a:r>
+              <a:rPr lang="en-GB" dirty="0">
+                <a:solidFill>
+                  <a:srgbClr val="FF76A7"/>
+                </a:solidFill>
+              </a:rPr>
+              <a:t>DO</a:t>
+            </a:r>
+            <a:r>
+              <a:rPr lang="en-GB" dirty="0">
+                <a:solidFill>
+                  <a:srgbClr val="83769C"/>
+                </a:solidFill>
+              </a:rPr>
+              <a:t> *****</a:t>
+            </a:r>
+            <a:r>
+              <a:rPr lang="en-GB" dirty="0"/>
+              <a:t> </a:t>
+            </a:r>
+            <a:r>
+              <a:rPr lang="en-GB" dirty="0">
+                <a:solidFill>
+                  <a:srgbClr val="FF76A7"/>
+                </a:solidFill>
+              </a:rPr>
+              <a:t>END</a:t>
+            </a:r>
+          </a:p>
+          <a:p>
+            <a:r>
+              <a:rPr lang="en-GB" dirty="0">
+                <a:solidFill>
+                  <a:srgbClr val="FF76A7"/>
+                </a:solidFill>
+              </a:rPr>
+              <a:t>REPEAT</a:t>
+            </a:r>
+            <a:r>
+              <a:rPr lang="en-GB" dirty="0">
+                <a:solidFill>
+                  <a:srgbClr val="83769C"/>
+                </a:solidFill>
+              </a:rPr>
+              <a:t> *****</a:t>
+            </a:r>
+            <a:r>
+              <a:rPr lang="en-GB" dirty="0"/>
+              <a:t> </a:t>
+            </a:r>
+            <a:r>
+              <a:rPr lang="en-GB" dirty="0">
+                <a:solidFill>
+                  <a:srgbClr val="FF76A7"/>
+                </a:solidFill>
+              </a:rPr>
+              <a:t>UNTIL </a:t>
+            </a:r>
+            <a:r>
+              <a:rPr lang="en-GB" dirty="0">
+                <a:solidFill>
+                  <a:srgbClr val="C2C3C7"/>
+                </a:solidFill>
+              </a:rPr>
+              <a:t>X</a:t>
+            </a:r>
+            <a:r>
+              <a:rPr lang="en-GB" dirty="0"/>
+              <a:t>==</a:t>
+            </a:r>
+            <a:r>
+              <a:rPr lang="en-GB" dirty="0">
+                <a:solidFill>
+                  <a:srgbClr val="29ADFF"/>
+                </a:solidFill>
+              </a:rPr>
+              <a:t>10 </a:t>
+            </a:r>
+            <a:r>
+              <a:rPr lang="en-GB" dirty="0">
+                <a:solidFill>
+                  <a:srgbClr val="FF76A7"/>
+                </a:solidFill>
+              </a:rPr>
+              <a:t>END</a:t>
+            </a:r>
+          </a:p>
+        </p:txBody>
+      </p:sp>
+    </p:spTree>
+    <p:extLst>
+      <p:ext uri="{BB962C8B-B14F-4D97-AF65-F5344CB8AC3E}">
+        <p14:creationId xmlns:p14="http://schemas.microsoft.com/office/powerpoint/2010/main" val="2320063167"/>
+      </p:ext>
+    </p:extLst>
+  </p:cSld>
+  <p:clrMapOvr>
+    <a:masterClrMapping/>
+  </p:clrMapOvr>
+</p:sld>
+</file>
+
+<file path=ppt/slides/slide13.xml><?xml version="1.0" encoding="utf-8"?>
+<p:sld xmlns:a="http://schemas.openxmlformats.org/drawingml/2006/main" xmlns:r="http://schemas.openxmlformats.org/officeDocument/2006/relationships" xmlns:p="http://schemas.openxmlformats.org/presentationml/2006/main">
+  <p:cSld>
+    <p:spTree>
+      <p:nvGrpSpPr>
+        <p:cNvPr id="1" name=""/>
+        <p:cNvGrpSpPr/>
+        <p:nvPr/>
+      </p:nvGrpSpPr>
+      <p:grpSpPr>
+        <a:xfrm>
+          <a:off x="0" y="0"/>
+          <a:ext cx="0" cy="0"/>
+          <a:chOff x="0" y="0"/>
+          <a:chExt cx="0" cy="0"/>
+        </a:xfrm>
+      </p:grpSpPr>
+      <p:sp>
+        <p:nvSpPr>
+          <p:cNvPr id="2" name="Title 1">
+            <a:extLst>
+              <a:ext uri="{FF2B5EF4-FFF2-40B4-BE49-F238E27FC236}">
+                <a16:creationId xmlns:a16="http://schemas.microsoft.com/office/drawing/2014/main" id="{69E16F7A-F582-42EF-9C1A-8B1F355B40A7}"/>
+              </a:ext>
+            </a:extLst>
+          </p:cNvPr>
+          <p:cNvSpPr>
+            <a:spLocks noGrp="1"/>
+          </p:cNvSpPr>
+          <p:nvPr>
+            <p:ph type="title"/>
+          </p:nvPr>
+        </p:nvSpPr>
+        <p:spPr/>
+        <p:txBody>
+          <a:bodyPr/>
+          <a:lstStyle/>
+          <a:p>
+            <a:r>
+              <a:rPr lang="en-GB" dirty="0"/>
+              <a:t>Lua: </a:t>
+            </a:r>
+            <a:r>
+              <a:rPr lang="en-GB" dirty="0" err="1"/>
+              <a:t>nombres</a:t>
+            </a:r>
+            <a:endParaRPr lang="en-GB" dirty="0"/>
+          </a:p>
+        </p:txBody>
+      </p:sp>
+      <p:sp>
+        <p:nvSpPr>
+          <p:cNvPr id="3" name="Content Placeholder 2">
+            <a:extLst>
+              <a:ext uri="{FF2B5EF4-FFF2-40B4-BE49-F238E27FC236}">
+                <a16:creationId xmlns:a16="http://schemas.microsoft.com/office/drawing/2014/main" id="{C5B3D6A7-8A71-4CF2-9254-3B68DDD4E5BC}"/>
+              </a:ext>
+            </a:extLst>
+          </p:cNvPr>
+          <p:cNvSpPr>
+            <a:spLocks noGrp="1"/>
+          </p:cNvSpPr>
+          <p:nvPr>
+            <p:ph idx="1"/>
+          </p:nvPr>
+        </p:nvSpPr>
+        <p:spPr/>
+        <p:txBody>
+          <a:bodyPr/>
+          <a:lstStyle/>
+          <a:p>
+            <a:r>
+              <a:rPr lang="en-GB" dirty="0"/>
+              <a:t>?</a:t>
+            </a:r>
+            <a:r>
+              <a:rPr lang="en-GB" dirty="0">
+                <a:solidFill>
+                  <a:srgbClr val="29ADFF"/>
+                </a:solidFill>
+              </a:rPr>
+              <a:t>123</a:t>
+            </a:r>
+          </a:p>
+          <a:p>
+            <a:r>
+              <a:rPr lang="en-GB" dirty="0"/>
+              <a:t>?</a:t>
+            </a:r>
+            <a:r>
+              <a:rPr lang="en-GB" dirty="0">
+                <a:solidFill>
+                  <a:srgbClr val="29ADFF"/>
+                </a:solidFill>
+              </a:rPr>
+              <a:t>1.5</a:t>
+            </a:r>
+            <a:r>
+              <a:rPr lang="en-GB" dirty="0"/>
+              <a:t>+</a:t>
+            </a:r>
+            <a:r>
+              <a:rPr lang="en-GB" dirty="0">
+                <a:solidFill>
+                  <a:srgbClr val="29ADFF"/>
+                </a:solidFill>
+              </a:rPr>
+              <a:t>12</a:t>
+            </a:r>
+          </a:p>
+          <a:p>
+            <a:r>
+              <a:rPr lang="en-GB" dirty="0"/>
+              <a:t>?</a:t>
+            </a:r>
+            <a:r>
+              <a:rPr lang="en-GB" dirty="0">
+                <a:solidFill>
+                  <a:srgbClr val="00E436"/>
+                </a:solidFill>
+              </a:rPr>
+              <a:t>MAX</a:t>
+            </a:r>
+            <a:r>
+              <a:rPr lang="en-GB" dirty="0"/>
+              <a:t>(</a:t>
+            </a:r>
+            <a:r>
+              <a:rPr lang="en-GB" dirty="0">
+                <a:solidFill>
+                  <a:srgbClr val="29ADFF"/>
+                </a:solidFill>
+              </a:rPr>
+              <a:t>4</a:t>
+            </a:r>
+            <a:r>
+              <a:rPr lang="en-GB" dirty="0"/>
+              <a:t>,</a:t>
+            </a:r>
+            <a:r>
+              <a:rPr lang="en-GB" dirty="0">
+                <a:solidFill>
+                  <a:srgbClr val="29ADFF"/>
+                </a:solidFill>
+              </a:rPr>
+              <a:t>8</a:t>
+            </a:r>
+            <a:r>
+              <a:rPr lang="en-GB" dirty="0"/>
+              <a:t>)</a:t>
+            </a:r>
+          </a:p>
+          <a:p>
+            <a:r>
+              <a:rPr lang="en-GB" dirty="0">
+                <a:solidFill>
+                  <a:srgbClr val="C2C3C7"/>
+                </a:solidFill>
+              </a:rPr>
+              <a:t>A</a:t>
+            </a:r>
+            <a:r>
+              <a:rPr lang="en-GB" dirty="0"/>
+              <a:t>=</a:t>
+            </a:r>
+            <a:r>
+              <a:rPr lang="en-GB" dirty="0">
+                <a:solidFill>
+                  <a:srgbClr val="29ADFF"/>
+                </a:solidFill>
+              </a:rPr>
+              <a:t>12</a:t>
+            </a:r>
+            <a:r>
+              <a:rPr lang="en-GB" dirty="0"/>
+              <a:t> </a:t>
+            </a:r>
+            <a:r>
+              <a:rPr lang="en-GB" dirty="0">
+                <a:solidFill>
+                  <a:srgbClr val="C2C3C7"/>
+                </a:solidFill>
+              </a:rPr>
+              <a:t>B</a:t>
+            </a:r>
+            <a:r>
+              <a:rPr lang="en-GB" dirty="0"/>
+              <a:t>=</a:t>
+            </a:r>
+            <a:r>
+              <a:rPr lang="en-GB" dirty="0">
+                <a:solidFill>
+                  <a:srgbClr val="29ADFF"/>
+                </a:solidFill>
+              </a:rPr>
+              <a:t>3</a:t>
+            </a:r>
+          </a:p>
+          <a:p>
+            <a:r>
+              <a:rPr lang="en-GB" dirty="0"/>
+              <a:t>?</a:t>
+            </a:r>
+            <a:r>
+              <a:rPr lang="en-GB" dirty="0">
+                <a:solidFill>
+                  <a:srgbClr val="C2C3C7"/>
+                </a:solidFill>
+              </a:rPr>
+              <a:t>A</a:t>
+            </a:r>
+            <a:r>
+              <a:rPr lang="en-GB" dirty="0"/>
+              <a:t>/</a:t>
+            </a:r>
+            <a:r>
+              <a:rPr lang="en-GB" dirty="0">
+                <a:solidFill>
+                  <a:srgbClr val="C2C3C7"/>
+                </a:solidFill>
+              </a:rPr>
+              <a:t>B</a:t>
+            </a:r>
+          </a:p>
+        </p:txBody>
+      </p:sp>
+    </p:spTree>
+    <p:extLst>
+      <p:ext uri="{BB962C8B-B14F-4D97-AF65-F5344CB8AC3E}">
+        <p14:creationId xmlns:p14="http://schemas.microsoft.com/office/powerpoint/2010/main" val="4012522049"/>
+      </p:ext>
+    </p:extLst>
+  </p:cSld>
+  <p:clrMapOvr>
+    <a:masterClrMapping/>
+  </p:clrMapOvr>
+</p:sld>
+</file>
+
+<file path=ppt/slides/slide14.xml><?xml version="1.0" encoding="utf-8"?>
+<p:sld xmlns:a="http://schemas.openxmlformats.org/drawingml/2006/main" xmlns:r="http://schemas.openxmlformats.org/officeDocument/2006/relationships" xmlns:p="http://schemas.openxmlformats.org/presentationml/2006/main">
+  <p:cSld>
+    <p:spTree>
+      <p:nvGrpSpPr>
+        <p:cNvPr id="1" name=""/>
+        <p:cNvGrpSpPr/>
+        <p:nvPr/>
+      </p:nvGrpSpPr>
+      <p:grpSpPr>
+        <a:xfrm>
+          <a:off x="0" y="0"/>
+          <a:ext cx="0" cy="0"/>
+          <a:chOff x="0" y="0"/>
+          <a:chExt cx="0" cy="0"/>
+        </a:xfrm>
+      </p:grpSpPr>
+      <p:sp>
+        <p:nvSpPr>
+          <p:cNvPr id="2" name="Title 1">
+            <a:extLst>
+              <a:ext uri="{FF2B5EF4-FFF2-40B4-BE49-F238E27FC236}">
+                <a16:creationId xmlns:a16="http://schemas.microsoft.com/office/drawing/2014/main" id="{0E9CD7E5-0672-4CF5-B64E-58F340C4A383}"/>
+              </a:ext>
+            </a:extLst>
+          </p:cNvPr>
+          <p:cNvSpPr>
+            <a:spLocks noGrp="1"/>
+          </p:cNvSpPr>
+          <p:nvPr>
+            <p:ph type="title"/>
+          </p:nvPr>
+        </p:nvSpPr>
+        <p:spPr/>
+        <p:txBody>
+          <a:bodyPr/>
+          <a:lstStyle/>
+          <a:p>
+            <a:r>
+              <a:rPr lang="en-GB" dirty="0"/>
+              <a:t>Lua: </a:t>
+            </a:r>
+            <a:r>
+              <a:rPr lang="en-GB" dirty="0" err="1"/>
+              <a:t>mathematiques</a:t>
+            </a:r>
+            <a:endParaRPr lang="en-GB" dirty="0"/>
+          </a:p>
+        </p:txBody>
+      </p:sp>
+      <p:sp>
+        <p:nvSpPr>
+          <p:cNvPr id="3" name="Content Placeholder 2">
+            <a:extLst>
+              <a:ext uri="{FF2B5EF4-FFF2-40B4-BE49-F238E27FC236}">
+                <a16:creationId xmlns:a16="http://schemas.microsoft.com/office/drawing/2014/main" id="{30DF1D39-DBB3-4430-AF5D-16F0312F38E2}"/>
+              </a:ext>
+            </a:extLst>
+          </p:cNvPr>
+          <p:cNvSpPr>
+            <a:spLocks noGrp="1"/>
+          </p:cNvSpPr>
+          <p:nvPr>
+            <p:ph idx="1"/>
+          </p:nvPr>
+        </p:nvSpPr>
+        <p:spPr/>
+        <p:txBody>
+          <a:bodyPr/>
+          <a:lstStyle/>
+          <a:p>
+            <a:r>
+              <a:rPr lang="en-GB" dirty="0"/>
+              <a:t>+  -  *  /  %  ^</a:t>
+            </a:r>
+          </a:p>
+          <a:p>
+            <a:r>
+              <a:rPr lang="en-GB" dirty="0"/>
+              <a:t>+=  -=  *=  /=</a:t>
+            </a:r>
+          </a:p>
+          <a:p>
+            <a:r>
+              <a:rPr lang="en-GB" dirty="0">
+                <a:solidFill>
+                  <a:srgbClr val="00E436"/>
+                </a:solidFill>
+              </a:rPr>
+              <a:t>MIN</a:t>
+            </a:r>
+            <a:r>
+              <a:rPr lang="en-GB" dirty="0"/>
+              <a:t>() </a:t>
+            </a:r>
+            <a:r>
+              <a:rPr lang="en-GB" dirty="0">
+                <a:solidFill>
+                  <a:srgbClr val="00E436"/>
+                </a:solidFill>
+              </a:rPr>
+              <a:t>MAX</a:t>
+            </a:r>
+            <a:r>
+              <a:rPr lang="en-GB" dirty="0"/>
+              <a:t>() </a:t>
+            </a:r>
+            <a:r>
+              <a:rPr lang="en-GB" dirty="0">
+                <a:solidFill>
+                  <a:srgbClr val="00E436"/>
+                </a:solidFill>
+              </a:rPr>
+              <a:t>MID</a:t>
+            </a:r>
+            <a:r>
+              <a:rPr lang="en-GB" dirty="0"/>
+              <a:t>()</a:t>
+            </a:r>
+          </a:p>
+          <a:p>
+            <a:r>
+              <a:rPr lang="en-GB" dirty="0">
+                <a:solidFill>
+                  <a:srgbClr val="00E436"/>
+                </a:solidFill>
+              </a:rPr>
+              <a:t>SQRT</a:t>
+            </a:r>
+            <a:r>
+              <a:rPr lang="en-GB" dirty="0"/>
+              <a:t>()</a:t>
+            </a:r>
+          </a:p>
+          <a:p>
+            <a:r>
+              <a:rPr lang="en-GB" dirty="0">
+                <a:solidFill>
+                  <a:srgbClr val="00E436"/>
+                </a:solidFill>
+              </a:rPr>
+              <a:t>SIN</a:t>
+            </a:r>
+            <a:r>
+              <a:rPr lang="en-GB" dirty="0"/>
+              <a:t>() </a:t>
+            </a:r>
+            <a:r>
+              <a:rPr lang="en-GB" dirty="0">
+                <a:solidFill>
+                  <a:srgbClr val="00E436"/>
+                </a:solidFill>
+              </a:rPr>
+              <a:t>COS</a:t>
+            </a:r>
+            <a:r>
+              <a:rPr lang="en-GB" dirty="0"/>
+              <a:t>() </a:t>
+            </a:r>
+            <a:r>
+              <a:rPr lang="en-GB" dirty="0">
+                <a:solidFill>
+                  <a:srgbClr val="00E436"/>
+                </a:solidFill>
+              </a:rPr>
+              <a:t>ATAN2</a:t>
+            </a:r>
+            <a:r>
+              <a:rPr lang="en-GB" dirty="0"/>
+              <a:t>()</a:t>
+            </a:r>
+          </a:p>
+          <a:p>
+            <a:r>
+              <a:rPr lang="en-GB" dirty="0">
+                <a:solidFill>
+                  <a:srgbClr val="00E436"/>
+                </a:solidFill>
+              </a:rPr>
+              <a:t>RND</a:t>
+            </a:r>
+            <a:r>
+              <a:rPr lang="en-GB" dirty="0"/>
+              <a:t>()</a:t>
+            </a:r>
+          </a:p>
+        </p:txBody>
+      </p:sp>
+    </p:spTree>
+    <p:extLst>
+      <p:ext uri="{BB962C8B-B14F-4D97-AF65-F5344CB8AC3E}">
+        <p14:creationId xmlns:p14="http://schemas.microsoft.com/office/powerpoint/2010/main" val="3100792651"/>
+      </p:ext>
+    </p:extLst>
+  </p:cSld>
+  <p:clrMapOvr>
+    <a:masterClrMapping/>
+  </p:clrMapOvr>
+</p:sld>
+</file>
+
+<file path=ppt/slides/slide15.xml><?xml version="1.0" encoding="utf-8"?>
+<p:sld xmlns:a="http://schemas.openxmlformats.org/drawingml/2006/main" xmlns:r="http://schemas.openxmlformats.org/officeDocument/2006/relationships" xmlns:p="http://schemas.openxmlformats.org/presentationml/2006/main">
+  <p:cSld>
+    <p:spTree>
+      <p:nvGrpSpPr>
+        <p:cNvPr id="1" name=""/>
+        <p:cNvGrpSpPr/>
+        <p:nvPr/>
+      </p:nvGrpSpPr>
+      <p:grpSpPr>
+        <a:xfrm>
+          <a:off x="0" y="0"/>
+          <a:ext cx="0" cy="0"/>
+          <a:chOff x="0" y="0"/>
+          <a:chExt cx="0" cy="0"/>
+        </a:xfrm>
+      </p:grpSpPr>
+      <p:sp>
+        <p:nvSpPr>
+          <p:cNvPr id="2" name="Title 1">
+            <a:extLst>
+              <a:ext uri="{FF2B5EF4-FFF2-40B4-BE49-F238E27FC236}">
+                <a16:creationId xmlns:a16="http://schemas.microsoft.com/office/drawing/2014/main" id="{4971B672-094B-4879-A9CE-40D5B4EF814B}"/>
+              </a:ext>
+            </a:extLst>
+          </p:cNvPr>
+          <p:cNvSpPr>
+            <a:spLocks noGrp="1"/>
+          </p:cNvSpPr>
+          <p:nvPr>
+            <p:ph type="title"/>
+          </p:nvPr>
+        </p:nvSpPr>
+        <p:spPr/>
+        <p:txBody>
+          <a:bodyPr/>
+          <a:lstStyle/>
+          <a:p>
+            <a:r>
+              <a:rPr lang="en-GB" dirty="0"/>
+              <a:t>Lua: strings</a:t>
+            </a:r>
+          </a:p>
+        </p:txBody>
+      </p:sp>
+      <p:sp>
+        <p:nvSpPr>
+          <p:cNvPr id="3" name="Content Placeholder 2">
+            <a:extLst>
+              <a:ext uri="{FF2B5EF4-FFF2-40B4-BE49-F238E27FC236}">
+                <a16:creationId xmlns:a16="http://schemas.microsoft.com/office/drawing/2014/main" id="{17701C5E-A5AB-4A2B-AE1D-69A29F2BFD18}"/>
+              </a:ext>
+            </a:extLst>
+          </p:cNvPr>
+          <p:cNvSpPr>
+            <a:spLocks noGrp="1"/>
+          </p:cNvSpPr>
+          <p:nvPr>
+            <p:ph idx="1"/>
+          </p:nvPr>
+        </p:nvSpPr>
+        <p:spPr/>
+        <p:txBody>
+          <a:bodyPr/>
+          <a:lstStyle/>
+          <a:p>
+            <a:r>
+              <a:rPr lang="en-GB" dirty="0">
+                <a:solidFill>
+                  <a:srgbClr val="C2C3C7"/>
+                </a:solidFill>
+              </a:rPr>
+              <a:t>A</a:t>
+            </a:r>
+            <a:r>
+              <a:rPr lang="en-GB" dirty="0"/>
+              <a:t>=</a:t>
+            </a:r>
+            <a:r>
+              <a:rPr lang="en-GB" dirty="0">
+                <a:solidFill>
+                  <a:srgbClr val="29ADFF"/>
+                </a:solidFill>
+              </a:rPr>
+              <a:t>"ABCDEF"</a:t>
+            </a:r>
+          </a:p>
+          <a:p>
+            <a:r>
+              <a:rPr lang="en-GB" dirty="0"/>
+              <a:t>?</a:t>
+            </a:r>
+            <a:r>
+              <a:rPr lang="en-GB" dirty="0">
+                <a:solidFill>
+                  <a:srgbClr val="C2C3C7"/>
+                </a:solidFill>
+              </a:rPr>
+              <a:t>A</a:t>
+            </a:r>
+          </a:p>
+          <a:p>
+            <a:r>
+              <a:rPr lang="en-GB" dirty="0"/>
+              <a:t>?#</a:t>
+            </a:r>
+            <a:r>
+              <a:rPr lang="en-GB" dirty="0">
+                <a:solidFill>
+                  <a:srgbClr val="C2C3C7"/>
+                </a:solidFill>
+              </a:rPr>
+              <a:t>A</a:t>
+            </a:r>
+          </a:p>
+          <a:p>
+            <a:r>
+              <a:rPr lang="en-GB" dirty="0"/>
+              <a:t>?</a:t>
+            </a:r>
+            <a:r>
+              <a:rPr lang="en-GB" dirty="0">
+                <a:solidFill>
+                  <a:srgbClr val="C2C3C7"/>
+                </a:solidFill>
+              </a:rPr>
+              <a:t>A</a:t>
+            </a:r>
+            <a:r>
+              <a:rPr lang="en-GB" dirty="0"/>
+              <a:t>..</a:t>
+            </a:r>
+            <a:r>
+              <a:rPr lang="en-GB" dirty="0">
+                <a:solidFill>
+                  <a:srgbClr val="29ADFF"/>
+                </a:solidFill>
+              </a:rPr>
+              <a:t>12</a:t>
+            </a:r>
+          </a:p>
+          <a:p>
+            <a:r>
+              <a:rPr lang="en-GB" dirty="0"/>
+              <a:t>?</a:t>
+            </a:r>
+            <a:r>
+              <a:rPr lang="en-GB" dirty="0">
+                <a:solidFill>
+                  <a:srgbClr val="00E436"/>
+                </a:solidFill>
+              </a:rPr>
+              <a:t>SUB</a:t>
+            </a:r>
+            <a:r>
+              <a:rPr lang="en-GB" dirty="0"/>
+              <a:t>(</a:t>
+            </a:r>
+            <a:r>
+              <a:rPr lang="en-GB" dirty="0">
+                <a:solidFill>
+                  <a:srgbClr val="C2C3C7"/>
+                </a:solidFill>
+              </a:rPr>
+              <a:t>A</a:t>
+            </a:r>
+            <a:r>
+              <a:rPr lang="en-GB" dirty="0"/>
+              <a:t>,</a:t>
+            </a:r>
+            <a:r>
+              <a:rPr lang="en-GB" dirty="0">
+                <a:solidFill>
+                  <a:srgbClr val="29ADFF"/>
+                </a:solidFill>
+              </a:rPr>
+              <a:t>2</a:t>
+            </a:r>
+            <a:r>
+              <a:rPr lang="en-GB" dirty="0"/>
+              <a:t>,</a:t>
+            </a:r>
+            <a:r>
+              <a:rPr lang="en-GB" dirty="0">
+                <a:solidFill>
+                  <a:srgbClr val="29ADFF"/>
+                </a:solidFill>
+              </a:rPr>
+              <a:t>3</a:t>
+            </a:r>
+            <a:r>
+              <a:rPr lang="en-GB" dirty="0"/>
+              <a:t>)</a:t>
+            </a:r>
+          </a:p>
+        </p:txBody>
+      </p:sp>
+    </p:spTree>
+    <p:extLst>
+      <p:ext uri="{BB962C8B-B14F-4D97-AF65-F5344CB8AC3E}">
+        <p14:creationId xmlns:p14="http://schemas.microsoft.com/office/powerpoint/2010/main" val="1930382098"/>
+      </p:ext>
+    </p:extLst>
+  </p:cSld>
+  <p:clrMapOvr>
+    <a:masterClrMapping/>
+  </p:clrMapOvr>
+</p:sld>
+</file>
+
+<file path=ppt/slides/slide16.xml><?xml version="1.0" encoding="utf-8"?>
+<p:sld xmlns:a="http://schemas.openxmlformats.org/drawingml/2006/main" xmlns:r="http://schemas.openxmlformats.org/officeDocument/2006/relationships" xmlns:p="http://schemas.openxmlformats.org/presentationml/2006/main">
+  <p:cSld>
+    <p:spTree>
+      <p:nvGrpSpPr>
+        <p:cNvPr id="1" name=""/>
+        <p:cNvGrpSpPr/>
+        <p:nvPr/>
+      </p:nvGrpSpPr>
+      <p:grpSpPr>
+        <a:xfrm>
+          <a:off x="0" y="0"/>
+          <a:ext cx="0" cy="0"/>
+          <a:chOff x="0" y="0"/>
+          <a:chExt cx="0" cy="0"/>
+        </a:xfrm>
+      </p:grpSpPr>
+      <p:sp>
+        <p:nvSpPr>
+          <p:cNvPr id="2" name="Title 1">
+            <a:extLst>
+              <a:ext uri="{FF2B5EF4-FFF2-40B4-BE49-F238E27FC236}">
+                <a16:creationId xmlns:a16="http://schemas.microsoft.com/office/drawing/2014/main" id="{5313125D-FD98-4685-9185-6C40B8206A30}"/>
+              </a:ext>
+            </a:extLst>
+          </p:cNvPr>
+          <p:cNvSpPr>
+            <a:spLocks noGrp="1"/>
+          </p:cNvSpPr>
+          <p:nvPr>
+            <p:ph type="title"/>
+          </p:nvPr>
+        </p:nvSpPr>
+        <p:spPr/>
+        <p:txBody>
+          <a:bodyPr/>
+          <a:lstStyle/>
+          <a:p>
+            <a:r>
+              <a:rPr lang="en-GB" dirty="0"/>
+              <a:t>Lua: tableaux 1/3</a:t>
+            </a:r>
+          </a:p>
+        </p:txBody>
+      </p:sp>
+      <p:sp>
+        <p:nvSpPr>
+          <p:cNvPr id="3" name="Content Placeholder 2">
+            <a:extLst>
+              <a:ext uri="{FF2B5EF4-FFF2-40B4-BE49-F238E27FC236}">
+                <a16:creationId xmlns:a16="http://schemas.microsoft.com/office/drawing/2014/main" id="{A7C091C8-65B9-4285-9ABD-DD10A246869F}"/>
+              </a:ext>
+            </a:extLst>
+          </p:cNvPr>
+          <p:cNvSpPr>
+            <a:spLocks noGrp="1"/>
+          </p:cNvSpPr>
+          <p:nvPr>
+            <p:ph idx="1"/>
+          </p:nvPr>
+        </p:nvSpPr>
+        <p:spPr/>
+        <p:txBody>
+          <a:bodyPr/>
+          <a:lstStyle/>
+          <a:p>
+            <a:r>
+              <a:rPr lang="en-GB" dirty="0">
+                <a:solidFill>
+                  <a:srgbClr val="C2C3C7"/>
+                </a:solidFill>
+              </a:rPr>
+              <a:t>T</a:t>
+            </a:r>
+            <a:r>
+              <a:rPr lang="en-GB" dirty="0"/>
+              <a:t>={</a:t>
+            </a:r>
+            <a:r>
+              <a:rPr lang="en-GB" dirty="0">
+                <a:solidFill>
+                  <a:srgbClr val="29ADFF"/>
+                </a:solidFill>
+              </a:rPr>
+              <a:t>10</a:t>
+            </a:r>
+            <a:r>
+              <a:rPr lang="en-GB" dirty="0"/>
+              <a:t>,</a:t>
+            </a:r>
+            <a:r>
+              <a:rPr lang="en-GB" dirty="0">
+                <a:solidFill>
+                  <a:srgbClr val="29ADFF"/>
+                </a:solidFill>
+              </a:rPr>
+              <a:t>20</a:t>
+            </a:r>
+            <a:r>
+              <a:rPr lang="en-GB" dirty="0"/>
+              <a:t>,</a:t>
+            </a:r>
+            <a:r>
+              <a:rPr lang="en-GB" dirty="0">
+                <a:solidFill>
+                  <a:srgbClr val="29ADFF"/>
+                </a:solidFill>
+              </a:rPr>
+              <a:t>30</a:t>
+            </a:r>
+            <a:r>
+              <a:rPr lang="en-GB" dirty="0"/>
+              <a:t>}</a:t>
+            </a:r>
+          </a:p>
+          <a:p>
+            <a:r>
+              <a:rPr lang="en-GB" dirty="0"/>
+              <a:t>?</a:t>
+            </a:r>
+            <a:r>
+              <a:rPr lang="en-GB" dirty="0">
+                <a:solidFill>
+                  <a:srgbClr val="C2C3C7"/>
+                </a:solidFill>
+              </a:rPr>
+              <a:t>T</a:t>
+            </a:r>
+            <a:r>
+              <a:rPr lang="en-GB" dirty="0"/>
+              <a:t>[</a:t>
+            </a:r>
+            <a:r>
+              <a:rPr lang="en-GB" dirty="0">
+                <a:solidFill>
+                  <a:srgbClr val="29ADFF"/>
+                </a:solidFill>
+              </a:rPr>
+              <a:t>1</a:t>
+            </a:r>
+            <a:r>
+              <a:rPr lang="en-GB" dirty="0"/>
+              <a:t>]</a:t>
+            </a:r>
+          </a:p>
+          <a:p>
+            <a:r>
+              <a:rPr lang="en-GB" dirty="0">
+                <a:solidFill>
+                  <a:srgbClr val="C2C3C7"/>
+                </a:solidFill>
+              </a:rPr>
+              <a:t>T</a:t>
+            </a:r>
+            <a:r>
+              <a:rPr lang="en-GB" dirty="0"/>
+              <a:t>[</a:t>
+            </a:r>
+            <a:r>
+              <a:rPr lang="en-GB" dirty="0">
+                <a:solidFill>
+                  <a:srgbClr val="29ADFF"/>
+                </a:solidFill>
+              </a:rPr>
+              <a:t>2</a:t>
+            </a:r>
+            <a:r>
+              <a:rPr lang="en-GB" dirty="0"/>
+              <a:t>]=</a:t>
+            </a:r>
+            <a:r>
+              <a:rPr lang="en-GB" dirty="0">
+                <a:solidFill>
+                  <a:srgbClr val="29ADFF"/>
+                </a:solidFill>
+              </a:rPr>
+              <a:t>"ABC"</a:t>
+            </a:r>
+          </a:p>
+          <a:p>
+            <a:r>
+              <a:rPr lang="en-GB" dirty="0"/>
+              <a:t>?</a:t>
+            </a:r>
+            <a:r>
+              <a:rPr lang="en-GB" dirty="0">
+                <a:solidFill>
+                  <a:srgbClr val="C2C3C7"/>
+                </a:solidFill>
+              </a:rPr>
+              <a:t>T</a:t>
+            </a:r>
+            <a:r>
+              <a:rPr lang="en-GB" dirty="0"/>
+              <a:t>[</a:t>
+            </a:r>
+            <a:r>
+              <a:rPr lang="en-GB" dirty="0">
+                <a:solidFill>
+                  <a:srgbClr val="29ADFF"/>
+                </a:solidFill>
+              </a:rPr>
+              <a:t>2</a:t>
+            </a:r>
+            <a:r>
+              <a:rPr lang="en-GB" dirty="0"/>
+              <a:t>]</a:t>
+            </a:r>
+          </a:p>
+          <a:p>
+            <a:r>
+              <a:rPr lang="en-GB" dirty="0"/>
+              <a:t>?</a:t>
+            </a:r>
+            <a:r>
+              <a:rPr lang="en-GB" dirty="0">
+                <a:solidFill>
+                  <a:srgbClr val="C2C3C7"/>
+                </a:solidFill>
+              </a:rPr>
+              <a:t>T</a:t>
+            </a:r>
+            <a:r>
+              <a:rPr lang="en-GB" dirty="0"/>
+              <a:t>[</a:t>
+            </a:r>
+            <a:r>
+              <a:rPr lang="en-GB" dirty="0">
+                <a:solidFill>
+                  <a:srgbClr val="29ADFF"/>
+                </a:solidFill>
+              </a:rPr>
+              <a:t>4</a:t>
+            </a:r>
+            <a:r>
+              <a:rPr lang="en-GB" dirty="0"/>
+              <a:t>]</a:t>
+            </a:r>
+          </a:p>
+          <a:p>
+            <a:r>
+              <a:rPr lang="en-GB" dirty="0"/>
+              <a:t>?#</a:t>
+            </a:r>
+            <a:r>
+              <a:rPr lang="en-GB" dirty="0">
+                <a:solidFill>
+                  <a:srgbClr val="C2C3C7"/>
+                </a:solidFill>
+              </a:rPr>
+              <a:t>T</a:t>
+            </a:r>
+          </a:p>
+        </p:txBody>
+      </p:sp>
+    </p:spTree>
+    <p:extLst>
+      <p:ext uri="{BB962C8B-B14F-4D97-AF65-F5344CB8AC3E}">
+        <p14:creationId xmlns:p14="http://schemas.microsoft.com/office/powerpoint/2010/main" val="1361402264"/>
+      </p:ext>
+    </p:extLst>
+  </p:cSld>
+  <p:clrMapOvr>
+    <a:masterClrMapping/>
+  </p:clrMapOvr>
+</p:sld>
+</file>
+
+<file path=ppt/slides/slide17.xml><?xml version="1.0" encoding="utf-8"?>
+<p:sld xmlns:a="http://schemas.openxmlformats.org/drawingml/2006/main" xmlns:r="http://schemas.openxmlformats.org/officeDocument/2006/relationships" xmlns:p="http://schemas.openxmlformats.org/presentationml/2006/main">
+  <p:cSld>
+    <p:spTree>
+      <p:nvGrpSpPr>
+        <p:cNvPr id="1" name=""/>
+        <p:cNvGrpSpPr/>
+        <p:nvPr/>
+      </p:nvGrpSpPr>
+      <p:grpSpPr>
+        <a:xfrm>
+          <a:off x="0" y="0"/>
+          <a:ext cx="0" cy="0"/>
+          <a:chOff x="0" y="0"/>
+          <a:chExt cx="0" cy="0"/>
+        </a:xfrm>
+      </p:grpSpPr>
+      <p:sp>
+        <p:nvSpPr>
+          <p:cNvPr id="2" name="Title 1">
+            <a:extLst>
+              <a:ext uri="{FF2B5EF4-FFF2-40B4-BE49-F238E27FC236}">
+                <a16:creationId xmlns:a16="http://schemas.microsoft.com/office/drawing/2014/main" id="{5313125D-FD98-4685-9185-6C40B8206A30}"/>
+              </a:ext>
+            </a:extLst>
+          </p:cNvPr>
+          <p:cNvSpPr>
+            <a:spLocks noGrp="1"/>
+          </p:cNvSpPr>
+          <p:nvPr>
+            <p:ph type="title"/>
+          </p:nvPr>
+        </p:nvSpPr>
+        <p:spPr/>
+        <p:txBody>
+          <a:bodyPr/>
+          <a:lstStyle/>
+          <a:p>
+            <a:r>
+              <a:rPr lang="en-GB" dirty="0"/>
+              <a:t>Lua: tableaux 2/3</a:t>
+            </a:r>
+          </a:p>
+        </p:txBody>
+      </p:sp>
+      <p:sp>
+        <p:nvSpPr>
+          <p:cNvPr id="3" name="Content Placeholder 2">
+            <a:extLst>
+              <a:ext uri="{FF2B5EF4-FFF2-40B4-BE49-F238E27FC236}">
+                <a16:creationId xmlns:a16="http://schemas.microsoft.com/office/drawing/2014/main" id="{A7C091C8-65B9-4285-9ABD-DD10A246869F}"/>
+              </a:ext>
+            </a:extLst>
+          </p:cNvPr>
+          <p:cNvSpPr>
+            <a:spLocks noGrp="1"/>
+          </p:cNvSpPr>
+          <p:nvPr>
+            <p:ph idx="1"/>
+          </p:nvPr>
+        </p:nvSpPr>
+        <p:spPr/>
+        <p:txBody>
+          <a:bodyPr/>
+          <a:lstStyle/>
+          <a:p>
+            <a:r>
+              <a:rPr lang="en-GB" dirty="0">
+                <a:solidFill>
+                  <a:srgbClr val="C2C3C7"/>
+                </a:solidFill>
+              </a:rPr>
+              <a:t>T</a:t>
+            </a:r>
+            <a:r>
+              <a:rPr lang="en-GB" dirty="0"/>
+              <a:t>={</a:t>
+            </a:r>
+            <a:r>
+              <a:rPr lang="en-GB" dirty="0">
+                <a:solidFill>
+                  <a:srgbClr val="C2C3C7"/>
+                </a:solidFill>
+              </a:rPr>
+              <a:t>X</a:t>
+            </a:r>
+            <a:r>
+              <a:rPr lang="en-GB" dirty="0"/>
+              <a:t>=</a:t>
+            </a:r>
+            <a:r>
+              <a:rPr lang="en-GB" dirty="0">
+                <a:solidFill>
+                  <a:srgbClr val="29ADFF"/>
+                </a:solidFill>
+              </a:rPr>
+              <a:t>10</a:t>
+            </a:r>
+            <a:r>
+              <a:rPr lang="en-GB" dirty="0"/>
+              <a:t>,</a:t>
+            </a:r>
+            <a:r>
+              <a:rPr lang="en-GB" dirty="0">
+                <a:solidFill>
+                  <a:srgbClr val="C2C3C7"/>
+                </a:solidFill>
+              </a:rPr>
+              <a:t>Y</a:t>
+            </a:r>
+            <a:r>
+              <a:rPr lang="en-GB" dirty="0"/>
+              <a:t>=</a:t>
+            </a:r>
+            <a:r>
+              <a:rPr lang="en-GB" dirty="0">
+                <a:solidFill>
+                  <a:srgbClr val="29ADFF"/>
+                </a:solidFill>
+              </a:rPr>
+              <a:t>20</a:t>
+            </a:r>
+            <a:r>
+              <a:rPr lang="en-GB" dirty="0"/>
+              <a:t>}</a:t>
+            </a:r>
+          </a:p>
+          <a:p>
+            <a:r>
+              <a:rPr lang="en-GB" dirty="0"/>
+              <a:t>?</a:t>
+            </a:r>
+            <a:r>
+              <a:rPr lang="en-GB" dirty="0">
+                <a:solidFill>
+                  <a:srgbClr val="C2C3C7"/>
+                </a:solidFill>
+              </a:rPr>
+              <a:t>T</a:t>
+            </a:r>
+            <a:r>
+              <a:rPr lang="en-GB" dirty="0"/>
+              <a:t>.</a:t>
+            </a:r>
+            <a:r>
+              <a:rPr lang="en-GB" dirty="0">
+                <a:solidFill>
+                  <a:srgbClr val="C2C3C7"/>
+                </a:solidFill>
+              </a:rPr>
+              <a:t>X</a:t>
+            </a:r>
+          </a:p>
+          <a:p>
+            <a:r>
+              <a:rPr lang="en-GB" dirty="0">
+                <a:solidFill>
+                  <a:srgbClr val="C2C3C7"/>
+                </a:solidFill>
+              </a:rPr>
+              <a:t>T</a:t>
+            </a:r>
+            <a:r>
+              <a:rPr lang="en-GB" dirty="0"/>
+              <a:t>.</a:t>
+            </a:r>
+            <a:r>
+              <a:rPr lang="en-GB" dirty="0">
+                <a:solidFill>
+                  <a:srgbClr val="C2C3C7"/>
+                </a:solidFill>
+              </a:rPr>
+              <a:t>POUET_POUET</a:t>
+            </a:r>
+            <a:r>
+              <a:rPr lang="en-GB" dirty="0"/>
+              <a:t>=</a:t>
+            </a:r>
+            <a:r>
+              <a:rPr lang="en-GB" dirty="0">
+                <a:solidFill>
+                  <a:srgbClr val="C2C3C7"/>
+                </a:solidFill>
+              </a:rPr>
+              <a:t>T</a:t>
+            </a:r>
+            <a:r>
+              <a:rPr lang="en-GB" dirty="0"/>
+              <a:t>.</a:t>
+            </a:r>
+            <a:r>
+              <a:rPr lang="en-GB" dirty="0">
+                <a:solidFill>
+                  <a:srgbClr val="C2C3C7"/>
+                </a:solidFill>
+              </a:rPr>
+              <a:t>X</a:t>
+            </a:r>
+            <a:r>
+              <a:rPr lang="en-GB" dirty="0"/>
+              <a:t>+</a:t>
+            </a:r>
+            <a:r>
+              <a:rPr lang="en-GB" dirty="0">
+                <a:solidFill>
+                  <a:srgbClr val="C2C3C7"/>
+                </a:solidFill>
+              </a:rPr>
+              <a:t>T</a:t>
+            </a:r>
+            <a:r>
+              <a:rPr lang="en-GB" dirty="0"/>
+              <a:t>.</a:t>
+            </a:r>
+            <a:r>
+              <a:rPr lang="en-GB" dirty="0">
+                <a:solidFill>
+                  <a:srgbClr val="C2C3C7"/>
+                </a:solidFill>
+              </a:rPr>
+              <a:t>Y</a:t>
+            </a:r>
+          </a:p>
+          <a:p>
+            <a:r>
+              <a:rPr lang="en-GB" dirty="0"/>
+              <a:t>?</a:t>
+            </a:r>
+            <a:r>
+              <a:rPr lang="en-GB" dirty="0">
+                <a:solidFill>
+                  <a:srgbClr val="C2C3C7"/>
+                </a:solidFill>
+              </a:rPr>
+              <a:t>T</a:t>
+            </a:r>
+            <a:r>
+              <a:rPr lang="en-GB" dirty="0"/>
+              <a:t>.</a:t>
+            </a:r>
+            <a:r>
+              <a:rPr lang="en-GB" dirty="0">
+                <a:solidFill>
+                  <a:srgbClr val="C2C3C7"/>
+                </a:solidFill>
+              </a:rPr>
+              <a:t>POUET_POUET</a:t>
+            </a:r>
+          </a:p>
+        </p:txBody>
+      </p:sp>
+    </p:spTree>
+    <p:extLst>
+      <p:ext uri="{BB962C8B-B14F-4D97-AF65-F5344CB8AC3E}">
+        <p14:creationId xmlns:p14="http://schemas.microsoft.com/office/powerpoint/2010/main" val="3451637237"/>
+      </p:ext>
+    </p:extLst>
+  </p:cSld>
+  <p:clrMapOvr>
+    <a:masterClrMapping/>
+  </p:clrMapOvr>
+</p:sld>
+</file>
+
+<file path=ppt/slides/slide18.xml><?xml version="1.0" encoding="utf-8"?>
+<p:sld xmlns:a="http://schemas.openxmlformats.org/drawingml/2006/main" xmlns:r="http://schemas.openxmlformats.org/officeDocument/2006/relationships" xmlns:p="http://schemas.openxmlformats.org/presentationml/2006/main">
+  <p:cSld>
+    <p:spTree>
+      <p:nvGrpSpPr>
+        <p:cNvPr id="1" name=""/>
+        <p:cNvGrpSpPr/>
+        <p:nvPr/>
+      </p:nvGrpSpPr>
+      <p:grpSpPr>
+        <a:xfrm>
+          <a:off x="0" y="0"/>
+          <a:ext cx="0" cy="0"/>
+          <a:chOff x="0" y="0"/>
+          <a:chExt cx="0" cy="0"/>
+        </a:xfrm>
+      </p:grpSpPr>
+      <p:sp>
+        <p:nvSpPr>
+          <p:cNvPr id="2" name="Title 1">
+            <a:extLst>
+              <a:ext uri="{FF2B5EF4-FFF2-40B4-BE49-F238E27FC236}">
+                <a16:creationId xmlns:a16="http://schemas.microsoft.com/office/drawing/2014/main" id="{5313125D-FD98-4685-9185-6C40B8206A30}"/>
+              </a:ext>
+            </a:extLst>
+          </p:cNvPr>
+          <p:cNvSpPr>
+            <a:spLocks noGrp="1"/>
+          </p:cNvSpPr>
+          <p:nvPr>
+            <p:ph type="title"/>
+          </p:nvPr>
+        </p:nvSpPr>
+        <p:spPr/>
+        <p:txBody>
+          <a:bodyPr/>
+          <a:lstStyle/>
+          <a:p>
+            <a:r>
+              <a:rPr lang="en-GB" dirty="0"/>
+              <a:t>Lua: tableaux 3/3</a:t>
+            </a:r>
+          </a:p>
+        </p:txBody>
+      </p:sp>
+      <p:sp>
+        <p:nvSpPr>
+          <p:cNvPr id="3" name="Content Placeholder 2">
+            <a:extLst>
+              <a:ext uri="{FF2B5EF4-FFF2-40B4-BE49-F238E27FC236}">
+                <a16:creationId xmlns:a16="http://schemas.microsoft.com/office/drawing/2014/main" id="{A7C091C8-65B9-4285-9ABD-DD10A246869F}"/>
+              </a:ext>
+            </a:extLst>
+          </p:cNvPr>
+          <p:cNvSpPr>
+            <a:spLocks noGrp="1"/>
+          </p:cNvSpPr>
+          <p:nvPr>
+            <p:ph idx="1"/>
+          </p:nvPr>
+        </p:nvSpPr>
+        <p:spPr>
+          <a:xfrm>
+            <a:off x="1103312" y="2052918"/>
+            <a:ext cx="9304096" cy="4195481"/>
+          </a:xfrm>
+        </p:spPr>
+        <p:txBody>
+          <a:bodyPr/>
+          <a:lstStyle/>
+          <a:p>
+            <a:r>
+              <a:rPr lang="en-GB" dirty="0">
+                <a:solidFill>
+                  <a:srgbClr val="C2C3C7"/>
+                </a:solidFill>
+              </a:rPr>
+              <a:t>T</a:t>
+            </a:r>
+            <a:r>
+              <a:rPr lang="en-GB" dirty="0"/>
+              <a:t>={</a:t>
+            </a:r>
+            <a:r>
+              <a:rPr lang="en-GB" dirty="0">
+                <a:solidFill>
+                  <a:srgbClr val="C2C3C7"/>
+                </a:solidFill>
+              </a:rPr>
+              <a:t>E1</a:t>
+            </a:r>
+            <a:r>
+              <a:rPr lang="en-GB" dirty="0"/>
+              <a:t>,</a:t>
+            </a:r>
+            <a:r>
+              <a:rPr lang="en-GB" dirty="0">
+                <a:solidFill>
+                  <a:srgbClr val="C2C3C7"/>
+                </a:solidFill>
+              </a:rPr>
+              <a:t>E2</a:t>
+            </a:r>
+            <a:r>
+              <a:rPr lang="en-GB" dirty="0"/>
+              <a:t>,</a:t>
+            </a:r>
+            <a:r>
+              <a:rPr lang="en-GB" dirty="0">
+                <a:solidFill>
+                  <a:srgbClr val="C2C3C7"/>
+                </a:solidFill>
+              </a:rPr>
+              <a:t>E3</a:t>
+            </a:r>
+            <a:r>
+              <a:rPr lang="en-GB" dirty="0"/>
+              <a:t>}</a:t>
+            </a:r>
+          </a:p>
+          <a:p>
+            <a:r>
+              <a:rPr lang="en-GB" dirty="0">
+                <a:solidFill>
+                  <a:srgbClr val="00E436"/>
+                </a:solidFill>
+              </a:rPr>
+              <a:t>ADD</a:t>
+            </a:r>
+            <a:r>
+              <a:rPr lang="en-GB" dirty="0"/>
+              <a:t>(</a:t>
+            </a:r>
+            <a:r>
+              <a:rPr lang="en-GB" dirty="0">
+                <a:solidFill>
+                  <a:srgbClr val="C2C3C7"/>
+                </a:solidFill>
+              </a:rPr>
+              <a:t>T</a:t>
+            </a:r>
+            <a:r>
+              <a:rPr lang="en-GB" dirty="0"/>
+              <a:t>,</a:t>
+            </a:r>
+            <a:r>
+              <a:rPr lang="en-GB" dirty="0">
+                <a:solidFill>
+                  <a:srgbClr val="C2C3C7"/>
+                </a:solidFill>
+              </a:rPr>
+              <a:t>ELEM</a:t>
+            </a:r>
+            <a:r>
+              <a:rPr lang="en-GB" dirty="0"/>
+              <a:t>)</a:t>
+            </a:r>
+          </a:p>
+          <a:p>
+            <a:r>
+              <a:rPr lang="en-GB" dirty="0">
+                <a:solidFill>
+                  <a:srgbClr val="00E436"/>
+                </a:solidFill>
+              </a:rPr>
+              <a:t>ADD</a:t>
+            </a:r>
+            <a:r>
+              <a:rPr lang="en-GB" dirty="0"/>
+              <a:t>(</a:t>
+            </a:r>
+            <a:r>
+              <a:rPr lang="en-GB" dirty="0">
+                <a:solidFill>
+                  <a:srgbClr val="C2C3C7"/>
+                </a:solidFill>
+              </a:rPr>
+              <a:t>T</a:t>
+            </a:r>
+            <a:r>
+              <a:rPr lang="en-GB" dirty="0"/>
+              <a:t>,</a:t>
+            </a:r>
+            <a:r>
+              <a:rPr lang="en-GB" dirty="0">
+                <a:solidFill>
+                  <a:srgbClr val="C2C3C7"/>
+                </a:solidFill>
+              </a:rPr>
+              <a:t>OTHER_ELEM</a:t>
+            </a:r>
+            <a:r>
+              <a:rPr lang="en-GB" dirty="0"/>
+              <a:t>)</a:t>
+            </a:r>
+          </a:p>
+          <a:p>
+            <a:r>
+              <a:rPr lang="en-GB" dirty="0">
+                <a:solidFill>
+                  <a:srgbClr val="00E436"/>
+                </a:solidFill>
+              </a:rPr>
+              <a:t>DEL</a:t>
+            </a:r>
+            <a:r>
+              <a:rPr lang="en-GB" dirty="0"/>
+              <a:t>(</a:t>
+            </a:r>
+            <a:r>
+              <a:rPr lang="en-GB" dirty="0">
+                <a:solidFill>
+                  <a:srgbClr val="C2C3C7"/>
+                </a:solidFill>
+              </a:rPr>
+              <a:t>T</a:t>
+            </a:r>
+            <a:r>
+              <a:rPr lang="en-GB" dirty="0"/>
+              <a:t>,</a:t>
+            </a:r>
+            <a:r>
+              <a:rPr lang="en-GB" dirty="0">
+                <a:solidFill>
+                  <a:srgbClr val="C2C3C7"/>
+                </a:solidFill>
+              </a:rPr>
+              <a:t>ELEM</a:t>
+            </a:r>
+            <a:r>
+              <a:rPr lang="en-GB" dirty="0"/>
+              <a:t>)</a:t>
+            </a:r>
+          </a:p>
+          <a:p>
+            <a:r>
+              <a:rPr lang="en-GB" dirty="0">
+                <a:solidFill>
+                  <a:srgbClr val="FF76A7"/>
+                </a:solidFill>
+              </a:rPr>
+              <a:t>FOR</a:t>
+            </a:r>
+            <a:r>
+              <a:rPr lang="en-GB" dirty="0"/>
+              <a:t> </a:t>
+            </a:r>
+            <a:r>
+              <a:rPr lang="en-GB" dirty="0">
+                <a:solidFill>
+                  <a:srgbClr val="C2C3C7"/>
+                </a:solidFill>
+              </a:rPr>
+              <a:t>X </a:t>
+            </a:r>
+            <a:r>
+              <a:rPr lang="en-GB" dirty="0">
+                <a:solidFill>
+                  <a:srgbClr val="FF76A7"/>
+                </a:solidFill>
+              </a:rPr>
+              <a:t>IN</a:t>
+            </a:r>
+            <a:r>
+              <a:rPr lang="en-GB" dirty="0">
+                <a:solidFill>
+                  <a:srgbClr val="C2C3C7"/>
+                </a:solidFill>
+              </a:rPr>
+              <a:t> </a:t>
+            </a:r>
+            <a:r>
+              <a:rPr lang="en-GB" dirty="0">
+                <a:solidFill>
+                  <a:srgbClr val="00E436"/>
+                </a:solidFill>
+              </a:rPr>
+              <a:t>ALL</a:t>
+            </a:r>
+            <a:r>
+              <a:rPr lang="en-GB" dirty="0"/>
+              <a:t>(</a:t>
+            </a:r>
+            <a:r>
+              <a:rPr lang="en-GB" dirty="0">
+                <a:solidFill>
+                  <a:srgbClr val="C2C3C7"/>
+                </a:solidFill>
+              </a:rPr>
+              <a:t>T</a:t>
+            </a:r>
+            <a:r>
+              <a:rPr lang="en-GB" dirty="0"/>
+              <a:t>) </a:t>
+            </a:r>
+            <a:r>
+              <a:rPr lang="en-GB" dirty="0">
+                <a:solidFill>
+                  <a:srgbClr val="FF76A7"/>
+                </a:solidFill>
+              </a:rPr>
+              <a:t>DO</a:t>
+            </a:r>
+            <a:r>
+              <a:rPr lang="en-GB" dirty="0">
+                <a:solidFill>
+                  <a:srgbClr val="83769C"/>
+                </a:solidFill>
+              </a:rPr>
+              <a:t> *****</a:t>
+            </a:r>
+            <a:r>
+              <a:rPr lang="en-GB" dirty="0"/>
+              <a:t> </a:t>
+            </a:r>
+            <a:r>
+              <a:rPr lang="en-GB" dirty="0">
+                <a:solidFill>
+                  <a:srgbClr val="FF76A7"/>
+                </a:solidFill>
+              </a:rPr>
+              <a:t>END</a:t>
+            </a:r>
+          </a:p>
+          <a:p>
+            <a:endParaRPr lang="en-GB" dirty="0"/>
+          </a:p>
+        </p:txBody>
+      </p:sp>
+    </p:spTree>
+    <p:extLst>
+      <p:ext uri="{BB962C8B-B14F-4D97-AF65-F5344CB8AC3E}">
+        <p14:creationId xmlns:p14="http://schemas.microsoft.com/office/powerpoint/2010/main" val="2255621270"/>
+      </p:ext>
+    </p:extLst>
+  </p:cSld>
+  <p:clrMapOvr>
+    <a:masterClrMapping/>
+  </p:clrMapOvr>
+</p:sld>
+</file>
+
+<file path=ppt/slides/slide19.xml><?xml version="1.0" encoding="utf-8"?>
+<p:sld xmlns:a="http://schemas.openxmlformats.org/drawingml/2006/main" xmlns:r="http://schemas.openxmlformats.org/officeDocument/2006/relationships" xmlns:p="http://schemas.openxmlformats.org/presentationml/2006/main">
+  <p:cSld>
+    <p:spTree>
+      <p:nvGrpSpPr>
+        <p:cNvPr id="1" name=""/>
+        <p:cNvGrpSpPr/>
+        <p:nvPr/>
+      </p:nvGrpSpPr>
+      <p:grpSpPr>
+        <a:xfrm>
+          <a:off x="0" y="0"/>
+          <a:ext cx="0" cy="0"/>
+          <a:chOff x="0" y="0"/>
+          <a:chExt cx="0" cy="0"/>
+        </a:xfrm>
+      </p:grpSpPr>
+      <p:sp>
+        <p:nvSpPr>
+          <p:cNvPr id="2" name="Title 1">
+            <a:extLst>
+              <a:ext uri="{FF2B5EF4-FFF2-40B4-BE49-F238E27FC236}">
+                <a16:creationId xmlns:a16="http://schemas.microsoft.com/office/drawing/2014/main" id="{F8BCC28E-8F4B-4BE0-9CB7-405FDB2F0AA5}"/>
+              </a:ext>
+            </a:extLst>
+          </p:cNvPr>
+          <p:cNvSpPr>
+            <a:spLocks noGrp="1"/>
+          </p:cNvSpPr>
+          <p:nvPr>
+            <p:ph type="title"/>
+          </p:nvPr>
+        </p:nvSpPr>
+        <p:spPr/>
+        <p:txBody>
+          <a:bodyPr/>
+          <a:lstStyle/>
+          <a:p>
+            <a:r>
+              <a:rPr lang="en-GB" dirty="0"/>
+              <a:t>Lua: </a:t>
+            </a:r>
+            <a:r>
+              <a:rPr lang="en-GB" dirty="0" err="1"/>
+              <a:t>fonctions</a:t>
+            </a:r>
+            <a:endParaRPr lang="en-GB" dirty="0"/>
+          </a:p>
+        </p:txBody>
+      </p:sp>
+      <p:sp>
+        <p:nvSpPr>
+          <p:cNvPr id="3" name="Content Placeholder 2">
+            <a:extLst>
+              <a:ext uri="{FF2B5EF4-FFF2-40B4-BE49-F238E27FC236}">
+                <a16:creationId xmlns:a16="http://schemas.microsoft.com/office/drawing/2014/main" id="{3DA9AA80-FAA8-4749-8D1B-7D868ECC537F}"/>
+              </a:ext>
+            </a:extLst>
+          </p:cNvPr>
+          <p:cNvSpPr>
+            <a:spLocks noGrp="1"/>
+          </p:cNvSpPr>
+          <p:nvPr>
+            <p:ph idx="1"/>
+          </p:nvPr>
+        </p:nvSpPr>
+        <p:spPr/>
+        <p:txBody>
+          <a:bodyPr>
+            <a:normAutofit lnSpcReduction="10000"/>
+          </a:bodyPr>
+          <a:lstStyle/>
+          <a:p>
+            <a:r>
+              <a:rPr lang="en-GB" dirty="0">
+                <a:solidFill>
+                  <a:srgbClr val="FF76A7"/>
+                </a:solidFill>
+              </a:rPr>
+              <a:t>FUNCTION</a:t>
+            </a:r>
+            <a:r>
+              <a:rPr lang="en-GB" dirty="0"/>
+              <a:t> </a:t>
+            </a:r>
+            <a:r>
+              <a:rPr lang="en-GB" dirty="0">
+                <a:solidFill>
+                  <a:srgbClr val="C2C3C7"/>
+                </a:solidFill>
+              </a:rPr>
+              <a:t>DOUBLE</a:t>
+            </a:r>
+            <a:r>
+              <a:rPr lang="en-GB" dirty="0"/>
+              <a:t>(</a:t>
+            </a:r>
+            <a:r>
+              <a:rPr lang="en-GB" dirty="0">
+                <a:solidFill>
+                  <a:srgbClr val="C2C3C7"/>
+                </a:solidFill>
+              </a:rPr>
+              <a:t>X</a:t>
+            </a:r>
+            <a:r>
+              <a:rPr lang="en-GB" dirty="0"/>
+              <a:t>)</a:t>
+            </a:r>
+            <a:br>
+              <a:rPr lang="en-GB" dirty="0"/>
+            </a:br>
+            <a:r>
+              <a:rPr lang="en-GB" dirty="0"/>
+              <a:t>  </a:t>
+            </a:r>
+            <a:r>
+              <a:rPr lang="en-GB" dirty="0">
+                <a:solidFill>
+                  <a:srgbClr val="FF76A7"/>
+                </a:solidFill>
+              </a:rPr>
+              <a:t>RETURN </a:t>
+            </a:r>
+            <a:r>
+              <a:rPr lang="en-GB" dirty="0">
+                <a:solidFill>
+                  <a:srgbClr val="C2C3C7"/>
+                </a:solidFill>
+              </a:rPr>
+              <a:t>X</a:t>
+            </a:r>
+            <a:r>
+              <a:rPr lang="en-GB" dirty="0"/>
+              <a:t>*</a:t>
+            </a:r>
+            <a:r>
+              <a:rPr lang="en-GB" dirty="0">
+                <a:solidFill>
+                  <a:srgbClr val="29ADFF"/>
+                </a:solidFill>
+              </a:rPr>
+              <a:t>2</a:t>
+            </a:r>
+            <a:br>
+              <a:rPr lang="en-GB" dirty="0"/>
+            </a:br>
+            <a:r>
+              <a:rPr lang="en-GB" dirty="0">
+                <a:solidFill>
+                  <a:srgbClr val="FF76A7"/>
+                </a:solidFill>
+              </a:rPr>
+              <a:t>END</a:t>
+            </a:r>
+          </a:p>
+          <a:p>
+            <a:r>
+              <a:rPr lang="en-GB" dirty="0">
+                <a:solidFill>
+                  <a:srgbClr val="FF76A7"/>
+                </a:solidFill>
+              </a:rPr>
+              <a:t>FUNCTION</a:t>
+            </a:r>
+            <a:r>
+              <a:rPr lang="en-GB" dirty="0"/>
+              <a:t> </a:t>
+            </a:r>
+            <a:r>
+              <a:rPr lang="en-GB" dirty="0">
+                <a:solidFill>
+                  <a:srgbClr val="C2C3C7"/>
+                </a:solidFill>
+              </a:rPr>
+              <a:t>TOTO</a:t>
+            </a:r>
+            <a:r>
+              <a:rPr lang="en-GB" dirty="0"/>
+              <a:t>(</a:t>
+            </a:r>
+            <a:r>
+              <a:rPr lang="en-GB" dirty="0">
+                <a:solidFill>
+                  <a:srgbClr val="C2C3C7"/>
+                </a:solidFill>
+              </a:rPr>
+              <a:t>A</a:t>
+            </a:r>
+            <a:r>
+              <a:rPr lang="en-GB" dirty="0"/>
+              <a:t>,</a:t>
+            </a:r>
+            <a:r>
+              <a:rPr lang="en-GB" dirty="0">
+                <a:solidFill>
+                  <a:srgbClr val="C2C3C7"/>
+                </a:solidFill>
+              </a:rPr>
+              <a:t>B</a:t>
+            </a:r>
+            <a:r>
+              <a:rPr lang="en-GB" dirty="0"/>
+              <a:t>,</a:t>
+            </a:r>
+            <a:r>
+              <a:rPr lang="en-GB" dirty="0">
+                <a:solidFill>
+                  <a:srgbClr val="C2C3C7"/>
+                </a:solidFill>
+              </a:rPr>
+              <a:t>C</a:t>
+            </a:r>
+            <a:r>
+              <a:rPr lang="en-GB" dirty="0"/>
+              <a:t>)</a:t>
+            </a:r>
+            <a:br>
+              <a:rPr lang="en-GB" dirty="0"/>
+            </a:br>
+            <a:r>
+              <a:rPr lang="en-GB" dirty="0"/>
+              <a:t>  </a:t>
+            </a:r>
+            <a:r>
+              <a:rPr lang="en-GB" dirty="0">
+                <a:solidFill>
+                  <a:srgbClr val="FF76A7"/>
+                </a:solidFill>
+              </a:rPr>
+              <a:t>RETURN</a:t>
+            </a:r>
+            <a:r>
+              <a:rPr lang="en-GB" dirty="0"/>
+              <a:t> </a:t>
+            </a:r>
+            <a:r>
+              <a:rPr lang="en-GB" dirty="0">
+                <a:solidFill>
+                  <a:srgbClr val="C2C3C7"/>
+                </a:solidFill>
+              </a:rPr>
+              <a:t>A</a:t>
+            </a:r>
+            <a:r>
+              <a:rPr lang="en-GB" dirty="0"/>
+              <a:t>-</a:t>
+            </a:r>
+            <a:r>
+              <a:rPr lang="en-GB" dirty="0">
+                <a:solidFill>
+                  <a:srgbClr val="C2C3C7"/>
+                </a:solidFill>
+              </a:rPr>
+              <a:t>B</a:t>
+            </a:r>
+            <a:r>
+              <a:rPr lang="en-GB" dirty="0"/>
+              <a:t>,</a:t>
+            </a:r>
+            <a:r>
+              <a:rPr lang="en-GB" dirty="0">
+                <a:solidFill>
+                  <a:srgbClr val="C2C3C7"/>
+                </a:solidFill>
+              </a:rPr>
+              <a:t>B</a:t>
+            </a:r>
+            <a:r>
+              <a:rPr lang="en-GB" dirty="0"/>
+              <a:t>-</a:t>
+            </a:r>
+            <a:r>
+              <a:rPr lang="en-GB" dirty="0">
+                <a:solidFill>
+                  <a:srgbClr val="C2C3C7"/>
+                </a:solidFill>
+              </a:rPr>
+              <a:t>C</a:t>
+            </a:r>
+            <a:br>
+              <a:rPr lang="en-GB" dirty="0"/>
+            </a:br>
+            <a:r>
+              <a:rPr lang="en-GB" dirty="0">
+                <a:solidFill>
+                  <a:srgbClr val="FF76A7"/>
+                </a:solidFill>
+              </a:rPr>
+              <a:t>END</a:t>
+            </a:r>
+          </a:p>
+          <a:p>
+            <a:r>
+              <a:rPr lang="en-GB" dirty="0">
+                <a:solidFill>
+                  <a:srgbClr val="C2C3C7"/>
+                </a:solidFill>
+              </a:rPr>
+              <a:t>X</a:t>
+            </a:r>
+            <a:r>
+              <a:rPr lang="en-GB" dirty="0"/>
+              <a:t>,</a:t>
+            </a:r>
+            <a:r>
+              <a:rPr lang="en-GB" dirty="0">
+                <a:solidFill>
+                  <a:srgbClr val="C2C3C7"/>
+                </a:solidFill>
+              </a:rPr>
+              <a:t>Y</a:t>
+            </a:r>
+            <a:r>
+              <a:rPr lang="en-GB" dirty="0"/>
+              <a:t>=</a:t>
+            </a:r>
+            <a:r>
+              <a:rPr lang="en-GB" dirty="0">
+                <a:solidFill>
+                  <a:srgbClr val="C2C3C7"/>
+                </a:solidFill>
+              </a:rPr>
+              <a:t>TOTO</a:t>
+            </a:r>
+            <a:r>
+              <a:rPr lang="en-GB" dirty="0"/>
+              <a:t>(</a:t>
+            </a:r>
+            <a:r>
+              <a:rPr lang="en-GB" dirty="0">
+                <a:solidFill>
+                  <a:srgbClr val="29ADFF"/>
+                </a:solidFill>
+              </a:rPr>
+              <a:t>1</a:t>
+            </a:r>
+            <a:r>
+              <a:rPr lang="en-GB" dirty="0"/>
+              <a:t>,</a:t>
+            </a:r>
+            <a:r>
+              <a:rPr lang="en-GB" dirty="0">
+                <a:solidFill>
+                  <a:srgbClr val="29ADFF"/>
+                </a:solidFill>
+              </a:rPr>
+              <a:t>2</a:t>
+            </a:r>
+            <a:r>
+              <a:rPr lang="en-GB" dirty="0"/>
+              <a:t>,</a:t>
+            </a:r>
+            <a:r>
+              <a:rPr lang="en-GB" dirty="0">
+                <a:solidFill>
+                  <a:srgbClr val="29ADFF"/>
+                </a:solidFill>
+              </a:rPr>
+              <a:t>3</a:t>
+            </a:r>
+            <a:r>
+              <a:rPr lang="en-GB" dirty="0"/>
+              <a:t>)</a:t>
+            </a:r>
+          </a:p>
+        </p:txBody>
+      </p:sp>
+    </p:spTree>
+    <p:extLst>
+      <p:ext uri="{BB962C8B-B14F-4D97-AF65-F5344CB8AC3E}">
+        <p14:creationId xmlns:p14="http://schemas.microsoft.com/office/powerpoint/2010/main" val="3827400047"/>
+      </p:ext>
+    </p:extLst>
+  </p:cSld>
+  <p:clrMapOvr>
+    <a:masterClrMapping/>
+  </p:clrMapOvr>
+</p:sld>
+</file>
+
 <file path=ppt/slides/slide2.xml><?xml version="1.0" encoding="utf-8"?>
 <p:sld xmlns:a="http://schemas.openxmlformats.org/drawingml/2006/main" xmlns:r="http://schemas.openxmlformats.org/officeDocument/2006/relationships" xmlns:p="http://schemas.openxmlformats.org/presentationml/2006/main" showMasterSp="0">
   <p:cSld>
@@ -6236,41 +9383,9 @@
           <a:lstStyle/>
           <a:p>
             <a:r>
-              <a:rPr lang="en-GB" sz="5600" dirty="0">
-                <a:solidFill>
-                  <a:schemeClr val="accent1">
-                    <a:lumMod val="40000"/>
-                    <a:lumOff val="60000"/>
-                  </a:schemeClr>
-                </a:solidFill>
-                <a:latin typeface="Impact" panose="020B0806030902050204" pitchFamily="34" charset="0"/>
-                <a:cs typeface="Times New Roman" panose="02020603050405020304" pitchFamily="18" charset="0"/>
-              </a:rPr>
-              <a:t>La boucle de </a:t>
-            </a:r>
-            <a:r>
-              <a:rPr lang="en-GB" sz="5600" dirty="0" err="1">
-                <a:solidFill>
-                  <a:schemeClr val="accent1">
-                    <a:lumMod val="40000"/>
-                    <a:lumOff val="60000"/>
-                  </a:schemeClr>
-                </a:solidFill>
-                <a:latin typeface="Impact" panose="020B0806030902050204" pitchFamily="34" charset="0"/>
-                <a:cs typeface="Times New Roman" panose="02020603050405020304" pitchFamily="18" charset="0"/>
-              </a:rPr>
-              <a:t>jeu</a:t>
-            </a:r>
-            <a:endParaRPr lang="en-GB" sz="5600" dirty="0">
-              <a:solidFill>
-                <a:schemeClr val="accent1">
-                  <a:lumMod val="40000"/>
-                  <a:lumOff val="60000"/>
-                </a:schemeClr>
-              </a:solidFill>
-              <a:latin typeface="Impact" panose="020B0806030902050204" pitchFamily="34" charset="0"/>
-              <a:cs typeface="Times New Roman" panose="02020603050405020304" pitchFamily="18" charset="0"/>
-            </a:endParaRPr>
+              <a:rPr lang="en-GB" dirty="0"/>
+              <a:t>Presentation</a:t>
+            </a:r>
           </a:p>
         </p:txBody>
       </p:sp>
@@ -6290,105 +9405,1570 @@
             <p:ph idx="1"/>
           </p:nvPr>
         </p:nvSpPr>
-        <p:spPr/>
+        <p:spPr>
+          <a:xfrm>
+            <a:off x="5399314" y="2052918"/>
+            <a:ext cx="6566263" cy="4195481"/>
+          </a:xfrm>
+        </p:spPr>
         <p:txBody>
           <a:bodyPr>
             <a:normAutofit/>
           </a:bodyPr>
           <a:lstStyle/>
           <a:p>
-            <a:pPr>
-              <a:lnSpc>
-                <a:spcPct val="150000"/>
-              </a:lnSpc>
-              <a:buClr>
-                <a:schemeClr val="accent1">
-                  <a:lumMod val="40000"/>
-                  <a:lumOff val="60000"/>
-                </a:schemeClr>
-              </a:buClr>
-              <a:buSzPct val="140000"/>
-              <a:buFont typeface="Wingdings" panose="05000000000000000000" pitchFamily="2" charset="2"/>
-              <a:buChar char="§"/>
-            </a:pPr>
-            <a:r>
-              <a:rPr lang="en-GB" sz="3000" dirty="0">
-                <a:solidFill>
-                  <a:schemeClr val="accent3">
-                    <a:lumMod val="40000"/>
-                    <a:lumOff val="60000"/>
-                  </a:schemeClr>
-                </a:solidFill>
-                <a:latin typeface="Zepto-8" panose="00000400000000000000" pitchFamily="2" charset="-128"/>
-                <a:ea typeface="Zepto-8" panose="00000400000000000000" pitchFamily="2" charset="-128"/>
-              </a:rPr>
-              <a:t>_INIT()</a:t>
-            </a:r>
-          </a:p>
-          <a:p>
-            <a:pPr>
-              <a:lnSpc>
-                <a:spcPct val="150000"/>
-              </a:lnSpc>
-              <a:buClr>
-                <a:schemeClr val="accent1">
-                  <a:lumMod val="40000"/>
-                  <a:lumOff val="60000"/>
-                </a:schemeClr>
-              </a:buClr>
-              <a:buSzPct val="140000"/>
-              <a:buFont typeface="Wingdings" panose="05000000000000000000" pitchFamily="2" charset="2"/>
-              <a:buChar char="§"/>
-            </a:pPr>
-            <a:r>
-              <a:rPr lang="en-GB" sz="3000" dirty="0">
-                <a:solidFill>
-                  <a:schemeClr val="accent3">
-                    <a:lumMod val="40000"/>
-                    <a:lumOff val="60000"/>
-                  </a:schemeClr>
-                </a:solidFill>
-                <a:latin typeface="Zepto-8" panose="00000400000000000000" pitchFamily="2" charset="-128"/>
-                <a:ea typeface="Zepto-8" panose="00000400000000000000" pitchFamily="2" charset="-128"/>
-              </a:rPr>
-              <a:t>_UPDATE()</a:t>
-            </a:r>
-          </a:p>
-          <a:p>
-            <a:pPr>
-              <a:lnSpc>
-                <a:spcPct val="150000"/>
-              </a:lnSpc>
-              <a:buClr>
-                <a:schemeClr val="accent1">
-                  <a:lumMod val="40000"/>
-                  <a:lumOff val="60000"/>
-                </a:schemeClr>
-              </a:buClr>
-              <a:buSzPct val="140000"/>
-              <a:buFont typeface="Wingdings" panose="05000000000000000000" pitchFamily="2" charset="2"/>
-              <a:buChar char="§"/>
-            </a:pPr>
-            <a:r>
-              <a:rPr lang="en-GB" sz="3000" dirty="0">
-                <a:solidFill>
-                  <a:schemeClr val="accent3">
-                    <a:lumMod val="40000"/>
-                    <a:lumOff val="60000"/>
-                  </a:schemeClr>
-                </a:solidFill>
-                <a:latin typeface="Zepto-8" panose="00000400000000000000" pitchFamily="2" charset="-128"/>
-                <a:ea typeface="Zepto-8" panose="00000400000000000000" pitchFamily="2" charset="-128"/>
-              </a:rPr>
-              <a:t>_DRAW()</a:t>
-            </a:r>
-          </a:p>
-        </p:txBody>
-      </p:sp>
+            <a:r>
+              <a:rPr lang="en-GB" dirty="0" err="1"/>
+              <a:t>Touche</a:t>
+            </a:r>
+            <a:r>
+              <a:rPr lang="en-GB" dirty="0"/>
+              <a:t> Esc</a:t>
+            </a:r>
+          </a:p>
+          <a:p>
+            <a:r>
+              <a:rPr lang="en-GB" dirty="0"/>
+              <a:t>Invite de </a:t>
+            </a:r>
+            <a:r>
+              <a:rPr lang="en-GB" dirty="0" err="1"/>
+              <a:t>commande</a:t>
+            </a:r>
+            <a:endParaRPr lang="en-GB" dirty="0"/>
+          </a:p>
+          <a:p>
+            <a:r>
+              <a:rPr lang="en-GB" dirty="0"/>
+              <a:t>Onglets de code, sprites, maps, </a:t>
+            </a:r>
+            <a:r>
+              <a:rPr lang="en-GB" dirty="0" err="1"/>
+              <a:t>sfx</a:t>
+            </a:r>
+            <a:r>
+              <a:rPr lang="en-GB" dirty="0"/>
+              <a:t>, musique</a:t>
+            </a:r>
+          </a:p>
+        </p:txBody>
+      </p:sp>
+      <p:pic>
+        <p:nvPicPr>
+          <p:cNvPr id="5" name="Picture 4">
+            <a:extLst>
+              <a:ext uri="{FF2B5EF4-FFF2-40B4-BE49-F238E27FC236}">
+                <a16:creationId xmlns:a16="http://schemas.microsoft.com/office/drawing/2014/main" id="{C664AF4E-6EE8-481E-99CF-74C8BB5EB193}"/>
+              </a:ext>
+            </a:extLst>
+          </p:cNvPr>
+          <p:cNvPicPr>
+            <a:picLocks noChangeAspect="1"/>
+          </p:cNvPicPr>
+          <p:nvPr/>
+        </p:nvPicPr>
+        <p:blipFill>
+          <a:blip r:embed="rId2"/>
+          <a:stretch>
+            <a:fillRect/>
+          </a:stretch>
+        </p:blipFill>
+        <p:spPr>
+          <a:xfrm>
+            <a:off x="646111" y="1721376"/>
+            <a:ext cx="4581836" cy="4683906"/>
+          </a:xfrm>
+          <a:prstGeom prst="rect">
+            <a:avLst/>
+          </a:prstGeom>
+        </p:spPr>
+      </p:pic>
     </p:spTree>
     <p:extLst>
       <p:ext uri="{BB962C8B-B14F-4D97-AF65-F5344CB8AC3E}">
         <p14:creationId xmlns:p14="http://schemas.microsoft.com/office/powerpoint/2010/main" val="467661288"/>
+      </p:ext>
+    </p:extLst>
+  </p:cSld>
+  <p:clrMapOvr>
+    <a:masterClrMapping/>
+  </p:clrMapOvr>
+</p:sld>
+</file>
+
+<file path=ppt/slides/slide20.xml><?xml version="1.0" encoding="utf-8"?>
+<p:sld xmlns:a="http://schemas.openxmlformats.org/drawingml/2006/main" xmlns:r="http://schemas.openxmlformats.org/officeDocument/2006/relationships" xmlns:p="http://schemas.openxmlformats.org/presentationml/2006/main" showMasterSp="0">
+  <p:cSld>
+    <p:spTree>
+      <p:nvGrpSpPr>
+        <p:cNvPr id="1" name=""/>
+        <p:cNvGrpSpPr/>
+        <p:nvPr/>
+      </p:nvGrpSpPr>
+      <p:grpSpPr>
+        <a:xfrm>
+          <a:off x="0" y="0"/>
+          <a:ext cx="0" cy="0"/>
+          <a:chOff x="0" y="0"/>
+          <a:chExt cx="0" cy="0"/>
+        </a:xfrm>
+      </p:grpSpPr>
+      <p:sp>
+        <p:nvSpPr>
+          <p:cNvPr id="2" name="Title 1">
+            <a:extLst>
+              <a:ext uri="{FF2B5EF4-FFF2-40B4-BE49-F238E27FC236}">
+                <a16:creationId xmlns:a16="http://schemas.microsoft.com/office/drawing/2014/main" id="{EF848EF9-DC73-47A7-81DD-6628F6404F25}"/>
+              </a:ext>
+            </a:extLst>
+          </p:cNvPr>
+          <p:cNvSpPr>
+            <a:spLocks noGrp="1"/>
+          </p:cNvSpPr>
+          <p:nvPr>
+            <p:ph type="title"/>
+          </p:nvPr>
+        </p:nvSpPr>
+        <p:spPr/>
+        <p:txBody>
+          <a:bodyPr/>
+          <a:lstStyle/>
+          <a:p>
+            <a:r>
+              <a:rPr lang="en-GB" dirty="0"/>
+              <a:t>La boucle de </a:t>
+            </a:r>
+            <a:r>
+              <a:rPr lang="en-GB" dirty="0" err="1"/>
+              <a:t>jeu</a:t>
+            </a:r>
+            <a:endParaRPr lang="en-GB" dirty="0"/>
+          </a:p>
+        </p:txBody>
+      </p:sp>
+      <p:sp>
+        <p:nvSpPr>
+          <p:cNvPr id="3" name="Content Placeholder 2">
+            <a:extLst>
+              <a:ext uri="{FF2B5EF4-FFF2-40B4-BE49-F238E27FC236}">
+                <a16:creationId xmlns:a16="http://schemas.microsoft.com/office/drawing/2014/main" id="{D7315DE1-57BB-434D-81A5-1147E7B06DB8}"/>
+              </a:ext>
+            </a:extLst>
+          </p:cNvPr>
+          <p:cNvSpPr>
+            <a:spLocks noGrp="1"/>
+          </p:cNvSpPr>
+          <p:nvPr>
+            <p:ph idx="1"/>
+          </p:nvPr>
+        </p:nvSpPr>
+        <p:spPr/>
+        <p:txBody>
+          <a:bodyPr/>
+          <a:lstStyle/>
+          <a:p>
+            <a:r>
+              <a:rPr lang="en-GB" dirty="0">
+                <a:solidFill>
+                  <a:srgbClr val="FF76A7"/>
+                </a:solidFill>
+              </a:rPr>
+              <a:t>FUNCTION</a:t>
+            </a:r>
+            <a:r>
+              <a:rPr lang="en-GB" dirty="0"/>
+              <a:t> </a:t>
+            </a:r>
+            <a:r>
+              <a:rPr lang="en-GB" dirty="0">
+                <a:solidFill>
+                  <a:srgbClr val="C2C3C7"/>
+                </a:solidFill>
+              </a:rPr>
+              <a:t>_INIT</a:t>
+            </a:r>
+            <a:r>
+              <a:rPr lang="en-GB" dirty="0"/>
+              <a:t>()</a:t>
+            </a:r>
+            <a:br>
+              <a:rPr lang="en-GB" dirty="0"/>
+            </a:br>
+            <a:r>
+              <a:rPr lang="en-GB" dirty="0">
+                <a:solidFill>
+                  <a:srgbClr val="FF76A7"/>
+                </a:solidFill>
+              </a:rPr>
+              <a:t>END</a:t>
+            </a:r>
+          </a:p>
+          <a:p>
+            <a:r>
+              <a:rPr lang="en-GB" dirty="0">
+                <a:solidFill>
+                  <a:srgbClr val="FF76A7"/>
+                </a:solidFill>
+              </a:rPr>
+              <a:t>FUNCTION</a:t>
+            </a:r>
+            <a:r>
+              <a:rPr lang="en-GB" dirty="0"/>
+              <a:t> </a:t>
+            </a:r>
+            <a:r>
+              <a:rPr lang="en-GB" dirty="0">
+                <a:solidFill>
+                  <a:srgbClr val="C2C3C7"/>
+                </a:solidFill>
+              </a:rPr>
+              <a:t>_UPDATE</a:t>
+            </a:r>
+            <a:r>
+              <a:rPr lang="en-GB" dirty="0"/>
+              <a:t>()</a:t>
+            </a:r>
+            <a:br>
+              <a:rPr lang="en-GB" dirty="0"/>
+            </a:br>
+            <a:r>
+              <a:rPr lang="en-GB" dirty="0">
+                <a:solidFill>
+                  <a:srgbClr val="FF76A7"/>
+                </a:solidFill>
+              </a:rPr>
+              <a:t>END</a:t>
+            </a:r>
+          </a:p>
+          <a:p>
+            <a:r>
+              <a:rPr lang="en-GB" dirty="0">
+                <a:solidFill>
+                  <a:srgbClr val="FF76A7"/>
+                </a:solidFill>
+              </a:rPr>
+              <a:t>FUNCTION</a:t>
+            </a:r>
+            <a:r>
+              <a:rPr lang="en-GB" dirty="0"/>
+              <a:t> </a:t>
+            </a:r>
+            <a:r>
+              <a:rPr lang="en-GB" dirty="0">
+                <a:solidFill>
+                  <a:srgbClr val="C2C3C7"/>
+                </a:solidFill>
+              </a:rPr>
+              <a:t>_DRAW</a:t>
+            </a:r>
+            <a:r>
+              <a:rPr lang="en-GB" dirty="0"/>
+              <a:t>()</a:t>
+            </a:r>
+            <a:br>
+              <a:rPr lang="en-GB" dirty="0"/>
+            </a:br>
+            <a:r>
+              <a:rPr lang="en-GB" dirty="0">
+                <a:solidFill>
+                  <a:srgbClr val="FF76A7"/>
+                </a:solidFill>
+              </a:rPr>
+              <a:t>END</a:t>
+            </a:r>
+          </a:p>
+        </p:txBody>
+      </p:sp>
+    </p:spTree>
+    <p:extLst>
+      <p:ext uri="{BB962C8B-B14F-4D97-AF65-F5344CB8AC3E}">
+        <p14:creationId xmlns:p14="http://schemas.microsoft.com/office/powerpoint/2010/main" val="1484406776"/>
+      </p:ext>
+    </p:extLst>
+  </p:cSld>
+  <p:clrMapOvr>
+    <a:masterClrMapping/>
+  </p:clrMapOvr>
+</p:sld>
+</file>
+
+<file path=ppt/slides/slide21.xml><?xml version="1.0" encoding="utf-8"?>
+<p:sld xmlns:a="http://schemas.openxmlformats.org/drawingml/2006/main" xmlns:r="http://schemas.openxmlformats.org/officeDocument/2006/relationships" xmlns:p="http://schemas.openxmlformats.org/presentationml/2006/main" showMasterSp="0">
+  <p:cSld>
+    <p:spTree>
+      <p:nvGrpSpPr>
+        <p:cNvPr id="1" name=""/>
+        <p:cNvGrpSpPr/>
+        <p:nvPr/>
+      </p:nvGrpSpPr>
+      <p:grpSpPr>
+        <a:xfrm>
+          <a:off x="0" y="0"/>
+          <a:ext cx="0" cy="0"/>
+          <a:chOff x="0" y="0"/>
+          <a:chExt cx="0" cy="0"/>
+        </a:xfrm>
+      </p:grpSpPr>
+      <p:sp>
+        <p:nvSpPr>
+          <p:cNvPr id="2" name="Title 1">
+            <a:extLst>
+              <a:ext uri="{FF2B5EF4-FFF2-40B4-BE49-F238E27FC236}">
+                <a16:creationId xmlns:a16="http://schemas.microsoft.com/office/drawing/2014/main" id="{EF848EF9-DC73-47A7-81DD-6628F6404F25}"/>
+              </a:ext>
+            </a:extLst>
+          </p:cNvPr>
+          <p:cNvSpPr>
+            <a:spLocks noGrp="1"/>
+          </p:cNvSpPr>
+          <p:nvPr>
+            <p:ph type="title"/>
+          </p:nvPr>
+        </p:nvSpPr>
+        <p:spPr/>
+        <p:txBody>
+          <a:bodyPr/>
+          <a:lstStyle/>
+          <a:p>
+            <a:r>
+              <a:rPr lang="en-GB" dirty="0" err="1"/>
+              <a:t>Graphisme</a:t>
+            </a:r>
+            <a:r>
+              <a:rPr lang="en-GB" dirty="0"/>
+              <a:t> 1/3</a:t>
+            </a:r>
+          </a:p>
+        </p:txBody>
+      </p:sp>
+      <p:sp>
+        <p:nvSpPr>
+          <p:cNvPr id="3" name="Content Placeholder 2">
+            <a:extLst>
+              <a:ext uri="{FF2B5EF4-FFF2-40B4-BE49-F238E27FC236}">
+                <a16:creationId xmlns:a16="http://schemas.microsoft.com/office/drawing/2014/main" id="{D7315DE1-57BB-434D-81A5-1147E7B06DB8}"/>
+              </a:ext>
+            </a:extLst>
+          </p:cNvPr>
+          <p:cNvSpPr>
+            <a:spLocks noGrp="1"/>
+          </p:cNvSpPr>
+          <p:nvPr>
+            <p:ph idx="1"/>
+          </p:nvPr>
+        </p:nvSpPr>
+        <p:spPr/>
+        <p:txBody>
+          <a:bodyPr/>
+          <a:lstStyle/>
+          <a:p>
+            <a:r>
+              <a:rPr lang="en-GB" dirty="0"/>
+              <a:t>ECRAN: 128x128</a:t>
+            </a:r>
+          </a:p>
+          <a:p>
+            <a:r>
+              <a:rPr lang="en-GB" dirty="0"/>
+              <a:t>PALETTE: 16 COULEURS</a:t>
+            </a:r>
+          </a:p>
+          <a:p>
+            <a:r>
+              <a:rPr lang="en-GB" dirty="0">
+                <a:solidFill>
+                  <a:srgbClr val="00E436"/>
+                </a:solidFill>
+              </a:rPr>
+              <a:t>CLS</a:t>
+            </a:r>
+            <a:r>
+              <a:rPr lang="en-GB" dirty="0"/>
+              <a:t>()</a:t>
+            </a:r>
+          </a:p>
+          <a:p>
+            <a:r>
+              <a:rPr lang="en-GB" dirty="0">
+                <a:solidFill>
+                  <a:srgbClr val="00E436"/>
+                </a:solidFill>
+              </a:rPr>
+              <a:t>COLOR</a:t>
+            </a:r>
+            <a:r>
+              <a:rPr lang="en-GB" dirty="0"/>
+              <a:t>()</a:t>
+            </a:r>
+          </a:p>
+          <a:p>
+            <a:r>
+              <a:rPr lang="en-GB" dirty="0">
+                <a:solidFill>
+                  <a:srgbClr val="00E436"/>
+                </a:solidFill>
+              </a:rPr>
+              <a:t>PAL</a:t>
+            </a:r>
+            <a:r>
+              <a:rPr lang="en-GB" dirty="0"/>
+              <a:t>()  </a:t>
+            </a:r>
+            <a:r>
+              <a:rPr lang="en-GB" dirty="0">
+                <a:solidFill>
+                  <a:srgbClr val="00E436"/>
+                </a:solidFill>
+              </a:rPr>
+              <a:t>PALT</a:t>
+            </a:r>
+            <a:r>
+              <a:rPr lang="en-GB" dirty="0"/>
+              <a:t>()</a:t>
+            </a:r>
+          </a:p>
+          <a:p>
+            <a:r>
+              <a:rPr lang="en-GB" dirty="0">
+                <a:solidFill>
+                  <a:srgbClr val="00E436"/>
+                </a:solidFill>
+              </a:rPr>
+              <a:t>PRINT</a:t>
+            </a:r>
+            <a:r>
+              <a:rPr lang="en-GB" dirty="0"/>
+              <a:t>()</a:t>
+            </a:r>
+          </a:p>
+        </p:txBody>
+      </p:sp>
+      <p:pic>
+        <p:nvPicPr>
+          <p:cNvPr id="6" name="Picture 5">
+            <a:extLst>
+              <a:ext uri="{FF2B5EF4-FFF2-40B4-BE49-F238E27FC236}">
+                <a16:creationId xmlns:a16="http://schemas.microsoft.com/office/drawing/2014/main" id="{CA7D870F-BE8C-4E94-8F19-96B6B4437039}"/>
+              </a:ext>
+            </a:extLst>
+          </p:cNvPr>
+          <p:cNvPicPr>
+            <a:picLocks noChangeAspect="1"/>
+          </p:cNvPicPr>
+          <p:nvPr/>
+        </p:nvPicPr>
+        <p:blipFill>
+          <a:blip r:embed="rId2"/>
+          <a:stretch>
+            <a:fillRect/>
+          </a:stretch>
+        </p:blipFill>
+        <p:spPr>
+          <a:xfrm>
+            <a:off x="8256912" y="1759034"/>
+            <a:ext cx="3585882" cy="3245719"/>
+          </a:xfrm>
+          <a:prstGeom prst="rect">
+            <a:avLst/>
+          </a:prstGeom>
+        </p:spPr>
+      </p:pic>
+    </p:spTree>
+    <p:extLst>
+      <p:ext uri="{BB962C8B-B14F-4D97-AF65-F5344CB8AC3E}">
+        <p14:creationId xmlns:p14="http://schemas.microsoft.com/office/powerpoint/2010/main" val="907284889"/>
+      </p:ext>
+    </p:extLst>
+  </p:cSld>
+  <p:clrMapOvr>
+    <a:masterClrMapping/>
+  </p:clrMapOvr>
+</p:sld>
+</file>
+
+<file path=ppt/slides/slide22.xml><?xml version="1.0" encoding="utf-8"?>
+<p:sld xmlns:a="http://schemas.openxmlformats.org/drawingml/2006/main" xmlns:r="http://schemas.openxmlformats.org/officeDocument/2006/relationships" xmlns:p="http://schemas.openxmlformats.org/presentationml/2006/main" showMasterSp="0">
+  <p:cSld>
+    <p:spTree>
+      <p:nvGrpSpPr>
+        <p:cNvPr id="1" name=""/>
+        <p:cNvGrpSpPr/>
+        <p:nvPr/>
+      </p:nvGrpSpPr>
+      <p:grpSpPr>
+        <a:xfrm>
+          <a:off x="0" y="0"/>
+          <a:ext cx="0" cy="0"/>
+          <a:chOff x="0" y="0"/>
+          <a:chExt cx="0" cy="0"/>
+        </a:xfrm>
+      </p:grpSpPr>
+      <p:sp>
+        <p:nvSpPr>
+          <p:cNvPr id="2" name="Title 1">
+            <a:extLst>
+              <a:ext uri="{FF2B5EF4-FFF2-40B4-BE49-F238E27FC236}">
+                <a16:creationId xmlns:a16="http://schemas.microsoft.com/office/drawing/2014/main" id="{EF848EF9-DC73-47A7-81DD-6628F6404F25}"/>
+              </a:ext>
+            </a:extLst>
+          </p:cNvPr>
+          <p:cNvSpPr>
+            <a:spLocks noGrp="1"/>
+          </p:cNvSpPr>
+          <p:nvPr>
+            <p:ph type="title"/>
+          </p:nvPr>
+        </p:nvSpPr>
+        <p:spPr/>
+        <p:txBody>
+          <a:bodyPr/>
+          <a:lstStyle/>
+          <a:p>
+            <a:r>
+              <a:rPr lang="en-GB" dirty="0" err="1"/>
+              <a:t>Graphisme</a:t>
+            </a:r>
+            <a:r>
+              <a:rPr lang="en-GB" dirty="0"/>
+              <a:t> 2/3</a:t>
+            </a:r>
+          </a:p>
+        </p:txBody>
+      </p:sp>
+      <p:sp>
+        <p:nvSpPr>
+          <p:cNvPr id="3" name="Content Placeholder 2">
+            <a:extLst>
+              <a:ext uri="{FF2B5EF4-FFF2-40B4-BE49-F238E27FC236}">
+                <a16:creationId xmlns:a16="http://schemas.microsoft.com/office/drawing/2014/main" id="{D7315DE1-57BB-434D-81A5-1147E7B06DB8}"/>
+              </a:ext>
+            </a:extLst>
+          </p:cNvPr>
+          <p:cNvSpPr>
+            <a:spLocks noGrp="1"/>
+          </p:cNvSpPr>
+          <p:nvPr>
+            <p:ph idx="1"/>
+          </p:nvPr>
+        </p:nvSpPr>
+        <p:spPr/>
+        <p:txBody>
+          <a:bodyPr/>
+          <a:lstStyle/>
+          <a:p>
+            <a:r>
+              <a:rPr lang="en-GB" dirty="0">
+                <a:solidFill>
+                  <a:srgbClr val="00E436"/>
+                </a:solidFill>
+              </a:rPr>
+              <a:t>PSET</a:t>
+            </a:r>
+            <a:r>
+              <a:rPr lang="en-GB" dirty="0"/>
+              <a:t>()  </a:t>
+            </a:r>
+            <a:r>
+              <a:rPr lang="en-GB" dirty="0">
+                <a:solidFill>
+                  <a:srgbClr val="00E436"/>
+                </a:solidFill>
+              </a:rPr>
+              <a:t>PGET</a:t>
+            </a:r>
+            <a:r>
+              <a:rPr lang="en-GB" dirty="0"/>
+              <a:t>()</a:t>
+            </a:r>
+          </a:p>
+          <a:p>
+            <a:r>
+              <a:rPr lang="en-GB" dirty="0">
+                <a:solidFill>
+                  <a:srgbClr val="00E436"/>
+                </a:solidFill>
+              </a:rPr>
+              <a:t>LINE</a:t>
+            </a:r>
+            <a:r>
+              <a:rPr lang="en-GB" dirty="0"/>
+              <a:t>()</a:t>
+            </a:r>
+          </a:p>
+          <a:p>
+            <a:r>
+              <a:rPr lang="en-GB" dirty="0">
+                <a:solidFill>
+                  <a:srgbClr val="00E436"/>
+                </a:solidFill>
+              </a:rPr>
+              <a:t>CIRC</a:t>
+            </a:r>
+            <a:r>
+              <a:rPr lang="en-GB" dirty="0"/>
+              <a:t>()  </a:t>
+            </a:r>
+            <a:r>
+              <a:rPr lang="en-GB" dirty="0">
+                <a:solidFill>
+                  <a:srgbClr val="00E436"/>
+                </a:solidFill>
+              </a:rPr>
+              <a:t>CIRCFILL</a:t>
+            </a:r>
+            <a:r>
+              <a:rPr lang="en-GB" dirty="0"/>
+              <a:t>()</a:t>
+            </a:r>
+          </a:p>
+          <a:p>
+            <a:r>
+              <a:rPr lang="en-GB" dirty="0">
+                <a:solidFill>
+                  <a:srgbClr val="00E436"/>
+                </a:solidFill>
+              </a:rPr>
+              <a:t>RECT</a:t>
+            </a:r>
+            <a:r>
+              <a:rPr lang="en-GB" dirty="0"/>
+              <a:t>()  </a:t>
+            </a:r>
+            <a:r>
+              <a:rPr lang="en-GB" dirty="0">
+                <a:solidFill>
+                  <a:srgbClr val="00E436"/>
+                </a:solidFill>
+              </a:rPr>
+              <a:t>RECTFILL</a:t>
+            </a:r>
+            <a:r>
+              <a:rPr lang="en-GB" dirty="0"/>
+              <a:t>()</a:t>
+            </a:r>
+          </a:p>
+        </p:txBody>
+      </p:sp>
+    </p:spTree>
+    <p:extLst>
+      <p:ext uri="{BB962C8B-B14F-4D97-AF65-F5344CB8AC3E}">
+        <p14:creationId xmlns:p14="http://schemas.microsoft.com/office/powerpoint/2010/main" val="2932510471"/>
+      </p:ext>
+    </p:extLst>
+  </p:cSld>
+  <p:clrMapOvr>
+    <a:masterClrMapping/>
+  </p:clrMapOvr>
+</p:sld>
+</file>
+
+<file path=ppt/slides/slide23.xml><?xml version="1.0" encoding="utf-8"?>
+<p:sld xmlns:a="http://schemas.openxmlformats.org/drawingml/2006/main" xmlns:r="http://schemas.openxmlformats.org/officeDocument/2006/relationships" xmlns:p="http://schemas.openxmlformats.org/presentationml/2006/main" showMasterSp="0">
+  <p:cSld>
+    <p:spTree>
+      <p:nvGrpSpPr>
+        <p:cNvPr id="1" name=""/>
+        <p:cNvGrpSpPr/>
+        <p:nvPr/>
+      </p:nvGrpSpPr>
+      <p:grpSpPr>
+        <a:xfrm>
+          <a:off x="0" y="0"/>
+          <a:ext cx="0" cy="0"/>
+          <a:chOff x="0" y="0"/>
+          <a:chExt cx="0" cy="0"/>
+        </a:xfrm>
+      </p:grpSpPr>
+      <p:pic>
+        <p:nvPicPr>
+          <p:cNvPr id="9" name="Picture 8">
+            <a:extLst>
+              <a:ext uri="{FF2B5EF4-FFF2-40B4-BE49-F238E27FC236}">
+                <a16:creationId xmlns:a16="http://schemas.microsoft.com/office/drawing/2014/main" id="{2313EF94-3E31-4B40-AF9E-1EF8D0A045B9}"/>
+              </a:ext>
+            </a:extLst>
+          </p:cNvPr>
+          <p:cNvPicPr>
+            <a:picLocks noChangeAspect="1"/>
+          </p:cNvPicPr>
+          <p:nvPr/>
+        </p:nvPicPr>
+        <p:blipFill>
+          <a:blip r:embed="rId2"/>
+          <a:stretch>
+            <a:fillRect/>
+          </a:stretch>
+        </p:blipFill>
+        <p:spPr>
+          <a:xfrm>
+            <a:off x="646111" y="1414324"/>
+            <a:ext cx="5052447" cy="5165002"/>
+          </a:xfrm>
+          <a:prstGeom prst="rect">
+            <a:avLst/>
+          </a:prstGeom>
+        </p:spPr>
+      </p:pic>
+      <p:sp>
+        <p:nvSpPr>
+          <p:cNvPr id="2" name="Title 1">
+            <a:extLst>
+              <a:ext uri="{FF2B5EF4-FFF2-40B4-BE49-F238E27FC236}">
+                <a16:creationId xmlns:a16="http://schemas.microsoft.com/office/drawing/2014/main" id="{EF848EF9-DC73-47A7-81DD-6628F6404F25}"/>
+              </a:ext>
+            </a:extLst>
+          </p:cNvPr>
+          <p:cNvSpPr>
+            <a:spLocks noGrp="1"/>
+          </p:cNvSpPr>
+          <p:nvPr>
+            <p:ph type="title"/>
+          </p:nvPr>
+        </p:nvSpPr>
+        <p:spPr/>
+        <p:txBody>
+          <a:bodyPr/>
+          <a:lstStyle/>
+          <a:p>
+            <a:r>
+              <a:rPr lang="en-GB" dirty="0" err="1"/>
+              <a:t>Graphisme</a:t>
+            </a:r>
+            <a:r>
+              <a:rPr lang="en-GB" dirty="0"/>
+              <a:t> 3/3</a:t>
+            </a:r>
+          </a:p>
+        </p:txBody>
+      </p:sp>
+      <p:sp>
+        <p:nvSpPr>
+          <p:cNvPr id="3" name="Content Placeholder 2">
+            <a:extLst>
+              <a:ext uri="{FF2B5EF4-FFF2-40B4-BE49-F238E27FC236}">
+                <a16:creationId xmlns:a16="http://schemas.microsoft.com/office/drawing/2014/main" id="{D7315DE1-57BB-434D-81A5-1147E7B06DB8}"/>
+              </a:ext>
+            </a:extLst>
+          </p:cNvPr>
+          <p:cNvSpPr>
+            <a:spLocks noGrp="1"/>
+          </p:cNvSpPr>
+          <p:nvPr>
+            <p:ph idx="1"/>
+          </p:nvPr>
+        </p:nvSpPr>
+        <p:spPr>
+          <a:xfrm>
+            <a:off x="6244046" y="2052918"/>
+            <a:ext cx="3805807" cy="4195481"/>
+          </a:xfrm>
+        </p:spPr>
+        <p:txBody>
+          <a:bodyPr/>
+          <a:lstStyle/>
+          <a:p>
+            <a:r>
+              <a:rPr lang="en-GB" dirty="0">
+                <a:solidFill>
+                  <a:srgbClr val="00E436"/>
+                </a:solidFill>
+              </a:rPr>
+              <a:t>SPR</a:t>
+            </a:r>
+            <a:r>
+              <a:rPr lang="en-GB" dirty="0"/>
+              <a:t>()</a:t>
+            </a:r>
+          </a:p>
+          <a:p>
+            <a:r>
+              <a:rPr lang="en-GB" dirty="0">
+                <a:solidFill>
+                  <a:srgbClr val="00E436"/>
+                </a:solidFill>
+              </a:rPr>
+              <a:t>SSPR</a:t>
+            </a:r>
+            <a:r>
+              <a:rPr lang="en-GB" dirty="0"/>
+              <a:t>()</a:t>
+            </a:r>
+          </a:p>
+          <a:p>
+            <a:r>
+              <a:rPr lang="en-GB" dirty="0">
+                <a:solidFill>
+                  <a:srgbClr val="00E436"/>
+                </a:solidFill>
+              </a:rPr>
+              <a:t>MAP</a:t>
+            </a:r>
+            <a:r>
+              <a:rPr lang="en-GB" dirty="0"/>
+              <a:t>()</a:t>
+            </a:r>
+          </a:p>
+        </p:txBody>
+      </p:sp>
+    </p:spTree>
+    <p:extLst>
+      <p:ext uri="{BB962C8B-B14F-4D97-AF65-F5344CB8AC3E}">
+        <p14:creationId xmlns:p14="http://schemas.microsoft.com/office/powerpoint/2010/main" val="711069124"/>
+      </p:ext>
+    </p:extLst>
+  </p:cSld>
+  <p:clrMapOvr>
+    <a:masterClrMapping/>
+  </p:clrMapOvr>
+</p:sld>
+</file>
+
+<file path=ppt/slides/slide24.xml><?xml version="1.0" encoding="utf-8"?>
+<p:sld xmlns:a="http://schemas.openxmlformats.org/drawingml/2006/main" xmlns:r="http://schemas.openxmlformats.org/officeDocument/2006/relationships" xmlns:p="http://schemas.openxmlformats.org/presentationml/2006/main" showMasterSp="0">
+  <p:cSld>
+    <p:spTree>
+      <p:nvGrpSpPr>
+        <p:cNvPr id="1" name=""/>
+        <p:cNvGrpSpPr/>
+        <p:nvPr/>
+      </p:nvGrpSpPr>
+      <p:grpSpPr>
+        <a:xfrm>
+          <a:off x="0" y="0"/>
+          <a:ext cx="0" cy="0"/>
+          <a:chOff x="0" y="0"/>
+          <a:chExt cx="0" cy="0"/>
+        </a:xfrm>
+      </p:grpSpPr>
+      <p:sp>
+        <p:nvSpPr>
+          <p:cNvPr id="2" name="Title 1">
+            <a:extLst>
+              <a:ext uri="{FF2B5EF4-FFF2-40B4-BE49-F238E27FC236}">
+                <a16:creationId xmlns:a16="http://schemas.microsoft.com/office/drawing/2014/main" id="{EF848EF9-DC73-47A7-81DD-6628F6404F25}"/>
+              </a:ext>
+            </a:extLst>
+          </p:cNvPr>
+          <p:cNvSpPr>
+            <a:spLocks noGrp="1"/>
+          </p:cNvSpPr>
+          <p:nvPr>
+            <p:ph type="title"/>
+          </p:nvPr>
+        </p:nvSpPr>
+        <p:spPr/>
+        <p:txBody>
+          <a:bodyPr/>
+          <a:lstStyle/>
+          <a:p>
+            <a:r>
+              <a:rPr lang="en-GB" dirty="0"/>
+              <a:t>Son et musique</a:t>
+            </a:r>
+          </a:p>
+        </p:txBody>
+      </p:sp>
+      <p:sp>
+        <p:nvSpPr>
+          <p:cNvPr id="3" name="Content Placeholder 2">
+            <a:extLst>
+              <a:ext uri="{FF2B5EF4-FFF2-40B4-BE49-F238E27FC236}">
+                <a16:creationId xmlns:a16="http://schemas.microsoft.com/office/drawing/2014/main" id="{D7315DE1-57BB-434D-81A5-1147E7B06DB8}"/>
+              </a:ext>
+            </a:extLst>
+          </p:cNvPr>
+          <p:cNvSpPr>
+            <a:spLocks noGrp="1"/>
+          </p:cNvSpPr>
+          <p:nvPr>
+            <p:ph idx="1"/>
+          </p:nvPr>
+        </p:nvSpPr>
+        <p:spPr/>
+        <p:txBody>
+          <a:bodyPr/>
+          <a:lstStyle/>
+          <a:p>
+            <a:r>
+              <a:rPr lang="en-GB" dirty="0">
+                <a:solidFill>
+                  <a:srgbClr val="00E436"/>
+                </a:solidFill>
+              </a:rPr>
+              <a:t>SFX</a:t>
+            </a:r>
+            <a:r>
+              <a:rPr lang="en-GB" dirty="0"/>
+              <a:t>()</a:t>
+            </a:r>
+          </a:p>
+          <a:p>
+            <a:r>
+              <a:rPr lang="en-GB" dirty="0">
+                <a:solidFill>
+                  <a:srgbClr val="00E436"/>
+                </a:solidFill>
+              </a:rPr>
+              <a:t>MUS</a:t>
+            </a:r>
+            <a:r>
+              <a:rPr lang="en-GB" dirty="0"/>
+              <a:t>()</a:t>
+            </a:r>
+          </a:p>
+        </p:txBody>
+      </p:sp>
+    </p:spTree>
+    <p:extLst>
+      <p:ext uri="{BB962C8B-B14F-4D97-AF65-F5344CB8AC3E}">
+        <p14:creationId xmlns:p14="http://schemas.microsoft.com/office/powerpoint/2010/main" val="643790943"/>
+      </p:ext>
+    </p:extLst>
+  </p:cSld>
+  <p:clrMapOvr>
+    <a:masterClrMapping/>
+  </p:clrMapOvr>
+</p:sld>
+</file>
+
+<file path=ppt/slides/slide25.xml><?xml version="1.0" encoding="utf-8"?>
+<p:sld xmlns:a="http://schemas.openxmlformats.org/drawingml/2006/main" xmlns:r="http://schemas.openxmlformats.org/officeDocument/2006/relationships" xmlns:p="http://schemas.openxmlformats.org/presentationml/2006/main" showMasterSp="0">
+  <p:cSld>
+    <p:spTree>
+      <p:nvGrpSpPr>
+        <p:cNvPr id="1" name=""/>
+        <p:cNvGrpSpPr/>
+        <p:nvPr/>
+      </p:nvGrpSpPr>
+      <p:grpSpPr>
+        <a:xfrm>
+          <a:off x="0" y="0"/>
+          <a:ext cx="0" cy="0"/>
+          <a:chOff x="0" y="0"/>
+          <a:chExt cx="0" cy="0"/>
+        </a:xfrm>
+      </p:grpSpPr>
+      <p:sp>
+        <p:nvSpPr>
+          <p:cNvPr id="2" name="Title 1">
+            <a:extLst>
+              <a:ext uri="{FF2B5EF4-FFF2-40B4-BE49-F238E27FC236}">
+                <a16:creationId xmlns:a16="http://schemas.microsoft.com/office/drawing/2014/main" id="{EF848EF9-DC73-47A7-81DD-6628F6404F25}"/>
+              </a:ext>
+            </a:extLst>
+          </p:cNvPr>
+          <p:cNvSpPr>
+            <a:spLocks noGrp="1"/>
+          </p:cNvSpPr>
+          <p:nvPr>
+            <p:ph type="title"/>
+          </p:nvPr>
+        </p:nvSpPr>
+        <p:spPr>
+          <a:xfrm>
+            <a:off x="646111" y="452718"/>
+            <a:ext cx="10005602" cy="1400530"/>
+          </a:xfrm>
+        </p:spPr>
+        <p:txBody>
+          <a:bodyPr/>
+          <a:lstStyle/>
+          <a:p>
+            <a:r>
+              <a:rPr lang="en-GB" dirty="0" err="1"/>
+              <a:t>Controles</a:t>
+            </a:r>
+            <a:r>
+              <a:rPr lang="en-GB" dirty="0"/>
+              <a:t> et </a:t>
+            </a:r>
+            <a:r>
+              <a:rPr lang="en-GB" dirty="0" err="1"/>
+              <a:t>systeme</a:t>
+            </a:r>
+            <a:endParaRPr lang="en-GB" dirty="0"/>
+          </a:p>
+        </p:txBody>
+      </p:sp>
+      <p:sp>
+        <p:nvSpPr>
+          <p:cNvPr id="3" name="Content Placeholder 2">
+            <a:extLst>
+              <a:ext uri="{FF2B5EF4-FFF2-40B4-BE49-F238E27FC236}">
+                <a16:creationId xmlns:a16="http://schemas.microsoft.com/office/drawing/2014/main" id="{D7315DE1-57BB-434D-81A5-1147E7B06DB8}"/>
+              </a:ext>
+            </a:extLst>
+          </p:cNvPr>
+          <p:cNvSpPr>
+            <a:spLocks noGrp="1"/>
+          </p:cNvSpPr>
+          <p:nvPr>
+            <p:ph idx="1"/>
+          </p:nvPr>
+        </p:nvSpPr>
+        <p:spPr/>
+        <p:txBody>
+          <a:bodyPr/>
+          <a:lstStyle/>
+          <a:p>
+            <a:r>
+              <a:rPr lang="en-GB" dirty="0">
+                <a:solidFill>
+                  <a:srgbClr val="00E436"/>
+                </a:solidFill>
+              </a:rPr>
+              <a:t>BTN</a:t>
+            </a:r>
+            <a:r>
+              <a:rPr lang="en-GB" dirty="0"/>
+              <a:t>()</a:t>
+            </a:r>
+          </a:p>
+          <a:p>
+            <a:r>
+              <a:rPr lang="en-GB" dirty="0">
+                <a:solidFill>
+                  <a:srgbClr val="00E436"/>
+                </a:solidFill>
+              </a:rPr>
+              <a:t>BTNP</a:t>
+            </a:r>
+            <a:r>
+              <a:rPr lang="en-GB" dirty="0"/>
+              <a:t>()</a:t>
+            </a:r>
+          </a:p>
+          <a:p>
+            <a:endParaRPr lang="en-GB" dirty="0">
+              <a:solidFill>
+                <a:srgbClr val="00E436"/>
+              </a:solidFill>
+            </a:endParaRPr>
+          </a:p>
+          <a:p>
+            <a:r>
+              <a:rPr lang="en-GB" dirty="0">
+                <a:solidFill>
+                  <a:srgbClr val="00E436"/>
+                </a:solidFill>
+              </a:rPr>
+              <a:t>T</a:t>
+            </a:r>
+            <a:r>
+              <a:rPr lang="en-GB" dirty="0"/>
+              <a:t>()</a:t>
+            </a:r>
+          </a:p>
+          <a:p>
+            <a:endParaRPr lang="en-GB" dirty="0"/>
+          </a:p>
+          <a:p>
+            <a:r>
+              <a:rPr lang="en-GB" dirty="0">
+                <a:solidFill>
+                  <a:srgbClr val="00E436"/>
+                </a:solidFill>
+              </a:rPr>
+              <a:t>PEEK</a:t>
+            </a:r>
+            <a:r>
+              <a:rPr lang="en-GB" dirty="0"/>
+              <a:t>()  </a:t>
+            </a:r>
+            <a:r>
+              <a:rPr lang="en-GB" dirty="0">
+                <a:solidFill>
+                  <a:srgbClr val="00E436"/>
+                </a:solidFill>
+              </a:rPr>
+              <a:t>POKE</a:t>
+            </a:r>
+            <a:r>
+              <a:rPr lang="en-GB" dirty="0"/>
+              <a:t>()  </a:t>
+            </a:r>
+            <a:r>
+              <a:rPr lang="en-GB" dirty="0">
+                <a:solidFill>
+                  <a:srgbClr val="00E436"/>
+                </a:solidFill>
+              </a:rPr>
+              <a:t>STAT</a:t>
+            </a:r>
+            <a:r>
+              <a:rPr lang="en-GB" dirty="0"/>
+              <a:t>()</a:t>
+            </a:r>
+          </a:p>
+        </p:txBody>
+      </p:sp>
+    </p:spTree>
+    <p:extLst>
+      <p:ext uri="{BB962C8B-B14F-4D97-AF65-F5344CB8AC3E}">
+        <p14:creationId xmlns:p14="http://schemas.microsoft.com/office/powerpoint/2010/main" val="3155731721"/>
+      </p:ext>
+    </p:extLst>
+  </p:cSld>
+  <p:clrMapOvr>
+    <a:masterClrMapping/>
+  </p:clrMapOvr>
+</p:sld>
+</file>
+
+<file path=ppt/slides/slide26.xml><?xml version="1.0" encoding="utf-8"?>
+<p:sld xmlns:a="http://schemas.openxmlformats.org/drawingml/2006/main" xmlns:r="http://schemas.openxmlformats.org/officeDocument/2006/relationships" xmlns:p="http://schemas.openxmlformats.org/presentationml/2006/main">
+  <p:cSld>
+    <p:spTree>
+      <p:nvGrpSpPr>
+        <p:cNvPr id="1" name=""/>
+        <p:cNvGrpSpPr/>
+        <p:nvPr/>
+      </p:nvGrpSpPr>
+      <p:grpSpPr>
+        <a:xfrm>
+          <a:off x="0" y="0"/>
+          <a:ext cx="0" cy="0"/>
+          <a:chOff x="0" y="0"/>
+          <a:chExt cx="0" cy="0"/>
+        </a:xfrm>
+      </p:grpSpPr>
+      <p:sp>
+        <p:nvSpPr>
+          <p:cNvPr id="2" name="Title 1">
+            <a:extLst>
+              <a:ext uri="{FF2B5EF4-FFF2-40B4-BE49-F238E27FC236}">
+                <a16:creationId xmlns:a16="http://schemas.microsoft.com/office/drawing/2014/main" id="{E5B25905-BEC4-4FBD-87ED-52B6DFF73857}"/>
+              </a:ext>
+            </a:extLst>
+          </p:cNvPr>
+          <p:cNvSpPr>
+            <a:spLocks noGrp="1"/>
+          </p:cNvSpPr>
+          <p:nvPr>
+            <p:ph type="title"/>
+          </p:nvPr>
+        </p:nvSpPr>
+        <p:spPr/>
+        <p:txBody>
+          <a:bodyPr/>
+          <a:lstStyle/>
+          <a:p>
+            <a:r>
+              <a:rPr lang="en-GB" dirty="0"/>
+              <a:t>Aller plus loin</a:t>
+            </a:r>
+          </a:p>
+        </p:txBody>
+      </p:sp>
+      <p:sp>
+        <p:nvSpPr>
+          <p:cNvPr id="3" name="Content Placeholder 2">
+            <a:extLst>
+              <a:ext uri="{FF2B5EF4-FFF2-40B4-BE49-F238E27FC236}">
+                <a16:creationId xmlns:a16="http://schemas.microsoft.com/office/drawing/2014/main" id="{19FEA057-123C-4A54-B664-018A9495B714}"/>
+              </a:ext>
+            </a:extLst>
+          </p:cNvPr>
+          <p:cNvSpPr>
+            <a:spLocks noGrp="1"/>
+          </p:cNvSpPr>
+          <p:nvPr>
+            <p:ph idx="1"/>
+          </p:nvPr>
+        </p:nvSpPr>
+        <p:spPr/>
+        <p:txBody>
+          <a:bodyPr>
+            <a:normAutofit lnSpcReduction="10000"/>
+          </a:bodyPr>
+          <a:lstStyle/>
+          <a:p>
+            <a:r>
+              <a:rPr lang="en-GB" dirty="0">
+                <a:solidFill>
+                  <a:srgbClr val="00E436"/>
+                </a:solidFill>
+              </a:rPr>
+              <a:t>SPLORE</a:t>
+            </a:r>
+          </a:p>
+          <a:p>
+            <a:r>
+              <a:rPr lang="en-GB" dirty="0"/>
+              <a:t>Forums </a:t>
+            </a:r>
+            <a:r>
+              <a:rPr lang="en-GB" dirty="0" err="1"/>
+              <a:t>officiels</a:t>
+            </a:r>
+            <a:r>
+              <a:rPr lang="en-GB" dirty="0"/>
+              <a:t> :</a:t>
+            </a:r>
+            <a:br>
+              <a:rPr lang="en-GB" dirty="0"/>
+            </a:br>
+            <a:r>
+              <a:rPr lang="en-GB" dirty="0">
+                <a:solidFill>
+                  <a:srgbClr val="29ADFF"/>
+                </a:solidFill>
+              </a:rPr>
+              <a:t>www.lexaloffle.com/bbs</a:t>
+            </a:r>
+          </a:p>
+          <a:p>
+            <a:r>
+              <a:rPr lang="en-GB" dirty="0"/>
+              <a:t>Wiki :</a:t>
+            </a:r>
+            <a:br>
+              <a:rPr lang="en-GB" dirty="0"/>
+            </a:br>
+            <a:r>
+              <a:rPr lang="en-GB" dirty="0">
+                <a:solidFill>
+                  <a:srgbClr val="29ADFF"/>
+                </a:solidFill>
+              </a:rPr>
+              <a:t>pico-8.fandom.com</a:t>
+            </a:r>
+          </a:p>
+          <a:p>
+            <a:r>
+              <a:rPr lang="en-GB" dirty="0"/>
+              <a:t>Chat Discord :</a:t>
+            </a:r>
+            <a:br>
+              <a:rPr lang="en-GB" dirty="0"/>
+            </a:br>
+            <a:r>
+              <a:rPr lang="en-GB" dirty="0">
+                <a:solidFill>
+                  <a:srgbClr val="29ADFF"/>
+                </a:solidFill>
+              </a:rPr>
+              <a:t>discord.gg/EwQ86eq</a:t>
+            </a:r>
+          </a:p>
+        </p:txBody>
+      </p:sp>
+    </p:spTree>
+    <p:extLst>
+      <p:ext uri="{BB962C8B-B14F-4D97-AF65-F5344CB8AC3E}">
+        <p14:creationId xmlns:p14="http://schemas.microsoft.com/office/powerpoint/2010/main" val="3119732893"/>
+      </p:ext>
+    </p:extLst>
+  </p:cSld>
+  <p:clrMapOvr>
+    <a:masterClrMapping/>
+  </p:clrMapOvr>
+</p:sld>
+</file>
+
+<file path=ppt/slides/slide27.xml><?xml version="1.0" encoding="utf-8"?>
+<p:sld xmlns:a="http://schemas.openxmlformats.org/drawingml/2006/main" xmlns:r="http://schemas.openxmlformats.org/officeDocument/2006/relationships" xmlns:p="http://schemas.openxmlformats.org/presentationml/2006/main">
+  <p:cSld>
+    <p:spTree>
+      <p:nvGrpSpPr>
+        <p:cNvPr id="1" name=""/>
+        <p:cNvGrpSpPr/>
+        <p:nvPr/>
+      </p:nvGrpSpPr>
+      <p:grpSpPr>
+        <a:xfrm>
+          <a:off x="0" y="0"/>
+          <a:ext cx="0" cy="0"/>
+          <a:chOff x="0" y="0"/>
+          <a:chExt cx="0" cy="0"/>
+        </a:xfrm>
+      </p:grpSpPr>
+      <p:sp>
+        <p:nvSpPr>
+          <p:cNvPr id="2" name="Title 1">
+            <a:extLst>
+              <a:ext uri="{FF2B5EF4-FFF2-40B4-BE49-F238E27FC236}">
+                <a16:creationId xmlns:a16="http://schemas.microsoft.com/office/drawing/2014/main" id="{E5B25905-BEC4-4FBD-87ED-52B6DFF73857}"/>
+              </a:ext>
+            </a:extLst>
+          </p:cNvPr>
+          <p:cNvSpPr>
+            <a:spLocks noGrp="1"/>
+          </p:cNvSpPr>
+          <p:nvPr>
+            <p:ph type="title"/>
+          </p:nvPr>
+        </p:nvSpPr>
+        <p:spPr/>
+        <p:txBody>
+          <a:bodyPr/>
+          <a:lstStyle/>
+          <a:p>
+            <a:r>
+              <a:rPr lang="en-GB" dirty="0" err="1"/>
+              <a:t>C'est</a:t>
+            </a:r>
+            <a:r>
+              <a:rPr lang="en-GB" dirty="0"/>
+              <a:t> </a:t>
+            </a:r>
+            <a:r>
+              <a:rPr lang="en-GB" dirty="0" err="1"/>
+              <a:t>parti</a:t>
+            </a:r>
+            <a:r>
+              <a:rPr lang="en-GB" dirty="0"/>
+              <a:t> !</a:t>
+            </a:r>
+          </a:p>
+        </p:txBody>
+      </p:sp>
+      <p:sp>
+        <p:nvSpPr>
+          <p:cNvPr id="3" name="Content Placeholder 2">
+            <a:extLst>
+              <a:ext uri="{FF2B5EF4-FFF2-40B4-BE49-F238E27FC236}">
+                <a16:creationId xmlns:a16="http://schemas.microsoft.com/office/drawing/2014/main" id="{19FEA057-123C-4A54-B664-018A9495B714}"/>
+              </a:ext>
+            </a:extLst>
+          </p:cNvPr>
+          <p:cNvSpPr>
+            <a:spLocks noGrp="1"/>
+          </p:cNvSpPr>
+          <p:nvPr>
+            <p:ph idx="1"/>
+          </p:nvPr>
+        </p:nvSpPr>
+        <p:spPr>
+          <a:xfrm>
+            <a:off x="1103312" y="2052918"/>
+            <a:ext cx="9738859" cy="4195481"/>
+          </a:xfrm>
+        </p:spPr>
+        <p:txBody>
+          <a:bodyPr>
+            <a:normAutofit/>
+          </a:bodyPr>
+          <a:lstStyle/>
+          <a:p>
+            <a:r>
+              <a:rPr lang="en-GB" dirty="0" err="1"/>
+              <a:t>Faisons</a:t>
+            </a:r>
+            <a:r>
+              <a:rPr lang="en-GB" dirty="0"/>
+              <a:t> un petit </a:t>
+            </a:r>
+            <a:r>
+              <a:rPr lang="en-GB" dirty="0" err="1"/>
+              <a:t>jeu</a:t>
+            </a:r>
+            <a:r>
+              <a:rPr lang="en-GB" dirty="0"/>
+              <a:t> ensemble</a:t>
+            </a:r>
+          </a:p>
+          <a:p>
+            <a:endParaRPr lang="en-GB" dirty="0">
+              <a:solidFill>
+                <a:srgbClr val="29ADFF"/>
+              </a:solidFill>
+            </a:endParaRPr>
+          </a:p>
+        </p:txBody>
+      </p:sp>
+      <p:pic>
+        <p:nvPicPr>
+          <p:cNvPr id="1026" name="Picture 2" descr="Image result for best pico-8 games">
+            <a:extLst>
+              <a:ext uri="{FF2B5EF4-FFF2-40B4-BE49-F238E27FC236}">
+                <a16:creationId xmlns:a16="http://schemas.microsoft.com/office/drawing/2014/main" id="{29886445-CBD9-487D-A5F9-175BEF1FE05B}"/>
+              </a:ext>
+            </a:extLst>
+          </p:cNvPr>
+          <p:cNvPicPr>
+            <a:picLocks noChangeAspect="1" noChangeArrowheads="1"/>
+          </p:cNvPicPr>
+          <p:nvPr/>
+        </p:nvPicPr>
+        <p:blipFill>
+          <a:blip r:embed="rId2">
+            <a:extLst>
+              <a:ext uri="{28A0092B-C50C-407E-A947-70E740481C1C}">
+                <a14:useLocalDpi xmlns:a14="http://schemas.microsoft.com/office/drawing/2010/main" val="0"/>
+              </a:ext>
+            </a:extLst>
+          </a:blip>
+          <a:srcRect/>
+          <a:stretch>
+            <a:fillRect/>
+          </a:stretch>
+        </p:blipFill>
+        <p:spPr bwMode="auto">
+          <a:xfrm>
+            <a:off x="699715" y="3121523"/>
+            <a:ext cx="2554695" cy="2554695"/>
+          </a:xfrm>
+          <a:prstGeom prst="rect">
+            <a:avLst/>
+          </a:prstGeom>
+          <a:noFill/>
+          <a:extLst>
+            <a:ext uri="{909E8E84-426E-40DD-AFC4-6F175D3DCCD1}">
+              <a14:hiddenFill xmlns:a14="http://schemas.microsoft.com/office/drawing/2010/main">
+                <a:solidFill>
+                  <a:srgbClr val="FFFFFF"/>
+                </a:solidFill>
+              </a14:hiddenFill>
+            </a:ext>
+          </a:extLst>
+        </p:spPr>
+      </p:pic>
+      <p:pic>
+        <p:nvPicPr>
+          <p:cNvPr id="1028" name="Picture 4" descr="Image result for best pico-8 games">
+            <a:extLst>
+              <a:ext uri="{FF2B5EF4-FFF2-40B4-BE49-F238E27FC236}">
+                <a16:creationId xmlns:a16="http://schemas.microsoft.com/office/drawing/2014/main" id="{B8571C9E-4479-46A3-8DC4-748B0D8A10BF}"/>
+              </a:ext>
+            </a:extLst>
+          </p:cNvPr>
+          <p:cNvPicPr>
+            <a:picLocks noChangeAspect="1" noChangeArrowheads="1"/>
+          </p:cNvPicPr>
+          <p:nvPr/>
+        </p:nvPicPr>
+        <p:blipFill>
+          <a:blip r:embed="rId3">
+            <a:extLst>
+              <a:ext uri="{28A0092B-C50C-407E-A947-70E740481C1C}">
+                <a14:useLocalDpi xmlns:a14="http://schemas.microsoft.com/office/drawing/2010/main" val="0"/>
+              </a:ext>
+            </a:extLst>
+          </a:blip>
+          <a:srcRect/>
+          <a:stretch>
+            <a:fillRect/>
+          </a:stretch>
+        </p:blipFill>
+        <p:spPr bwMode="auto">
+          <a:xfrm>
+            <a:off x="3433458" y="3121525"/>
+            <a:ext cx="2554694" cy="2554694"/>
+          </a:xfrm>
+          <a:prstGeom prst="rect">
+            <a:avLst/>
+          </a:prstGeom>
+          <a:noFill/>
+          <a:extLst>
+            <a:ext uri="{909E8E84-426E-40DD-AFC4-6F175D3DCCD1}">
+              <a14:hiddenFill xmlns:a14="http://schemas.microsoft.com/office/drawing/2010/main">
+                <a:solidFill>
+                  <a:srgbClr val="FFFFFF"/>
+                </a:solidFill>
+              </a14:hiddenFill>
+            </a:ext>
+          </a:extLst>
+        </p:spPr>
+      </p:pic>
+      <p:pic>
+        <p:nvPicPr>
+          <p:cNvPr id="1030" name="Picture 6" descr="Image result for pico-8 games">
+            <a:extLst>
+              <a:ext uri="{FF2B5EF4-FFF2-40B4-BE49-F238E27FC236}">
+                <a16:creationId xmlns:a16="http://schemas.microsoft.com/office/drawing/2014/main" id="{F29F2DCB-9498-4683-AC8E-86DE8C9E60DD}"/>
+              </a:ext>
+            </a:extLst>
+          </p:cNvPr>
+          <p:cNvPicPr>
+            <a:picLocks noChangeAspect="1" noChangeArrowheads="1"/>
+          </p:cNvPicPr>
+          <p:nvPr/>
+        </p:nvPicPr>
+        <p:blipFill>
+          <a:blip r:embed="rId4">
+            <a:extLst>
+              <a:ext uri="{28A0092B-C50C-407E-A947-70E740481C1C}">
+                <a14:useLocalDpi xmlns:a14="http://schemas.microsoft.com/office/drawing/2010/main" val="0"/>
+              </a:ext>
+            </a:extLst>
+          </a:blip>
+          <a:srcRect/>
+          <a:stretch>
+            <a:fillRect/>
+          </a:stretch>
+        </p:blipFill>
+        <p:spPr bwMode="auto">
+          <a:xfrm>
+            <a:off x="6096000" y="3121523"/>
+            <a:ext cx="2743060" cy="2554695"/>
+          </a:xfrm>
+          <a:prstGeom prst="rect">
+            <a:avLst/>
+          </a:prstGeom>
+          <a:noFill/>
+          <a:extLst>
+            <a:ext uri="{909E8E84-426E-40DD-AFC4-6F175D3DCCD1}">
+              <a14:hiddenFill xmlns:a14="http://schemas.microsoft.com/office/drawing/2010/main">
+                <a:solidFill>
+                  <a:srgbClr val="FFFFFF"/>
+                </a:solidFill>
+              </a14:hiddenFill>
+            </a:ext>
+          </a:extLst>
+        </p:spPr>
+      </p:pic>
+      <p:pic>
+        <p:nvPicPr>
+          <p:cNvPr id="1032" name="Picture 8" descr="Image result for pico-8 games">
+            <a:extLst>
+              <a:ext uri="{FF2B5EF4-FFF2-40B4-BE49-F238E27FC236}">
+                <a16:creationId xmlns:a16="http://schemas.microsoft.com/office/drawing/2014/main" id="{70AE9EFB-1B51-40D0-8FEC-CDDB1F062E74}"/>
+              </a:ext>
+            </a:extLst>
+          </p:cNvPr>
+          <p:cNvPicPr>
+            <a:picLocks noChangeAspect="1" noChangeArrowheads="1"/>
+          </p:cNvPicPr>
+          <p:nvPr/>
+        </p:nvPicPr>
+        <p:blipFill>
+          <a:blip r:embed="rId5">
+            <a:extLst>
+              <a:ext uri="{28A0092B-C50C-407E-A947-70E740481C1C}">
+                <a14:useLocalDpi xmlns:a14="http://schemas.microsoft.com/office/drawing/2010/main" val="0"/>
+              </a:ext>
+            </a:extLst>
+          </a:blip>
+          <a:srcRect/>
+          <a:stretch>
+            <a:fillRect/>
+          </a:stretch>
+        </p:blipFill>
+        <p:spPr bwMode="auto">
+          <a:xfrm>
+            <a:off x="8946908" y="3121523"/>
+            <a:ext cx="2554695" cy="2554695"/>
+          </a:xfrm>
+          <a:prstGeom prst="rect">
+            <a:avLst/>
+          </a:prstGeom>
+          <a:noFill/>
+          <a:extLst>
+            <a:ext uri="{909E8E84-426E-40DD-AFC4-6F175D3DCCD1}">
+              <a14:hiddenFill xmlns:a14="http://schemas.microsoft.com/office/drawing/2010/main">
+                <a:solidFill>
+                  <a:srgbClr val="FFFFFF"/>
+                </a:solidFill>
+              </a14:hiddenFill>
+            </a:ext>
+          </a:extLst>
+        </p:spPr>
+      </p:pic>
+    </p:spTree>
+    <p:extLst>
+      <p:ext uri="{BB962C8B-B14F-4D97-AF65-F5344CB8AC3E}">
+        <p14:creationId xmlns:p14="http://schemas.microsoft.com/office/powerpoint/2010/main" val="2299592751"/>
       </p:ext>
     </p:extLst>
   </p:cSld>
@@ -6437,56 +11017,8 @@
           <a:lstStyle/>
           <a:p>
             <a:r>
-              <a:rPr lang="en-GB" sz="5600" dirty="0" err="1">
-                <a:solidFill>
-                  <a:schemeClr val="accent1">
-                    <a:lumMod val="40000"/>
-                    <a:lumOff val="60000"/>
-                  </a:schemeClr>
-                </a:solidFill>
-                <a:latin typeface="Impact" panose="020B0806030902050204" pitchFamily="34" charset="0"/>
-                <a:cs typeface="Times New Roman" panose="02020603050405020304" pitchFamily="18" charset="0"/>
-              </a:rPr>
-              <a:t>Graphisme</a:t>
-            </a:r>
-            <a:r>
-              <a:rPr lang="en-GB" sz="5600" dirty="0">
-                <a:solidFill>
-                  <a:schemeClr val="accent1">
-                    <a:lumMod val="40000"/>
-                    <a:lumOff val="60000"/>
-                  </a:schemeClr>
-                </a:solidFill>
-                <a:latin typeface="Impact" panose="020B0806030902050204" pitchFamily="34" charset="0"/>
-                <a:cs typeface="Times New Roman" panose="02020603050405020304" pitchFamily="18" charset="0"/>
-              </a:rPr>
-              <a:t> (1/3) : mise </a:t>
-            </a:r>
-            <a:r>
-              <a:rPr lang="en-GB" sz="5600" dirty="0" err="1">
-                <a:solidFill>
-                  <a:schemeClr val="accent1">
-                    <a:lumMod val="40000"/>
-                    <a:lumOff val="60000"/>
-                  </a:schemeClr>
-                </a:solidFill>
-                <a:latin typeface="Impact" panose="020B0806030902050204" pitchFamily="34" charset="0"/>
-                <a:cs typeface="Times New Roman" panose="02020603050405020304" pitchFamily="18" charset="0"/>
-              </a:rPr>
-              <a:t>en</a:t>
-            </a:r>
-            <a:r>
-              <a:rPr lang="en-GB" sz="5600" dirty="0">
-                <a:solidFill>
-                  <a:schemeClr val="accent1">
-                    <a:lumMod val="40000"/>
-                    <a:lumOff val="60000"/>
-                  </a:schemeClr>
-                </a:solidFill>
-                <a:latin typeface="Impact" panose="020B0806030902050204" pitchFamily="34" charset="0"/>
-                <a:cs typeface="Times New Roman" panose="02020603050405020304" pitchFamily="18" charset="0"/>
-              </a:rPr>
-              <a:t> place</a:t>
+              <a:rPr lang="en-GB" dirty="0"/>
+              <a:t>Premiers pas</a:t>
             </a:r>
           </a:p>
         </p:txBody>
@@ -6507,134 +11039,122 @@
             <p:ph idx="1"/>
           </p:nvPr>
         </p:nvSpPr>
-        <p:spPr/>
-        <p:txBody>
-          <a:bodyPr>
-            <a:normAutofit/>
-          </a:bodyPr>
+        <p:spPr>
+          <a:xfrm>
+            <a:off x="5677989" y="2052918"/>
+            <a:ext cx="6200502" cy="4195481"/>
+          </a:xfrm>
+        </p:spPr>
+        <p:txBody>
+          <a:bodyPr/>
           <a:lstStyle/>
           <a:p>
-            <a:pPr>
-              <a:lnSpc>
-                <a:spcPct val="150000"/>
-              </a:lnSpc>
-              <a:buClr>
-                <a:schemeClr val="accent1">
-                  <a:lumMod val="40000"/>
-                  <a:lumOff val="60000"/>
-                </a:schemeClr>
-              </a:buClr>
-              <a:buSzPct val="140000"/>
-              <a:buFont typeface="Wingdings" panose="05000000000000000000" pitchFamily="2" charset="2"/>
-              <a:buChar char="§"/>
-            </a:pPr>
-            <a:r>
-              <a:rPr lang="en-GB" sz="3000" dirty="0">
-                <a:solidFill>
-                  <a:schemeClr val="accent3">
-                    <a:lumMod val="40000"/>
-                    <a:lumOff val="60000"/>
-                  </a:schemeClr>
-                </a:solidFill>
-                <a:latin typeface="Zepto-8" panose="00000400000000000000" pitchFamily="2" charset="-128"/>
-                <a:ea typeface="Zepto-8" panose="00000400000000000000" pitchFamily="2" charset="-128"/>
-              </a:rPr>
-              <a:t>ECRAN : 128x128</a:t>
-            </a:r>
-          </a:p>
-          <a:p>
-            <a:pPr>
-              <a:lnSpc>
-                <a:spcPct val="150000"/>
-              </a:lnSpc>
-              <a:buClr>
-                <a:schemeClr val="accent1">
-                  <a:lumMod val="40000"/>
-                  <a:lumOff val="60000"/>
-                </a:schemeClr>
-              </a:buClr>
-              <a:buSzPct val="140000"/>
-              <a:buFont typeface="Wingdings" panose="05000000000000000000" pitchFamily="2" charset="2"/>
-              <a:buChar char="§"/>
-            </a:pPr>
-            <a:r>
-              <a:rPr lang="en-GB" sz="3000" dirty="0">
-                <a:solidFill>
-                  <a:schemeClr val="accent3">
-                    <a:lumMod val="40000"/>
-                    <a:lumOff val="60000"/>
-                  </a:schemeClr>
-                </a:solidFill>
-                <a:latin typeface="Zepto-8" panose="00000400000000000000" pitchFamily="2" charset="-128"/>
-                <a:ea typeface="Zepto-8" panose="00000400000000000000" pitchFamily="2" charset="-128"/>
-              </a:rPr>
-              <a:t>PALETTE : 16 COULEURS</a:t>
-            </a:r>
-          </a:p>
-          <a:p>
-            <a:pPr>
-              <a:lnSpc>
-                <a:spcPct val="150000"/>
-              </a:lnSpc>
-              <a:buClr>
-                <a:schemeClr val="accent1">
-                  <a:lumMod val="40000"/>
-                  <a:lumOff val="60000"/>
-                </a:schemeClr>
-              </a:buClr>
-              <a:buSzPct val="140000"/>
-              <a:buFont typeface="Wingdings" panose="05000000000000000000" pitchFamily="2" charset="2"/>
-              <a:buChar char="§"/>
-            </a:pPr>
-            <a:r>
-              <a:rPr lang="en-GB" sz="3000" dirty="0">
-                <a:solidFill>
-                  <a:schemeClr val="accent3">
-                    <a:lumMod val="40000"/>
-                    <a:lumOff val="60000"/>
-                  </a:schemeClr>
-                </a:solidFill>
-                <a:latin typeface="Zepto-8" panose="00000400000000000000" pitchFamily="2" charset="-128"/>
-                <a:ea typeface="Zepto-8" panose="00000400000000000000" pitchFamily="2" charset="-128"/>
-              </a:rPr>
-              <a:t>CLS()</a:t>
-            </a:r>
-          </a:p>
-          <a:p>
-            <a:pPr>
-              <a:lnSpc>
-                <a:spcPct val="150000"/>
-              </a:lnSpc>
-              <a:buClr>
-                <a:schemeClr val="accent1">
-                  <a:lumMod val="40000"/>
-                  <a:lumOff val="60000"/>
-                </a:schemeClr>
-              </a:buClr>
-              <a:buSzPct val="140000"/>
-              <a:buFont typeface="Wingdings" panose="05000000000000000000" pitchFamily="2" charset="2"/>
-              <a:buChar char="§"/>
-            </a:pPr>
-            <a:r>
-              <a:rPr lang="en-GB" sz="3000" dirty="0">
-                <a:solidFill>
-                  <a:schemeClr val="accent3">
-                    <a:lumMod val="40000"/>
-                    <a:lumOff val="60000"/>
-                  </a:schemeClr>
-                </a:solidFill>
-                <a:latin typeface="Zepto-8" panose="00000400000000000000" pitchFamily="2" charset="-128"/>
-                <a:ea typeface="Zepto-8" panose="00000400000000000000" pitchFamily="2" charset="-128"/>
-              </a:rPr>
-              <a:t>COLOR()  PAL()  PALT()</a:t>
-            </a:r>
-          </a:p>
-        </p:txBody>
-      </p:sp>
+            <a:r>
+              <a:rPr lang="en-GB" dirty="0">
+                <a:solidFill>
+                  <a:srgbClr val="00E436"/>
+                </a:solidFill>
+              </a:rPr>
+              <a:t>INSTALL_DEMOS</a:t>
+            </a:r>
+          </a:p>
+          <a:p>
+            <a:r>
+              <a:rPr lang="en-GB" dirty="0">
+                <a:solidFill>
+                  <a:srgbClr val="00E436"/>
+                </a:solidFill>
+              </a:rPr>
+              <a:t>DIR  CD  LOAD</a:t>
+            </a:r>
+          </a:p>
+          <a:p>
+            <a:r>
+              <a:rPr lang="en-GB" dirty="0">
+                <a:solidFill>
+                  <a:srgbClr val="00E436"/>
+                </a:solidFill>
+              </a:rPr>
+              <a:t>RUN</a:t>
+            </a:r>
+            <a:r>
+              <a:rPr lang="en-GB" dirty="0"/>
+              <a:t> - </a:t>
+            </a:r>
+            <a:r>
+              <a:rPr lang="en-GB" dirty="0" err="1"/>
+              <a:t>ctrl+R</a:t>
+            </a:r>
+            <a:endParaRPr lang="en-GB" dirty="0"/>
+          </a:p>
+          <a:p>
+            <a:endParaRPr lang="en-GB" dirty="0"/>
+          </a:p>
+          <a:p>
+            <a:r>
+              <a:rPr lang="en-GB" dirty="0">
+                <a:solidFill>
+                  <a:srgbClr val="00E436"/>
+                </a:solidFill>
+              </a:rPr>
+              <a:t>SAVE</a:t>
+            </a:r>
+            <a:r>
+              <a:rPr lang="en-GB" dirty="0"/>
+              <a:t> - </a:t>
+            </a:r>
+            <a:r>
+              <a:rPr lang="en-GB" dirty="0" err="1"/>
+              <a:t>ctrl+S</a:t>
+            </a:r>
+            <a:endParaRPr lang="en-GB" dirty="0"/>
+          </a:p>
+          <a:p>
+            <a:r>
+              <a:rPr lang="en-GB" dirty="0">
+                <a:solidFill>
+                  <a:srgbClr val="00E436"/>
+                </a:solidFill>
+              </a:rPr>
+              <a:t>FOLDER</a:t>
+            </a:r>
+          </a:p>
+        </p:txBody>
+      </p:sp>
+      <p:pic>
+        <p:nvPicPr>
+          <p:cNvPr id="4" name="Picture 3">
+            <a:extLst>
+              <a:ext uri="{FF2B5EF4-FFF2-40B4-BE49-F238E27FC236}">
+                <a16:creationId xmlns:a16="http://schemas.microsoft.com/office/drawing/2014/main" id="{F38038B5-2CFE-4D9B-BDF4-2373901EC514}"/>
+              </a:ext>
+            </a:extLst>
+          </p:cNvPr>
+          <p:cNvPicPr>
+            <a:picLocks noChangeAspect="1"/>
+          </p:cNvPicPr>
+          <p:nvPr/>
+        </p:nvPicPr>
+        <p:blipFill>
+          <a:blip r:embed="rId2"/>
+          <a:stretch>
+            <a:fillRect/>
+          </a:stretch>
+        </p:blipFill>
+        <p:spPr>
+          <a:xfrm>
+            <a:off x="743667" y="1721376"/>
+            <a:ext cx="4604805" cy="4683906"/>
+          </a:xfrm>
+          <a:prstGeom prst="rect">
+            <a:avLst/>
+          </a:prstGeom>
+        </p:spPr>
+      </p:pic>
     </p:spTree>
     <p:extLst>
       <p:ext uri="{BB962C8B-B14F-4D97-AF65-F5344CB8AC3E}">
-        <p14:creationId xmlns:p14="http://schemas.microsoft.com/office/powerpoint/2010/main" val="907284889"/>
+        <p14:creationId xmlns:p14="http://schemas.microsoft.com/office/powerpoint/2010/main" val="1154715270"/>
       </p:ext>
     </p:extLst>
   </p:cSld>
@@ -6645,7 +11165,7 @@
 </file>
 
 <file path=ppt/slides/slide4.xml><?xml version="1.0" encoding="utf-8"?>
-<p:sld xmlns:a="http://schemas.openxmlformats.org/drawingml/2006/main" xmlns:r="http://schemas.openxmlformats.org/officeDocument/2006/relationships" xmlns:p="http://schemas.openxmlformats.org/presentationml/2006/main" showMasterSp="0">
+<p:sld xmlns:a="http://schemas.openxmlformats.org/drawingml/2006/main" xmlns:r="http://schemas.openxmlformats.org/officeDocument/2006/relationships" xmlns:p="http://schemas.openxmlformats.org/presentationml/2006/main">
   <p:cSld>
     <p:spTree>
       <p:nvGrpSpPr>
@@ -6666,7 +11186,7 @@
           <p:cNvPr id="2" name="Title 1">
             <a:extLst>
               <a:ext uri="{FF2B5EF4-FFF2-40B4-BE49-F238E27FC236}">
-                <a16:creationId xmlns:a16="http://schemas.microsoft.com/office/drawing/2014/main" id="{EF848EF9-DC73-47A7-81DD-6628F6404F25}"/>
+                <a16:creationId xmlns:a16="http://schemas.microsoft.com/office/drawing/2014/main" id="{017A6F17-E3D5-44EF-8900-EDD621DBB7DE}"/>
               </a:ext>
             </a:extLst>
           </p:cNvPr>
@@ -6683,30 +11203,12 @@
           <a:lstStyle/>
           <a:p>
             <a:r>
-              <a:rPr lang="en-GB" sz="5600" dirty="0" err="1">
-                <a:solidFill>
-                  <a:schemeClr val="accent1">
-                    <a:lumMod val="40000"/>
-                    <a:lumOff val="60000"/>
-                  </a:schemeClr>
-                </a:solidFill>
-                <a:latin typeface="Impact" panose="020B0806030902050204" pitchFamily="34" charset="0"/>
-                <a:cs typeface="Times New Roman" panose="02020603050405020304" pitchFamily="18" charset="0"/>
-              </a:rPr>
-              <a:t>Graphisme</a:t>
-            </a:r>
-            <a:r>
-              <a:rPr lang="en-GB" sz="5600" dirty="0">
-                <a:solidFill>
-                  <a:schemeClr val="accent1">
-                    <a:lumMod val="40000"/>
-                    <a:lumOff val="60000"/>
-                  </a:schemeClr>
-                </a:solidFill>
-                <a:latin typeface="Impact" panose="020B0806030902050204" pitchFamily="34" charset="0"/>
-                <a:cs typeface="Times New Roman" panose="02020603050405020304" pitchFamily="18" charset="0"/>
-              </a:rPr>
-              <a:t> (2/3) : primitives</a:t>
+              <a:rPr lang="en-GB" dirty="0" err="1"/>
+              <a:t>Raccourcis</a:t>
+            </a:r>
+            <a:r>
+              <a:rPr lang="en-GB" dirty="0"/>
+              <a:t> clavier</a:t>
             </a:r>
           </a:p>
         </p:txBody>
@@ -6716,7 +11218,7 @@
           <p:cNvPr id="3" name="Content Placeholder 2">
             <a:extLst>
               <a:ext uri="{FF2B5EF4-FFF2-40B4-BE49-F238E27FC236}">
-                <a16:creationId xmlns:a16="http://schemas.microsoft.com/office/drawing/2014/main" id="{D7315DE1-57BB-434D-81A5-1147E7B06DB8}"/>
+                <a16:creationId xmlns:a16="http://schemas.microsoft.com/office/drawing/2014/main" id="{F975144F-8358-41E5-9A49-B6C947323B4B}"/>
               </a:ext>
             </a:extLst>
           </p:cNvPr>
@@ -6729,153 +11231,59 @@
         </p:nvSpPr>
         <p:spPr/>
         <p:txBody>
-          <a:bodyPr>
-            <a:normAutofit/>
-          </a:bodyPr>
+          <a:bodyPr/>
           <a:lstStyle/>
           <a:p>
-            <a:pPr>
-              <a:lnSpc>
-                <a:spcPct val="150000"/>
-              </a:lnSpc>
-              <a:buClr>
-                <a:schemeClr val="accent1">
-                  <a:lumMod val="40000"/>
-                  <a:lumOff val="60000"/>
-                </a:schemeClr>
-              </a:buClr>
-              <a:buSzPct val="140000"/>
-              <a:buFont typeface="Wingdings" panose="05000000000000000000" pitchFamily="2" charset="2"/>
-              <a:buChar char="§"/>
-            </a:pPr>
-            <a:r>
-              <a:rPr lang="en-GB" sz="3000" dirty="0">
-                <a:solidFill>
-                  <a:schemeClr val="accent3">
-                    <a:lumMod val="40000"/>
-                    <a:lumOff val="60000"/>
-                  </a:schemeClr>
-                </a:solidFill>
-                <a:latin typeface="Zepto-8" panose="00000400000000000000" pitchFamily="2" charset="-128"/>
-                <a:ea typeface="Zepto-8" panose="00000400000000000000" pitchFamily="2" charset="-128"/>
-              </a:rPr>
-              <a:t>PSET()  PGET()</a:t>
-            </a:r>
-          </a:p>
-          <a:p>
-            <a:pPr>
-              <a:lnSpc>
-                <a:spcPct val="150000"/>
-              </a:lnSpc>
-              <a:buClr>
-                <a:schemeClr val="accent1">
-                  <a:lumMod val="40000"/>
-                  <a:lumOff val="60000"/>
-                </a:schemeClr>
-              </a:buClr>
-              <a:buSzPct val="140000"/>
-              <a:buFont typeface="Wingdings" panose="05000000000000000000" pitchFamily="2" charset="2"/>
-              <a:buChar char="§"/>
-            </a:pPr>
-            <a:r>
-              <a:rPr lang="en-GB" sz="3000" dirty="0">
-                <a:solidFill>
-                  <a:schemeClr val="accent3">
-                    <a:lumMod val="40000"/>
-                    <a:lumOff val="60000"/>
-                  </a:schemeClr>
-                </a:solidFill>
-                <a:latin typeface="Zepto-8" panose="00000400000000000000" pitchFamily="2" charset="-128"/>
-                <a:ea typeface="Zepto-8" panose="00000400000000000000" pitchFamily="2" charset="-128"/>
-              </a:rPr>
-              <a:t>LINE()</a:t>
-            </a:r>
-          </a:p>
-          <a:p>
-            <a:pPr>
-              <a:lnSpc>
-                <a:spcPct val="150000"/>
-              </a:lnSpc>
-              <a:buClr>
-                <a:schemeClr val="accent1">
-                  <a:lumMod val="40000"/>
-                  <a:lumOff val="60000"/>
-                </a:schemeClr>
-              </a:buClr>
-              <a:buSzPct val="140000"/>
-              <a:buFont typeface="Wingdings" panose="05000000000000000000" pitchFamily="2" charset="2"/>
-              <a:buChar char="§"/>
-            </a:pPr>
-            <a:r>
-              <a:rPr lang="en-GB" sz="3000" dirty="0">
-                <a:solidFill>
-                  <a:schemeClr val="accent3">
-                    <a:lumMod val="40000"/>
-                    <a:lumOff val="60000"/>
-                  </a:schemeClr>
-                </a:solidFill>
-                <a:latin typeface="Zepto-8" panose="00000400000000000000" pitchFamily="2" charset="-128"/>
-                <a:ea typeface="Zepto-8" panose="00000400000000000000" pitchFamily="2" charset="-128"/>
-              </a:rPr>
-              <a:t>CIRC()  CIRCFILL()</a:t>
-            </a:r>
-          </a:p>
-          <a:p>
-            <a:pPr>
-              <a:lnSpc>
-                <a:spcPct val="150000"/>
-              </a:lnSpc>
-              <a:buClr>
-                <a:schemeClr val="accent1">
-                  <a:lumMod val="40000"/>
-                  <a:lumOff val="60000"/>
-                </a:schemeClr>
-              </a:buClr>
-              <a:buSzPct val="140000"/>
-              <a:buFont typeface="Wingdings" panose="05000000000000000000" pitchFamily="2" charset="2"/>
-              <a:buChar char="§"/>
-            </a:pPr>
-            <a:r>
-              <a:rPr lang="en-GB" sz="3000" dirty="0">
-                <a:solidFill>
-                  <a:schemeClr val="accent3">
-                    <a:lumMod val="40000"/>
-                    <a:lumOff val="60000"/>
-                  </a:schemeClr>
-                </a:solidFill>
-                <a:latin typeface="Zepto-8" panose="00000400000000000000" pitchFamily="2" charset="-128"/>
-                <a:ea typeface="Zepto-8" panose="00000400000000000000" pitchFamily="2" charset="-128"/>
-              </a:rPr>
-              <a:t>RECT()  RECTFILL()</a:t>
-            </a:r>
-          </a:p>
-          <a:p>
-            <a:pPr>
-              <a:lnSpc>
-                <a:spcPct val="150000"/>
-              </a:lnSpc>
-              <a:buClr>
-                <a:schemeClr val="accent1">
-                  <a:lumMod val="40000"/>
-                  <a:lumOff val="60000"/>
-                </a:schemeClr>
-              </a:buClr>
-              <a:buSzPct val="140000"/>
-              <a:buFont typeface="Wingdings" panose="05000000000000000000" pitchFamily="2" charset="2"/>
-              <a:buChar char="§"/>
-            </a:pPr>
-            <a:r>
-              <a:rPr lang="en-GB" sz="3000" dirty="0">
-                <a:solidFill>
-                  <a:schemeClr val="accent3">
-                    <a:lumMod val="40000"/>
-                    <a:lumOff val="60000"/>
-                  </a:schemeClr>
-                </a:solidFill>
-                <a:latin typeface="Zepto-8" panose="00000400000000000000" pitchFamily="2" charset="-128"/>
-                <a:ea typeface="Zepto-8" panose="00000400000000000000" pitchFamily="2" charset="-128"/>
-              </a:rPr>
-              <a:t>PRINT()</a:t>
+            <a:r>
+              <a:rPr lang="en-GB" dirty="0"/>
+              <a:t>F1 : screenshot</a:t>
+            </a:r>
+          </a:p>
+          <a:p>
+            <a:r>
+              <a:rPr lang="en-GB" dirty="0"/>
+              <a:t>F3 : debut </a:t>
+            </a:r>
+            <a:r>
+              <a:rPr lang="en-GB" dirty="0" err="1"/>
+              <a:t>d'enregistrement</a:t>
+            </a:r>
+            <a:endParaRPr lang="en-GB" dirty="0"/>
+          </a:p>
+          <a:p>
+            <a:r>
+              <a:rPr lang="en-GB" dirty="0"/>
+              <a:t>F4 : </a:t>
+            </a:r>
+            <a:r>
+              <a:rPr lang="en-GB" dirty="0" err="1"/>
+              <a:t>sauver</a:t>
+            </a:r>
+            <a:r>
+              <a:rPr lang="en-GB" dirty="0"/>
+              <a:t> la video </a:t>
+            </a:r>
+            <a:r>
+              <a:rPr lang="en-GB" dirty="0" err="1"/>
+              <a:t>en</a:t>
+            </a:r>
+            <a:r>
+              <a:rPr lang="en-GB" dirty="0"/>
+              <a:t> GIF</a:t>
+            </a:r>
+          </a:p>
+          <a:p>
+            <a:r>
+              <a:rPr lang="en-GB" dirty="0"/>
+              <a:t>Ctrl-M : </a:t>
+            </a:r>
+            <a:r>
+              <a:rPr lang="en-GB" dirty="0" err="1"/>
+              <a:t>couper</a:t>
+            </a:r>
+            <a:r>
+              <a:rPr lang="en-GB" dirty="0"/>
+              <a:t> le son</a:t>
             </a:r>
           </a:p>
         </p:txBody>
@@ -6883,7 +11291,7 @@
     </p:spTree>
     <p:extLst>
       <p:ext uri="{BB962C8B-B14F-4D97-AF65-F5344CB8AC3E}">
-        <p14:creationId xmlns:p14="http://schemas.microsoft.com/office/powerpoint/2010/main" val="2932510471"/>
+        <p14:creationId xmlns:p14="http://schemas.microsoft.com/office/powerpoint/2010/main" val="2064543145"/>
       </p:ext>
     </p:extLst>
   </p:cSld>
@@ -6894,7 +11302,7 @@
 </file>
 
 <file path=ppt/slides/slide5.xml><?xml version="1.0" encoding="utf-8"?>
-<p:sld xmlns:a="http://schemas.openxmlformats.org/drawingml/2006/main" xmlns:r="http://schemas.openxmlformats.org/officeDocument/2006/relationships" xmlns:p="http://schemas.openxmlformats.org/presentationml/2006/main" showMasterSp="0">
+<p:sld xmlns:a="http://schemas.openxmlformats.org/drawingml/2006/main" xmlns:r="http://schemas.openxmlformats.org/officeDocument/2006/relationships" xmlns:p="http://schemas.openxmlformats.org/presentationml/2006/main">
   <p:cSld>
     <p:spTree>
       <p:nvGrpSpPr>
@@ -6915,7 +11323,7 @@
           <p:cNvPr id="2" name="Title 1">
             <a:extLst>
               <a:ext uri="{FF2B5EF4-FFF2-40B4-BE49-F238E27FC236}">
-                <a16:creationId xmlns:a16="http://schemas.microsoft.com/office/drawing/2014/main" id="{EF848EF9-DC73-47A7-81DD-6628F6404F25}"/>
+                <a16:creationId xmlns:a16="http://schemas.microsoft.com/office/drawing/2014/main" id="{CFC39977-0EC4-4AA8-900E-7BDE80E895E4}"/>
               </a:ext>
             </a:extLst>
           </p:cNvPr>
@@ -6932,149 +11340,609 @@
           <a:lstStyle/>
           <a:p>
             <a:r>
-              <a:rPr lang="en-GB" sz="5600" dirty="0" err="1">
-                <a:solidFill>
-                  <a:schemeClr val="accent1">
-                    <a:lumMod val="40000"/>
-                    <a:lumOff val="60000"/>
-                  </a:schemeClr>
-                </a:solidFill>
-                <a:latin typeface="Impact" panose="020B0806030902050204" pitchFamily="34" charset="0"/>
-                <a:cs typeface="Times New Roman" panose="02020603050405020304" pitchFamily="18" charset="0"/>
-              </a:rPr>
-              <a:t>Graphisme</a:t>
-            </a:r>
-            <a:r>
-              <a:rPr lang="en-GB" sz="5600" dirty="0">
-                <a:solidFill>
-                  <a:schemeClr val="accent1">
-                    <a:lumMod val="40000"/>
-                    <a:lumOff val="60000"/>
-                  </a:schemeClr>
-                </a:solidFill>
-                <a:latin typeface="Impact" panose="020B0806030902050204" pitchFamily="34" charset="0"/>
-                <a:cs typeface="Times New Roman" panose="02020603050405020304" pitchFamily="18" charset="0"/>
-              </a:rPr>
-              <a:t> (3/3) : sprites</a:t>
-            </a:r>
-          </a:p>
-        </p:txBody>
-      </p:sp>
-      <p:sp>
-        <p:nvSpPr>
-          <p:cNvPr id="3" name="Content Placeholder 2">
+              <a:rPr lang="en-GB" dirty="0" err="1"/>
+              <a:t>Editeur</a:t>
+            </a:r>
+            <a:r>
+              <a:rPr lang="en-GB" dirty="0"/>
+              <a:t> de sprites</a:t>
+            </a:r>
+          </a:p>
+        </p:txBody>
+      </p:sp>
+      <p:pic>
+        <p:nvPicPr>
+          <p:cNvPr id="5" name="Picture 4">
             <a:extLst>
               <a:ext uri="{FF2B5EF4-FFF2-40B4-BE49-F238E27FC236}">
-                <a16:creationId xmlns:a16="http://schemas.microsoft.com/office/drawing/2014/main" id="{D7315DE1-57BB-434D-81A5-1147E7B06DB8}"/>
+                <a16:creationId xmlns:a16="http://schemas.microsoft.com/office/drawing/2014/main" id="{F2E318BF-0540-49FE-9D08-ED232D436643}"/>
               </a:ext>
             </a:extLst>
           </p:cNvPr>
-          <p:cNvSpPr>
-            <a:spLocks noGrp="1"/>
-          </p:cNvSpPr>
-          <p:nvPr>
-            <p:ph idx="1"/>
-          </p:nvPr>
-        </p:nvSpPr>
-        <p:spPr/>
-        <p:txBody>
-          <a:bodyPr>
-            <a:normAutofit/>
-          </a:bodyPr>
-          <a:lstStyle/>
-          <a:p>
-            <a:pPr>
-              <a:lnSpc>
-                <a:spcPct val="150000"/>
-              </a:lnSpc>
-              <a:buClr>
-                <a:schemeClr val="accent1">
-                  <a:lumMod val="40000"/>
-                  <a:lumOff val="60000"/>
-                </a:schemeClr>
-              </a:buClr>
-              <a:buSzPct val="140000"/>
-              <a:buFont typeface="Wingdings" panose="05000000000000000000" pitchFamily="2" charset="2"/>
-              <a:buChar char="§"/>
-            </a:pPr>
-            <a:r>
-              <a:rPr lang="en-GB" sz="3000" dirty="0">
-                <a:solidFill>
-                  <a:schemeClr val="accent3">
-                    <a:lumMod val="40000"/>
-                    <a:lumOff val="60000"/>
-                  </a:schemeClr>
-                </a:solidFill>
-                <a:latin typeface="Zepto-8" panose="00000400000000000000" pitchFamily="2" charset="-128"/>
-                <a:ea typeface="Zepto-8" panose="00000400000000000000" pitchFamily="2" charset="-128"/>
-              </a:rPr>
-              <a:t>SPR()</a:t>
-            </a:r>
-          </a:p>
-          <a:p>
-            <a:pPr>
-              <a:lnSpc>
-                <a:spcPct val="150000"/>
-              </a:lnSpc>
-              <a:buClr>
-                <a:schemeClr val="accent1">
-                  <a:lumMod val="40000"/>
-                  <a:lumOff val="60000"/>
-                </a:schemeClr>
-              </a:buClr>
-              <a:buSzPct val="140000"/>
-              <a:buFont typeface="Wingdings" panose="05000000000000000000" pitchFamily="2" charset="2"/>
-              <a:buChar char="§"/>
-            </a:pPr>
-            <a:r>
-              <a:rPr lang="en-GB" sz="3000" dirty="0">
-                <a:solidFill>
-                  <a:schemeClr val="accent3">
-                    <a:lumMod val="40000"/>
-                    <a:lumOff val="60000"/>
-                  </a:schemeClr>
-                </a:solidFill>
-                <a:latin typeface="Zepto-8" panose="00000400000000000000" pitchFamily="2" charset="-128"/>
-                <a:ea typeface="Zepto-8" panose="00000400000000000000" pitchFamily="2" charset="-128"/>
-              </a:rPr>
-              <a:t>SSPR()</a:t>
-            </a:r>
-          </a:p>
-          <a:p>
-            <a:pPr>
-              <a:lnSpc>
-                <a:spcPct val="150000"/>
-              </a:lnSpc>
-              <a:buClr>
-                <a:schemeClr val="accent1">
-                  <a:lumMod val="40000"/>
-                  <a:lumOff val="60000"/>
-                </a:schemeClr>
-              </a:buClr>
-              <a:buSzPct val="140000"/>
-              <a:buFont typeface="Wingdings" panose="05000000000000000000" pitchFamily="2" charset="2"/>
-              <a:buChar char="§"/>
-            </a:pPr>
-            <a:r>
-              <a:rPr lang="en-GB" sz="3000" dirty="0">
-                <a:solidFill>
-                  <a:schemeClr val="accent3">
-                    <a:lumMod val="40000"/>
-                    <a:lumOff val="60000"/>
-                  </a:schemeClr>
-                </a:solidFill>
-                <a:latin typeface="Zepto-8" panose="00000400000000000000" pitchFamily="2" charset="-128"/>
-                <a:ea typeface="Zepto-8" panose="00000400000000000000" pitchFamily="2" charset="-128"/>
-              </a:rPr>
-              <a:t>MAP()</a:t>
-            </a:r>
-          </a:p>
-        </p:txBody>
-      </p:sp>
+          <p:cNvPicPr>
+            <a:picLocks noChangeAspect="1"/>
+          </p:cNvPicPr>
+          <p:nvPr/>
+        </p:nvPicPr>
+        <p:blipFill>
+          <a:blip r:embed="rId2"/>
+          <a:stretch>
+            <a:fillRect/>
+          </a:stretch>
+        </p:blipFill>
+        <p:spPr>
+          <a:xfrm>
+            <a:off x="646111" y="1480650"/>
+            <a:ext cx="4817316" cy="4924632"/>
+          </a:xfrm>
+          <a:prstGeom prst="rect">
+            <a:avLst/>
+          </a:prstGeom>
+        </p:spPr>
+      </p:pic>
+      <p:pic>
+        <p:nvPicPr>
+          <p:cNvPr id="6" name="Picture 5">
+            <a:extLst>
+              <a:ext uri="{FF2B5EF4-FFF2-40B4-BE49-F238E27FC236}">
+                <a16:creationId xmlns:a16="http://schemas.microsoft.com/office/drawing/2014/main" id="{A7D0C523-A908-4258-8399-96A6182E332C}"/>
+              </a:ext>
+            </a:extLst>
+          </p:cNvPr>
+          <p:cNvPicPr>
+            <a:picLocks noChangeAspect="1"/>
+          </p:cNvPicPr>
+          <p:nvPr/>
+        </p:nvPicPr>
+        <p:blipFill>
+          <a:blip r:embed="rId3"/>
+          <a:stretch>
+            <a:fillRect/>
+          </a:stretch>
+        </p:blipFill>
+        <p:spPr>
+          <a:xfrm>
+            <a:off x="5689738" y="1480650"/>
+            <a:ext cx="4817316" cy="4924632"/>
+          </a:xfrm>
+          <a:prstGeom prst="rect">
+            <a:avLst/>
+          </a:prstGeom>
+        </p:spPr>
+      </p:pic>
     </p:spTree>
     <p:extLst>
       <p:ext uri="{BB962C8B-B14F-4D97-AF65-F5344CB8AC3E}">
-        <p14:creationId xmlns:p14="http://schemas.microsoft.com/office/powerpoint/2010/main" val="711069124"/>
+        <p14:creationId xmlns:p14="http://schemas.microsoft.com/office/powerpoint/2010/main" val="1287511161"/>
+      </p:ext>
+    </p:extLst>
+  </p:cSld>
+  <p:clrMapOvr>
+    <a:masterClrMapping/>
+  </p:clrMapOvr>
+</p:sld>
+</file>
+
+<file path=ppt/slides/slide6.xml><?xml version="1.0" encoding="utf-8"?>
+<p:sld xmlns:a="http://schemas.openxmlformats.org/drawingml/2006/main" xmlns:r="http://schemas.openxmlformats.org/officeDocument/2006/relationships" xmlns:p="http://schemas.openxmlformats.org/presentationml/2006/main">
+  <p:cSld>
+    <p:spTree>
+      <p:nvGrpSpPr>
+        <p:cNvPr id="1" name=""/>
+        <p:cNvGrpSpPr/>
+        <p:nvPr/>
+      </p:nvGrpSpPr>
+      <p:grpSpPr>
+        <a:xfrm>
+          <a:off x="0" y="0"/>
+          <a:ext cx="0" cy="0"/>
+          <a:chOff x="0" y="0"/>
+          <a:chExt cx="0" cy="0"/>
+        </a:xfrm>
+      </p:grpSpPr>
+      <p:sp>
+        <p:nvSpPr>
+          <p:cNvPr id="2" name="Title 1">
+            <a:extLst>
+              <a:ext uri="{FF2B5EF4-FFF2-40B4-BE49-F238E27FC236}">
+                <a16:creationId xmlns:a16="http://schemas.microsoft.com/office/drawing/2014/main" id="{CFC39977-0EC4-4AA8-900E-7BDE80E895E4}"/>
+              </a:ext>
+            </a:extLst>
+          </p:cNvPr>
+          <p:cNvSpPr>
+            <a:spLocks noGrp="1"/>
+          </p:cNvSpPr>
+          <p:nvPr>
+            <p:ph type="title"/>
+          </p:nvPr>
+        </p:nvSpPr>
+        <p:spPr/>
+        <p:txBody>
+          <a:bodyPr/>
+          <a:lstStyle/>
+          <a:p>
+            <a:r>
+              <a:rPr lang="en-GB" dirty="0" err="1"/>
+              <a:t>Editeur</a:t>
+            </a:r>
+            <a:r>
+              <a:rPr lang="en-GB" dirty="0"/>
+              <a:t> de maps</a:t>
+            </a:r>
+          </a:p>
+        </p:txBody>
+      </p:sp>
+      <p:pic>
+        <p:nvPicPr>
+          <p:cNvPr id="3" name="Picture 2">
+            <a:extLst>
+              <a:ext uri="{FF2B5EF4-FFF2-40B4-BE49-F238E27FC236}">
+                <a16:creationId xmlns:a16="http://schemas.microsoft.com/office/drawing/2014/main" id="{435D98C3-4825-4D4F-B8FB-106BBE530C1B}"/>
+              </a:ext>
+            </a:extLst>
+          </p:cNvPr>
+          <p:cNvPicPr>
+            <a:picLocks noChangeAspect="1"/>
+          </p:cNvPicPr>
+          <p:nvPr/>
+        </p:nvPicPr>
+        <p:blipFill>
+          <a:blip r:embed="rId2"/>
+          <a:stretch>
+            <a:fillRect/>
+          </a:stretch>
+        </p:blipFill>
+        <p:spPr>
+          <a:xfrm>
+            <a:off x="646111" y="1480650"/>
+            <a:ext cx="4817316" cy="4924632"/>
+          </a:xfrm>
+          <a:prstGeom prst="rect">
+            <a:avLst/>
+          </a:prstGeom>
+        </p:spPr>
+      </p:pic>
+      <p:pic>
+        <p:nvPicPr>
+          <p:cNvPr id="4" name="Picture 3">
+            <a:extLst>
+              <a:ext uri="{FF2B5EF4-FFF2-40B4-BE49-F238E27FC236}">
+                <a16:creationId xmlns:a16="http://schemas.microsoft.com/office/drawing/2014/main" id="{31684375-F907-4F01-BFC4-6307C5AB12C3}"/>
+              </a:ext>
+            </a:extLst>
+          </p:cNvPr>
+          <p:cNvPicPr>
+            <a:picLocks noChangeAspect="1"/>
+          </p:cNvPicPr>
+          <p:nvPr/>
+        </p:nvPicPr>
+        <p:blipFill>
+          <a:blip r:embed="rId3"/>
+          <a:stretch>
+            <a:fillRect/>
+          </a:stretch>
+        </p:blipFill>
+        <p:spPr>
+          <a:xfrm>
+            <a:off x="5646306" y="1480650"/>
+            <a:ext cx="4817316" cy="4924633"/>
+          </a:xfrm>
+          <a:prstGeom prst="rect">
+            <a:avLst/>
+          </a:prstGeom>
+        </p:spPr>
+      </p:pic>
+    </p:spTree>
+    <p:extLst>
+      <p:ext uri="{BB962C8B-B14F-4D97-AF65-F5344CB8AC3E}">
+        <p14:creationId xmlns:p14="http://schemas.microsoft.com/office/powerpoint/2010/main" val="1677775585"/>
+      </p:ext>
+    </p:extLst>
+  </p:cSld>
+  <p:clrMapOvr>
+    <a:masterClrMapping/>
+  </p:clrMapOvr>
+</p:sld>
+</file>
+
+<file path=ppt/slides/slide7.xml><?xml version="1.0" encoding="utf-8"?>
+<p:sld xmlns:a="http://schemas.openxmlformats.org/drawingml/2006/main" xmlns:r="http://schemas.openxmlformats.org/officeDocument/2006/relationships" xmlns:p="http://schemas.openxmlformats.org/presentationml/2006/main">
+  <p:cSld>
+    <p:spTree>
+      <p:nvGrpSpPr>
+        <p:cNvPr id="1" name=""/>
+        <p:cNvGrpSpPr/>
+        <p:nvPr/>
+      </p:nvGrpSpPr>
+      <p:grpSpPr>
+        <a:xfrm>
+          <a:off x="0" y="0"/>
+          <a:ext cx="0" cy="0"/>
+          <a:chOff x="0" y="0"/>
+          <a:chExt cx="0" cy="0"/>
+        </a:xfrm>
+      </p:grpSpPr>
+      <p:sp>
+        <p:nvSpPr>
+          <p:cNvPr id="2" name="Title 1">
+            <a:extLst>
+              <a:ext uri="{FF2B5EF4-FFF2-40B4-BE49-F238E27FC236}">
+                <a16:creationId xmlns:a16="http://schemas.microsoft.com/office/drawing/2014/main" id="{CFC39977-0EC4-4AA8-900E-7BDE80E895E4}"/>
+              </a:ext>
+            </a:extLst>
+          </p:cNvPr>
+          <p:cNvSpPr>
+            <a:spLocks noGrp="1"/>
+          </p:cNvSpPr>
+          <p:nvPr>
+            <p:ph type="title"/>
+          </p:nvPr>
+        </p:nvSpPr>
+        <p:spPr/>
+        <p:txBody>
+          <a:bodyPr/>
+          <a:lstStyle/>
+          <a:p>
+            <a:r>
+              <a:rPr lang="en-GB" dirty="0" err="1"/>
+              <a:t>Editeur</a:t>
+            </a:r>
+            <a:r>
+              <a:rPr lang="en-GB" dirty="0"/>
+              <a:t> de </a:t>
+            </a:r>
+            <a:r>
+              <a:rPr lang="en-GB" dirty="0" err="1"/>
+              <a:t>sfx</a:t>
+            </a:r>
+            <a:endParaRPr lang="en-GB" dirty="0"/>
+          </a:p>
+        </p:txBody>
+      </p:sp>
+      <p:pic>
+        <p:nvPicPr>
+          <p:cNvPr id="5" name="Picture 4">
+            <a:extLst>
+              <a:ext uri="{FF2B5EF4-FFF2-40B4-BE49-F238E27FC236}">
+                <a16:creationId xmlns:a16="http://schemas.microsoft.com/office/drawing/2014/main" id="{54EBCC2F-9F92-40C6-BC7F-94D255CA891C}"/>
+              </a:ext>
+            </a:extLst>
+          </p:cNvPr>
+          <p:cNvPicPr>
+            <a:picLocks noChangeAspect="1"/>
+          </p:cNvPicPr>
+          <p:nvPr/>
+        </p:nvPicPr>
+        <p:blipFill>
+          <a:blip r:embed="rId2"/>
+          <a:stretch>
+            <a:fillRect/>
+          </a:stretch>
+        </p:blipFill>
+        <p:spPr>
+          <a:xfrm>
+            <a:off x="5677988" y="1480650"/>
+            <a:ext cx="4817316" cy="4924632"/>
+          </a:xfrm>
+          <a:prstGeom prst="rect">
+            <a:avLst/>
+          </a:prstGeom>
+        </p:spPr>
+      </p:pic>
+      <p:pic>
+        <p:nvPicPr>
+          <p:cNvPr id="6" name="Picture 5">
+            <a:extLst>
+              <a:ext uri="{FF2B5EF4-FFF2-40B4-BE49-F238E27FC236}">
+                <a16:creationId xmlns:a16="http://schemas.microsoft.com/office/drawing/2014/main" id="{56913984-6A6F-4946-82A1-69AAC46C690A}"/>
+              </a:ext>
+            </a:extLst>
+          </p:cNvPr>
+          <p:cNvPicPr>
+            <a:picLocks noChangeAspect="1"/>
+          </p:cNvPicPr>
+          <p:nvPr/>
+        </p:nvPicPr>
+        <p:blipFill>
+          <a:blip r:embed="rId3"/>
+          <a:stretch>
+            <a:fillRect/>
+          </a:stretch>
+        </p:blipFill>
+        <p:spPr>
+          <a:xfrm>
+            <a:off x="646145" y="1480650"/>
+            <a:ext cx="4817315" cy="4924632"/>
+          </a:xfrm>
+          <a:prstGeom prst="rect">
+            <a:avLst/>
+          </a:prstGeom>
+        </p:spPr>
+      </p:pic>
+    </p:spTree>
+    <p:extLst>
+      <p:ext uri="{BB962C8B-B14F-4D97-AF65-F5344CB8AC3E}">
+        <p14:creationId xmlns:p14="http://schemas.microsoft.com/office/powerpoint/2010/main" val="2122071246"/>
+      </p:ext>
+    </p:extLst>
+  </p:cSld>
+  <p:clrMapOvr>
+    <a:masterClrMapping/>
+  </p:clrMapOvr>
+</p:sld>
+</file>
+
+<file path=ppt/slides/slide8.xml><?xml version="1.0" encoding="utf-8"?>
+<p:sld xmlns:a="http://schemas.openxmlformats.org/drawingml/2006/main" xmlns:r="http://schemas.openxmlformats.org/officeDocument/2006/relationships" xmlns:p="http://schemas.openxmlformats.org/presentationml/2006/main">
+  <p:cSld>
+    <p:spTree>
+      <p:nvGrpSpPr>
+        <p:cNvPr id="1" name=""/>
+        <p:cNvGrpSpPr/>
+        <p:nvPr/>
+      </p:nvGrpSpPr>
+      <p:grpSpPr>
+        <a:xfrm>
+          <a:off x="0" y="0"/>
+          <a:ext cx="0" cy="0"/>
+          <a:chOff x="0" y="0"/>
+          <a:chExt cx="0" cy="0"/>
+        </a:xfrm>
+      </p:grpSpPr>
+      <p:sp>
+        <p:nvSpPr>
+          <p:cNvPr id="2" name="Title 1">
+            <a:extLst>
+              <a:ext uri="{FF2B5EF4-FFF2-40B4-BE49-F238E27FC236}">
+                <a16:creationId xmlns:a16="http://schemas.microsoft.com/office/drawing/2014/main" id="{CFC39977-0EC4-4AA8-900E-7BDE80E895E4}"/>
+              </a:ext>
+            </a:extLst>
+          </p:cNvPr>
+          <p:cNvSpPr>
+            <a:spLocks noGrp="1"/>
+          </p:cNvSpPr>
+          <p:nvPr>
+            <p:ph type="title"/>
+          </p:nvPr>
+        </p:nvSpPr>
+        <p:spPr/>
+        <p:txBody>
+          <a:bodyPr/>
+          <a:lstStyle/>
+          <a:p>
+            <a:r>
+              <a:rPr lang="en-GB" dirty="0" err="1"/>
+              <a:t>Editeur</a:t>
+            </a:r>
+            <a:r>
+              <a:rPr lang="en-GB" dirty="0"/>
+              <a:t> de musique</a:t>
+            </a:r>
+          </a:p>
+        </p:txBody>
+      </p:sp>
+      <p:pic>
+        <p:nvPicPr>
+          <p:cNvPr id="3" name="Picture 2">
+            <a:extLst>
+              <a:ext uri="{FF2B5EF4-FFF2-40B4-BE49-F238E27FC236}">
+                <a16:creationId xmlns:a16="http://schemas.microsoft.com/office/drawing/2014/main" id="{64ECD3DE-ABA8-49F8-BE9A-D71CE3D9846A}"/>
+              </a:ext>
+            </a:extLst>
+          </p:cNvPr>
+          <p:cNvPicPr>
+            <a:picLocks noChangeAspect="1"/>
+          </p:cNvPicPr>
+          <p:nvPr/>
+        </p:nvPicPr>
+        <p:blipFill>
+          <a:blip r:embed="rId2"/>
+          <a:stretch>
+            <a:fillRect/>
+          </a:stretch>
+        </p:blipFill>
+        <p:spPr>
+          <a:xfrm>
+            <a:off x="646111" y="1480650"/>
+            <a:ext cx="4817315" cy="4924632"/>
+          </a:xfrm>
+          <a:prstGeom prst="rect">
+            <a:avLst/>
+          </a:prstGeom>
+        </p:spPr>
+      </p:pic>
+    </p:spTree>
+    <p:extLst>
+      <p:ext uri="{BB962C8B-B14F-4D97-AF65-F5344CB8AC3E}">
+        <p14:creationId xmlns:p14="http://schemas.microsoft.com/office/powerpoint/2010/main" val="2366518131"/>
+      </p:ext>
+    </p:extLst>
+  </p:cSld>
+  <p:clrMapOvr>
+    <a:masterClrMapping/>
+  </p:clrMapOvr>
+</p:sld>
+</file>
+
+<file path=ppt/slides/slide9.xml><?xml version="1.0" encoding="utf-8"?>
+<p:sld xmlns:a="http://schemas.openxmlformats.org/drawingml/2006/main" xmlns:r="http://schemas.openxmlformats.org/officeDocument/2006/relationships" xmlns:p="http://schemas.openxmlformats.org/presentationml/2006/main">
+  <p:cSld>
+    <p:spTree>
+      <p:nvGrpSpPr>
+        <p:cNvPr id="1" name=""/>
+        <p:cNvGrpSpPr/>
+        <p:nvPr/>
+      </p:nvGrpSpPr>
+      <p:grpSpPr>
+        <a:xfrm>
+          <a:off x="0" y="0"/>
+          <a:ext cx="0" cy="0"/>
+          <a:chOff x="0" y="0"/>
+          <a:chExt cx="0" cy="0"/>
+        </a:xfrm>
+      </p:grpSpPr>
+      <p:sp>
+        <p:nvSpPr>
+          <p:cNvPr id="2" name="Title 1">
+            <a:extLst>
+              <a:ext uri="{FF2B5EF4-FFF2-40B4-BE49-F238E27FC236}">
+                <a16:creationId xmlns:a16="http://schemas.microsoft.com/office/drawing/2014/main" id="{CFC39977-0EC4-4AA8-900E-7BDE80E895E4}"/>
+              </a:ext>
+            </a:extLst>
+          </p:cNvPr>
+          <p:cNvSpPr>
+            <a:spLocks noGrp="1"/>
+          </p:cNvSpPr>
+          <p:nvPr>
+            <p:ph type="title"/>
+          </p:nvPr>
+        </p:nvSpPr>
+        <p:spPr/>
+        <p:txBody>
+          <a:bodyPr/>
+          <a:lstStyle/>
+          <a:p>
+            <a:r>
+              <a:rPr lang="en-GB" dirty="0" err="1"/>
+              <a:t>Editeur</a:t>
+            </a:r>
+            <a:r>
+              <a:rPr lang="en-GB" dirty="0"/>
+              <a:t> de code</a:t>
+            </a:r>
+          </a:p>
+        </p:txBody>
+      </p:sp>
+      <p:sp>
+        <p:nvSpPr>
+          <p:cNvPr id="6" name="Content Placeholder 5">
+            <a:extLst>
+              <a:ext uri="{FF2B5EF4-FFF2-40B4-BE49-F238E27FC236}">
+                <a16:creationId xmlns:a16="http://schemas.microsoft.com/office/drawing/2014/main" id="{D16814BA-7F43-4FCC-8EDC-A78E862DBFEA}"/>
+              </a:ext>
+            </a:extLst>
+          </p:cNvPr>
+          <p:cNvSpPr>
+            <a:spLocks noGrp="1"/>
+          </p:cNvSpPr>
+          <p:nvPr>
+            <p:ph idx="1"/>
+          </p:nvPr>
+        </p:nvSpPr>
+        <p:spPr>
+          <a:xfrm>
+            <a:off x="5817326" y="2052918"/>
+            <a:ext cx="5728563" cy="4195481"/>
+          </a:xfrm>
+        </p:spPr>
+        <p:txBody>
+          <a:bodyPr>
+            <a:normAutofit fontScale="92500" lnSpcReduction="10000"/>
+          </a:bodyPr>
+          <a:lstStyle/>
+          <a:p>
+            <a:r>
+              <a:rPr lang="en-GB" dirty="0" err="1"/>
+              <a:t>Langage</a:t>
+            </a:r>
+            <a:r>
+              <a:rPr lang="en-GB" dirty="0"/>
+              <a:t> Lua 5.2</a:t>
+            </a:r>
+          </a:p>
+          <a:p>
+            <a:r>
+              <a:rPr lang="en-GB" dirty="0"/>
+              <a:t>Version "light",</a:t>
+            </a:r>
+            <a:br>
+              <a:rPr lang="en-GB" dirty="0"/>
+            </a:br>
+            <a:r>
+              <a:rPr lang="en-GB" dirty="0" err="1"/>
+              <a:t>peu</a:t>
+            </a:r>
+            <a:r>
+              <a:rPr lang="en-GB" dirty="0"/>
+              <a:t> de </a:t>
+            </a:r>
+            <a:r>
+              <a:rPr lang="en-GB" dirty="0" err="1"/>
+              <a:t>fonctions</a:t>
+            </a:r>
+            <a:endParaRPr lang="en-GB" dirty="0"/>
+          </a:p>
+          <a:p>
+            <a:r>
+              <a:rPr lang="en-GB" dirty="0" err="1"/>
+              <a:t>Quelques</a:t>
+            </a:r>
+            <a:r>
+              <a:rPr lang="en-GB" dirty="0"/>
+              <a:t> </a:t>
+            </a:r>
+            <a:r>
+              <a:rPr lang="en-GB" dirty="0" err="1"/>
+              <a:t>ajouts</a:t>
+            </a:r>
+            <a:r>
+              <a:rPr lang="en-GB" dirty="0"/>
+              <a:t> de </a:t>
+            </a:r>
+            <a:r>
+              <a:rPr lang="en-GB" dirty="0" err="1"/>
+              <a:t>syntaxe</a:t>
+            </a:r>
+            <a:endParaRPr lang="en-GB" dirty="0"/>
+          </a:p>
+          <a:p>
+            <a:r>
+              <a:rPr lang="en-GB" dirty="0"/>
+              <a:t>+= -= !=</a:t>
+            </a:r>
+          </a:p>
+          <a:p>
+            <a:r>
+              <a:rPr lang="en-GB" dirty="0"/>
+              <a:t>⌂⬅️😐♪🅾️◆…</a:t>
+            </a:r>
+          </a:p>
+        </p:txBody>
+      </p:sp>
+      <p:pic>
+        <p:nvPicPr>
+          <p:cNvPr id="4" name="Picture 3">
+            <a:extLst>
+              <a:ext uri="{FF2B5EF4-FFF2-40B4-BE49-F238E27FC236}">
+                <a16:creationId xmlns:a16="http://schemas.microsoft.com/office/drawing/2014/main" id="{8085D287-0EFB-44DF-9E8D-99CA6E6A0340}"/>
+              </a:ext>
+            </a:extLst>
+          </p:cNvPr>
+          <p:cNvPicPr>
+            <a:picLocks noChangeAspect="1"/>
+          </p:cNvPicPr>
+          <p:nvPr/>
+        </p:nvPicPr>
+        <p:blipFill>
+          <a:blip r:embed="rId2"/>
+          <a:stretch>
+            <a:fillRect/>
+          </a:stretch>
+        </p:blipFill>
+        <p:spPr>
+          <a:xfrm>
+            <a:off x="646111" y="1480650"/>
+            <a:ext cx="4817315" cy="4924632"/>
+          </a:xfrm>
+          <a:prstGeom prst="rect">
+            <a:avLst/>
+          </a:prstGeom>
+        </p:spPr>
+      </p:pic>
+    </p:spTree>
+    <p:extLst>
+      <p:ext uri="{BB962C8B-B14F-4D97-AF65-F5344CB8AC3E}">
+        <p14:creationId xmlns:p14="http://schemas.microsoft.com/office/powerpoint/2010/main" val="3839978558"/>
       </p:ext>
     </p:extLst>
   </p:cSld>

--- a/pico8-workshop.pptx
+++ b/pico8-workshop.pptx
@@ -6,32 +6,34 @@
   </p:sldMasterIdLst>
   <p:sldIdLst>
     <p:sldId id="256" r:id="rId2"/>
-    <p:sldId id="259" r:id="rId3"/>
-    <p:sldId id="264" r:id="rId4"/>
-    <p:sldId id="284" r:id="rId5"/>
-    <p:sldId id="271" r:id="rId6"/>
-    <p:sldId id="272" r:id="rId7"/>
-    <p:sldId id="273" r:id="rId8"/>
-    <p:sldId id="275" r:id="rId9"/>
-    <p:sldId id="276" r:id="rId10"/>
-    <p:sldId id="265" r:id="rId11"/>
-    <p:sldId id="278" r:id="rId12"/>
-    <p:sldId id="279" r:id="rId13"/>
-    <p:sldId id="277" r:id="rId14"/>
-    <p:sldId id="269" r:id="rId15"/>
-    <p:sldId id="267" r:id="rId16"/>
-    <p:sldId id="268" r:id="rId17"/>
-    <p:sldId id="270" r:id="rId18"/>
-    <p:sldId id="281" r:id="rId19"/>
-    <p:sldId id="266" r:id="rId20"/>
-    <p:sldId id="263" r:id="rId21"/>
-    <p:sldId id="260" r:id="rId22"/>
-    <p:sldId id="262" r:id="rId23"/>
-    <p:sldId id="261" r:id="rId24"/>
-    <p:sldId id="274" r:id="rId25"/>
-    <p:sldId id="280" r:id="rId26"/>
-    <p:sldId id="282" r:id="rId27"/>
-    <p:sldId id="283" r:id="rId28"/>
+    <p:sldId id="285" r:id="rId3"/>
+    <p:sldId id="259" r:id="rId4"/>
+    <p:sldId id="264" r:id="rId5"/>
+    <p:sldId id="284" r:id="rId6"/>
+    <p:sldId id="271" r:id="rId7"/>
+    <p:sldId id="272" r:id="rId8"/>
+    <p:sldId id="273" r:id="rId9"/>
+    <p:sldId id="275" r:id="rId10"/>
+    <p:sldId id="276" r:id="rId11"/>
+    <p:sldId id="265" r:id="rId12"/>
+    <p:sldId id="278" r:id="rId13"/>
+    <p:sldId id="279" r:id="rId14"/>
+    <p:sldId id="277" r:id="rId15"/>
+    <p:sldId id="269" r:id="rId16"/>
+    <p:sldId id="286" r:id="rId17"/>
+    <p:sldId id="267" r:id="rId18"/>
+    <p:sldId id="268" r:id="rId19"/>
+    <p:sldId id="270" r:id="rId20"/>
+    <p:sldId id="281" r:id="rId21"/>
+    <p:sldId id="266" r:id="rId22"/>
+    <p:sldId id="263" r:id="rId23"/>
+    <p:sldId id="260" r:id="rId24"/>
+    <p:sldId id="262" r:id="rId25"/>
+    <p:sldId id="261" r:id="rId26"/>
+    <p:sldId id="274" r:id="rId27"/>
+    <p:sldId id="280" r:id="rId28"/>
+    <p:sldId id="282" r:id="rId29"/>
+    <p:sldId id="283" r:id="rId30"/>
   </p:sldIdLst>
   <p:sldSz cx="12192000" cy="6858000"/>
   <p:notesSz cx="6858000" cy="9144000"/>
@@ -6280,7 +6282,7 @@
           <p:cNvPr id="2" name="Title 1">
             <a:extLst>
               <a:ext uri="{FF2B5EF4-FFF2-40B4-BE49-F238E27FC236}">
-                <a16:creationId xmlns:a16="http://schemas.microsoft.com/office/drawing/2014/main" id="{69E16F7A-F582-42EF-9C1A-8B1F355B40A7}"/>
+                <a16:creationId xmlns:a16="http://schemas.microsoft.com/office/drawing/2014/main" id="{CFC39977-0EC4-4AA8-900E-7BDE80E895E4}"/>
               </a:ext>
             </a:extLst>
           </p:cNvPr>
@@ -6297,26 +6299,22 @@
           <a:lstStyle/>
           <a:p>
             <a:r>
-              <a:rPr lang="en-GB" dirty="0"/>
-              <a:t>Lua: </a:t>
-            </a:r>
-            <a:r>
               <a:rPr lang="en-GB" dirty="0" err="1"/>
-              <a:t>syntaxe</a:t>
-            </a:r>
-            <a:r>
-              <a:rPr lang="en-GB" dirty="0"/>
-              <a:t> 1/3</a:t>
-            </a:r>
-          </a:p>
-        </p:txBody>
-      </p:sp>
-      <p:sp>
-        <p:nvSpPr>
-          <p:cNvPr id="3" name="Content Placeholder 2">
+              <a:t>Editeur</a:t>
+            </a:r>
+            <a:r>
+              <a:rPr lang="en-GB" dirty="0"/>
+              <a:t> de code</a:t>
+            </a:r>
+          </a:p>
+        </p:txBody>
+      </p:sp>
+      <p:sp>
+        <p:nvSpPr>
+          <p:cNvPr id="6" name="Content Placeholder 5">
             <a:extLst>
               <a:ext uri="{FF2B5EF4-FFF2-40B4-BE49-F238E27FC236}">
-                <a16:creationId xmlns:a16="http://schemas.microsoft.com/office/drawing/2014/main" id="{C5B3D6A7-8A71-4CF2-9254-3B68DDD4E5BC}"/>
+                <a16:creationId xmlns:a16="http://schemas.microsoft.com/office/drawing/2014/main" id="{D16814BA-7F43-4FCC-8EDC-A78E862DBFEA}"/>
               </a:ext>
             </a:extLst>
           </p:cNvPr>
@@ -6327,254 +6325,114 @@
             <p:ph idx="1"/>
           </p:nvPr>
         </p:nvSpPr>
-        <p:spPr/>
-        <p:txBody>
-          <a:bodyPr/>
+        <p:spPr>
+          <a:xfrm>
+            <a:off x="5817326" y="2052918"/>
+            <a:ext cx="5728563" cy="4195481"/>
+          </a:xfrm>
+        </p:spPr>
+        <p:txBody>
+          <a:bodyPr>
+            <a:normAutofit/>
+          </a:bodyPr>
           <a:lstStyle/>
           <a:p>
             <a:r>
-              <a:rPr lang="en-GB" dirty="0">
-                <a:solidFill>
-                  <a:srgbClr val="C2C3C7"/>
-                </a:solidFill>
-              </a:rPr>
-              <a:t>A</a:t>
-            </a:r>
-            <a:r>
-              <a:rPr lang="en-GB" dirty="0"/>
-              <a:t>=</a:t>
-            </a:r>
-            <a:r>
-              <a:rPr lang="en-GB" dirty="0">
-                <a:solidFill>
-                  <a:srgbClr val="29ADFF"/>
-                </a:solidFill>
-              </a:rPr>
-              <a:t>2</a:t>
+              <a:rPr lang="en-GB" dirty="0" err="1"/>
+              <a:t>Langage</a:t>
+            </a:r>
+            <a:r>
+              <a:rPr lang="en-GB" dirty="0"/>
+              <a:t> Lua 5.2</a:t>
+            </a:r>
+          </a:p>
+          <a:p>
+            <a:r>
+              <a:rPr lang="en-GB" dirty="0"/>
+              <a:t>Version "light",</a:t>
+            </a:r>
+            <a:br>
+              <a:rPr lang="en-GB" dirty="0"/>
+            </a:br>
+            <a:r>
+              <a:rPr lang="en-GB" dirty="0" err="1"/>
+              <a:t>peu</a:t>
+            </a:r>
+            <a:r>
+              <a:rPr lang="en-GB" dirty="0"/>
+              <a:t> de </a:t>
+            </a:r>
+            <a:r>
+              <a:rPr lang="en-GB" dirty="0" err="1"/>
+              <a:t>fonctions</a:t>
+            </a:r>
+            <a:endParaRPr lang="en-GB" dirty="0"/>
+          </a:p>
+          <a:p>
+            <a:r>
+              <a:rPr lang="en-GB" dirty="0" err="1"/>
+              <a:t>Quelques</a:t>
             </a:r>
             <a:r>
               <a:rPr lang="en-GB" dirty="0"/>
               <a:t> </a:t>
             </a:r>
             <a:r>
-              <a:rPr lang="en-GB" dirty="0">
-                <a:solidFill>
-                  <a:srgbClr val="C2C3C7"/>
-                </a:solidFill>
-              </a:rPr>
-              <a:t>P</a:t>
-            </a:r>
-            <a:r>
-              <a:rPr lang="en-GB" dirty="0"/>
-              <a:t>=</a:t>
-            </a:r>
-            <a:r>
-              <a:rPr lang="en-GB" dirty="0">
-                <a:solidFill>
-                  <a:srgbClr val="C2C3C7"/>
-                </a:solidFill>
-              </a:rPr>
-              <a:t>F</a:t>
-            </a:r>
-            <a:r>
-              <a:rPr lang="en-GB" dirty="0"/>
-              <a:t>(</a:t>
-            </a:r>
-            <a:r>
-              <a:rPr lang="en-GB" dirty="0">
-                <a:solidFill>
-                  <a:srgbClr val="C2C3C7"/>
-                </a:solidFill>
-              </a:rPr>
-              <a:t>X</a:t>
-            </a:r>
-            <a:r>
-              <a:rPr lang="en-GB" dirty="0"/>
-              <a:t>)</a:t>
-            </a:r>
-            <a:r>
-              <a:rPr lang="en-GB" dirty="0">
-                <a:solidFill>
-                  <a:srgbClr val="C2C3C7"/>
-                </a:solidFill>
-              </a:rPr>
-              <a:t>Z</a:t>
-            </a:r>
-            <a:r>
-              <a:rPr lang="en-GB" dirty="0"/>
-              <a:t>=</a:t>
-            </a:r>
-            <a:r>
-              <a:rPr lang="en-GB" dirty="0">
-                <a:solidFill>
-                  <a:srgbClr val="29ADFF"/>
-                </a:solidFill>
-              </a:rPr>
-              <a:t>3.5</a:t>
-            </a:r>
-          </a:p>
-          <a:p>
-            <a:r>
-              <a:rPr lang="en-GB" dirty="0">
-                <a:solidFill>
-                  <a:srgbClr val="C2C3C7"/>
-                </a:solidFill>
-              </a:rPr>
-              <a:t>A</a:t>
-            </a:r>
-            <a:r>
-              <a:rPr lang="en-GB" dirty="0"/>
-              <a:t>,</a:t>
-            </a:r>
-            <a:r>
-              <a:rPr lang="en-GB" dirty="0">
-                <a:solidFill>
-                  <a:srgbClr val="C2C3C7"/>
-                </a:solidFill>
-              </a:rPr>
-              <a:t>B</a:t>
-            </a:r>
-            <a:r>
-              <a:rPr lang="en-GB" dirty="0"/>
-              <a:t>=</a:t>
-            </a:r>
-            <a:r>
-              <a:rPr lang="en-GB" dirty="0">
-                <a:solidFill>
-                  <a:srgbClr val="29ADFF"/>
-                </a:solidFill>
-              </a:rPr>
-              <a:t>12</a:t>
-            </a:r>
-            <a:r>
-              <a:rPr lang="en-GB" dirty="0"/>
-              <a:t>,</a:t>
-            </a:r>
-            <a:r>
-              <a:rPr lang="en-GB" dirty="0">
-                <a:solidFill>
-                  <a:srgbClr val="C2C3C7"/>
-                </a:solidFill>
-              </a:rPr>
-              <a:t>A</a:t>
-            </a:r>
-            <a:r>
-              <a:rPr lang="en-GB" dirty="0"/>
-              <a:t>+</a:t>
-            </a:r>
-            <a:r>
-              <a:rPr lang="en-GB" dirty="0">
-                <a:solidFill>
-                  <a:srgbClr val="29ADFF"/>
-                </a:solidFill>
-              </a:rPr>
-              <a:t>5</a:t>
-            </a:r>
-          </a:p>
-          <a:p>
-            <a:r>
-              <a:rPr lang="en-GB" dirty="0"/>
-              <a:t>pas </a:t>
-            </a:r>
-            <a:r>
               <a:rPr lang="en-GB" dirty="0" err="1"/>
-              <a:t>besoin</a:t>
-            </a:r>
-            <a:r>
-              <a:rPr lang="en-GB" dirty="0"/>
-              <a:t> de ";"</a:t>
-            </a:r>
-          </a:p>
-          <a:p>
-            <a:r>
-              <a:rPr lang="en-GB" dirty="0">
-                <a:solidFill>
-                  <a:srgbClr val="FF76A7"/>
-                </a:solidFill>
-              </a:rPr>
-              <a:t>END</a:t>
-            </a:r>
-            <a:r>
-              <a:rPr lang="en-GB" dirty="0"/>
-              <a:t> pour </a:t>
+              <a:t>ajouts</a:t>
+            </a:r>
+            <a:r>
+              <a:rPr lang="en-GB" dirty="0"/>
+              <a:t> de </a:t>
             </a:r>
             <a:r>
               <a:rPr lang="en-GB" dirty="0" err="1"/>
-              <a:t>finir</a:t>
-            </a:r>
-            <a:r>
-              <a:rPr lang="en-GB" dirty="0"/>
-              <a:t> un bloc</a:t>
-            </a:r>
-          </a:p>
-          <a:p>
-            <a:r>
-              <a:rPr lang="en-GB" dirty="0">
-                <a:solidFill>
-                  <a:srgbClr val="83769C"/>
-                </a:solidFill>
-              </a:rPr>
-              <a:t>-- </a:t>
-            </a:r>
-            <a:r>
-              <a:rPr lang="en-GB" dirty="0" err="1">
-                <a:solidFill>
-                  <a:srgbClr val="83769C"/>
-                </a:solidFill>
-              </a:rPr>
-              <a:t>commentaires</a:t>
-            </a:r>
-            <a:endParaRPr lang="en-GB" dirty="0">
-              <a:solidFill>
-                <a:srgbClr val="83769C"/>
-              </a:solidFill>
-            </a:endParaRPr>
-          </a:p>
-          <a:p>
-            <a:r>
-              <a:rPr lang="en-GB" dirty="0">
-                <a:solidFill>
-                  <a:srgbClr val="83769C"/>
-                </a:solidFill>
-              </a:rPr>
-              <a:t>// </a:t>
-            </a:r>
-            <a:r>
-              <a:rPr lang="en-GB" dirty="0" err="1">
-                <a:solidFill>
-                  <a:srgbClr val="83769C"/>
-                </a:solidFill>
-              </a:rPr>
-              <a:t>marche</a:t>
-            </a:r>
-            <a:r>
-              <a:rPr lang="en-GB" dirty="0">
-                <a:solidFill>
-                  <a:srgbClr val="83769C"/>
-                </a:solidFill>
-              </a:rPr>
-              <a:t> </a:t>
-            </a:r>
-            <a:r>
-              <a:rPr lang="en-GB" dirty="0" err="1">
-                <a:solidFill>
-                  <a:srgbClr val="83769C"/>
-                </a:solidFill>
-              </a:rPr>
-              <a:t>aussi</a:t>
-            </a:r>
-            <a:endParaRPr lang="en-GB" dirty="0">
-              <a:solidFill>
-                <a:srgbClr val="83769C"/>
-              </a:solidFill>
-            </a:endParaRPr>
-          </a:p>
-        </p:txBody>
-      </p:sp>
+              <a:t>syntaxe</a:t>
+            </a:r>
+            <a:endParaRPr lang="en-GB" dirty="0"/>
+          </a:p>
+          <a:p>
+            <a:r>
+              <a:rPr lang="en-GB" dirty="0"/>
+              <a:t>⌂⬅️😐♪🅾️◆…</a:t>
+            </a:r>
+          </a:p>
+        </p:txBody>
+      </p:sp>
+      <p:pic>
+        <p:nvPicPr>
+          <p:cNvPr id="4" name="Picture 3">
+            <a:extLst>
+              <a:ext uri="{FF2B5EF4-FFF2-40B4-BE49-F238E27FC236}">
+                <a16:creationId xmlns:a16="http://schemas.microsoft.com/office/drawing/2014/main" id="{8085D287-0EFB-44DF-9E8D-99CA6E6A0340}"/>
+              </a:ext>
+            </a:extLst>
+          </p:cNvPr>
+          <p:cNvPicPr>
+            <a:picLocks noChangeAspect="1"/>
+          </p:cNvPicPr>
+          <p:nvPr/>
+        </p:nvPicPr>
+        <p:blipFill>
+          <a:blip r:embed="rId2"/>
+          <a:stretch>
+            <a:fillRect/>
+          </a:stretch>
+        </p:blipFill>
+        <p:spPr>
+          <a:xfrm>
+            <a:off x="646111" y="1480650"/>
+            <a:ext cx="4817315" cy="4924632"/>
+          </a:xfrm>
+          <a:prstGeom prst="rect">
+            <a:avLst/>
+          </a:prstGeom>
+        </p:spPr>
+      </p:pic>
     </p:spTree>
     <p:extLst>
       <p:ext uri="{BB962C8B-B14F-4D97-AF65-F5344CB8AC3E}">
-        <p14:creationId xmlns:p14="http://schemas.microsoft.com/office/powerpoint/2010/main" val="1983614278"/>
+        <p14:creationId xmlns:p14="http://schemas.microsoft.com/office/powerpoint/2010/main" val="3839978558"/>
       </p:ext>
     </p:extLst>
   </p:cSld>
@@ -6632,7 +6490,7 @@
             </a:r>
             <a:r>
               <a:rPr lang="en-GB" dirty="0"/>
-              <a:t> 2/3</a:t>
+              <a:t> 1/3</a:t>
             </a:r>
           </a:p>
         </p:txBody>
@@ -6655,389 +6513,243 @@
         </p:nvSpPr>
         <p:spPr/>
         <p:txBody>
-          <a:bodyPr>
-            <a:normAutofit lnSpcReduction="10000"/>
-          </a:bodyPr>
+          <a:bodyPr/>
           <a:lstStyle/>
           <a:p>
             <a:r>
               <a:rPr lang="en-GB" dirty="0">
                 <a:solidFill>
+                  <a:srgbClr val="C2C3C7"/>
+                </a:solidFill>
+              </a:rPr>
+              <a:t>A</a:t>
+            </a:r>
+            <a:r>
+              <a:rPr lang="en-GB" dirty="0"/>
+              <a:t>=</a:t>
+            </a:r>
+            <a:r>
+              <a:rPr lang="en-GB" dirty="0">
+                <a:solidFill>
+                  <a:srgbClr val="29ADFF"/>
+                </a:solidFill>
+              </a:rPr>
+              <a:t>2</a:t>
+            </a:r>
+            <a:r>
+              <a:rPr lang="en-GB" dirty="0"/>
+              <a:t> </a:t>
+            </a:r>
+            <a:r>
+              <a:rPr lang="en-GB" dirty="0">
+                <a:solidFill>
+                  <a:srgbClr val="C2C3C7"/>
+                </a:solidFill>
+              </a:rPr>
+              <a:t>P</a:t>
+            </a:r>
+            <a:r>
+              <a:rPr lang="en-GB" dirty="0"/>
+              <a:t>=</a:t>
+            </a:r>
+            <a:r>
+              <a:rPr lang="en-GB" dirty="0">
+                <a:solidFill>
+                  <a:srgbClr val="C2C3C7"/>
+                </a:solidFill>
+              </a:rPr>
+              <a:t>F</a:t>
+            </a:r>
+            <a:r>
+              <a:rPr lang="en-GB" dirty="0"/>
+              <a:t>(</a:t>
+            </a:r>
+            <a:r>
+              <a:rPr lang="en-GB" dirty="0">
+                <a:solidFill>
+                  <a:srgbClr val="C2C3C7"/>
+                </a:solidFill>
+              </a:rPr>
+              <a:t>X</a:t>
+            </a:r>
+            <a:r>
+              <a:rPr lang="en-GB" dirty="0"/>
+              <a:t>)</a:t>
+            </a:r>
+            <a:r>
+              <a:rPr lang="en-GB" dirty="0">
+                <a:solidFill>
+                  <a:srgbClr val="C2C3C7"/>
+                </a:solidFill>
+              </a:rPr>
+              <a:t>Z</a:t>
+            </a:r>
+            <a:r>
+              <a:rPr lang="en-GB" dirty="0"/>
+              <a:t>+=</a:t>
+            </a:r>
+            <a:r>
+              <a:rPr lang="en-GB" dirty="0">
+                <a:solidFill>
+                  <a:srgbClr val="29ADFF"/>
+                </a:solidFill>
+              </a:rPr>
+              <a:t>3.5</a:t>
+            </a:r>
+          </a:p>
+          <a:p>
+            <a:r>
+              <a:rPr lang="en-GB" dirty="0">
+                <a:solidFill>
+                  <a:srgbClr val="C2C3C7"/>
+                </a:solidFill>
+              </a:rPr>
+              <a:t>A</a:t>
+            </a:r>
+            <a:r>
+              <a:rPr lang="en-GB" dirty="0"/>
+              <a:t>,</a:t>
+            </a:r>
+            <a:r>
+              <a:rPr lang="en-GB" dirty="0">
+                <a:solidFill>
+                  <a:srgbClr val="C2C3C7"/>
+                </a:solidFill>
+              </a:rPr>
+              <a:t>B</a:t>
+            </a:r>
+            <a:r>
+              <a:rPr lang="en-GB" dirty="0"/>
+              <a:t>=</a:t>
+            </a:r>
+            <a:r>
+              <a:rPr lang="en-GB" dirty="0">
+                <a:solidFill>
+                  <a:srgbClr val="29ADFF"/>
+                </a:solidFill>
+              </a:rPr>
+              <a:t>12</a:t>
+            </a:r>
+            <a:r>
+              <a:rPr lang="en-GB" dirty="0"/>
+              <a:t>,</a:t>
+            </a:r>
+            <a:r>
+              <a:rPr lang="en-GB" dirty="0">
+                <a:solidFill>
+                  <a:srgbClr val="C2C3C7"/>
+                </a:solidFill>
+              </a:rPr>
+              <a:t>A</a:t>
+            </a:r>
+            <a:r>
+              <a:rPr lang="en-GB" dirty="0"/>
+              <a:t>+</a:t>
+            </a:r>
+            <a:r>
+              <a:rPr lang="en-GB" dirty="0">
+                <a:solidFill>
+                  <a:srgbClr val="29ADFF"/>
+                </a:solidFill>
+              </a:rPr>
+              <a:t>5</a:t>
+            </a:r>
+          </a:p>
+          <a:p>
+            <a:r>
+              <a:rPr lang="en-GB" dirty="0"/>
+              <a:t>pas </a:t>
+            </a:r>
+            <a:r>
+              <a:rPr lang="en-GB" dirty="0" err="1"/>
+              <a:t>besoin</a:t>
+            </a:r>
+            <a:r>
+              <a:rPr lang="en-GB" dirty="0"/>
+              <a:t> de ";"</a:t>
+            </a:r>
+          </a:p>
+          <a:p>
+            <a:r>
+              <a:rPr lang="en-GB" dirty="0">
+                <a:solidFill>
                   <a:srgbClr val="FF76A7"/>
                 </a:solidFill>
               </a:rPr>
-              <a:t>IF</a:t>
-            </a:r>
-            <a:r>
-              <a:rPr lang="en-GB" dirty="0"/>
-              <a:t> </a:t>
-            </a:r>
-            <a:r>
-              <a:rPr lang="en-GB" dirty="0">
-                <a:solidFill>
-                  <a:srgbClr val="C2C3C7"/>
-                </a:solidFill>
-              </a:rPr>
-              <a:t>A</a:t>
-            </a:r>
-            <a:r>
-              <a:rPr lang="en-GB" dirty="0"/>
-              <a:t>==</a:t>
-            </a:r>
-            <a:r>
-              <a:rPr lang="en-GB" dirty="0">
-                <a:solidFill>
-                  <a:srgbClr val="29ADFF"/>
-                </a:solidFill>
-              </a:rPr>
-              <a:t>1</a:t>
-            </a:r>
-            <a:r>
-              <a:rPr lang="en-GB" dirty="0"/>
-              <a:t> </a:t>
-            </a:r>
-            <a:r>
-              <a:rPr lang="en-GB" dirty="0">
-                <a:solidFill>
-                  <a:srgbClr val="FF76A7"/>
-                </a:solidFill>
-              </a:rPr>
-              <a:t>THEN</a:t>
-            </a:r>
+              <a:t>END</a:t>
+            </a:r>
+            <a:r>
+              <a:rPr lang="en-GB" dirty="0"/>
+              <a:t> pour </a:t>
+            </a:r>
+            <a:r>
+              <a:rPr lang="en-GB" dirty="0" err="1"/>
+              <a:t>finir</a:t>
+            </a:r>
+            <a:r>
+              <a:rPr lang="en-GB" dirty="0"/>
+              <a:t> un bloc</a:t>
+            </a:r>
+          </a:p>
+          <a:p>
             <a:r>
               <a:rPr lang="en-GB" dirty="0">
                 <a:solidFill>
                   <a:srgbClr val="83769C"/>
                 </a:solidFill>
               </a:rPr>
-              <a:t> *****</a:t>
-            </a:r>
-            <a:r>
-              <a:rPr lang="en-GB" dirty="0"/>
-              <a:t> </a:t>
-            </a:r>
-            <a:r>
-              <a:rPr lang="en-GB" dirty="0">
-                <a:solidFill>
-                  <a:srgbClr val="FF76A7"/>
-                </a:solidFill>
-              </a:rPr>
-              <a:t>END</a:t>
-            </a:r>
-          </a:p>
-          <a:p>
-            <a:r>
-              <a:rPr lang="en-GB" dirty="0">
-                <a:solidFill>
-                  <a:srgbClr val="FF76A7"/>
-                </a:solidFill>
-              </a:rPr>
-              <a:t>IF</a:t>
-            </a:r>
-            <a:r>
-              <a:rPr lang="en-GB" dirty="0"/>
-              <a:t> </a:t>
-            </a:r>
-            <a:r>
-              <a:rPr lang="en-GB" dirty="0">
-                <a:solidFill>
-                  <a:srgbClr val="C2C3C7"/>
-                </a:solidFill>
-              </a:rPr>
-              <a:t>A</a:t>
-            </a:r>
-            <a:r>
-              <a:rPr lang="en-GB" dirty="0"/>
-              <a:t>==</a:t>
-            </a:r>
-            <a:r>
-              <a:rPr lang="en-GB" dirty="0">
-                <a:solidFill>
-                  <a:srgbClr val="29ADFF"/>
-                </a:solidFill>
-              </a:rPr>
-              <a:t>1</a:t>
-            </a:r>
-            <a:r>
-              <a:rPr lang="en-GB" dirty="0"/>
-              <a:t> </a:t>
-            </a:r>
-            <a:r>
-              <a:rPr lang="en-GB" dirty="0">
-                <a:solidFill>
-                  <a:srgbClr val="FF76A7"/>
-                </a:solidFill>
-              </a:rPr>
-              <a:t>THEN</a:t>
-            </a:r>
-            <a:r>
-              <a:rPr lang="en-GB" dirty="0"/>
-              <a:t> </a:t>
-            </a:r>
-            <a:r>
-              <a:rPr lang="en-GB" dirty="0">
+              <a:t>-- </a:t>
+            </a:r>
+            <a:r>
+              <a:rPr lang="en-GB" dirty="0" err="1">
                 <a:solidFill>
                   <a:srgbClr val="83769C"/>
                 </a:solidFill>
               </a:rPr>
-              <a:t>*****</a:t>
-            </a:r>
-            <a:br>
-              <a:rPr lang="en-GB" dirty="0"/>
-            </a:br>
-            <a:r>
-              <a:rPr lang="en-GB" dirty="0"/>
-              <a:t>  </a:t>
-            </a:r>
-            <a:r>
-              <a:rPr lang="en-GB" dirty="0">
-                <a:solidFill>
-                  <a:srgbClr val="FF76A7"/>
-                </a:solidFill>
-              </a:rPr>
-              <a:t>ELSE</a:t>
-            </a:r>
-            <a:r>
-              <a:rPr lang="en-GB" dirty="0"/>
-              <a:t> </a:t>
-            </a:r>
-            <a:r>
-              <a:rPr lang="en-GB" dirty="0">
-                <a:solidFill>
-                  <a:srgbClr val="83769C"/>
-                </a:solidFill>
-              </a:rPr>
-              <a:t>*****</a:t>
-            </a:r>
-            <a:r>
-              <a:rPr lang="en-GB" dirty="0"/>
-              <a:t> </a:t>
-            </a:r>
-            <a:r>
-              <a:rPr lang="en-GB" dirty="0">
-                <a:solidFill>
-                  <a:srgbClr val="FF76A7"/>
-                </a:solidFill>
-              </a:rPr>
-              <a:t>END</a:t>
-            </a:r>
-          </a:p>
-          <a:p>
-            <a:r>
-              <a:rPr lang="en-GB" dirty="0">
-                <a:solidFill>
-                  <a:srgbClr val="FF76A7"/>
-                </a:solidFill>
-              </a:rPr>
-              <a:t>IF</a:t>
-            </a:r>
-            <a:r>
-              <a:rPr lang="en-GB" dirty="0"/>
-              <a:t> </a:t>
-            </a:r>
-            <a:r>
-              <a:rPr lang="en-GB" dirty="0">
-                <a:solidFill>
-                  <a:srgbClr val="C2C3C7"/>
-                </a:solidFill>
-              </a:rPr>
-              <a:t>A</a:t>
-            </a:r>
-            <a:r>
-              <a:rPr lang="en-GB" dirty="0"/>
-              <a:t>==</a:t>
-            </a:r>
-            <a:r>
-              <a:rPr lang="en-GB" dirty="0">
-                <a:solidFill>
-                  <a:srgbClr val="29ADFF"/>
-                </a:solidFill>
-              </a:rPr>
-              <a:t>1</a:t>
-            </a:r>
-            <a:r>
-              <a:rPr lang="en-GB" dirty="0"/>
-              <a:t> </a:t>
-            </a:r>
-            <a:r>
-              <a:rPr lang="en-GB" dirty="0">
-                <a:solidFill>
-                  <a:srgbClr val="FF76A7"/>
-                </a:solidFill>
-              </a:rPr>
-              <a:t>THEN</a:t>
-            </a:r>
-            <a:r>
-              <a:rPr lang="en-GB" dirty="0"/>
-              <a:t> </a:t>
-            </a:r>
-            <a:r>
-              <a:rPr lang="en-GB" dirty="0">
-                <a:solidFill>
-                  <a:srgbClr val="83769C"/>
-                </a:solidFill>
-              </a:rPr>
-              <a:t>*****</a:t>
-            </a:r>
-            <a:br>
-              <a:rPr lang="en-GB" dirty="0"/>
-            </a:br>
-            <a:r>
-              <a:rPr lang="en-GB" dirty="0"/>
-              <a:t>  </a:t>
-            </a:r>
-            <a:r>
-              <a:rPr lang="en-GB" dirty="0">
-                <a:solidFill>
-                  <a:srgbClr val="FF76A7"/>
-                </a:solidFill>
-              </a:rPr>
-              <a:t>ELSEIF</a:t>
-            </a:r>
-            <a:r>
-              <a:rPr lang="en-GB" dirty="0"/>
-              <a:t> </a:t>
-            </a:r>
-            <a:r>
-              <a:rPr lang="en-GB" dirty="0">
-                <a:solidFill>
-                  <a:srgbClr val="C2C3C7"/>
-                </a:solidFill>
-              </a:rPr>
-              <a:t>A</a:t>
-            </a:r>
-            <a:r>
-              <a:rPr lang="en-GB" dirty="0"/>
-              <a:t>==</a:t>
-            </a:r>
-            <a:r>
-              <a:rPr lang="en-GB" dirty="0">
-                <a:solidFill>
-                  <a:srgbClr val="29ADFF"/>
-                </a:solidFill>
-              </a:rPr>
-              <a:t>2</a:t>
-            </a:r>
-            <a:r>
-              <a:rPr lang="en-GB" dirty="0"/>
-              <a:t> </a:t>
-            </a:r>
-            <a:r>
-              <a:rPr lang="en-GB" dirty="0">
-                <a:solidFill>
-                  <a:srgbClr val="FF76A7"/>
-                </a:solidFill>
-              </a:rPr>
-              <a:t>THEN</a:t>
-            </a:r>
-            <a:r>
-              <a:rPr lang="en-GB" dirty="0"/>
-              <a:t> </a:t>
-            </a:r>
-            <a:r>
-              <a:rPr lang="en-GB" dirty="0">
-                <a:solidFill>
-                  <a:srgbClr val="83769C"/>
-                </a:solidFill>
-              </a:rPr>
-              <a:t>*****</a:t>
-            </a:r>
-            <a:br>
-              <a:rPr lang="en-GB" dirty="0"/>
-            </a:br>
-            <a:r>
-              <a:rPr lang="en-GB" dirty="0"/>
-              <a:t>  </a:t>
-            </a:r>
-            <a:r>
-              <a:rPr lang="en-GB" dirty="0">
-                <a:solidFill>
-                  <a:srgbClr val="FF76A7"/>
-                </a:solidFill>
-              </a:rPr>
-              <a:t>ELSE</a:t>
-            </a:r>
-            <a:r>
-              <a:rPr lang="en-GB" dirty="0"/>
-              <a:t> </a:t>
-            </a:r>
-            <a:r>
-              <a:rPr lang="en-GB" dirty="0">
-                <a:solidFill>
-                  <a:srgbClr val="83769C"/>
-                </a:solidFill>
-              </a:rPr>
-              <a:t>*****</a:t>
-            </a:r>
-            <a:r>
-              <a:rPr lang="en-GB" dirty="0"/>
-              <a:t> </a:t>
-            </a:r>
-            <a:r>
-              <a:rPr lang="en-GB" dirty="0">
-                <a:solidFill>
-                  <a:srgbClr val="FF76A7"/>
-                </a:solidFill>
-              </a:rPr>
-              <a:t>END</a:t>
-            </a:r>
-          </a:p>
-          <a:p>
-            <a:r>
-              <a:rPr lang="en-GB" dirty="0">
-                <a:solidFill>
-                  <a:srgbClr val="FF76A7"/>
-                </a:solidFill>
-              </a:rPr>
-              <a:t>IF</a:t>
-            </a:r>
-            <a:r>
-              <a:rPr lang="en-GB" dirty="0"/>
-              <a:t> (</a:t>
-            </a:r>
-            <a:r>
-              <a:rPr lang="en-GB" dirty="0">
-                <a:solidFill>
-                  <a:srgbClr val="C2C3C7"/>
-                </a:solidFill>
-              </a:rPr>
-              <a:t>A</a:t>
-            </a:r>
-            <a:r>
-              <a:rPr lang="en-GB" dirty="0"/>
-              <a:t>==</a:t>
-            </a:r>
-            <a:r>
-              <a:rPr lang="en-GB" dirty="0">
-                <a:solidFill>
-                  <a:srgbClr val="29ADFF"/>
-                </a:solidFill>
-              </a:rPr>
-              <a:t>1</a:t>
-            </a:r>
-            <a:r>
-              <a:rPr lang="en-GB" dirty="0"/>
-              <a:t>)</a:t>
-            </a:r>
-            <a:r>
-              <a:rPr lang="en-GB" dirty="0">
-                <a:solidFill>
-                  <a:srgbClr val="29ADFF"/>
-                </a:solidFill>
-              </a:rPr>
-              <a:t> </a:t>
-            </a:r>
-            <a:r>
-              <a:rPr lang="en-GB" dirty="0">
-                <a:solidFill>
-                  <a:srgbClr val="83769C"/>
-                </a:solidFill>
-              </a:rPr>
-              <a:t>*****</a:t>
+              <a:t>commentaires</a:t>
             </a:r>
             <a:endParaRPr lang="en-GB" dirty="0">
               <a:solidFill>
-                <a:srgbClr val="FF76A7"/>
+                <a:srgbClr val="83769C"/>
+              </a:solidFill>
+            </a:endParaRPr>
+          </a:p>
+          <a:p>
+            <a:r>
+              <a:rPr lang="en-GB" dirty="0">
+                <a:solidFill>
+                  <a:srgbClr val="83769C"/>
+                </a:solidFill>
+              </a:rPr>
+              <a:t>// </a:t>
+            </a:r>
+            <a:r>
+              <a:rPr lang="en-GB" dirty="0" err="1">
+                <a:solidFill>
+                  <a:srgbClr val="83769C"/>
+                </a:solidFill>
+              </a:rPr>
+              <a:t>marche</a:t>
+            </a:r>
+            <a:r>
+              <a:rPr lang="en-GB" dirty="0">
+                <a:solidFill>
+                  <a:srgbClr val="83769C"/>
+                </a:solidFill>
+              </a:rPr>
+              <a:t> </a:t>
+            </a:r>
+            <a:r>
+              <a:rPr lang="en-GB" dirty="0" err="1">
+                <a:solidFill>
+                  <a:srgbClr val="83769C"/>
+                </a:solidFill>
+              </a:rPr>
+              <a:t>aussi</a:t>
+            </a:r>
+            <a:endParaRPr lang="en-GB" dirty="0">
+              <a:solidFill>
+                <a:srgbClr val="83769C"/>
               </a:solidFill>
             </a:endParaRPr>
           </a:p>
@@ -7046,7 +6758,7 @@
     </p:spTree>
     <p:extLst>
       <p:ext uri="{BB962C8B-B14F-4D97-AF65-F5344CB8AC3E}">
-        <p14:creationId xmlns:p14="http://schemas.microsoft.com/office/powerpoint/2010/main" val="2582991776"/>
+        <p14:creationId xmlns:p14="http://schemas.microsoft.com/office/powerpoint/2010/main" val="1983614278"/>
       </p:ext>
     </p:extLst>
   </p:cSld>
@@ -7104,7 +6816,7 @@
             </a:r>
             <a:r>
               <a:rPr lang="en-GB" dirty="0"/>
-              <a:t> 3/3</a:t>
+              <a:t> 2/3</a:t>
             </a:r>
           </a:p>
         </p:txBody>
@@ -7125,15 +6837,10 @@
             <p:ph idx="1"/>
           </p:nvPr>
         </p:nvSpPr>
-        <p:spPr>
-          <a:xfrm>
-            <a:off x="1103312" y="2052918"/>
-            <a:ext cx="9297115" cy="4195481"/>
-          </a:xfrm>
-        </p:spPr>
+        <p:spPr/>
         <p:txBody>
           <a:bodyPr>
-            <a:normAutofit/>
+            <a:normAutofit lnSpcReduction="10000"/>
           </a:bodyPr>
           <a:lstStyle/>
           <a:p>
@@ -7143,7 +6850,7 @@
                   <a:srgbClr val="FF76A7"/>
                 </a:solidFill>
               </a:rPr>
-              <a:t>FOR</a:t>
+              <a:t>IF</a:t>
             </a:r>
             <a:r>
               <a:rPr lang="en-GB" dirty="0"/>
@@ -7155,11 +6862,11 @@
                   <a:srgbClr val="C2C3C7"/>
                 </a:solidFill>
               </a:rPr>
-              <a:t>X</a:t>
-            </a:r>
-            <a:r>
-              <a:rPr lang="en-GB" dirty="0"/>
-              <a:t>=</a:t>
+              <a:t>A</a:t>
+            </a:r>
+            <a:r>
+              <a:rPr lang="en-GB" dirty="0"/>
+              <a:t>==</a:t>
             </a:r>
             <a:r>
               <a:rPr lang="en-GB" dirty="0">
@@ -7171,7 +6878,61 @@
             </a:r>
             <a:r>
               <a:rPr lang="en-GB" dirty="0"/>
-              <a:t>,</a:t>
+              <a:t> </a:t>
+            </a:r>
+            <a:r>
+              <a:rPr lang="en-GB" dirty="0">
+                <a:solidFill>
+                  <a:srgbClr val="FF76A7"/>
+                </a:solidFill>
+              </a:rPr>
+              <a:t>THEN</a:t>
+            </a:r>
+            <a:r>
+              <a:rPr lang="en-GB" dirty="0">
+                <a:solidFill>
+                  <a:srgbClr val="83769C"/>
+                </a:solidFill>
+              </a:rPr>
+              <a:t> *****</a:t>
+            </a:r>
+            <a:r>
+              <a:rPr lang="en-GB" dirty="0"/>
+              <a:t> </a:t>
+            </a:r>
+            <a:r>
+              <a:rPr lang="en-GB" dirty="0">
+                <a:solidFill>
+                  <a:srgbClr val="FF76A7"/>
+                </a:solidFill>
+              </a:rPr>
+              <a:t>END</a:t>
+            </a:r>
+          </a:p>
+          <a:p>
+            <a:r>
+              <a:rPr lang="en-GB" dirty="0">
+                <a:solidFill>
+                  <a:srgbClr val="FF76A7"/>
+                </a:solidFill>
+              </a:rPr>
+              <a:t>IF</a:t>
+            </a:r>
+            <a:r>
+              <a:rPr lang="en-GB" dirty="0"/>
+              <a:t> </a:t>
+            </a:r>
+            <a:r>
+              <a:rPr lang="en-GB" dirty="0">
+                <a:solidFill>
+                  <a:srgbClr val="C2C3C7"/>
+                </a:solidFill>
+              </a:rPr>
+              <a:t>A</a:t>
+            </a:r>
+            <a:r>
+              <a:rPr lang="en-GB" dirty="0"/>
+              <a:t>==</a:t>
             </a:r>
             <a:r>
               <a:rPr lang="en-GB" dirty="0">
@@ -7179,7 +6940,7 @@
                   <a:srgbClr val="29ADFF"/>
                 </a:solidFill>
               </a:rPr>
-              <a:t>10</a:t>
+              <a:t>1</a:t>
             </a:r>
             <a:r>
               <a:rPr lang="en-GB" dirty="0"/>
@@ -7191,7 +6952,11 @@
                   <a:srgbClr val="FF76A7"/>
                 </a:solidFill>
               </a:rPr>
-              <a:t>DO</a:t>
+              <a:t>THEN</a:t>
+            </a:r>
+            <a:r>
+              <a:rPr lang="en-GB" dirty="0"/>
+              <a:t> </a:t>
             </a:r>
             <a:r>
               <a:rPr lang="en-GB" dirty="0">
@@ -7199,7 +6964,22 @@
                   <a:srgbClr val="83769C"/>
                 </a:solidFill>
               </a:rPr>
-              <a:t> *****</a:t>
+              <a:t>*****</a:t>
+            </a:r>
+            <a:br>
+              <a:rPr lang="en-GB" dirty="0"/>
+            </a:br>
+            <a:r>
+              <a:rPr lang="en-GB" dirty="0"/>
+              <a:t>  </a:t>
+            </a:r>
+            <a:r>
+              <a:rPr lang="en-GB" dirty="0">
+                <a:solidFill>
+                  <a:srgbClr val="FF76A7"/>
+                </a:solidFill>
+              </a:rPr>
+              <a:t>ELSE</a:t>
             </a:r>
             <a:r>
               <a:rPr lang="en-GB" dirty="0"/>
@@ -7208,6 +6988,18 @@
             <a:r>
               <a:rPr lang="en-GB" dirty="0">
                 <a:solidFill>
+                  <a:srgbClr val="83769C"/>
+                </a:solidFill>
+              </a:rPr>
+              <a:t>*****</a:t>
+            </a:r>
+            <a:r>
+              <a:rPr lang="en-GB" dirty="0"/>
+              <a:t> </a:t>
+            </a:r>
+            <a:r>
+              <a:rPr lang="en-GB" dirty="0">
+                <a:solidFill>
                   <a:srgbClr val="FF76A7"/>
                 </a:solidFill>
               </a:rPr>
@@ -7221,7 +7013,7 @@
                   <a:srgbClr val="FF76A7"/>
                 </a:solidFill>
               </a:rPr>
-              <a:t>FOR</a:t>
+              <a:t>IF</a:t>
             </a:r>
             <a:r>
               <a:rPr lang="en-GB" dirty="0"/>
@@ -7233,11 +7025,11 @@
                   <a:srgbClr val="C2C3C7"/>
                 </a:solidFill>
               </a:rPr>
-              <a:t>X</a:t>
-            </a:r>
-            <a:r>
-              <a:rPr lang="en-GB" dirty="0"/>
-              <a:t>=</a:t>
+              <a:t>A</a:t>
+            </a:r>
+            <a:r>
+              <a:rPr lang="en-GB" dirty="0"/>
+              <a:t>==</a:t>
             </a:r>
             <a:r>
               <a:rPr lang="en-GB" dirty="0">
@@ -7245,11 +7037,62 @@
                   <a:srgbClr val="29ADFF"/>
                 </a:solidFill>
               </a:rPr>
-              <a:t>10</a:t>
-            </a:r>
-            <a:r>
-              <a:rPr lang="en-GB" dirty="0"/>
-              <a:t>,</a:t>
+              <a:t>1</a:t>
+            </a:r>
+            <a:r>
+              <a:rPr lang="en-GB" dirty="0"/>
+              <a:t> </a:t>
+            </a:r>
+            <a:r>
+              <a:rPr lang="en-GB" dirty="0">
+                <a:solidFill>
+                  <a:srgbClr val="FF76A7"/>
+                </a:solidFill>
+              </a:rPr>
+              <a:t>THEN</a:t>
+            </a:r>
+            <a:r>
+              <a:rPr lang="en-GB" dirty="0"/>
+              <a:t> </a:t>
+            </a:r>
+            <a:r>
+              <a:rPr lang="en-GB" dirty="0">
+                <a:solidFill>
+                  <a:srgbClr val="83769C"/>
+                </a:solidFill>
+              </a:rPr>
+              <a:t>*****</a:t>
+            </a:r>
+            <a:br>
+              <a:rPr lang="en-GB" dirty="0"/>
+            </a:br>
+            <a:r>
+              <a:rPr lang="en-GB" dirty="0"/>
+              <a:t>  </a:t>
+            </a:r>
+            <a:r>
+              <a:rPr lang="en-GB" dirty="0">
+                <a:solidFill>
+                  <a:srgbClr val="FF76A7"/>
+                </a:solidFill>
+              </a:rPr>
+              <a:t>ELSEIF</a:t>
+            </a:r>
+            <a:r>
+              <a:rPr lang="en-GB" dirty="0"/>
+              <a:t> </a:t>
+            </a:r>
+            <a:r>
+              <a:rPr lang="en-GB" dirty="0">
+                <a:solidFill>
+                  <a:srgbClr val="C2C3C7"/>
+                </a:solidFill>
+              </a:rPr>
+              <a:t>A</a:t>
+            </a:r>
+            <a:r>
+              <a:rPr lang="en-GB" dirty="0"/>
+              <a:t>==</a:t>
             </a:r>
             <a:r>
               <a:rPr lang="en-GB" dirty="0">
@@ -7257,11 +7100,108 @@
                   <a:srgbClr val="29ADFF"/>
                 </a:solidFill>
               </a:rPr>
+              <a:t>2</a:t>
+            </a:r>
+            <a:r>
+              <a:rPr lang="en-GB" dirty="0"/>
+              <a:t> </a:t>
+            </a:r>
+            <a:r>
+              <a:rPr lang="en-GB" dirty="0">
+                <a:solidFill>
+                  <a:srgbClr val="FF76A7"/>
+                </a:solidFill>
+              </a:rPr>
+              <a:t>THEN</a:t>
+            </a:r>
+            <a:r>
+              <a:rPr lang="en-GB" dirty="0"/>
+              <a:t> </a:t>
+            </a:r>
+            <a:r>
+              <a:rPr lang="en-GB" dirty="0">
+                <a:solidFill>
+                  <a:srgbClr val="83769C"/>
+                </a:solidFill>
+              </a:rPr>
+              <a:t>*****</a:t>
+            </a:r>
+            <a:br>
+              <a:rPr lang="en-GB" dirty="0"/>
+            </a:br>
+            <a:r>
+              <a:rPr lang="en-GB" dirty="0"/>
+              <a:t>  </a:t>
+            </a:r>
+            <a:r>
+              <a:rPr lang="en-GB" dirty="0">
+                <a:solidFill>
+                  <a:srgbClr val="FF76A7"/>
+                </a:solidFill>
+              </a:rPr>
+              <a:t>ELSE</a:t>
+            </a:r>
+            <a:r>
+              <a:rPr lang="en-GB" dirty="0"/>
+              <a:t> </a:t>
+            </a:r>
+            <a:r>
+              <a:rPr lang="en-GB" dirty="0">
+                <a:solidFill>
+                  <a:srgbClr val="83769C"/>
+                </a:solidFill>
+              </a:rPr>
+              <a:t>*****</a:t>
+            </a:r>
+            <a:r>
+              <a:rPr lang="en-GB" dirty="0"/>
+              <a:t> </a:t>
+            </a:r>
+            <a:r>
+              <a:rPr lang="en-GB" dirty="0">
+                <a:solidFill>
+                  <a:srgbClr val="FF76A7"/>
+                </a:solidFill>
+              </a:rPr>
+              <a:t>END</a:t>
+            </a:r>
+          </a:p>
+          <a:p>
+            <a:r>
+              <a:rPr lang="en-GB" dirty="0">
+                <a:solidFill>
+                  <a:srgbClr val="FF76A7"/>
+                </a:solidFill>
+              </a:rPr>
+              <a:t>IF</a:t>
+            </a:r>
+            <a:r>
+              <a:rPr lang="en-GB" dirty="0"/>
+              <a:t> (</a:t>
+            </a:r>
+            <a:r>
+              <a:rPr lang="en-GB" dirty="0">
+                <a:solidFill>
+                  <a:srgbClr val="C2C3C7"/>
+                </a:solidFill>
+              </a:rPr>
+              <a:t>A</a:t>
+            </a:r>
+            <a:r>
+              <a:rPr lang="en-GB" dirty="0"/>
+              <a:t>==</a:t>
+            </a:r>
+            <a:r>
+              <a:rPr lang="en-GB" dirty="0">
+                <a:solidFill>
+                  <a:srgbClr val="29ADFF"/>
+                </a:solidFill>
+              </a:rPr>
               <a:t>1</a:t>
             </a:r>
             <a:r>
               <a:rPr lang="en-GB" dirty="0"/>
-              <a:t>,-</a:t>
+              <a:t>)</a:t>
             </a:r>
             <a:r>
               <a:rPr lang="en-GB" dirty="0">
@@ -7269,167 +7209,28 @@
                   <a:srgbClr val="29ADFF"/>
                 </a:solidFill>
               </a:rPr>
-              <a:t>1</a:t>
-            </a:r>
-            <a:r>
-              <a:rPr lang="en-GB" dirty="0"/>
               <a:t> </a:t>
             </a:r>
             <a:r>
               <a:rPr lang="en-GB" dirty="0">
                 <a:solidFill>
-                  <a:srgbClr val="FF76A7"/>
-                </a:solidFill>
-              </a:rPr>
-              <a:t>DO</a:t>
-            </a:r>
-            <a:r>
-              <a:rPr lang="en-GB" dirty="0">
-                <a:solidFill>
                   <a:srgbClr val="83769C"/>
                 </a:solidFill>
               </a:rPr>
-              <a:t> *****</a:t>
-            </a:r>
-            <a:r>
-              <a:rPr lang="en-GB" dirty="0"/>
-              <a:t> </a:t>
-            </a:r>
-            <a:r>
-              <a:rPr lang="en-GB" dirty="0">
-                <a:solidFill>
-                  <a:srgbClr val="FF76A7"/>
-                </a:solidFill>
-              </a:rPr>
-              <a:t>END</a:t>
-            </a:r>
-          </a:p>
-          <a:p>
-            <a:r>
-              <a:rPr lang="en-GB" dirty="0">
-                <a:solidFill>
-                  <a:srgbClr val="FF76A7"/>
-                </a:solidFill>
-              </a:rPr>
-              <a:t>WHILE </a:t>
-            </a:r>
-            <a:r>
-              <a:rPr lang="en-GB" dirty="0">
-                <a:solidFill>
-                  <a:srgbClr val="C2C3C7"/>
-                </a:solidFill>
-              </a:rPr>
-              <a:t>X</a:t>
-            </a:r>
-            <a:r>
-              <a:rPr lang="en-GB" dirty="0"/>
-              <a:t>&lt;</a:t>
-            </a:r>
-            <a:r>
-              <a:rPr lang="en-GB" dirty="0">
-                <a:solidFill>
-                  <a:srgbClr val="29ADFF"/>
-                </a:solidFill>
-              </a:rPr>
-              <a:t>10</a:t>
-            </a:r>
-            <a:r>
-              <a:rPr lang="en-GB" dirty="0"/>
-              <a:t> </a:t>
-            </a:r>
-            <a:r>
-              <a:rPr lang="en-GB" dirty="0">
-                <a:solidFill>
-                  <a:srgbClr val="FF76A7"/>
-                </a:solidFill>
-              </a:rPr>
-              <a:t>DO</a:t>
-            </a:r>
-            <a:r>
-              <a:rPr lang="en-GB" dirty="0">
-                <a:solidFill>
-                  <a:srgbClr val="83769C"/>
-                </a:solidFill>
-              </a:rPr>
-              <a:t> *****</a:t>
-            </a:r>
-            <a:r>
-              <a:rPr lang="en-GB" dirty="0"/>
-              <a:t> </a:t>
-            </a:r>
-            <a:r>
-              <a:rPr lang="en-GB" dirty="0">
-                <a:solidFill>
-                  <a:srgbClr val="FF76A7"/>
-                </a:solidFill>
-              </a:rPr>
-              <a:t>END</a:t>
-            </a:r>
-          </a:p>
-          <a:p>
-            <a:r>
-              <a:rPr lang="en-GB" dirty="0">
-                <a:solidFill>
-                  <a:srgbClr val="FF76A7"/>
-                </a:solidFill>
-              </a:rPr>
-              <a:t>REPEAT</a:t>
-            </a:r>
-            <a:r>
-              <a:rPr lang="en-GB" dirty="0">
-                <a:solidFill>
-                  <a:srgbClr val="83769C"/>
-                </a:solidFill>
-              </a:rPr>
-              <a:t> *****</a:t>
-            </a:r>
-            <a:r>
-              <a:rPr lang="en-GB" dirty="0"/>
-              <a:t> </a:t>
-            </a:r>
-            <a:r>
-              <a:rPr lang="en-GB" dirty="0">
-                <a:solidFill>
-                  <a:srgbClr val="FF76A7"/>
-                </a:solidFill>
-              </a:rPr>
-              <a:t>UNTIL </a:t>
-            </a:r>
-            <a:r>
-              <a:rPr lang="en-GB" dirty="0">
-                <a:solidFill>
-                  <a:srgbClr val="C2C3C7"/>
-                </a:solidFill>
-              </a:rPr>
-              <a:t>X</a:t>
-            </a:r>
-            <a:r>
-              <a:rPr lang="en-GB" dirty="0"/>
-              <a:t>==</a:t>
-            </a:r>
-            <a:r>
-              <a:rPr lang="en-GB" dirty="0">
-                <a:solidFill>
-                  <a:srgbClr val="29ADFF"/>
-                </a:solidFill>
-              </a:rPr>
-              <a:t>10 </a:t>
-            </a:r>
-            <a:r>
-              <a:rPr lang="en-GB" dirty="0">
-                <a:solidFill>
-                  <a:srgbClr val="FF76A7"/>
-                </a:solidFill>
-              </a:rPr>
-              <a:t>END</a:t>
-            </a:r>
+              <a:t>*****</a:t>
+            </a:r>
+            <a:endParaRPr lang="en-GB" dirty="0">
+              <a:solidFill>
+                <a:srgbClr val="FF76A7"/>
+              </a:solidFill>
+            </a:endParaRPr>
           </a:p>
         </p:txBody>
       </p:sp>
     </p:spTree>
     <p:extLst>
       <p:ext uri="{BB962C8B-B14F-4D97-AF65-F5344CB8AC3E}">
-        <p14:creationId xmlns:p14="http://schemas.microsoft.com/office/powerpoint/2010/main" val="2320063167"/>
+        <p14:creationId xmlns:p14="http://schemas.microsoft.com/office/powerpoint/2010/main" val="2582991776"/>
       </p:ext>
     </p:extLst>
   </p:cSld>
@@ -7483,9 +7284,12 @@
             </a:r>
             <a:r>
               <a:rPr lang="en-GB" dirty="0" err="1"/>
-              <a:t>nombres</a:t>
-            </a:r>
-            <a:endParaRPr lang="en-GB" dirty="0"/>
+              <a:t>syntaxe</a:t>
+            </a:r>
+            <a:r>
+              <a:rPr lang="en-GB" dirty="0"/>
+              <a:t> 3/3</a:t>
+            </a:r>
           </a:p>
         </p:txBody>
       </p:sp>
@@ -7505,14 +7309,41 @@
             <p:ph idx="1"/>
           </p:nvPr>
         </p:nvSpPr>
-        <p:spPr/>
-        <p:txBody>
-          <a:bodyPr/>
+        <p:spPr>
+          <a:xfrm>
+            <a:off x="1103312" y="2052918"/>
+            <a:ext cx="9297115" cy="4195481"/>
+          </a:xfrm>
+        </p:spPr>
+        <p:txBody>
+          <a:bodyPr>
+            <a:normAutofit/>
+          </a:bodyPr>
           <a:lstStyle/>
           <a:p>
             <a:r>
-              <a:rPr lang="en-GB" dirty="0"/>
-              <a:t>?</a:t>
+              <a:rPr lang="en-GB" dirty="0">
+                <a:solidFill>
+                  <a:srgbClr val="FF76A7"/>
+                </a:solidFill>
+              </a:rPr>
+              <a:t>FOR</a:t>
+            </a:r>
+            <a:r>
+              <a:rPr lang="en-GB" dirty="0"/>
+              <a:t> </a:t>
+            </a:r>
+            <a:r>
+              <a:rPr lang="en-GB" dirty="0">
+                <a:solidFill>
+                  <a:srgbClr val="C2C3C7"/>
+                </a:solidFill>
+              </a:rPr>
+              <a:t>X</a:t>
+            </a:r>
+            <a:r>
+              <a:rPr lang="en-GB" dirty="0"/>
+              <a:t>=</a:t>
             </a:r>
             <a:r>
               <a:rPr lang="en-GB" dirty="0">
@@ -7520,13 +7351,11 @@
                   <a:srgbClr val="29ADFF"/>
                 </a:solidFill>
               </a:rPr>
-              <a:t>123</a:t>
-            </a:r>
-          </a:p>
-          <a:p>
-            <a:r>
-              <a:rPr lang="en-GB" dirty="0"/>
-              <a:t>?</a:t>
+              <a:t>1</a:t>
+            </a:r>
+            <a:r>
+              <a:rPr lang="en-GB" dirty="0"/>
+              <a:t>,</a:t>
             </a:r>
             <a:r>
               <a:rPr lang="en-GB" dirty="0">
@@ -7534,11 +7363,65 @@
                   <a:srgbClr val="29ADFF"/>
                 </a:solidFill>
               </a:rPr>
-              <a:t>1.5</a:t>
-            </a:r>
-            <a:r>
-              <a:rPr lang="en-GB" dirty="0"/>
-              <a:t>+</a:t>
+              <a:t>10</a:t>
+            </a:r>
+            <a:r>
+              <a:rPr lang="en-GB" dirty="0"/>
+              <a:t> </a:t>
+            </a:r>
+            <a:r>
+              <a:rPr lang="en-GB" dirty="0">
+                <a:solidFill>
+                  <a:srgbClr val="FF76A7"/>
+                </a:solidFill>
+              </a:rPr>
+              <a:t>DO</a:t>
+            </a:r>
+            <a:r>
+              <a:rPr lang="en-GB" dirty="0">
+                <a:solidFill>
+                  <a:srgbClr val="83769C"/>
+                </a:solidFill>
+              </a:rPr>
+              <a:t> *****</a:t>
+            </a:r>
+            <a:r>
+              <a:rPr lang="en-GB" dirty="0"/>
+              <a:t> </a:t>
+            </a:r>
+            <a:r>
+              <a:rPr lang="en-GB" dirty="0">
+                <a:solidFill>
+                  <a:srgbClr val="FF76A7"/>
+                </a:solidFill>
+              </a:rPr>
+              <a:t>END</a:t>
+            </a:r>
+          </a:p>
+          <a:p>
+            <a:r>
+              <a:rPr lang="en-GB" dirty="0">
+                <a:solidFill>
+                  <a:srgbClr val="FF76A7"/>
+                </a:solidFill>
+              </a:rPr>
+              <a:t>FOR</a:t>
+            </a:r>
+            <a:r>
+              <a:rPr lang="en-GB" dirty="0"/>
+              <a:t> </a:t>
+            </a:r>
+            <a:r>
+              <a:rPr lang="en-GB" dirty="0">
+                <a:solidFill>
+                  <a:srgbClr val="C2C3C7"/>
+                </a:solidFill>
+              </a:rPr>
+              <a:t>X</a:t>
+            </a:r>
+            <a:r>
+              <a:rPr lang="en-GB" dirty="0"/>
+              <a:t>=</a:t>
             </a:r>
             <a:r>
               <a:rPr lang="en-GB" dirty="0">
@@ -7546,25 +7429,11 @@
                   <a:srgbClr val="29ADFF"/>
                 </a:solidFill>
               </a:rPr>
-              <a:t>12</a:t>
-            </a:r>
-          </a:p>
-          <a:p>
-            <a:r>
-              <a:rPr lang="en-GB" dirty="0"/>
-              <a:t>?</a:t>
-            </a:r>
-            <a:r>
-              <a:rPr lang="en-GB" dirty="0">
-                <a:solidFill>
-                  <a:srgbClr val="00E436"/>
-                </a:solidFill>
-              </a:rPr>
-              <a:t>MAX</a:t>
-            </a:r>
-            <a:r>
-              <a:rPr lang="en-GB" dirty="0"/>
-              <a:t>(</a:t>
+              <a:t>10</a:t>
+            </a:r>
+            <a:r>
+              <a:rPr lang="en-GB" dirty="0"/>
+              <a:t>,</a:t>
             </a:r>
             <a:r>
               <a:rPr lang="en-GB" dirty="0">
@@ -7572,11 +7441,11 @@
                   <a:srgbClr val="29ADFF"/>
                 </a:solidFill>
               </a:rPr>
-              <a:t>4</a:t>
-            </a:r>
-            <a:r>
-              <a:rPr lang="en-GB" dirty="0"/>
-              <a:t>,</a:t>
+              <a:t>1</a:t>
+            </a:r>
+            <a:r>
+              <a:rPr lang="en-GB" dirty="0"/>
+              <a:t>,-</a:t>
             </a:r>
             <a:r>
               <a:rPr lang="en-GB" dirty="0">
@@ -7584,25 +7453,61 @@
                   <a:srgbClr val="29ADFF"/>
                 </a:solidFill>
               </a:rPr>
-              <a:t>8</a:t>
-            </a:r>
-            <a:r>
-              <a:rPr lang="en-GB" dirty="0"/>
-              <a:t>)</a:t>
-            </a:r>
-          </a:p>
-          <a:p>
+              <a:t>1</a:t>
+            </a:r>
+            <a:r>
+              <a:rPr lang="en-GB" dirty="0"/>
+              <a:t> </a:t>
+            </a:r>
+            <a:r>
+              <a:rPr lang="en-GB" dirty="0">
+                <a:solidFill>
+                  <a:srgbClr val="FF76A7"/>
+                </a:solidFill>
+              </a:rPr>
+              <a:t>DO</a:t>
+            </a:r>
+            <a:r>
+              <a:rPr lang="en-GB" dirty="0">
+                <a:solidFill>
+                  <a:srgbClr val="83769C"/>
+                </a:solidFill>
+              </a:rPr>
+              <a:t> *****</a:t>
+            </a:r>
+            <a:r>
+              <a:rPr lang="en-GB" dirty="0"/>
+              <a:t> </a:t>
+            </a:r>
+            <a:r>
+              <a:rPr lang="en-GB" dirty="0">
+                <a:solidFill>
+                  <a:srgbClr val="FF76A7"/>
+                </a:solidFill>
+              </a:rPr>
+              <a:t>END</a:t>
+            </a:r>
+          </a:p>
+          <a:p>
+            <a:r>
+              <a:rPr lang="en-GB" dirty="0">
+                <a:solidFill>
+                  <a:srgbClr val="FF76A7"/>
+                </a:solidFill>
+              </a:rPr>
+              <a:t>WHILE </a:t>
+            </a:r>
             <a:r>
               <a:rPr lang="en-GB" dirty="0">
                 <a:solidFill>
                   <a:srgbClr val="C2C3C7"/>
                 </a:solidFill>
               </a:rPr>
-              <a:t>A</a:t>
-            </a:r>
-            <a:r>
-              <a:rPr lang="en-GB" dirty="0"/>
-              <a:t>=</a:t>
+              <a:t>X</a:t>
+            </a:r>
+            <a:r>
+              <a:rPr lang="en-GB" dirty="0"/>
+              <a:t>&lt;</a:t>
             </a:r>
             <a:r>
               <a:rPr lang="en-GB" dirty="0">
@@ -7610,7 +7515,7 @@
                   <a:srgbClr val="29ADFF"/>
                 </a:solidFill>
               </a:rPr>
-              <a:t>12</a:t>
+              <a:t>10</a:t>
             </a:r>
             <a:r>
               <a:rPr lang="en-GB" dirty="0"/>
@@ -7619,14 +7524,72 @@
             <a:r>
               <a:rPr lang="en-GB" dirty="0">
                 <a:solidFill>
+                  <a:srgbClr val="FF76A7"/>
+                </a:solidFill>
+              </a:rPr>
+              <a:t>DO</a:t>
+            </a:r>
+            <a:r>
+              <a:rPr lang="en-GB" dirty="0">
+                <a:solidFill>
+                  <a:srgbClr val="83769C"/>
+                </a:solidFill>
+              </a:rPr>
+              <a:t> *****</a:t>
+            </a:r>
+            <a:r>
+              <a:rPr lang="en-GB" dirty="0"/>
+              <a:t> </a:t>
+            </a:r>
+            <a:r>
+              <a:rPr lang="en-GB" dirty="0">
+                <a:solidFill>
+                  <a:srgbClr val="FF76A7"/>
+                </a:solidFill>
+              </a:rPr>
+              <a:t>END</a:t>
+            </a:r>
+          </a:p>
+          <a:p>
+            <a:r>
+              <a:rPr lang="en-GB" dirty="0">
+                <a:solidFill>
+                  <a:srgbClr val="FF76A7"/>
+                </a:solidFill>
+              </a:rPr>
+              <a:t>REPEAT</a:t>
+            </a:r>
+            <a:r>
+              <a:rPr lang="en-GB" dirty="0">
+                <a:solidFill>
+                  <a:srgbClr val="83769C"/>
+                </a:solidFill>
+              </a:rPr>
+              <a:t> *****</a:t>
+            </a:r>
+            <a:r>
+              <a:rPr lang="en-GB" dirty="0"/>
+              <a:t> </a:t>
+            </a:r>
+            <a:r>
+              <a:rPr lang="en-GB" dirty="0">
+                <a:solidFill>
+                  <a:srgbClr val="FF76A7"/>
+                </a:solidFill>
+              </a:rPr>
+              <a:t>UNTIL </a:t>
+            </a:r>
+            <a:r>
+              <a:rPr lang="en-GB" dirty="0">
+                <a:solidFill>
                   <a:srgbClr val="C2C3C7"/>
                 </a:solidFill>
               </a:rPr>
-              <a:t>B</a:t>
-            </a:r>
-            <a:r>
-              <a:rPr lang="en-GB" dirty="0"/>
-              <a:t>=</a:t>
+              <a:t>X</a:t>
+            </a:r>
+            <a:r>
+              <a:rPr lang="en-GB" dirty="0"/>
+              <a:t>==</a:t>
             </a:r>
             <a:r>
               <a:rPr lang="en-GB" dirty="0">
@@ -7634,33 +7597,15 @@
                   <a:srgbClr val="29ADFF"/>
                 </a:solidFill>
               </a:rPr>
-              <a:t>3</a:t>
-            </a:r>
-          </a:p>
-          <a:p>
-            <a:r>
-              <a:rPr lang="en-GB" dirty="0"/>
-              <a:t>?</a:t>
-            </a:r>
-            <a:r>
-              <a:rPr lang="en-GB" dirty="0">
-                <a:solidFill>
-                  <a:srgbClr val="C2C3C7"/>
-                </a:solidFill>
-              </a:rPr>
-              <a:t>A</a:t>
-            </a:r>
-            <a:r>
-              <a:rPr lang="en-GB" dirty="0"/>
-              <a:t>/</a:t>
-            </a:r>
-            <a:r>
-              <a:rPr lang="en-GB" dirty="0">
-                <a:solidFill>
-                  <a:srgbClr val="C2C3C7"/>
-                </a:solidFill>
-              </a:rPr>
-              <a:t>B</a:t>
+              <a:t>10 </a:t>
+            </a:r>
+            <a:r>
+              <a:rPr lang="en-GB" dirty="0">
+                <a:solidFill>
+                  <a:srgbClr val="FF76A7"/>
+                </a:solidFill>
+              </a:rPr>
+              <a:t>END</a:t>
             </a:r>
           </a:p>
         </p:txBody>
@@ -7668,7 +7613,7 @@
     </p:spTree>
     <p:extLst>
       <p:ext uri="{BB962C8B-B14F-4D97-AF65-F5344CB8AC3E}">
-        <p14:creationId xmlns:p14="http://schemas.microsoft.com/office/powerpoint/2010/main" val="4012522049"/>
+        <p14:creationId xmlns:p14="http://schemas.microsoft.com/office/powerpoint/2010/main" val="2320063167"/>
       </p:ext>
     </p:extLst>
   </p:cSld>
@@ -7700,7 +7645,7 @@
           <p:cNvPr id="2" name="Title 1">
             <a:extLst>
               <a:ext uri="{FF2B5EF4-FFF2-40B4-BE49-F238E27FC236}">
-                <a16:creationId xmlns:a16="http://schemas.microsoft.com/office/drawing/2014/main" id="{0E9CD7E5-0672-4CF5-B64E-58F340C4A383}"/>
+                <a16:creationId xmlns:a16="http://schemas.microsoft.com/office/drawing/2014/main" id="{69E16F7A-F582-42EF-9C1A-8B1F355B40A7}"/>
               </a:ext>
             </a:extLst>
           </p:cNvPr>
@@ -7722,7 +7667,7 @@
             </a:r>
             <a:r>
               <a:rPr lang="en-GB" dirty="0" err="1"/>
-              <a:t>mathematiques</a:t>
+              <a:t>nombres</a:t>
             </a:r>
             <a:endParaRPr lang="en-GB" dirty="0"/>
           </a:p>
@@ -7733,7 +7678,7 @@
           <p:cNvPr id="3" name="Content Placeholder 2">
             <a:extLst>
               <a:ext uri="{FF2B5EF4-FFF2-40B4-BE49-F238E27FC236}">
-                <a16:creationId xmlns:a16="http://schemas.microsoft.com/office/drawing/2014/main" id="{30DF1D39-DBB3-4430-AF5D-16F0312F38E2}"/>
+                <a16:creationId xmlns:a16="http://schemas.microsoft.com/office/drawing/2014/main" id="{C5B3D6A7-8A71-4CF2-9254-3B68DDD4E5BC}"/>
               </a:ext>
             </a:extLst>
           </p:cNvPr>
@@ -7751,117 +7696,155 @@
           <a:p>
             <a:r>
               <a:rPr lang="en-GB" dirty="0"/>
-              <a:t>+  -  *  /  %  ^</a:t>
-            </a:r>
-          </a:p>
-          <a:p>
-            <a:r>
-              <a:rPr lang="en-GB" dirty="0"/>
-              <a:t>+=  -=  *=  /=</a:t>
-            </a:r>
-          </a:p>
-          <a:p>
+              <a:t>?</a:t>
+            </a:r>
+            <a:r>
+              <a:rPr lang="en-GB" dirty="0">
+                <a:solidFill>
+                  <a:srgbClr val="29ADFF"/>
+                </a:solidFill>
+              </a:rPr>
+              <a:t>123</a:t>
+            </a:r>
+          </a:p>
+          <a:p>
+            <a:r>
+              <a:rPr lang="en-GB" dirty="0"/>
+              <a:t>?</a:t>
+            </a:r>
+            <a:r>
+              <a:rPr lang="en-GB" dirty="0">
+                <a:solidFill>
+                  <a:srgbClr val="29ADFF"/>
+                </a:solidFill>
+              </a:rPr>
+              <a:t>1.5</a:t>
+            </a:r>
+            <a:r>
+              <a:rPr lang="en-GB" dirty="0"/>
+              <a:t>+</a:t>
+            </a:r>
+            <a:r>
+              <a:rPr lang="en-GB" dirty="0">
+                <a:solidFill>
+                  <a:srgbClr val="29ADFF"/>
+                </a:solidFill>
+              </a:rPr>
+              <a:t>12</a:t>
+            </a:r>
+          </a:p>
+          <a:p>
+            <a:r>
+              <a:rPr lang="en-GB" dirty="0"/>
+              <a:t>?</a:t>
+            </a:r>
             <a:r>
               <a:rPr lang="en-GB" dirty="0">
                 <a:solidFill>
                   <a:srgbClr val="00E436"/>
                 </a:solidFill>
               </a:rPr>
-              <a:t>MIN</a:t>
-            </a:r>
-            <a:r>
-              <a:rPr lang="en-GB" dirty="0"/>
-              <a:t>() </a:t>
-            </a:r>
-            <a:r>
-              <a:rPr lang="en-GB" dirty="0">
-                <a:solidFill>
-                  <a:srgbClr val="00E436"/>
-                </a:solidFill>
-              </a:rPr>
               <a:t>MAX</a:t>
             </a:r>
             <a:r>
               <a:rPr lang="en-GB" dirty="0"/>
-              <a:t>() </a:t>
-            </a:r>
-            <a:r>
-              <a:rPr lang="en-GB" dirty="0">
-                <a:solidFill>
-                  <a:srgbClr val="00E436"/>
-                </a:solidFill>
-              </a:rPr>
-              <a:t>MID</a:t>
-            </a:r>
-            <a:r>
-              <a:rPr lang="en-GB" dirty="0"/>
-              <a:t>()</a:t>
-            </a:r>
-          </a:p>
-          <a:p>
-            <a:r>
-              <a:rPr lang="en-GB" dirty="0">
-                <a:solidFill>
-                  <a:srgbClr val="00E436"/>
-                </a:solidFill>
-              </a:rPr>
-              <a:t>SQRT</a:t>
-            </a:r>
-            <a:r>
-              <a:rPr lang="en-GB" dirty="0"/>
-              <a:t>()</a:t>
-            </a:r>
-          </a:p>
-          <a:p>
-            <a:r>
-              <a:rPr lang="en-GB" dirty="0">
-                <a:solidFill>
-                  <a:srgbClr val="00E436"/>
-                </a:solidFill>
-              </a:rPr>
-              <a:t>SIN</a:t>
-            </a:r>
-            <a:r>
-              <a:rPr lang="en-GB" dirty="0"/>
-              <a:t>() </a:t>
-            </a:r>
-            <a:r>
-              <a:rPr lang="en-GB" dirty="0">
-                <a:solidFill>
-                  <a:srgbClr val="00E436"/>
-                </a:solidFill>
-              </a:rPr>
-              <a:t>COS</a:t>
-            </a:r>
-            <a:r>
-              <a:rPr lang="en-GB" dirty="0"/>
-              <a:t>() </a:t>
-            </a:r>
-            <a:r>
-              <a:rPr lang="en-GB" dirty="0">
-                <a:solidFill>
-                  <a:srgbClr val="00E436"/>
-                </a:solidFill>
-              </a:rPr>
-              <a:t>ATAN2</a:t>
-            </a:r>
-            <a:r>
-              <a:rPr lang="en-GB" dirty="0"/>
-              <a:t>()</a:t>
-            </a:r>
-          </a:p>
-          <a:p>
-            <a:r>
-              <a:rPr lang="en-GB" dirty="0">
-                <a:solidFill>
-                  <a:srgbClr val="00E436"/>
-                </a:solidFill>
-              </a:rPr>
-              <a:t>RND</a:t>
-            </a:r>
-            <a:r>
-              <a:rPr lang="en-GB" dirty="0"/>
-              <a:t>()</a:t>
+              <a:t>(</a:t>
+            </a:r>
+            <a:r>
+              <a:rPr lang="en-GB" dirty="0">
+                <a:solidFill>
+                  <a:srgbClr val="29ADFF"/>
+                </a:solidFill>
+              </a:rPr>
+              <a:t>4</a:t>
+            </a:r>
+            <a:r>
+              <a:rPr lang="en-GB" dirty="0"/>
+              <a:t>,</a:t>
+            </a:r>
+            <a:r>
+              <a:rPr lang="en-GB" dirty="0">
+                <a:solidFill>
+                  <a:srgbClr val="29ADFF"/>
+                </a:solidFill>
+              </a:rPr>
+              <a:t>8</a:t>
+            </a:r>
+            <a:r>
+              <a:rPr lang="en-GB" dirty="0"/>
+              <a:t>)</a:t>
+            </a:r>
+          </a:p>
+          <a:p>
+            <a:r>
+              <a:rPr lang="en-GB" dirty="0">
+                <a:solidFill>
+                  <a:srgbClr val="C2C3C7"/>
+                </a:solidFill>
+              </a:rPr>
+              <a:t>A</a:t>
+            </a:r>
+            <a:r>
+              <a:rPr lang="en-GB" dirty="0"/>
+              <a:t>=</a:t>
+            </a:r>
+            <a:r>
+              <a:rPr lang="en-GB" dirty="0">
+                <a:solidFill>
+                  <a:srgbClr val="29ADFF"/>
+                </a:solidFill>
+              </a:rPr>
+              <a:t>12</a:t>
+            </a:r>
+            <a:r>
+              <a:rPr lang="en-GB" dirty="0"/>
+              <a:t> </a:t>
+            </a:r>
+            <a:r>
+              <a:rPr lang="en-GB" dirty="0">
+                <a:solidFill>
+                  <a:srgbClr val="C2C3C7"/>
+                </a:solidFill>
+              </a:rPr>
+              <a:t>B</a:t>
+            </a:r>
+            <a:r>
+              <a:rPr lang="en-GB" dirty="0"/>
+              <a:t>=</a:t>
+            </a:r>
+            <a:r>
+              <a:rPr lang="en-GB" dirty="0">
+                <a:solidFill>
+                  <a:srgbClr val="29ADFF"/>
+                </a:solidFill>
+              </a:rPr>
+              <a:t>3</a:t>
+            </a:r>
+          </a:p>
+          <a:p>
+            <a:r>
+              <a:rPr lang="en-GB" dirty="0"/>
+              <a:t>?</a:t>
+            </a:r>
+            <a:r>
+              <a:rPr lang="en-GB" dirty="0">
+                <a:solidFill>
+                  <a:srgbClr val="C2C3C7"/>
+                </a:solidFill>
+              </a:rPr>
+              <a:t>A</a:t>
+            </a:r>
+            <a:r>
+              <a:rPr lang="en-GB" dirty="0"/>
+              <a:t>/</a:t>
+            </a:r>
+            <a:r>
+              <a:rPr lang="en-GB" dirty="0">
+                <a:solidFill>
+                  <a:srgbClr val="C2C3C7"/>
+                </a:solidFill>
+              </a:rPr>
+              <a:t>B</a:t>
             </a:r>
           </a:p>
         </p:txBody>
@@ -7869,7 +7852,7 @@
     </p:spTree>
     <p:extLst>
       <p:ext uri="{BB962C8B-B14F-4D97-AF65-F5344CB8AC3E}">
-        <p14:creationId xmlns:p14="http://schemas.microsoft.com/office/powerpoint/2010/main" val="3100792651"/>
+        <p14:creationId xmlns:p14="http://schemas.microsoft.com/office/powerpoint/2010/main" val="4012522049"/>
       </p:ext>
     </p:extLst>
   </p:cSld>
@@ -7901,7 +7884,7 @@
           <p:cNvPr id="2" name="Title 1">
             <a:extLst>
               <a:ext uri="{FF2B5EF4-FFF2-40B4-BE49-F238E27FC236}">
-                <a16:creationId xmlns:a16="http://schemas.microsoft.com/office/drawing/2014/main" id="{4971B672-094B-4879-A9CE-40D5B4EF814B}"/>
+                <a16:creationId xmlns:a16="http://schemas.microsoft.com/office/drawing/2014/main" id="{0E9CD7E5-0672-4CF5-B64E-58F340C4A383}"/>
               </a:ext>
             </a:extLst>
           </p:cNvPr>
@@ -7919,8 +7902,13 @@
           <a:p>
             <a:r>
               <a:rPr lang="en-GB" dirty="0"/>
-              <a:t>Lua: strings</a:t>
-            </a:r>
+              <a:t>Lua: </a:t>
+            </a:r>
+            <a:r>
+              <a:rPr lang="en-GB" dirty="0" err="1"/>
+              <a:t>mathematiques</a:t>
+            </a:r>
+            <a:endParaRPr lang="en-GB" dirty="0"/>
           </a:p>
         </p:txBody>
       </p:sp>
@@ -7929,7 +7917,7 @@
           <p:cNvPr id="3" name="Content Placeholder 2">
             <a:extLst>
               <a:ext uri="{FF2B5EF4-FFF2-40B4-BE49-F238E27FC236}">
-                <a16:creationId xmlns:a16="http://schemas.microsoft.com/office/drawing/2014/main" id="{17701C5E-A5AB-4A2B-AE1D-69A29F2BFD18}"/>
+                <a16:creationId xmlns:a16="http://schemas.microsoft.com/office/drawing/2014/main" id="{30DF1D39-DBB3-4430-AF5D-16F0312F38E2}"/>
               </a:ext>
             </a:extLst>
           </p:cNvPr>
@@ -7946,132 +7934,118 @@
           <a:lstStyle/>
           <a:p>
             <a:r>
-              <a:rPr lang="en-GB" dirty="0">
-                <a:solidFill>
-                  <a:srgbClr val="C2C3C7"/>
-                </a:solidFill>
-              </a:rPr>
-              <a:t>A</a:t>
-            </a:r>
-            <a:r>
-              <a:rPr lang="en-GB" dirty="0"/>
-              <a:t>=</a:t>
-            </a:r>
-            <a:r>
-              <a:rPr lang="en-GB" dirty="0">
-                <a:solidFill>
-                  <a:srgbClr val="29ADFF"/>
-                </a:solidFill>
-              </a:rPr>
-              <a:t>"ABCDEF"</a:t>
-            </a:r>
-          </a:p>
-          <a:p>
-            <a:r>
-              <a:rPr lang="en-GB" dirty="0"/>
-              <a:t>?</a:t>
-            </a:r>
-            <a:r>
-              <a:rPr lang="en-GB" dirty="0">
-                <a:solidFill>
-                  <a:srgbClr val="C2C3C7"/>
-                </a:solidFill>
-              </a:rPr>
-              <a:t>A</a:t>
-            </a:r>
-          </a:p>
-          <a:p>
-            <a:r>
-              <a:rPr lang="en-GB" dirty="0"/>
-              <a:t>?#</a:t>
-            </a:r>
-            <a:r>
-              <a:rPr lang="en-GB" dirty="0">
-                <a:solidFill>
-                  <a:srgbClr val="C2C3C7"/>
-                </a:solidFill>
-              </a:rPr>
-              <a:t>A</a:t>
-            </a:r>
-          </a:p>
-          <a:p>
-            <a:r>
-              <a:rPr lang="en-GB" dirty="0"/>
-              <a:t>?</a:t>
-            </a:r>
-            <a:r>
-              <a:rPr lang="en-GB" dirty="0">
-                <a:solidFill>
-                  <a:srgbClr val="C2C3C7"/>
-                </a:solidFill>
-              </a:rPr>
-              <a:t>A</a:t>
-            </a:r>
-            <a:r>
-              <a:rPr lang="en-GB" dirty="0"/>
-              <a:t>..</a:t>
-            </a:r>
-            <a:r>
-              <a:rPr lang="en-GB" dirty="0">
-                <a:solidFill>
-                  <a:srgbClr val="29ADFF"/>
-                </a:solidFill>
-              </a:rPr>
-              <a:t>12</a:t>
-            </a:r>
-          </a:p>
-          <a:p>
-            <a:r>
-              <a:rPr lang="en-GB" dirty="0"/>
-              <a:t>?</a:t>
-            </a:r>
+              <a:rPr lang="en-GB" dirty="0"/>
+              <a:t>+  -  *  /  %  ^</a:t>
+            </a:r>
+          </a:p>
+          <a:p>
+            <a:r>
+              <a:rPr lang="en-GB" dirty="0"/>
+              <a:t>+=  -=  *=  /=</a:t>
+            </a:r>
+          </a:p>
+          <a:p>
             <a:r>
               <a:rPr lang="en-GB" dirty="0">
                 <a:solidFill>
                   <a:srgbClr val="00E436"/>
                 </a:solidFill>
               </a:rPr>
-              <a:t>SUB</a:t>
-            </a:r>
-            <a:r>
-              <a:rPr lang="en-GB" dirty="0"/>
-              <a:t>(</a:t>
-            </a:r>
-            <a:r>
-              <a:rPr lang="en-GB" dirty="0">
-                <a:solidFill>
-                  <a:srgbClr val="C2C3C7"/>
-                </a:solidFill>
-              </a:rPr>
-              <a:t>A</a:t>
-            </a:r>
-            <a:r>
-              <a:rPr lang="en-GB" dirty="0"/>
-              <a:t>,</a:t>
-            </a:r>
-            <a:r>
-              <a:rPr lang="en-GB" dirty="0">
-                <a:solidFill>
-                  <a:srgbClr val="29ADFF"/>
-                </a:solidFill>
-              </a:rPr>
-              <a:t>2</a:t>
-            </a:r>
-            <a:r>
-              <a:rPr lang="en-GB" dirty="0"/>
-              <a:t>,</a:t>
-            </a:r>
-            <a:r>
-              <a:rPr lang="en-GB" dirty="0">
-                <a:solidFill>
-                  <a:srgbClr val="29ADFF"/>
-                </a:solidFill>
-              </a:rPr>
-              <a:t>3</a:t>
-            </a:r>
-            <a:r>
-              <a:rPr lang="en-GB" dirty="0"/>
-              <a:t>)</a:t>
+              <a:t>MIN</a:t>
+            </a:r>
+            <a:r>
+              <a:rPr lang="en-GB" dirty="0"/>
+              <a:t>() </a:t>
+            </a:r>
+            <a:r>
+              <a:rPr lang="en-GB" dirty="0">
+                <a:solidFill>
+                  <a:srgbClr val="00E436"/>
+                </a:solidFill>
+              </a:rPr>
+              <a:t>MAX</a:t>
+            </a:r>
+            <a:r>
+              <a:rPr lang="en-GB" dirty="0"/>
+              <a:t>() </a:t>
+            </a:r>
+            <a:r>
+              <a:rPr lang="en-GB" dirty="0">
+                <a:solidFill>
+                  <a:srgbClr val="00E436"/>
+                </a:solidFill>
+              </a:rPr>
+              <a:t>MID</a:t>
+            </a:r>
+            <a:r>
+              <a:rPr lang="en-GB" dirty="0"/>
+              <a:t>()</a:t>
+            </a:r>
+          </a:p>
+          <a:p>
+            <a:r>
+              <a:rPr lang="en-GB" dirty="0">
+                <a:solidFill>
+                  <a:srgbClr val="00E436"/>
+                </a:solidFill>
+              </a:rPr>
+              <a:t>SQRT</a:t>
+            </a:r>
+            <a:r>
+              <a:rPr lang="en-GB" dirty="0"/>
+              <a:t>()</a:t>
+            </a:r>
+          </a:p>
+          <a:p>
+            <a:r>
+              <a:rPr lang="en-GB" dirty="0">
+                <a:solidFill>
+                  <a:srgbClr val="00E436"/>
+                </a:solidFill>
+              </a:rPr>
+              <a:t>SIN</a:t>
+            </a:r>
+            <a:r>
+              <a:rPr lang="en-GB" dirty="0"/>
+              <a:t>() </a:t>
+            </a:r>
+            <a:r>
+              <a:rPr lang="en-GB" dirty="0">
+                <a:solidFill>
+                  <a:srgbClr val="00E436"/>
+                </a:solidFill>
+              </a:rPr>
+              <a:t>COS</a:t>
+            </a:r>
+            <a:r>
+              <a:rPr lang="en-GB" dirty="0"/>
+              <a:t>() </a:t>
+            </a:r>
+            <a:r>
+              <a:rPr lang="en-GB" dirty="0">
+                <a:solidFill>
+                  <a:srgbClr val="00E436"/>
+                </a:solidFill>
+              </a:rPr>
+              <a:t>ATAN2</a:t>
+            </a:r>
+            <a:r>
+              <a:rPr lang="en-GB" dirty="0"/>
+              <a:t>()</a:t>
+            </a:r>
+          </a:p>
+          <a:p>
+            <a:r>
+              <a:rPr lang="en-GB" dirty="0">
+                <a:solidFill>
+                  <a:srgbClr val="00E436"/>
+                </a:solidFill>
+              </a:rPr>
+              <a:t>RND</a:t>
+            </a:r>
+            <a:r>
+              <a:rPr lang="en-GB" dirty="0"/>
+              <a:t>()</a:t>
             </a:r>
           </a:p>
         </p:txBody>
@@ -8079,7 +8053,7 @@
     </p:spTree>
     <p:extLst>
       <p:ext uri="{BB962C8B-B14F-4D97-AF65-F5344CB8AC3E}">
-        <p14:creationId xmlns:p14="http://schemas.microsoft.com/office/powerpoint/2010/main" val="1930382098"/>
+        <p14:creationId xmlns:p14="http://schemas.microsoft.com/office/powerpoint/2010/main" val="3100792651"/>
       </p:ext>
     </p:extLst>
   </p:cSld>
@@ -8111,7 +8085,7 @@
           <p:cNvPr id="2" name="Title 1">
             <a:extLst>
               <a:ext uri="{FF2B5EF4-FFF2-40B4-BE49-F238E27FC236}">
-                <a16:creationId xmlns:a16="http://schemas.microsoft.com/office/drawing/2014/main" id="{5313125D-FD98-4685-9185-6C40B8206A30}"/>
+                <a16:creationId xmlns:a16="http://schemas.microsoft.com/office/drawing/2014/main" id="{0E9CD7E5-0672-4CF5-B64E-58F340C4A383}"/>
               </a:ext>
             </a:extLst>
           </p:cNvPr>
@@ -8129,8 +8103,13 @@
           <a:p>
             <a:r>
               <a:rPr lang="en-GB" dirty="0"/>
-              <a:t>Lua: tableaux 1/3</a:t>
-            </a:r>
+              <a:t>Lua: </a:t>
+            </a:r>
+            <a:r>
+              <a:rPr lang="en-GB" dirty="0" err="1"/>
+              <a:t>booleens</a:t>
+            </a:r>
+            <a:endParaRPr lang="en-GB" dirty="0"/>
           </a:p>
         </p:txBody>
       </p:sp>
@@ -8139,7 +8118,7 @@
           <p:cNvPr id="3" name="Content Placeholder 2">
             <a:extLst>
               <a:ext uri="{FF2B5EF4-FFF2-40B4-BE49-F238E27FC236}">
-                <a16:creationId xmlns:a16="http://schemas.microsoft.com/office/drawing/2014/main" id="{A7C091C8-65B9-4285-9ABD-DD10A246869F}"/>
+                <a16:creationId xmlns:a16="http://schemas.microsoft.com/office/drawing/2014/main" id="{30DF1D39-DBB3-4430-AF5D-16F0312F38E2}"/>
               </a:ext>
             </a:extLst>
           </p:cNvPr>
@@ -8150,22 +8129,207 @@
             <p:ph idx="1"/>
           </p:nvPr>
         </p:nvSpPr>
-        <p:spPr/>
-        <p:txBody>
-          <a:bodyPr/>
+        <p:spPr>
+          <a:xfrm>
+            <a:off x="1103312" y="1654935"/>
+            <a:ext cx="8946541" cy="4593465"/>
+          </a:xfrm>
+        </p:spPr>
+        <p:txBody>
+          <a:bodyPr>
+            <a:normAutofit lnSpcReduction="10000"/>
+          </a:bodyPr>
           <a:lstStyle/>
           <a:p>
             <a:r>
               <a:rPr lang="en-GB" dirty="0">
                 <a:solidFill>
+                  <a:srgbClr val="29ADFF"/>
+                </a:solidFill>
+              </a:rPr>
+              <a:t>TRUE</a:t>
+            </a:r>
+            <a:r>
+              <a:rPr lang="en-GB" dirty="0"/>
+              <a:t> et </a:t>
+            </a:r>
+            <a:r>
+              <a:rPr lang="en-GB" dirty="0">
+                <a:solidFill>
+                  <a:srgbClr val="29ADFF"/>
+                </a:solidFill>
+              </a:rPr>
+              <a:t>FALSE</a:t>
+            </a:r>
+          </a:p>
+          <a:p>
+            <a:r>
+              <a:rPr lang="en-GB" dirty="0">
+                <a:solidFill>
                   <a:srgbClr val="C2C3C7"/>
                 </a:solidFill>
               </a:rPr>
-              <a:t>T</a:t>
-            </a:r>
-            <a:r>
-              <a:rPr lang="en-GB" dirty="0"/>
-              <a:t>={</a:t>
+              <a:t>A</a:t>
+            </a:r>
+            <a:r>
+              <a:rPr lang="en-GB" dirty="0"/>
+              <a:t>==</a:t>
+            </a:r>
+            <a:r>
+              <a:rPr lang="en-GB" dirty="0">
+                <a:solidFill>
+                  <a:srgbClr val="C2C3C7"/>
+                </a:solidFill>
+              </a:rPr>
+              <a:t>B  A</a:t>
+            </a:r>
+            <a:r>
+              <a:rPr lang="en-GB" dirty="0"/>
+              <a:t>!=</a:t>
+            </a:r>
+            <a:r>
+              <a:rPr lang="en-GB" dirty="0">
+                <a:solidFill>
+                  <a:srgbClr val="C2C3C7"/>
+                </a:solidFill>
+              </a:rPr>
+              <a:t>B</a:t>
+            </a:r>
+          </a:p>
+          <a:p>
+            <a:r>
+              <a:rPr lang="en-GB" dirty="0">
+                <a:solidFill>
+                  <a:srgbClr val="C2C3C7"/>
+                </a:solidFill>
+              </a:rPr>
+              <a:t>A </a:t>
+            </a:r>
+            <a:r>
+              <a:rPr lang="en-GB" dirty="0">
+                <a:solidFill>
+                  <a:srgbClr val="FF76A7"/>
+                </a:solidFill>
+              </a:rPr>
+              <a:t>AND</a:t>
+            </a:r>
+            <a:r>
+              <a:rPr lang="en-GB" dirty="0">
+                <a:solidFill>
+                  <a:srgbClr val="C2C3C7"/>
+                </a:solidFill>
+              </a:rPr>
+              <a:t> B</a:t>
+            </a:r>
+          </a:p>
+          <a:p>
+            <a:r>
+              <a:rPr lang="en-GB" dirty="0">
+                <a:solidFill>
+                  <a:srgbClr val="C2C3C7"/>
+                </a:solidFill>
+              </a:rPr>
+              <a:t>A </a:t>
+            </a:r>
+            <a:r>
+              <a:rPr lang="en-GB" dirty="0">
+                <a:solidFill>
+                  <a:srgbClr val="FF76A7"/>
+                </a:solidFill>
+              </a:rPr>
+              <a:t>OR</a:t>
+            </a:r>
+            <a:r>
+              <a:rPr lang="en-GB" dirty="0">
+                <a:solidFill>
+                  <a:srgbClr val="C2C3C7"/>
+                </a:solidFill>
+              </a:rPr>
+              <a:t> B</a:t>
+            </a:r>
+          </a:p>
+          <a:p>
+            <a:r>
+              <a:rPr lang="en-GB" dirty="0">
+                <a:solidFill>
+                  <a:srgbClr val="C2C3C7"/>
+                </a:solidFill>
+              </a:rPr>
+              <a:t>A</a:t>
+            </a:r>
+            <a:r>
+              <a:rPr lang="en-GB" dirty="0"/>
+              <a:t> </a:t>
+            </a:r>
+            <a:r>
+              <a:rPr lang="en-GB" dirty="0">
+                <a:solidFill>
+                  <a:srgbClr val="FF76A7"/>
+                </a:solidFill>
+              </a:rPr>
+              <a:t>AND</a:t>
+            </a:r>
+            <a:r>
+              <a:rPr lang="en-GB" dirty="0"/>
+              <a:t> </a:t>
+            </a:r>
+            <a:r>
+              <a:rPr lang="en-GB" dirty="0">
+                <a:solidFill>
+                  <a:srgbClr val="C2C3C7"/>
+                </a:solidFill>
+              </a:rPr>
+              <a:t>B</a:t>
+            </a:r>
+            <a:r>
+              <a:rPr lang="en-GB" dirty="0"/>
+              <a:t> </a:t>
+            </a:r>
+            <a:r>
+              <a:rPr lang="en-GB" dirty="0">
+                <a:solidFill>
+                  <a:srgbClr val="FF76A7"/>
+                </a:solidFill>
+              </a:rPr>
+              <a:t>OR</a:t>
+            </a:r>
+            <a:r>
+              <a:rPr lang="en-GB" dirty="0"/>
+              <a:t> </a:t>
+            </a:r>
+            <a:r>
+              <a:rPr lang="en-GB" dirty="0">
+                <a:solidFill>
+                  <a:srgbClr val="C2C3C7"/>
+                </a:solidFill>
+              </a:rPr>
+              <a:t>C</a:t>
+            </a:r>
+          </a:p>
+          <a:p>
+            <a:r>
+              <a:rPr lang="en-GB" dirty="0">
+                <a:solidFill>
+                  <a:srgbClr val="C2C3C7"/>
+                </a:solidFill>
+              </a:rPr>
+              <a:t>A</a:t>
+            </a:r>
+            <a:r>
+              <a:rPr lang="en-GB" dirty="0"/>
+              <a:t> </a:t>
+            </a:r>
+            <a:r>
+              <a:rPr lang="en-GB" dirty="0">
+                <a:solidFill>
+                  <a:srgbClr val="FF76A7"/>
+                </a:solidFill>
+              </a:rPr>
+              <a:t>AND</a:t>
+            </a:r>
+            <a:r>
+              <a:rPr lang="en-GB" dirty="0"/>
+              <a:t> </a:t>
             </a:r>
             <a:r>
               <a:rPr lang="en-GB" dirty="0">
@@ -8173,11 +8337,23 @@
                   <a:srgbClr val="29ADFF"/>
                 </a:solidFill>
               </a:rPr>
-              <a:t>10</a:t>
-            </a:r>
-            <a:r>
-              <a:rPr lang="en-GB" dirty="0"/>
-              <a:t>,</a:t>
+              <a:t>12</a:t>
+            </a:r>
+            <a:r>
+              <a:rPr lang="en-GB" dirty="0"/>
+              <a:t> </a:t>
+            </a:r>
+            <a:r>
+              <a:rPr lang="en-GB" dirty="0">
+                <a:solidFill>
+                  <a:srgbClr val="FF76A7"/>
+                </a:solidFill>
+              </a:rPr>
+              <a:t>OR</a:t>
+            </a:r>
+            <a:r>
+              <a:rPr lang="en-GB" dirty="0"/>
+              <a:t> </a:t>
             </a:r>
             <a:r>
               <a:rPr lang="en-GB" dirty="0">
@@ -8185,11 +8361,13 @@
                   <a:srgbClr val="29ADFF"/>
                 </a:solidFill>
               </a:rPr>
-              <a:t>20</a:t>
-            </a:r>
-            <a:r>
-              <a:rPr lang="en-GB" dirty="0"/>
-              <a:t>,</a:t>
+              <a:t>42</a:t>
+            </a:r>
+          </a:p>
+          <a:p>
+            <a:r>
+              <a:rPr lang="en-GB" dirty="0"/>
+              <a:t>Attention : </a:t>
             </a:r>
             <a:r>
               <a:rPr lang="en-GB" dirty="0">
@@ -8197,29 +8375,19 @@
                   <a:srgbClr val="29ADFF"/>
                 </a:solidFill>
               </a:rPr>
-              <a:t>30</a:t>
-            </a:r>
-            <a:r>
-              <a:rPr lang="en-GB" dirty="0"/>
-              <a:t>}</a:t>
-            </a:r>
-          </a:p>
-          <a:p>
-            <a:r>
-              <a:rPr lang="en-GB" dirty="0"/>
-              <a:t>?</a:t>
-            </a:r>
-            <a:r>
-              <a:rPr lang="en-GB" dirty="0">
-                <a:solidFill>
-                  <a:srgbClr val="C2C3C7"/>
-                </a:solidFill>
-              </a:rPr>
-              <a:t>T</a:t>
-            </a:r>
-            <a:r>
-              <a:rPr lang="en-GB" dirty="0"/>
-              <a:t>[</a:t>
+              <a:t>0</a:t>
+            </a:r>
+            <a:r>
+              <a:rPr lang="en-GB" dirty="0"/>
+              <a:t> </a:t>
+            </a:r>
+            <a:r>
+              <a:rPr lang="en-GB" dirty="0" err="1"/>
+              <a:t>vaut</a:t>
+            </a:r>
+            <a:r>
+              <a:rPr lang="en-GB" dirty="0"/>
+              <a:t> </a:t>
             </a:r>
             <a:r>
               <a:rPr lang="en-GB" dirty="0">
@@ -8227,119 +8395,7 @@
                   <a:srgbClr val="29ADFF"/>
                 </a:solidFill>
               </a:rPr>
-              <a:t>1</a:t>
-            </a:r>
-            <a:r>
-              <a:rPr lang="en-GB" dirty="0"/>
-              <a:t>]</a:t>
-            </a:r>
-          </a:p>
-          <a:p>
-            <a:r>
-              <a:rPr lang="en-GB" dirty="0">
-                <a:solidFill>
-                  <a:srgbClr val="C2C3C7"/>
-                </a:solidFill>
-              </a:rPr>
-              <a:t>T</a:t>
-            </a:r>
-            <a:r>
-              <a:rPr lang="en-GB" dirty="0"/>
-              <a:t>[</a:t>
-            </a:r>
-            <a:r>
-              <a:rPr lang="en-GB" dirty="0">
-                <a:solidFill>
-                  <a:srgbClr val="29ADFF"/>
-                </a:solidFill>
-              </a:rPr>
-              <a:t>2</a:t>
-            </a:r>
-            <a:r>
-              <a:rPr lang="en-GB" dirty="0"/>
-              <a:t>]=</a:t>
-            </a:r>
-            <a:r>
-              <a:rPr lang="en-GB" dirty="0">
-                <a:solidFill>
-                  <a:srgbClr val="29ADFF"/>
-                </a:solidFill>
-              </a:rPr>
-              <a:t>"ABC"</a:t>
-            </a:r>
-          </a:p>
-          <a:p>
-            <a:r>
-              <a:rPr lang="en-GB" dirty="0"/>
-              <a:t>?</a:t>
-            </a:r>
-            <a:r>
-              <a:rPr lang="en-GB" dirty="0">
-                <a:solidFill>
-                  <a:srgbClr val="C2C3C7"/>
-                </a:solidFill>
-              </a:rPr>
-              <a:t>T</a:t>
-            </a:r>
-            <a:r>
-              <a:rPr lang="en-GB" dirty="0"/>
-              <a:t>[</a:t>
-            </a:r>
-            <a:r>
-              <a:rPr lang="en-GB" dirty="0">
-                <a:solidFill>
-                  <a:srgbClr val="29ADFF"/>
-                </a:solidFill>
-              </a:rPr>
-              <a:t>2</a:t>
-            </a:r>
-            <a:r>
-              <a:rPr lang="en-GB" dirty="0"/>
-              <a:t>]</a:t>
-            </a:r>
-          </a:p>
-          <a:p>
-            <a:r>
-              <a:rPr lang="en-GB" dirty="0"/>
-              <a:t>?</a:t>
-            </a:r>
-            <a:r>
-              <a:rPr lang="en-GB" dirty="0">
-                <a:solidFill>
-                  <a:srgbClr val="C2C3C7"/>
-                </a:solidFill>
-              </a:rPr>
-              <a:t>T</a:t>
-            </a:r>
-            <a:r>
-              <a:rPr lang="en-GB" dirty="0"/>
-              <a:t>[</a:t>
-            </a:r>
-            <a:r>
-              <a:rPr lang="en-GB" dirty="0">
-                <a:solidFill>
-                  <a:srgbClr val="29ADFF"/>
-                </a:solidFill>
-              </a:rPr>
-              <a:t>4</a:t>
-            </a:r>
-            <a:r>
-              <a:rPr lang="en-GB" dirty="0"/>
-              <a:t>]</a:t>
-            </a:r>
-          </a:p>
-          <a:p>
-            <a:r>
-              <a:rPr lang="en-GB" dirty="0"/>
-              <a:t>?#</a:t>
-            </a:r>
-            <a:r>
-              <a:rPr lang="en-GB" dirty="0">
-                <a:solidFill>
-                  <a:srgbClr val="C2C3C7"/>
-                </a:solidFill>
-              </a:rPr>
-              <a:t>T</a:t>
+              <a:t>TRUE</a:t>
             </a:r>
           </a:p>
         </p:txBody>
@@ -8347,7 +8403,7 @@
     </p:spTree>
     <p:extLst>
       <p:ext uri="{BB962C8B-B14F-4D97-AF65-F5344CB8AC3E}">
-        <p14:creationId xmlns:p14="http://schemas.microsoft.com/office/powerpoint/2010/main" val="1361402264"/>
+        <p14:creationId xmlns:p14="http://schemas.microsoft.com/office/powerpoint/2010/main" val="824967446"/>
       </p:ext>
     </p:extLst>
   </p:cSld>
@@ -8379,7 +8435,7 @@
           <p:cNvPr id="2" name="Title 1">
             <a:extLst>
               <a:ext uri="{FF2B5EF4-FFF2-40B4-BE49-F238E27FC236}">
-                <a16:creationId xmlns:a16="http://schemas.microsoft.com/office/drawing/2014/main" id="{5313125D-FD98-4685-9185-6C40B8206A30}"/>
+                <a16:creationId xmlns:a16="http://schemas.microsoft.com/office/drawing/2014/main" id="{4971B672-094B-4879-A9CE-40D5B4EF814B}"/>
               </a:ext>
             </a:extLst>
           </p:cNvPr>
@@ -8397,7 +8453,7 @@
           <a:p>
             <a:r>
               <a:rPr lang="en-GB" dirty="0"/>
-              <a:t>Lua: tableaux 2/3</a:t>
+              <a:t>Lua: strings</a:t>
             </a:r>
           </a:p>
         </p:txBody>
@@ -8407,7 +8463,7 @@
           <p:cNvPr id="3" name="Content Placeholder 2">
             <a:extLst>
               <a:ext uri="{FF2B5EF4-FFF2-40B4-BE49-F238E27FC236}">
-                <a16:creationId xmlns:a16="http://schemas.microsoft.com/office/drawing/2014/main" id="{A7C091C8-65B9-4285-9ABD-DD10A246869F}"/>
+                <a16:creationId xmlns:a16="http://schemas.microsoft.com/office/drawing/2014/main" id="{17701C5E-A5AB-4A2B-AE1D-69A29F2BFD18}"/>
               </a:ext>
             </a:extLst>
           </p:cNvPr>
@@ -8429,11 +8485,25 @@
                   <a:srgbClr val="C2C3C7"/>
                 </a:solidFill>
               </a:rPr>
-              <a:t>T</a:t>
-            </a:r>
-            <a:r>
-              <a:rPr lang="en-GB" dirty="0"/>
-              <a:t>={</a:t>
+              <a:t>A</a:t>
+            </a:r>
+            <a:r>
+              <a:rPr lang="en-GB" dirty="0"/>
+              <a:t>=</a:t>
+            </a:r>
+            <a:r>
+              <a:rPr lang="en-GB" dirty="0">
+                <a:solidFill>
+                  <a:srgbClr val="29ADFF"/>
+                </a:solidFill>
+              </a:rPr>
+              <a:t>"ABCDEF"</a:t>
+            </a:r>
+          </a:p>
+          <a:p>
+            <a:r>
+              <a:rPr lang="en-GB" dirty="0"/>
+              <a:t>?</a:t>
             </a:r>
             <a:r>
               <a:rPr lang="en-GB" dirty="0">
@@ -8441,11 +8511,39 @@
                   <a:srgbClr val="C2C3C7"/>
                 </a:solidFill>
               </a:rPr>
-              <a:t>X</a:t>
-            </a:r>
-            <a:r>
-              <a:rPr lang="en-GB" dirty="0"/>
-              <a:t>=</a:t>
+              <a:t>A</a:t>
+            </a:r>
+          </a:p>
+          <a:p>
+            <a:r>
+              <a:rPr lang="en-GB" dirty="0"/>
+              <a:t>?#</a:t>
+            </a:r>
+            <a:r>
+              <a:rPr lang="en-GB" dirty="0">
+                <a:solidFill>
+                  <a:srgbClr val="C2C3C7"/>
+                </a:solidFill>
+              </a:rPr>
+              <a:t>A</a:t>
+            </a:r>
+          </a:p>
+          <a:p>
+            <a:r>
+              <a:rPr lang="en-GB" dirty="0"/>
+              <a:t>?</a:t>
+            </a:r>
+            <a:r>
+              <a:rPr lang="en-GB" dirty="0">
+                <a:solidFill>
+                  <a:srgbClr val="C2C3C7"/>
+                </a:solidFill>
+              </a:rPr>
+              <a:t>A</a:t>
+            </a:r>
+            <a:r>
+              <a:rPr lang="en-GB" dirty="0"/>
+              <a:t>..</a:t>
             </a:r>
             <a:r>
               <a:rPr lang="en-GB" dirty="0">
@@ -8453,7 +8551,33 @@
                   <a:srgbClr val="29ADFF"/>
                 </a:solidFill>
               </a:rPr>
-              <a:t>10</a:t>
+              <a:t>12</a:t>
+            </a:r>
+          </a:p>
+          <a:p>
+            <a:r>
+              <a:rPr lang="en-GB" dirty="0"/>
+              <a:t>?</a:t>
+            </a:r>
+            <a:r>
+              <a:rPr lang="en-GB" dirty="0">
+                <a:solidFill>
+                  <a:srgbClr val="00E436"/>
+                </a:solidFill>
+              </a:rPr>
+              <a:t>SUB</a:t>
+            </a:r>
+            <a:r>
+              <a:rPr lang="en-GB" dirty="0"/>
+              <a:t>(</a:t>
+            </a:r>
+            <a:r>
+              <a:rPr lang="en-GB" dirty="0">
+                <a:solidFill>
+                  <a:srgbClr val="C2C3C7"/>
+                </a:solidFill>
+              </a:rPr>
+              <a:t>A</a:t>
             </a:r>
             <a:r>
               <a:rPr lang="en-GB" dirty="0"/>
@@ -8462,148 +8586,26 @@
             <a:r>
               <a:rPr lang="en-GB" dirty="0">
                 <a:solidFill>
-                  <a:srgbClr val="C2C3C7"/>
-                </a:solidFill>
-              </a:rPr>
-              <a:t>Y</a:t>
-            </a:r>
-            <a:r>
-              <a:rPr lang="en-GB" dirty="0"/>
-              <a:t>=</a:t>
-            </a:r>
-            <a:r>
-              <a:rPr lang="en-GB" dirty="0">
-                <a:solidFill>
                   <a:srgbClr val="29ADFF"/>
                 </a:solidFill>
               </a:rPr>
-              <a:t>20</a:t>
-            </a:r>
-            <a:r>
-              <a:rPr lang="en-GB" dirty="0"/>
-              <a:t>}</a:t>
-            </a:r>
-          </a:p>
-          <a:p>
-            <a:r>
-              <a:rPr lang="en-GB" dirty="0"/>
-              <a:t>?</a:t>
-            </a:r>
-            <a:r>
-              <a:rPr lang="en-GB" dirty="0">
-                <a:solidFill>
-                  <a:srgbClr val="C2C3C7"/>
-                </a:solidFill>
-              </a:rPr>
-              <a:t>T</a:t>
-            </a:r>
-            <a:r>
-              <a:rPr lang="en-GB" dirty="0"/>
-              <a:t>.</a:t>
-            </a:r>
-            <a:r>
-              <a:rPr lang="en-GB" dirty="0">
-                <a:solidFill>
-                  <a:srgbClr val="C2C3C7"/>
-                </a:solidFill>
-              </a:rPr>
-              <a:t>X</a:t>
-            </a:r>
-          </a:p>
-          <a:p>
-            <a:r>
-              <a:rPr lang="en-GB" dirty="0">
-                <a:solidFill>
-                  <a:srgbClr val="C2C3C7"/>
-                </a:solidFill>
-              </a:rPr>
-              <a:t>T</a:t>
-            </a:r>
-            <a:r>
-              <a:rPr lang="en-GB" dirty="0"/>
-              <a:t>.</a:t>
-            </a:r>
-            <a:r>
-              <a:rPr lang="en-GB" dirty="0">
-                <a:solidFill>
-                  <a:srgbClr val="C2C3C7"/>
-                </a:solidFill>
-              </a:rPr>
-              <a:t>POUET_POUET</a:t>
-            </a:r>
-            <a:r>
-              <a:rPr lang="en-GB" dirty="0"/>
-              <a:t>=</a:t>
-            </a:r>
-            <a:r>
-              <a:rPr lang="en-GB" dirty="0">
-                <a:solidFill>
-                  <a:srgbClr val="C2C3C7"/>
-                </a:solidFill>
-              </a:rPr>
-              <a:t>T</a:t>
-            </a:r>
-            <a:r>
-              <a:rPr lang="en-GB" dirty="0"/>
-              <a:t>.</a:t>
-            </a:r>
-            <a:r>
-              <a:rPr lang="en-GB" dirty="0">
-                <a:solidFill>
-                  <a:srgbClr val="C2C3C7"/>
-                </a:solidFill>
-              </a:rPr>
-              <a:t>X</a:t>
-            </a:r>
-            <a:r>
-              <a:rPr lang="en-GB" dirty="0"/>
-              <a:t>+</a:t>
-            </a:r>
-            <a:r>
-              <a:rPr lang="en-GB" dirty="0">
-                <a:solidFill>
-                  <a:srgbClr val="C2C3C7"/>
-                </a:solidFill>
-              </a:rPr>
-              <a:t>T</a:t>
-            </a:r>
-            <a:r>
-              <a:rPr lang="en-GB" dirty="0"/>
-              <a:t>.</a:t>
-            </a:r>
-            <a:r>
-              <a:rPr lang="en-GB" dirty="0">
-                <a:solidFill>
-                  <a:srgbClr val="C2C3C7"/>
-                </a:solidFill>
-              </a:rPr>
-              <a:t>Y</a:t>
-            </a:r>
-          </a:p>
-          <a:p>
-            <a:r>
-              <a:rPr lang="en-GB" dirty="0"/>
-              <a:t>?</a:t>
-            </a:r>
-            <a:r>
-              <a:rPr lang="en-GB" dirty="0">
-                <a:solidFill>
-                  <a:srgbClr val="C2C3C7"/>
-                </a:solidFill>
-              </a:rPr>
-              <a:t>T</a:t>
-            </a:r>
-            <a:r>
-              <a:rPr lang="en-GB" dirty="0"/>
-              <a:t>.</a:t>
-            </a:r>
-            <a:r>
-              <a:rPr lang="en-GB" dirty="0">
-                <a:solidFill>
-                  <a:srgbClr val="C2C3C7"/>
-                </a:solidFill>
-              </a:rPr>
-              <a:t>POUET_POUET</a:t>
+              <a:t>2</a:t>
+            </a:r>
+            <a:r>
+              <a:rPr lang="en-GB" dirty="0"/>
+              <a:t>,</a:t>
+            </a:r>
+            <a:r>
+              <a:rPr lang="en-GB" dirty="0">
+                <a:solidFill>
+                  <a:srgbClr val="29ADFF"/>
+                </a:solidFill>
+              </a:rPr>
+              <a:t>3</a:t>
+            </a:r>
+            <a:r>
+              <a:rPr lang="en-GB" dirty="0"/>
+              <a:t>)</a:t>
             </a:r>
           </a:p>
         </p:txBody>
@@ -8611,7 +8613,7 @@
     </p:spTree>
     <p:extLst>
       <p:ext uri="{BB962C8B-B14F-4D97-AF65-F5344CB8AC3E}">
-        <p14:creationId xmlns:p14="http://schemas.microsoft.com/office/powerpoint/2010/main" val="3451637237"/>
+        <p14:creationId xmlns:p14="http://schemas.microsoft.com/office/powerpoint/2010/main" val="1930382098"/>
       </p:ext>
     </p:extLst>
   </p:cSld>
@@ -8661,7 +8663,7 @@
           <a:p>
             <a:r>
               <a:rPr lang="en-GB" dirty="0"/>
-              <a:t>Lua: tableaux 3/3</a:t>
+              <a:t>Lua: tableaux 1/3</a:t>
             </a:r>
           </a:p>
         </p:txBody>
@@ -8682,12 +8684,7 @@
             <p:ph idx="1"/>
           </p:nvPr>
         </p:nvSpPr>
-        <p:spPr>
-          <a:xfrm>
-            <a:off x="1103312" y="2052918"/>
-            <a:ext cx="9304096" cy="4195481"/>
-          </a:xfrm>
-        </p:spPr>
+        <p:spPr/>
         <p:txBody>
           <a:bodyPr/>
           <a:lstStyle/>
@@ -8707,26 +8704,108 @@
             <a:r>
               <a:rPr lang="en-GB" dirty="0">
                 <a:solidFill>
+                  <a:srgbClr val="29ADFF"/>
+                </a:solidFill>
+              </a:rPr>
+              <a:t>10</a:t>
+            </a:r>
+            <a:r>
+              <a:rPr lang="en-GB" dirty="0"/>
+              <a:t>,</a:t>
+            </a:r>
+            <a:r>
+              <a:rPr lang="en-GB" dirty="0">
+                <a:solidFill>
+                  <a:srgbClr val="29ADFF"/>
+                </a:solidFill>
+              </a:rPr>
+              <a:t>20</a:t>
+            </a:r>
+            <a:r>
+              <a:rPr lang="en-GB" dirty="0"/>
+              <a:t>,</a:t>
+            </a:r>
+            <a:r>
+              <a:rPr lang="en-GB" dirty="0">
+                <a:solidFill>
+                  <a:srgbClr val="29ADFF"/>
+                </a:solidFill>
+              </a:rPr>
+              <a:t>30</a:t>
+            </a:r>
+            <a:r>
+              <a:rPr lang="en-GB" dirty="0"/>
+              <a:t>}</a:t>
+            </a:r>
+          </a:p>
+          <a:p>
+            <a:r>
+              <a:rPr lang="en-GB" dirty="0"/>
+              <a:t>?</a:t>
+            </a:r>
+            <a:r>
+              <a:rPr lang="en-GB" dirty="0">
+                <a:solidFill>
                   <a:srgbClr val="C2C3C7"/>
                 </a:solidFill>
               </a:rPr>
-              <a:t>E1</a:t>
-            </a:r>
-            <a:r>
-              <a:rPr lang="en-GB" dirty="0"/>
-              <a:t>,</a:t>
-            </a:r>
+              <a:t>T</a:t>
+            </a:r>
+            <a:r>
+              <a:rPr lang="en-GB" dirty="0"/>
+              <a:t>[</a:t>
+            </a:r>
+            <a:r>
+              <a:rPr lang="en-GB" dirty="0">
+                <a:solidFill>
+                  <a:srgbClr val="29ADFF"/>
+                </a:solidFill>
+              </a:rPr>
+              <a:t>1</a:t>
+            </a:r>
+            <a:r>
+              <a:rPr lang="en-GB" dirty="0"/>
+              <a:t>]</a:t>
+            </a:r>
+          </a:p>
+          <a:p>
             <a:r>
               <a:rPr lang="en-GB" dirty="0">
                 <a:solidFill>
                   <a:srgbClr val="C2C3C7"/>
                 </a:solidFill>
               </a:rPr>
-              <a:t>E2</a:t>
-            </a:r>
-            <a:r>
-              <a:rPr lang="en-GB" dirty="0"/>
-              <a:t>,</a:t>
+              <a:t>T</a:t>
+            </a:r>
+            <a:r>
+              <a:rPr lang="en-GB" dirty="0"/>
+              <a:t>[</a:t>
+            </a:r>
+            <a:r>
+              <a:rPr lang="en-GB" dirty="0">
+                <a:solidFill>
+                  <a:srgbClr val="29ADFF"/>
+                </a:solidFill>
+              </a:rPr>
+              <a:t>2</a:t>
+            </a:r>
+            <a:r>
+              <a:rPr lang="en-GB" dirty="0"/>
+              <a:t>]=</a:t>
+            </a:r>
+            <a:r>
+              <a:rPr lang="en-GB" dirty="0">
+                <a:solidFill>
+                  <a:srgbClr val="29ADFF"/>
+                </a:solidFill>
+              </a:rPr>
+              <a:t>"ABC"</a:t>
+            </a:r>
+          </a:p>
+          <a:p>
+            <a:r>
+              <a:rPr lang="en-GB" dirty="0"/>
+              <a:t>?</a:t>
             </a:r>
             <a:r>
               <a:rPr lang="en-GB" dirty="0">
@@ -8734,25 +8813,29 @@
                   <a:srgbClr val="C2C3C7"/>
                 </a:solidFill>
               </a:rPr>
-              <a:t>E3</a:t>
-            </a:r>
-            <a:r>
-              <a:rPr lang="en-GB" dirty="0"/>
-              <a:t>}</a:t>
-            </a:r>
-          </a:p>
-          <a:p>
-            <a:r>
-              <a:rPr lang="en-GB" dirty="0">
-                <a:solidFill>
-                  <a:srgbClr val="00E436"/>
-                </a:solidFill>
-              </a:rPr>
-              <a:t>ADD</a:t>
-            </a:r>
-            <a:r>
-              <a:rPr lang="en-GB" dirty="0"/>
-              <a:t>(</a:t>
+              <a:t>T</a:t>
+            </a:r>
+            <a:r>
+              <a:rPr lang="en-GB" dirty="0"/>
+              <a:t>[</a:t>
+            </a:r>
+            <a:r>
+              <a:rPr lang="en-GB" dirty="0">
+                <a:solidFill>
+                  <a:srgbClr val="29ADFF"/>
+                </a:solidFill>
+              </a:rPr>
+              <a:t>2</a:t>
+            </a:r>
+            <a:r>
+              <a:rPr lang="en-GB" dirty="0"/>
+              <a:t>]</a:t>
+            </a:r>
+          </a:p>
+          <a:p>
+            <a:r>
+              <a:rPr lang="en-GB" dirty="0"/>
+              <a:t>?</a:t>
             </a:r>
             <a:r>
               <a:rPr lang="en-GB" dirty="0">
@@ -8764,7 +8847,25 @@
             </a:r>
             <a:r>
               <a:rPr lang="en-GB" dirty="0"/>
-              <a:t>,</a:t>
+              <a:t>[</a:t>
+            </a:r>
+            <a:r>
+              <a:rPr lang="en-GB" dirty="0">
+                <a:solidFill>
+                  <a:srgbClr val="29ADFF"/>
+                </a:solidFill>
+              </a:rPr>
+              <a:t>4</a:t>
+            </a:r>
+            <a:r>
+              <a:rPr lang="en-GB" dirty="0"/>
+              <a:t>]</a:t>
+            </a:r>
+          </a:p>
+          <a:p>
+            <a:r>
+              <a:rPr lang="en-GB" dirty="0"/>
+              <a:t>?#</a:t>
             </a:r>
             <a:r>
               <a:rPr lang="en-GB" dirty="0">
@@ -8772,188 +8873,15 @@
                   <a:srgbClr val="C2C3C7"/>
                 </a:solidFill>
               </a:rPr>
-              <a:t>ELEM</a:t>
-            </a:r>
-            <a:r>
-              <a:rPr lang="en-GB" dirty="0"/>
-              <a:t>)</a:t>
-            </a:r>
-          </a:p>
-          <a:p>
-            <a:r>
-              <a:rPr lang="en-GB" dirty="0">
-                <a:solidFill>
-                  <a:srgbClr val="00E436"/>
-                </a:solidFill>
-              </a:rPr>
-              <a:t>ADD</a:t>
-            </a:r>
-            <a:r>
-              <a:rPr lang="en-GB" dirty="0"/>
-              <a:t>(</a:t>
-            </a:r>
-            <a:r>
-              <a:rPr lang="en-GB" dirty="0">
-                <a:solidFill>
-                  <a:srgbClr val="C2C3C7"/>
-                </a:solidFill>
-              </a:rPr>
               <a:t>T</a:t>
             </a:r>
-            <a:r>
-              <a:rPr lang="en-GB" dirty="0"/>
-              <a:t>,</a:t>
-            </a:r>
-            <a:r>
-              <a:rPr lang="en-GB" dirty="0">
-                <a:solidFill>
-                  <a:srgbClr val="C2C3C7"/>
-                </a:solidFill>
-              </a:rPr>
-              <a:t>OTHER_ELEM</a:t>
-            </a:r>
-            <a:r>
-              <a:rPr lang="en-GB" dirty="0"/>
-              <a:t>)</a:t>
-            </a:r>
-          </a:p>
-          <a:p>
-            <a:r>
-              <a:rPr lang="en-GB" dirty="0">
-                <a:solidFill>
-                  <a:srgbClr val="00E436"/>
-                </a:solidFill>
-              </a:rPr>
-              <a:t>DEL</a:t>
-            </a:r>
-            <a:r>
-              <a:rPr lang="en-GB" dirty="0"/>
-              <a:t>(</a:t>
-            </a:r>
-            <a:r>
-              <a:rPr lang="en-GB" dirty="0">
-                <a:solidFill>
-                  <a:srgbClr val="C2C3C7"/>
-                </a:solidFill>
-              </a:rPr>
-              <a:t>T</a:t>
-            </a:r>
-            <a:r>
-              <a:rPr lang="en-GB" dirty="0"/>
-              <a:t>,</a:t>
-            </a:r>
-            <a:r>
-              <a:rPr lang="en-GB" dirty="0">
-                <a:solidFill>
-                  <a:srgbClr val="C2C3C7"/>
-                </a:solidFill>
-              </a:rPr>
-              <a:t>ELEM</a:t>
-            </a:r>
-            <a:r>
-              <a:rPr lang="en-GB" dirty="0"/>
-              <a:t>)</a:t>
-            </a:r>
-          </a:p>
-          <a:p>
-            <a:r>
-              <a:rPr lang="en-GB" dirty="0">
-                <a:solidFill>
-                  <a:srgbClr val="FF76A7"/>
-                </a:solidFill>
-              </a:rPr>
-              <a:t>FOR</a:t>
-            </a:r>
-            <a:r>
-              <a:rPr lang="en-GB" dirty="0"/>
-              <a:t> </a:t>
-            </a:r>
-            <a:r>
-              <a:rPr lang="en-GB" dirty="0">
-                <a:solidFill>
-                  <a:srgbClr val="C2C3C7"/>
-                </a:solidFill>
-              </a:rPr>
-              <a:t>X </a:t>
-            </a:r>
-            <a:r>
-              <a:rPr lang="en-GB" dirty="0">
-                <a:solidFill>
-                  <a:srgbClr val="FF76A7"/>
-                </a:solidFill>
-              </a:rPr>
-              <a:t>IN</a:t>
-            </a:r>
-            <a:r>
-              <a:rPr lang="en-GB" dirty="0">
-                <a:solidFill>
-                  <a:srgbClr val="C2C3C7"/>
-                </a:solidFill>
-              </a:rPr>
-              <a:t> </a:t>
-            </a:r>
-            <a:r>
-              <a:rPr lang="en-GB" dirty="0">
-                <a:solidFill>
-                  <a:srgbClr val="00E436"/>
-                </a:solidFill>
-              </a:rPr>
-              <a:t>ALL</a:t>
-            </a:r>
-            <a:r>
-              <a:rPr lang="en-GB" dirty="0"/>
-              <a:t>(</a:t>
-            </a:r>
-            <a:r>
-              <a:rPr lang="en-GB" dirty="0">
-                <a:solidFill>
-                  <a:srgbClr val="C2C3C7"/>
-                </a:solidFill>
-              </a:rPr>
-              <a:t>T</a:t>
-            </a:r>
-            <a:r>
-              <a:rPr lang="en-GB" dirty="0"/>
-              <a:t>) </a:t>
-            </a:r>
-            <a:r>
-              <a:rPr lang="en-GB" dirty="0">
-                <a:solidFill>
-                  <a:srgbClr val="FF76A7"/>
-                </a:solidFill>
-              </a:rPr>
-              <a:t>DO</a:t>
-            </a:r>
-            <a:r>
-              <a:rPr lang="en-GB" dirty="0">
-                <a:solidFill>
-                  <a:srgbClr val="83769C"/>
-                </a:solidFill>
-              </a:rPr>
-              <a:t> *****</a:t>
-            </a:r>
-            <a:r>
-              <a:rPr lang="en-GB" dirty="0"/>
-              <a:t> </a:t>
-            </a:r>
-            <a:r>
-              <a:rPr lang="en-GB" dirty="0">
-                <a:solidFill>
-                  <a:srgbClr val="FF76A7"/>
-                </a:solidFill>
-              </a:rPr>
-              <a:t>END</a:t>
-            </a:r>
-          </a:p>
-          <a:p>
-            <a:endParaRPr lang="en-GB" dirty="0"/>
           </a:p>
         </p:txBody>
       </p:sp>
     </p:spTree>
     <p:extLst>
       <p:ext uri="{BB962C8B-B14F-4D97-AF65-F5344CB8AC3E}">
-        <p14:creationId xmlns:p14="http://schemas.microsoft.com/office/powerpoint/2010/main" val="2255621270"/>
+        <p14:creationId xmlns:p14="http://schemas.microsoft.com/office/powerpoint/2010/main" val="1361402264"/>
       </p:ext>
     </p:extLst>
   </p:cSld>
@@ -8985,7 +8913,7 @@
           <p:cNvPr id="2" name="Title 1">
             <a:extLst>
               <a:ext uri="{FF2B5EF4-FFF2-40B4-BE49-F238E27FC236}">
-                <a16:creationId xmlns:a16="http://schemas.microsoft.com/office/drawing/2014/main" id="{F8BCC28E-8F4B-4BE0-9CB7-405FDB2F0AA5}"/>
+                <a16:creationId xmlns:a16="http://schemas.microsoft.com/office/drawing/2014/main" id="{5313125D-FD98-4685-9185-6C40B8206A30}"/>
               </a:ext>
             </a:extLst>
           </p:cNvPr>
@@ -9003,13 +8931,8 @@
           <a:p>
             <a:r>
               <a:rPr lang="en-GB" dirty="0"/>
-              <a:t>Lua: </a:t>
-            </a:r>
-            <a:r>
-              <a:rPr lang="en-GB" dirty="0" err="1"/>
-              <a:t>fonctions</a:t>
-            </a:r>
-            <a:endParaRPr lang="en-GB" dirty="0"/>
+              <a:t>Lua: tableaux 2/3</a:t>
+            </a:r>
           </a:p>
         </p:txBody>
       </p:sp>
@@ -9018,7 +8941,7 @@
           <p:cNvPr id="3" name="Content Placeholder 2">
             <a:extLst>
               <a:ext uri="{FF2B5EF4-FFF2-40B4-BE49-F238E27FC236}">
-                <a16:creationId xmlns:a16="http://schemas.microsoft.com/office/drawing/2014/main" id="{3DA9AA80-FAA8-4749-8D1B-7D868ECC537F}"/>
+                <a16:creationId xmlns:a16="http://schemas.microsoft.com/office/drawing/2014/main" id="{A7C091C8-65B9-4285-9ABD-DD10A246869F}"/>
               </a:ext>
             </a:extLst>
           </p:cNvPr>
@@ -9031,34 +8954,20 @@
         </p:nvSpPr>
         <p:spPr/>
         <p:txBody>
-          <a:bodyPr>
-            <a:normAutofit lnSpcReduction="10000"/>
-          </a:bodyPr>
+          <a:bodyPr/>
           <a:lstStyle/>
           <a:p>
             <a:r>
               <a:rPr lang="en-GB" dirty="0">
                 <a:solidFill>
-                  <a:srgbClr val="FF76A7"/>
-                </a:solidFill>
-              </a:rPr>
-              <a:t>FUNCTION</a:t>
-            </a:r>
-            <a:r>
-              <a:rPr lang="en-GB" dirty="0"/>
-              <a:t> </a:t>
-            </a:r>
-            <a:r>
-              <a:rPr lang="en-GB" dirty="0">
-                <a:solidFill>
                   <a:srgbClr val="C2C3C7"/>
                 </a:solidFill>
               </a:rPr>
-              <a:t>DOUBLE</a:t>
-            </a:r>
-            <a:r>
-              <a:rPr lang="en-GB" dirty="0"/>
-              <a:t>(</a:t>
+              <a:t>T</a:t>
+            </a:r>
+            <a:r>
+              <a:rPr lang="en-GB" dirty="0"/>
+              <a:t>={</a:t>
             </a:r>
             <a:r>
               <a:rPr lang="en-GB" dirty="0">
@@ -9070,22 +8979,19 @@
             </a:r>
             <a:r>
               <a:rPr lang="en-GB" dirty="0"/>
-              <a:t>)</a:t>
-            </a:r>
-            <a:br>
-              <a:rPr lang="en-GB" dirty="0"/>
-            </a:br>
-            <a:r>
-              <a:rPr lang="en-GB" dirty="0"/>
-              <a:t>  </a:t>
-            </a:r>
-            <a:r>
-              <a:rPr lang="en-GB" dirty="0">
-                <a:solidFill>
-                  <a:srgbClr val="FF76A7"/>
-                </a:solidFill>
-              </a:rPr>
-              <a:t>RETURN </a:t>
+              <a:t>=</a:t>
+            </a:r>
+            <a:r>
+              <a:rPr lang="en-GB" dirty="0">
+                <a:solidFill>
+                  <a:srgbClr val="29ADFF"/>
+                </a:solidFill>
+              </a:rPr>
+              <a:t>10</a:t>
+            </a:r>
+            <a:r>
+              <a:rPr lang="en-GB" dirty="0"/>
+              <a:t>,</a:t>
             </a:r>
             <a:r>
               <a:rPr lang="en-GB" dirty="0">
@@ -9093,56 +8999,63 @@
                   <a:srgbClr val="C2C3C7"/>
                 </a:solidFill>
               </a:rPr>
+              <a:t>Y</a:t>
+            </a:r>
+            <a:r>
+              <a:rPr lang="en-GB" dirty="0"/>
+              <a:t>=</a:t>
+            </a:r>
+            <a:r>
+              <a:rPr lang="en-GB" dirty="0">
+                <a:solidFill>
+                  <a:srgbClr val="29ADFF"/>
+                </a:solidFill>
+              </a:rPr>
+              <a:t>20</a:t>
+            </a:r>
+            <a:r>
+              <a:rPr lang="en-GB" dirty="0"/>
+              <a:t>}</a:t>
+            </a:r>
+          </a:p>
+          <a:p>
+            <a:r>
+              <a:rPr lang="en-GB" dirty="0"/>
+              <a:t>?</a:t>
+            </a:r>
+            <a:r>
+              <a:rPr lang="en-GB" dirty="0">
+                <a:solidFill>
+                  <a:srgbClr val="C2C3C7"/>
+                </a:solidFill>
+              </a:rPr>
+              <a:t>T</a:t>
+            </a:r>
+            <a:r>
+              <a:rPr lang="en-GB" dirty="0"/>
+              <a:t>.</a:t>
+            </a:r>
+            <a:r>
+              <a:rPr lang="en-GB" dirty="0">
+                <a:solidFill>
+                  <a:srgbClr val="C2C3C7"/>
+                </a:solidFill>
+              </a:rPr>
               <a:t>X</a:t>
             </a:r>
-            <a:r>
-              <a:rPr lang="en-GB" dirty="0"/>
-              <a:t>*</a:t>
-            </a:r>
-            <a:r>
-              <a:rPr lang="en-GB" dirty="0">
-                <a:solidFill>
-                  <a:srgbClr val="29ADFF"/>
-                </a:solidFill>
-              </a:rPr>
-              <a:t>2</a:t>
-            </a:r>
-            <a:br>
-              <a:rPr lang="en-GB" dirty="0"/>
-            </a:br>
-            <a:r>
-              <a:rPr lang="en-GB" dirty="0">
-                <a:solidFill>
-                  <a:srgbClr val="FF76A7"/>
-                </a:solidFill>
-              </a:rPr>
-              <a:t>END</a:t>
-            </a:r>
-          </a:p>
-          <a:p>
-            <a:r>
-              <a:rPr lang="en-GB" dirty="0">
-                <a:solidFill>
-                  <a:srgbClr val="FF76A7"/>
-                </a:solidFill>
-              </a:rPr>
-              <a:t>FUNCTION</a:t>
-            </a:r>
-            <a:r>
-              <a:rPr lang="en-GB" dirty="0"/>
-              <a:t> </a:t>
-            </a:r>
+          </a:p>
+          <a:p>
             <a:r>
               <a:rPr lang="en-GB" dirty="0">
                 <a:solidFill>
                   <a:srgbClr val="C2C3C7"/>
                 </a:solidFill>
               </a:rPr>
-              <a:t>TOTO</a:t>
-            </a:r>
-            <a:r>
-              <a:rPr lang="en-GB" dirty="0"/>
-              <a:t>(</a:t>
+              <a:t>T</a:t>
+            </a:r>
+            <a:r>
+              <a:rPr lang="en-GB" dirty="0"/>
+              <a:t>.</a:t>
             </a:r>
             <a:r>
               <a:rPr lang="en-GB" dirty="0">
@@ -9150,11 +9063,11 @@
                   <a:srgbClr val="C2C3C7"/>
                 </a:solidFill>
               </a:rPr>
-              <a:t>A</a:t>
-            </a:r>
-            <a:r>
-              <a:rPr lang="en-GB" dirty="0"/>
-              <a:t>,</a:t>
+              <a:t>POUET_POUET</a:t>
+            </a:r>
+            <a:r>
+              <a:rPr lang="en-GB" dirty="0"/>
+              <a:t>=</a:t>
             </a:r>
             <a:r>
               <a:rPr lang="en-GB" dirty="0">
@@ -9162,11 +9075,11 @@
                   <a:srgbClr val="C2C3C7"/>
                 </a:solidFill>
               </a:rPr>
-              <a:t>B</a:t>
-            </a:r>
-            <a:r>
-              <a:rPr lang="en-GB" dirty="0"/>
-              <a:t>,</a:t>
+              <a:t>T</a:t>
+            </a:r>
+            <a:r>
+              <a:rPr lang="en-GB" dirty="0"/>
+              <a:t>.</a:t>
             </a:r>
             <a:r>
               <a:rPr lang="en-GB" dirty="0">
@@ -9174,30 +9087,11 @@
                   <a:srgbClr val="C2C3C7"/>
                 </a:solidFill>
               </a:rPr>
-              <a:t>C</a:t>
-            </a:r>
-            <a:r>
-              <a:rPr lang="en-GB" dirty="0"/>
-              <a:t>)</a:t>
-            </a:r>
-            <a:br>
-              <a:rPr lang="en-GB" dirty="0"/>
-            </a:br>
-            <a:r>
-              <a:rPr lang="en-GB" dirty="0"/>
-              <a:t>  </a:t>
-            </a:r>
-            <a:r>
-              <a:rPr lang="en-GB" dirty="0">
-                <a:solidFill>
-                  <a:srgbClr val="FF76A7"/>
-                </a:solidFill>
-              </a:rPr>
-              <a:t>RETURN</a:t>
-            </a:r>
-            <a:r>
-              <a:rPr lang="en-GB" dirty="0"/>
-              <a:t> </a:t>
+              <a:t>X</a:t>
+            </a:r>
+            <a:r>
+              <a:rPr lang="en-GB" dirty="0"/>
+              <a:t>+</a:t>
             </a:r>
             <a:r>
               <a:rPr lang="en-GB" dirty="0">
@@ -9205,11 +9099,11 @@
                   <a:srgbClr val="C2C3C7"/>
                 </a:solidFill>
               </a:rPr>
-              <a:t>A</a:t>
-            </a:r>
-            <a:r>
-              <a:rPr lang="en-GB" dirty="0"/>
-              <a:t>-</a:t>
+              <a:t>T</a:t>
+            </a:r>
+            <a:r>
+              <a:rPr lang="en-GB" dirty="0"/>
+              <a:t>.</a:t>
             </a:r>
             <a:r>
               <a:rPr lang="en-GB" dirty="0">
@@ -9217,11 +9111,13 @@
                   <a:srgbClr val="C2C3C7"/>
                 </a:solidFill>
               </a:rPr>
-              <a:t>B</a:t>
-            </a:r>
-            <a:r>
-              <a:rPr lang="en-GB" dirty="0"/>
-              <a:t>,</a:t>
+              <a:t>Y</a:t>
+            </a:r>
+          </a:p>
+          <a:p>
+            <a:r>
+              <a:rPr lang="en-GB" dirty="0"/>
+              <a:t>?</a:t>
             </a:r>
             <a:r>
               <a:rPr lang="en-GB" dirty="0">
@@ -9229,11 +9125,11 @@
                   <a:srgbClr val="C2C3C7"/>
                 </a:solidFill>
               </a:rPr>
-              <a:t>B</a:t>
-            </a:r>
-            <a:r>
-              <a:rPr lang="en-GB" dirty="0"/>
-              <a:t>-</a:t>
+              <a:t>T</a:t>
+            </a:r>
+            <a:r>
+              <a:rPr lang="en-GB" dirty="0"/>
+              <a:t>.</a:t>
             </a:r>
             <a:r>
               <a:rPr lang="en-GB" dirty="0">
@@ -9241,92 +9137,7 @@
                   <a:srgbClr val="C2C3C7"/>
                 </a:solidFill>
               </a:rPr>
-              <a:t>C</a:t>
-            </a:r>
-            <a:br>
-              <a:rPr lang="en-GB" dirty="0"/>
-            </a:br>
-            <a:r>
-              <a:rPr lang="en-GB" dirty="0">
-                <a:solidFill>
-                  <a:srgbClr val="FF76A7"/>
-                </a:solidFill>
-              </a:rPr>
-              <a:t>END</a:t>
-            </a:r>
-          </a:p>
-          <a:p>
-            <a:r>
-              <a:rPr lang="en-GB" dirty="0">
-                <a:solidFill>
-                  <a:srgbClr val="C2C3C7"/>
-                </a:solidFill>
-              </a:rPr>
-              <a:t>X</a:t>
-            </a:r>
-            <a:r>
-              <a:rPr lang="en-GB" dirty="0"/>
-              <a:t>,</a:t>
-            </a:r>
-            <a:r>
-              <a:rPr lang="en-GB" dirty="0">
-                <a:solidFill>
-                  <a:srgbClr val="C2C3C7"/>
-                </a:solidFill>
-              </a:rPr>
-              <a:t>Y</a:t>
-            </a:r>
-            <a:r>
-              <a:rPr lang="en-GB" dirty="0"/>
-              <a:t>=</a:t>
-            </a:r>
-            <a:r>
-              <a:rPr lang="en-GB" dirty="0">
-                <a:solidFill>
-                  <a:srgbClr val="C2C3C7"/>
-                </a:solidFill>
-              </a:rPr>
-              <a:t>TOTO</a:t>
-            </a:r>
-            <a:r>
-              <a:rPr lang="en-GB" dirty="0"/>
-              <a:t>(</a:t>
-            </a:r>
-            <a:r>
-              <a:rPr lang="en-GB" dirty="0">
-                <a:solidFill>
-                  <a:srgbClr val="29ADFF"/>
-                </a:solidFill>
-              </a:rPr>
-              <a:t>1</a:t>
-            </a:r>
-            <a:r>
-              <a:rPr lang="en-GB" dirty="0"/>
-              <a:t>,</a:t>
-            </a:r>
-            <a:r>
-              <a:rPr lang="en-GB" dirty="0">
-                <a:solidFill>
-                  <a:srgbClr val="29ADFF"/>
-                </a:solidFill>
-              </a:rPr>
-              <a:t>2</a:t>
-            </a:r>
-            <a:r>
-              <a:rPr lang="en-GB" dirty="0"/>
-              <a:t>,</a:t>
-            </a:r>
-            <a:r>
-              <a:rPr lang="en-GB" dirty="0">
-                <a:solidFill>
-                  <a:srgbClr val="29ADFF"/>
-                </a:solidFill>
-              </a:rPr>
-              <a:t>3</a:t>
-            </a:r>
-            <a:r>
-              <a:rPr lang="en-GB" dirty="0"/>
-              <a:t>)</a:t>
+              <a:t>POUET_POUET</a:t>
             </a:r>
           </a:p>
         </p:txBody>
@@ -9334,7 +9145,7 @@
     </p:spTree>
     <p:extLst>
       <p:ext uri="{BB962C8B-B14F-4D97-AF65-F5344CB8AC3E}">
-        <p14:creationId xmlns:p14="http://schemas.microsoft.com/office/powerpoint/2010/main" val="3827400047"/>
+        <p14:creationId xmlns:p14="http://schemas.microsoft.com/office/powerpoint/2010/main" val="3451637237"/>
       </p:ext>
     </p:extLst>
   </p:cSld>
@@ -9377,14 +9188,23 @@
             <p:ph type="title"/>
           </p:nvPr>
         </p:nvSpPr>
-        <p:spPr/>
+        <p:spPr>
+          <a:xfrm>
+            <a:off x="646111" y="452718"/>
+            <a:ext cx="11015709" cy="1400530"/>
+          </a:xfrm>
+        </p:spPr>
         <p:txBody>
           <a:bodyPr/>
           <a:lstStyle/>
           <a:p>
             <a:r>
-              <a:rPr lang="en-GB" dirty="0"/>
-              <a:t>Presentation</a:t>
+              <a:rPr lang="en-GB" dirty="0" err="1"/>
+              <a:t>Qu'est-ce</a:t>
+            </a:r>
+            <a:r>
+              <a:rPr lang="en-GB" dirty="0"/>
+              <a:t> que PICO-8 ?</a:t>
             </a:r>
           </a:p>
         </p:txBody>
@@ -9405,88 +9225,97 @@
             <p:ph idx="1"/>
           </p:nvPr>
         </p:nvSpPr>
-        <p:spPr>
-          <a:xfrm>
-            <a:off x="5399314" y="2052918"/>
-            <a:ext cx="6566263" cy="4195481"/>
-          </a:xfrm>
-        </p:spPr>
+        <p:spPr/>
         <p:txBody>
           <a:bodyPr>
-            <a:normAutofit/>
+            <a:normAutofit lnSpcReduction="10000"/>
           </a:bodyPr>
           <a:lstStyle/>
           <a:p>
             <a:r>
+              <a:rPr lang="en-GB" dirty="0"/>
+              <a:t>Une "fantasy console"</a:t>
+            </a:r>
+          </a:p>
+          <a:p>
+            <a:r>
+              <a:rPr lang="en-GB" dirty="0"/>
+              <a:t>Hardware </a:t>
+            </a:r>
+            <a:r>
               <a:rPr lang="en-GB" dirty="0" err="1"/>
-              <a:t>Touche</a:t>
-            </a:r>
-            <a:r>
-              <a:rPr lang="en-GB" dirty="0"/>
-              <a:t> Esc</a:t>
-            </a:r>
-          </a:p>
-          <a:p>
-            <a:r>
-              <a:rPr lang="en-GB" dirty="0"/>
-              <a:t>Invite de </a:t>
-            </a:r>
+              <a:t>ancien</a:t>
+            </a:r>
+            <a:endParaRPr lang="en-GB" dirty="0"/>
+          </a:p>
+          <a:p>
             <a:r>
               <a:rPr lang="en-GB" dirty="0" err="1"/>
-              <a:t>commande</a:t>
+              <a:t>Langage</a:t>
+            </a:r>
+            <a:r>
+              <a:rPr lang="en-GB" dirty="0"/>
+              <a:t> </a:t>
+            </a:r>
+            <a:r>
+              <a:rPr lang="en-GB" dirty="0" err="1"/>
+              <a:t>moderne</a:t>
+            </a:r>
+            <a:r>
+              <a:rPr lang="en-GB" dirty="0"/>
+              <a:t> (Lua)</a:t>
+            </a:r>
+          </a:p>
+          <a:p>
+            <a:r>
+              <a:rPr lang="en-GB" dirty="0" err="1"/>
+              <a:t>Contraintes</a:t>
+            </a:r>
+            <a:r>
+              <a:rPr lang="en-GB" dirty="0"/>
+              <a:t> techniques :</a:t>
+            </a:r>
+            <a:br>
+              <a:rPr lang="en-GB" dirty="0"/>
+            </a:br>
+            <a:r>
+              <a:rPr lang="en-GB" dirty="0"/>
+              <a:t> 16 couleurs</a:t>
+            </a:r>
+            <a:br>
+              <a:rPr lang="en-GB" dirty="0"/>
+            </a:br>
+            <a:r>
+              <a:rPr lang="en-GB" dirty="0"/>
+              <a:t> 32ko de memoire</a:t>
+            </a:r>
+            <a:br>
+              <a:rPr lang="en-GB" dirty="0"/>
+            </a:br>
+            <a:r>
+              <a:rPr lang="en-GB" dirty="0"/>
+              <a:t> </a:t>
+            </a:r>
+            <a:r>
+              <a:rPr lang="en-GB" dirty="0" err="1"/>
+              <a:t>taille</a:t>
+            </a:r>
+            <a:r>
+              <a:rPr lang="en-GB" dirty="0"/>
+              <a:t> de code </a:t>
+            </a:r>
+            <a:r>
+              <a:rPr lang="en-GB" dirty="0" err="1"/>
+              <a:t>limitee</a:t>
             </a:r>
             <a:endParaRPr lang="en-GB" dirty="0"/>
           </a:p>
-          <a:p>
-            <a:r>
-              <a:rPr lang="en-GB" dirty="0"/>
-              <a:t>Onglets de code, sprites, maps, </a:t>
-            </a:r>
-            <a:r>
-              <a:rPr lang="en-GB" dirty="0" err="1"/>
-              <a:t>sfx</a:t>
-            </a:r>
-            <a:r>
-              <a:rPr lang="en-GB" dirty="0"/>
-              <a:t>, musique</a:t>
-            </a:r>
-          </a:p>
-        </p:txBody>
-      </p:sp>
-      <p:pic>
-        <p:nvPicPr>
-          <p:cNvPr id="5" name="Picture 4">
-            <a:extLst>
-              <a:ext uri="{FF2B5EF4-FFF2-40B4-BE49-F238E27FC236}">
-                <a16:creationId xmlns:a16="http://schemas.microsoft.com/office/drawing/2014/main" id="{C664AF4E-6EE8-481E-99CF-74C8BB5EB193}"/>
-              </a:ext>
-            </a:extLst>
-          </p:cNvPr>
-          <p:cNvPicPr>
-            <a:picLocks noChangeAspect="1"/>
-          </p:cNvPicPr>
-          <p:nvPr/>
-        </p:nvPicPr>
-        <p:blipFill>
-          <a:blip r:embed="rId2"/>
-          <a:stretch>
-            <a:fillRect/>
-          </a:stretch>
-        </p:blipFill>
-        <p:spPr>
-          <a:xfrm>
-            <a:off x="646111" y="1721376"/>
-            <a:ext cx="4581836" cy="4683906"/>
-          </a:xfrm>
-          <a:prstGeom prst="rect">
-            <a:avLst/>
-          </a:prstGeom>
-        </p:spPr>
-      </p:pic>
+        </p:txBody>
+      </p:sp>
     </p:spTree>
     <p:extLst>
       <p:ext uri="{BB962C8B-B14F-4D97-AF65-F5344CB8AC3E}">
-        <p14:creationId xmlns:p14="http://schemas.microsoft.com/office/powerpoint/2010/main" val="467661288"/>
+        <p14:creationId xmlns:p14="http://schemas.microsoft.com/office/powerpoint/2010/main" val="3980499172"/>
       </p:ext>
     </p:extLst>
   </p:cSld>
@@ -9497,6 +9326,729 @@
 </file>
 
 <file path=ppt/slides/slide20.xml><?xml version="1.0" encoding="utf-8"?>
+<p:sld xmlns:a="http://schemas.openxmlformats.org/drawingml/2006/main" xmlns:r="http://schemas.openxmlformats.org/officeDocument/2006/relationships" xmlns:p="http://schemas.openxmlformats.org/presentationml/2006/main">
+  <p:cSld>
+    <p:spTree>
+      <p:nvGrpSpPr>
+        <p:cNvPr id="1" name=""/>
+        <p:cNvGrpSpPr/>
+        <p:nvPr/>
+      </p:nvGrpSpPr>
+      <p:grpSpPr>
+        <a:xfrm>
+          <a:off x="0" y="0"/>
+          <a:ext cx="0" cy="0"/>
+          <a:chOff x="0" y="0"/>
+          <a:chExt cx="0" cy="0"/>
+        </a:xfrm>
+      </p:grpSpPr>
+      <p:sp>
+        <p:nvSpPr>
+          <p:cNvPr id="2" name="Title 1">
+            <a:extLst>
+              <a:ext uri="{FF2B5EF4-FFF2-40B4-BE49-F238E27FC236}">
+                <a16:creationId xmlns:a16="http://schemas.microsoft.com/office/drawing/2014/main" id="{5313125D-FD98-4685-9185-6C40B8206A30}"/>
+              </a:ext>
+            </a:extLst>
+          </p:cNvPr>
+          <p:cNvSpPr>
+            <a:spLocks noGrp="1"/>
+          </p:cNvSpPr>
+          <p:nvPr>
+            <p:ph type="title"/>
+          </p:nvPr>
+        </p:nvSpPr>
+        <p:spPr/>
+        <p:txBody>
+          <a:bodyPr/>
+          <a:lstStyle/>
+          <a:p>
+            <a:r>
+              <a:rPr lang="en-GB" dirty="0"/>
+              <a:t>Lua: tableaux 3/3</a:t>
+            </a:r>
+          </a:p>
+        </p:txBody>
+      </p:sp>
+      <p:sp>
+        <p:nvSpPr>
+          <p:cNvPr id="3" name="Content Placeholder 2">
+            <a:extLst>
+              <a:ext uri="{FF2B5EF4-FFF2-40B4-BE49-F238E27FC236}">
+                <a16:creationId xmlns:a16="http://schemas.microsoft.com/office/drawing/2014/main" id="{A7C091C8-65B9-4285-9ABD-DD10A246869F}"/>
+              </a:ext>
+            </a:extLst>
+          </p:cNvPr>
+          <p:cNvSpPr>
+            <a:spLocks noGrp="1"/>
+          </p:cNvSpPr>
+          <p:nvPr>
+            <p:ph idx="1"/>
+          </p:nvPr>
+        </p:nvSpPr>
+        <p:spPr>
+          <a:xfrm>
+            <a:off x="1103312" y="2052918"/>
+            <a:ext cx="9304096" cy="4195481"/>
+          </a:xfrm>
+        </p:spPr>
+        <p:txBody>
+          <a:bodyPr/>
+          <a:lstStyle/>
+          <a:p>
+            <a:r>
+              <a:rPr lang="en-GB" dirty="0">
+                <a:solidFill>
+                  <a:srgbClr val="C2C3C7"/>
+                </a:solidFill>
+              </a:rPr>
+              <a:t>T</a:t>
+            </a:r>
+            <a:r>
+              <a:rPr lang="en-GB" dirty="0"/>
+              <a:t>={</a:t>
+            </a:r>
+            <a:r>
+              <a:rPr lang="en-GB" dirty="0">
+                <a:solidFill>
+                  <a:srgbClr val="C2C3C7"/>
+                </a:solidFill>
+              </a:rPr>
+              <a:t>E1</a:t>
+            </a:r>
+            <a:r>
+              <a:rPr lang="en-GB" dirty="0"/>
+              <a:t>,</a:t>
+            </a:r>
+            <a:r>
+              <a:rPr lang="en-GB" dirty="0">
+                <a:solidFill>
+                  <a:srgbClr val="C2C3C7"/>
+                </a:solidFill>
+              </a:rPr>
+              <a:t>E2</a:t>
+            </a:r>
+            <a:r>
+              <a:rPr lang="en-GB" dirty="0"/>
+              <a:t>,</a:t>
+            </a:r>
+            <a:r>
+              <a:rPr lang="en-GB" dirty="0">
+                <a:solidFill>
+                  <a:srgbClr val="C2C3C7"/>
+                </a:solidFill>
+              </a:rPr>
+              <a:t>E3</a:t>
+            </a:r>
+            <a:r>
+              <a:rPr lang="en-GB" dirty="0"/>
+              <a:t>}</a:t>
+            </a:r>
+          </a:p>
+          <a:p>
+            <a:r>
+              <a:rPr lang="en-GB" dirty="0">
+                <a:solidFill>
+                  <a:srgbClr val="00E436"/>
+                </a:solidFill>
+              </a:rPr>
+              <a:t>ADD</a:t>
+            </a:r>
+            <a:r>
+              <a:rPr lang="en-GB" dirty="0"/>
+              <a:t>(</a:t>
+            </a:r>
+            <a:r>
+              <a:rPr lang="en-GB" dirty="0">
+                <a:solidFill>
+                  <a:srgbClr val="C2C3C7"/>
+                </a:solidFill>
+              </a:rPr>
+              <a:t>T</a:t>
+            </a:r>
+            <a:r>
+              <a:rPr lang="en-GB" dirty="0"/>
+              <a:t>,</a:t>
+            </a:r>
+            <a:r>
+              <a:rPr lang="en-GB" dirty="0">
+                <a:solidFill>
+                  <a:srgbClr val="C2C3C7"/>
+                </a:solidFill>
+              </a:rPr>
+              <a:t>ELEM</a:t>
+            </a:r>
+            <a:r>
+              <a:rPr lang="en-GB" dirty="0"/>
+              <a:t>)</a:t>
+            </a:r>
+          </a:p>
+          <a:p>
+            <a:r>
+              <a:rPr lang="en-GB" dirty="0">
+                <a:solidFill>
+                  <a:srgbClr val="00E436"/>
+                </a:solidFill>
+              </a:rPr>
+              <a:t>ADD</a:t>
+            </a:r>
+            <a:r>
+              <a:rPr lang="en-GB" dirty="0"/>
+              <a:t>(</a:t>
+            </a:r>
+            <a:r>
+              <a:rPr lang="en-GB" dirty="0">
+                <a:solidFill>
+                  <a:srgbClr val="C2C3C7"/>
+                </a:solidFill>
+              </a:rPr>
+              <a:t>T</a:t>
+            </a:r>
+            <a:r>
+              <a:rPr lang="en-GB" dirty="0"/>
+              <a:t>,</a:t>
+            </a:r>
+            <a:r>
+              <a:rPr lang="en-GB" dirty="0">
+                <a:solidFill>
+                  <a:srgbClr val="C2C3C7"/>
+                </a:solidFill>
+              </a:rPr>
+              <a:t>OTHER_ELEM</a:t>
+            </a:r>
+            <a:r>
+              <a:rPr lang="en-GB" dirty="0"/>
+              <a:t>)</a:t>
+            </a:r>
+          </a:p>
+          <a:p>
+            <a:r>
+              <a:rPr lang="en-GB" dirty="0">
+                <a:solidFill>
+                  <a:srgbClr val="00E436"/>
+                </a:solidFill>
+              </a:rPr>
+              <a:t>DEL</a:t>
+            </a:r>
+            <a:r>
+              <a:rPr lang="en-GB" dirty="0"/>
+              <a:t>(</a:t>
+            </a:r>
+            <a:r>
+              <a:rPr lang="en-GB" dirty="0">
+                <a:solidFill>
+                  <a:srgbClr val="C2C3C7"/>
+                </a:solidFill>
+              </a:rPr>
+              <a:t>T</a:t>
+            </a:r>
+            <a:r>
+              <a:rPr lang="en-GB" dirty="0"/>
+              <a:t>,</a:t>
+            </a:r>
+            <a:r>
+              <a:rPr lang="en-GB" dirty="0">
+                <a:solidFill>
+                  <a:srgbClr val="C2C3C7"/>
+                </a:solidFill>
+              </a:rPr>
+              <a:t>ELEM</a:t>
+            </a:r>
+            <a:r>
+              <a:rPr lang="en-GB" dirty="0"/>
+              <a:t>)</a:t>
+            </a:r>
+          </a:p>
+          <a:p>
+            <a:r>
+              <a:rPr lang="en-GB" dirty="0">
+                <a:solidFill>
+                  <a:srgbClr val="FF76A7"/>
+                </a:solidFill>
+              </a:rPr>
+              <a:t>FOR</a:t>
+            </a:r>
+            <a:r>
+              <a:rPr lang="en-GB" dirty="0"/>
+              <a:t> </a:t>
+            </a:r>
+            <a:r>
+              <a:rPr lang="en-GB" dirty="0">
+                <a:solidFill>
+                  <a:srgbClr val="C2C3C7"/>
+                </a:solidFill>
+              </a:rPr>
+              <a:t>X </a:t>
+            </a:r>
+            <a:r>
+              <a:rPr lang="en-GB" dirty="0">
+                <a:solidFill>
+                  <a:srgbClr val="FF76A7"/>
+                </a:solidFill>
+              </a:rPr>
+              <a:t>IN</a:t>
+            </a:r>
+            <a:r>
+              <a:rPr lang="en-GB" dirty="0">
+                <a:solidFill>
+                  <a:srgbClr val="C2C3C7"/>
+                </a:solidFill>
+              </a:rPr>
+              <a:t> </a:t>
+            </a:r>
+            <a:r>
+              <a:rPr lang="en-GB" dirty="0">
+                <a:solidFill>
+                  <a:srgbClr val="00E436"/>
+                </a:solidFill>
+              </a:rPr>
+              <a:t>ALL</a:t>
+            </a:r>
+            <a:r>
+              <a:rPr lang="en-GB" dirty="0"/>
+              <a:t>(</a:t>
+            </a:r>
+            <a:r>
+              <a:rPr lang="en-GB" dirty="0">
+                <a:solidFill>
+                  <a:srgbClr val="C2C3C7"/>
+                </a:solidFill>
+              </a:rPr>
+              <a:t>T</a:t>
+            </a:r>
+            <a:r>
+              <a:rPr lang="en-GB" dirty="0"/>
+              <a:t>) </a:t>
+            </a:r>
+            <a:r>
+              <a:rPr lang="en-GB" dirty="0">
+                <a:solidFill>
+                  <a:srgbClr val="FF76A7"/>
+                </a:solidFill>
+              </a:rPr>
+              <a:t>DO</a:t>
+            </a:r>
+            <a:r>
+              <a:rPr lang="en-GB" dirty="0">
+                <a:solidFill>
+                  <a:srgbClr val="83769C"/>
+                </a:solidFill>
+              </a:rPr>
+              <a:t> *****</a:t>
+            </a:r>
+            <a:r>
+              <a:rPr lang="en-GB" dirty="0"/>
+              <a:t> </a:t>
+            </a:r>
+            <a:r>
+              <a:rPr lang="en-GB" dirty="0">
+                <a:solidFill>
+                  <a:srgbClr val="FF76A7"/>
+                </a:solidFill>
+              </a:rPr>
+              <a:t>END</a:t>
+            </a:r>
+          </a:p>
+          <a:p>
+            <a:endParaRPr lang="en-GB" dirty="0"/>
+          </a:p>
+        </p:txBody>
+      </p:sp>
+    </p:spTree>
+    <p:extLst>
+      <p:ext uri="{BB962C8B-B14F-4D97-AF65-F5344CB8AC3E}">
+        <p14:creationId xmlns:p14="http://schemas.microsoft.com/office/powerpoint/2010/main" val="2255621270"/>
+      </p:ext>
+    </p:extLst>
+  </p:cSld>
+  <p:clrMapOvr>
+    <a:masterClrMapping/>
+  </p:clrMapOvr>
+</p:sld>
+</file>
+
+<file path=ppt/slides/slide21.xml><?xml version="1.0" encoding="utf-8"?>
+<p:sld xmlns:a="http://schemas.openxmlformats.org/drawingml/2006/main" xmlns:r="http://schemas.openxmlformats.org/officeDocument/2006/relationships" xmlns:p="http://schemas.openxmlformats.org/presentationml/2006/main">
+  <p:cSld>
+    <p:spTree>
+      <p:nvGrpSpPr>
+        <p:cNvPr id="1" name=""/>
+        <p:cNvGrpSpPr/>
+        <p:nvPr/>
+      </p:nvGrpSpPr>
+      <p:grpSpPr>
+        <a:xfrm>
+          <a:off x="0" y="0"/>
+          <a:ext cx="0" cy="0"/>
+          <a:chOff x="0" y="0"/>
+          <a:chExt cx="0" cy="0"/>
+        </a:xfrm>
+      </p:grpSpPr>
+      <p:sp>
+        <p:nvSpPr>
+          <p:cNvPr id="2" name="Title 1">
+            <a:extLst>
+              <a:ext uri="{FF2B5EF4-FFF2-40B4-BE49-F238E27FC236}">
+                <a16:creationId xmlns:a16="http://schemas.microsoft.com/office/drawing/2014/main" id="{F8BCC28E-8F4B-4BE0-9CB7-405FDB2F0AA5}"/>
+              </a:ext>
+            </a:extLst>
+          </p:cNvPr>
+          <p:cNvSpPr>
+            <a:spLocks noGrp="1"/>
+          </p:cNvSpPr>
+          <p:nvPr>
+            <p:ph type="title"/>
+          </p:nvPr>
+        </p:nvSpPr>
+        <p:spPr/>
+        <p:txBody>
+          <a:bodyPr/>
+          <a:lstStyle/>
+          <a:p>
+            <a:r>
+              <a:rPr lang="en-GB" dirty="0"/>
+              <a:t>Lua: </a:t>
+            </a:r>
+            <a:r>
+              <a:rPr lang="en-GB" dirty="0" err="1"/>
+              <a:t>fonctions</a:t>
+            </a:r>
+            <a:endParaRPr lang="en-GB" dirty="0"/>
+          </a:p>
+        </p:txBody>
+      </p:sp>
+      <p:sp>
+        <p:nvSpPr>
+          <p:cNvPr id="3" name="Content Placeholder 2">
+            <a:extLst>
+              <a:ext uri="{FF2B5EF4-FFF2-40B4-BE49-F238E27FC236}">
+                <a16:creationId xmlns:a16="http://schemas.microsoft.com/office/drawing/2014/main" id="{3DA9AA80-FAA8-4749-8D1B-7D868ECC537F}"/>
+              </a:ext>
+            </a:extLst>
+          </p:cNvPr>
+          <p:cNvSpPr>
+            <a:spLocks noGrp="1"/>
+          </p:cNvSpPr>
+          <p:nvPr>
+            <p:ph idx="1"/>
+          </p:nvPr>
+        </p:nvSpPr>
+        <p:spPr/>
+        <p:txBody>
+          <a:bodyPr>
+            <a:normAutofit lnSpcReduction="10000"/>
+          </a:bodyPr>
+          <a:lstStyle/>
+          <a:p>
+            <a:r>
+              <a:rPr lang="en-GB" dirty="0">
+                <a:solidFill>
+                  <a:srgbClr val="FF76A7"/>
+                </a:solidFill>
+              </a:rPr>
+              <a:t>FUNCTION</a:t>
+            </a:r>
+            <a:r>
+              <a:rPr lang="en-GB" dirty="0"/>
+              <a:t> </a:t>
+            </a:r>
+            <a:r>
+              <a:rPr lang="en-GB" dirty="0">
+                <a:solidFill>
+                  <a:srgbClr val="C2C3C7"/>
+                </a:solidFill>
+              </a:rPr>
+              <a:t>DOUBLE</a:t>
+            </a:r>
+            <a:r>
+              <a:rPr lang="en-GB" dirty="0"/>
+              <a:t>(</a:t>
+            </a:r>
+            <a:r>
+              <a:rPr lang="en-GB" dirty="0">
+                <a:solidFill>
+                  <a:srgbClr val="C2C3C7"/>
+                </a:solidFill>
+              </a:rPr>
+              <a:t>X</a:t>
+            </a:r>
+            <a:r>
+              <a:rPr lang="en-GB" dirty="0"/>
+              <a:t>)</a:t>
+            </a:r>
+            <a:br>
+              <a:rPr lang="en-GB" dirty="0"/>
+            </a:br>
+            <a:r>
+              <a:rPr lang="en-GB" dirty="0"/>
+              <a:t>  </a:t>
+            </a:r>
+            <a:r>
+              <a:rPr lang="en-GB" dirty="0">
+                <a:solidFill>
+                  <a:srgbClr val="FF76A7"/>
+                </a:solidFill>
+              </a:rPr>
+              <a:t>RETURN </a:t>
+            </a:r>
+            <a:r>
+              <a:rPr lang="en-GB" dirty="0">
+                <a:solidFill>
+                  <a:srgbClr val="C2C3C7"/>
+                </a:solidFill>
+              </a:rPr>
+              <a:t>X</a:t>
+            </a:r>
+            <a:r>
+              <a:rPr lang="en-GB" dirty="0"/>
+              <a:t>*</a:t>
+            </a:r>
+            <a:r>
+              <a:rPr lang="en-GB" dirty="0">
+                <a:solidFill>
+                  <a:srgbClr val="29ADFF"/>
+                </a:solidFill>
+              </a:rPr>
+              <a:t>2</a:t>
+            </a:r>
+            <a:br>
+              <a:rPr lang="en-GB" dirty="0"/>
+            </a:br>
+            <a:r>
+              <a:rPr lang="en-GB" dirty="0">
+                <a:solidFill>
+                  <a:srgbClr val="FF76A7"/>
+                </a:solidFill>
+              </a:rPr>
+              <a:t>END</a:t>
+            </a:r>
+          </a:p>
+          <a:p>
+            <a:r>
+              <a:rPr lang="en-GB" dirty="0">
+                <a:solidFill>
+                  <a:srgbClr val="FF76A7"/>
+                </a:solidFill>
+              </a:rPr>
+              <a:t>FUNCTION</a:t>
+            </a:r>
+            <a:r>
+              <a:rPr lang="en-GB" dirty="0"/>
+              <a:t> </a:t>
+            </a:r>
+            <a:r>
+              <a:rPr lang="en-GB" dirty="0">
+                <a:solidFill>
+                  <a:srgbClr val="C2C3C7"/>
+                </a:solidFill>
+              </a:rPr>
+              <a:t>TOTO</a:t>
+            </a:r>
+            <a:r>
+              <a:rPr lang="en-GB" dirty="0"/>
+              <a:t>(</a:t>
+            </a:r>
+            <a:r>
+              <a:rPr lang="en-GB" dirty="0">
+                <a:solidFill>
+                  <a:srgbClr val="C2C3C7"/>
+                </a:solidFill>
+              </a:rPr>
+              <a:t>A</a:t>
+            </a:r>
+            <a:r>
+              <a:rPr lang="en-GB" dirty="0"/>
+              <a:t>,</a:t>
+            </a:r>
+            <a:r>
+              <a:rPr lang="en-GB" dirty="0">
+                <a:solidFill>
+                  <a:srgbClr val="C2C3C7"/>
+                </a:solidFill>
+              </a:rPr>
+              <a:t>B</a:t>
+            </a:r>
+            <a:r>
+              <a:rPr lang="en-GB" dirty="0"/>
+              <a:t>,</a:t>
+            </a:r>
+            <a:r>
+              <a:rPr lang="en-GB" dirty="0">
+                <a:solidFill>
+                  <a:srgbClr val="C2C3C7"/>
+                </a:solidFill>
+              </a:rPr>
+              <a:t>C</a:t>
+            </a:r>
+            <a:r>
+              <a:rPr lang="en-GB" dirty="0"/>
+              <a:t>)</a:t>
+            </a:r>
+            <a:br>
+              <a:rPr lang="en-GB" dirty="0"/>
+            </a:br>
+            <a:r>
+              <a:rPr lang="en-GB" dirty="0"/>
+              <a:t>  </a:t>
+            </a:r>
+            <a:r>
+              <a:rPr lang="en-GB" dirty="0">
+                <a:solidFill>
+                  <a:srgbClr val="FF76A7"/>
+                </a:solidFill>
+              </a:rPr>
+              <a:t>RETURN</a:t>
+            </a:r>
+            <a:r>
+              <a:rPr lang="en-GB" dirty="0"/>
+              <a:t> </a:t>
+            </a:r>
+            <a:r>
+              <a:rPr lang="en-GB" dirty="0">
+                <a:solidFill>
+                  <a:srgbClr val="C2C3C7"/>
+                </a:solidFill>
+              </a:rPr>
+              <a:t>A</a:t>
+            </a:r>
+            <a:r>
+              <a:rPr lang="en-GB" dirty="0"/>
+              <a:t>-</a:t>
+            </a:r>
+            <a:r>
+              <a:rPr lang="en-GB" dirty="0">
+                <a:solidFill>
+                  <a:srgbClr val="C2C3C7"/>
+                </a:solidFill>
+              </a:rPr>
+              <a:t>B</a:t>
+            </a:r>
+            <a:r>
+              <a:rPr lang="en-GB" dirty="0"/>
+              <a:t>,</a:t>
+            </a:r>
+            <a:r>
+              <a:rPr lang="en-GB" dirty="0">
+                <a:solidFill>
+                  <a:srgbClr val="C2C3C7"/>
+                </a:solidFill>
+              </a:rPr>
+              <a:t>B</a:t>
+            </a:r>
+            <a:r>
+              <a:rPr lang="en-GB" dirty="0"/>
+              <a:t>-</a:t>
+            </a:r>
+            <a:r>
+              <a:rPr lang="en-GB" dirty="0">
+                <a:solidFill>
+                  <a:srgbClr val="C2C3C7"/>
+                </a:solidFill>
+              </a:rPr>
+              <a:t>C</a:t>
+            </a:r>
+            <a:br>
+              <a:rPr lang="en-GB" dirty="0"/>
+            </a:br>
+            <a:r>
+              <a:rPr lang="en-GB" dirty="0">
+                <a:solidFill>
+                  <a:srgbClr val="FF76A7"/>
+                </a:solidFill>
+              </a:rPr>
+              <a:t>END</a:t>
+            </a:r>
+          </a:p>
+          <a:p>
+            <a:r>
+              <a:rPr lang="en-GB" dirty="0">
+                <a:solidFill>
+                  <a:srgbClr val="C2C3C7"/>
+                </a:solidFill>
+              </a:rPr>
+              <a:t>X</a:t>
+            </a:r>
+            <a:r>
+              <a:rPr lang="en-GB" dirty="0"/>
+              <a:t>,</a:t>
+            </a:r>
+            <a:r>
+              <a:rPr lang="en-GB" dirty="0">
+                <a:solidFill>
+                  <a:srgbClr val="C2C3C7"/>
+                </a:solidFill>
+              </a:rPr>
+              <a:t>Y</a:t>
+            </a:r>
+            <a:r>
+              <a:rPr lang="en-GB" dirty="0"/>
+              <a:t>=</a:t>
+            </a:r>
+            <a:r>
+              <a:rPr lang="en-GB" dirty="0">
+                <a:solidFill>
+                  <a:srgbClr val="C2C3C7"/>
+                </a:solidFill>
+              </a:rPr>
+              <a:t>TOTO</a:t>
+            </a:r>
+            <a:r>
+              <a:rPr lang="en-GB" dirty="0"/>
+              <a:t>(</a:t>
+            </a:r>
+            <a:r>
+              <a:rPr lang="en-GB" dirty="0">
+                <a:solidFill>
+                  <a:srgbClr val="29ADFF"/>
+                </a:solidFill>
+              </a:rPr>
+              <a:t>1</a:t>
+            </a:r>
+            <a:r>
+              <a:rPr lang="en-GB" dirty="0"/>
+              <a:t>,</a:t>
+            </a:r>
+            <a:r>
+              <a:rPr lang="en-GB" dirty="0">
+                <a:solidFill>
+                  <a:srgbClr val="29ADFF"/>
+                </a:solidFill>
+              </a:rPr>
+              <a:t>2</a:t>
+            </a:r>
+            <a:r>
+              <a:rPr lang="en-GB" dirty="0"/>
+              <a:t>,</a:t>
+            </a:r>
+            <a:r>
+              <a:rPr lang="en-GB" dirty="0">
+                <a:solidFill>
+                  <a:srgbClr val="29ADFF"/>
+                </a:solidFill>
+              </a:rPr>
+              <a:t>3</a:t>
+            </a:r>
+            <a:r>
+              <a:rPr lang="en-GB" dirty="0"/>
+              <a:t>)</a:t>
+            </a:r>
+          </a:p>
+        </p:txBody>
+      </p:sp>
+    </p:spTree>
+    <p:extLst>
+      <p:ext uri="{BB962C8B-B14F-4D97-AF65-F5344CB8AC3E}">
+        <p14:creationId xmlns:p14="http://schemas.microsoft.com/office/powerpoint/2010/main" val="3827400047"/>
+      </p:ext>
+    </p:extLst>
+  </p:cSld>
+  <p:clrMapOvr>
+    <a:masterClrMapping/>
+  </p:clrMapOvr>
+</p:sld>
+</file>
+
+<file path=ppt/slides/slide22.xml><?xml version="1.0" encoding="utf-8"?>
 <p:sld xmlns:a="http://schemas.openxmlformats.org/drawingml/2006/main" xmlns:r="http://schemas.openxmlformats.org/officeDocument/2006/relationships" xmlns:p="http://schemas.openxmlformats.org/presentationml/2006/main" showMasterSp="0">
   <p:cSld>
     <p:spTree>
@@ -9692,7 +10244,7 @@
 </p:sld>
 </file>
 
-<file path=ppt/slides/slide21.xml><?xml version="1.0" encoding="utf-8"?>
+<file path=ppt/slides/slide23.xml><?xml version="1.0" encoding="utf-8"?>
 <p:sld xmlns:a="http://schemas.openxmlformats.org/drawingml/2006/main" xmlns:r="http://schemas.openxmlformats.org/officeDocument/2006/relationships" xmlns:p="http://schemas.openxmlformats.org/presentationml/2006/main" showMasterSp="0">
   <p:cSld>
     <p:spTree>
@@ -9886,7 +10438,7 @@
 </p:sld>
 </file>
 
-<file path=ppt/slides/slide22.xml><?xml version="1.0" encoding="utf-8"?>
+<file path=ppt/slides/slide24.xml><?xml version="1.0" encoding="utf-8"?>
 <p:sld xmlns:a="http://schemas.openxmlformats.org/drawingml/2006/main" xmlns:r="http://schemas.openxmlformats.org/officeDocument/2006/relationships" xmlns:p="http://schemas.openxmlformats.org/presentationml/2006/main" showMasterSp="0">
   <p:cSld>
     <p:spTree>
@@ -10062,7 +10614,7 @@
 </p:sld>
 </file>
 
-<file path=ppt/slides/slide23.xml><?xml version="1.0" encoding="utf-8"?>
+<file path=ppt/slides/slide25.xml><?xml version="1.0" encoding="utf-8"?>
 <p:sld xmlns:a="http://schemas.openxmlformats.org/drawingml/2006/main" xmlns:r="http://schemas.openxmlformats.org/officeDocument/2006/relationships" xmlns:p="http://schemas.openxmlformats.org/presentationml/2006/main" showMasterSp="0">
   <p:cSld>
     <p:spTree>
@@ -10223,7 +10775,7 @@
 </p:sld>
 </file>
 
-<file path=ppt/slides/slide24.xml><?xml version="1.0" encoding="utf-8"?>
+<file path=ppt/slides/slide26.xml><?xml version="1.0" encoding="utf-8"?>
 <p:sld xmlns:a="http://schemas.openxmlformats.org/drawingml/2006/main" xmlns:r="http://schemas.openxmlformats.org/officeDocument/2006/relationships" xmlns:p="http://schemas.openxmlformats.org/presentationml/2006/main" showMasterSp="0">
   <p:cSld>
     <p:spTree>
@@ -10331,7 +10883,7 @@
 </p:sld>
 </file>
 
-<file path=ppt/slides/slide25.xml><?xml version="1.0" encoding="utf-8"?>
+<file path=ppt/slides/slide27.xml><?xml version="1.0" encoding="utf-8"?>
 <p:sld xmlns:a="http://schemas.openxmlformats.org/drawingml/2006/main" xmlns:r="http://schemas.openxmlformats.org/officeDocument/2006/relationships" xmlns:p="http://schemas.openxmlformats.org/presentationml/2006/main" showMasterSp="0">
   <p:cSld>
     <p:spTree>
@@ -10515,7 +11067,7 @@
 </p:sld>
 </file>
 
-<file path=ppt/slides/slide26.xml><?xml version="1.0" encoding="utf-8"?>
+<file path=ppt/slides/slide28.xml><?xml version="1.0" encoding="utf-8"?>
 <p:sld xmlns:a="http://schemas.openxmlformats.org/drawingml/2006/main" xmlns:r="http://schemas.openxmlformats.org/officeDocument/2006/relationships" xmlns:p="http://schemas.openxmlformats.org/presentationml/2006/main">
   <p:cSld>
     <p:spTree>
@@ -10666,7 +11218,7 @@
 </p:sld>
 </file>
 
-<file path=ppt/slides/slide27.xml><?xml version="1.0" encoding="utf-8"?>
+<file path=ppt/slides/slide29.xml><?xml version="1.0" encoding="utf-8"?>
 <p:sld xmlns:a="http://schemas.openxmlformats.org/drawingml/2006/main" xmlns:r="http://schemas.openxmlformats.org/officeDocument/2006/relationships" xmlns:p="http://schemas.openxmlformats.org/presentationml/2006/main">
   <p:cSld>
     <p:spTree>
@@ -11018,6 +11570,158 @@
           <a:p>
             <a:r>
               <a:rPr lang="en-GB" dirty="0"/>
+              <a:t>Presentation</a:t>
+            </a:r>
+          </a:p>
+        </p:txBody>
+      </p:sp>
+      <p:sp>
+        <p:nvSpPr>
+          <p:cNvPr id="3" name="Content Placeholder 2">
+            <a:extLst>
+              <a:ext uri="{FF2B5EF4-FFF2-40B4-BE49-F238E27FC236}">
+                <a16:creationId xmlns:a16="http://schemas.microsoft.com/office/drawing/2014/main" id="{D7315DE1-57BB-434D-81A5-1147E7B06DB8}"/>
+              </a:ext>
+            </a:extLst>
+          </p:cNvPr>
+          <p:cNvSpPr>
+            <a:spLocks noGrp="1"/>
+          </p:cNvSpPr>
+          <p:nvPr>
+            <p:ph idx="1"/>
+          </p:nvPr>
+        </p:nvSpPr>
+        <p:spPr>
+          <a:xfrm>
+            <a:off x="5399314" y="2052918"/>
+            <a:ext cx="6566263" cy="4195481"/>
+          </a:xfrm>
+        </p:spPr>
+        <p:txBody>
+          <a:bodyPr>
+            <a:normAutofit/>
+          </a:bodyPr>
+          <a:lstStyle/>
+          <a:p>
+            <a:r>
+              <a:rPr lang="en-GB" dirty="0" err="1"/>
+              <a:t>Touche</a:t>
+            </a:r>
+            <a:r>
+              <a:rPr lang="en-GB" dirty="0"/>
+              <a:t> Esc</a:t>
+            </a:r>
+          </a:p>
+          <a:p>
+            <a:r>
+              <a:rPr lang="en-GB" dirty="0"/>
+              <a:t>Invite de </a:t>
+            </a:r>
+            <a:r>
+              <a:rPr lang="en-GB" dirty="0" err="1"/>
+              <a:t>commande</a:t>
+            </a:r>
+            <a:endParaRPr lang="en-GB" dirty="0"/>
+          </a:p>
+          <a:p>
+            <a:r>
+              <a:rPr lang="en-GB" dirty="0"/>
+              <a:t>Onglets de code, sprites, maps, </a:t>
+            </a:r>
+            <a:r>
+              <a:rPr lang="en-GB" dirty="0" err="1"/>
+              <a:t>sfx</a:t>
+            </a:r>
+            <a:r>
+              <a:rPr lang="en-GB" dirty="0"/>
+              <a:t>, musique</a:t>
+            </a:r>
+          </a:p>
+        </p:txBody>
+      </p:sp>
+      <p:pic>
+        <p:nvPicPr>
+          <p:cNvPr id="5" name="Picture 4">
+            <a:extLst>
+              <a:ext uri="{FF2B5EF4-FFF2-40B4-BE49-F238E27FC236}">
+                <a16:creationId xmlns:a16="http://schemas.microsoft.com/office/drawing/2014/main" id="{C664AF4E-6EE8-481E-99CF-74C8BB5EB193}"/>
+              </a:ext>
+            </a:extLst>
+          </p:cNvPr>
+          <p:cNvPicPr>
+            <a:picLocks noChangeAspect="1"/>
+          </p:cNvPicPr>
+          <p:nvPr/>
+        </p:nvPicPr>
+        <p:blipFill>
+          <a:blip r:embed="rId2"/>
+          <a:stretch>
+            <a:fillRect/>
+          </a:stretch>
+        </p:blipFill>
+        <p:spPr>
+          <a:xfrm>
+            <a:off x="646111" y="1721376"/>
+            <a:ext cx="4581836" cy="4683906"/>
+          </a:xfrm>
+          <a:prstGeom prst="rect">
+            <a:avLst/>
+          </a:prstGeom>
+        </p:spPr>
+      </p:pic>
+    </p:spTree>
+    <p:extLst>
+      <p:ext uri="{BB962C8B-B14F-4D97-AF65-F5344CB8AC3E}">
+        <p14:creationId xmlns:p14="http://schemas.microsoft.com/office/powerpoint/2010/main" val="467661288"/>
+      </p:ext>
+    </p:extLst>
+  </p:cSld>
+  <p:clrMapOvr>
+    <a:masterClrMapping/>
+  </p:clrMapOvr>
+</p:sld>
+</file>
+
+<file path=ppt/slides/slide4.xml><?xml version="1.0" encoding="utf-8"?>
+<p:sld xmlns:a="http://schemas.openxmlformats.org/drawingml/2006/main" xmlns:r="http://schemas.openxmlformats.org/officeDocument/2006/relationships" xmlns:p="http://schemas.openxmlformats.org/presentationml/2006/main" showMasterSp="0">
+  <p:cSld>
+    <p:spTree>
+      <p:nvGrpSpPr>
+        <p:cNvPr id="1" name=""/>
+        <p:cNvGrpSpPr/>
+        <p:nvPr/>
+      </p:nvGrpSpPr>
+      <p:grpSpPr>
+        <a:xfrm>
+          <a:off x="0" y="0"/>
+          <a:ext cx="0" cy="0"/>
+          <a:chOff x="0" y="0"/>
+          <a:chExt cx="0" cy="0"/>
+        </a:xfrm>
+      </p:grpSpPr>
+      <p:sp>
+        <p:nvSpPr>
+          <p:cNvPr id="2" name="Title 1">
+            <a:extLst>
+              <a:ext uri="{FF2B5EF4-FFF2-40B4-BE49-F238E27FC236}">
+                <a16:creationId xmlns:a16="http://schemas.microsoft.com/office/drawing/2014/main" id="{EF848EF9-DC73-47A7-81DD-6628F6404F25}"/>
+              </a:ext>
+            </a:extLst>
+          </p:cNvPr>
+          <p:cNvSpPr>
+            <a:spLocks noGrp="1"/>
+          </p:cNvSpPr>
+          <p:nvPr>
+            <p:ph type="title"/>
+          </p:nvPr>
+        </p:nvSpPr>
+        <p:spPr/>
+        <p:txBody>
+          <a:bodyPr/>
+          <a:lstStyle/>
+          <a:p>
+            <a:r>
+              <a:rPr lang="en-GB" dirty="0"/>
               <a:t>Premiers pas</a:t>
             </a:r>
           </a:p>
@@ -11164,7 +11868,7 @@
 </p:sld>
 </file>
 
-<file path=ppt/slides/slide4.xml><?xml version="1.0" encoding="utf-8"?>
+<file path=ppt/slides/slide5.xml><?xml version="1.0" encoding="utf-8"?>
 <p:sld xmlns:a="http://schemas.openxmlformats.org/drawingml/2006/main" xmlns:r="http://schemas.openxmlformats.org/officeDocument/2006/relationships" xmlns:p="http://schemas.openxmlformats.org/presentationml/2006/main">
   <p:cSld>
     <p:spTree>
@@ -11301,7 +12005,7 @@
 </p:sld>
 </file>
 
-<file path=ppt/slides/slide5.xml><?xml version="1.0" encoding="utf-8"?>
+<file path=ppt/slides/slide6.xml><?xml version="1.0" encoding="utf-8"?>
 <p:sld xmlns:a="http://schemas.openxmlformats.org/drawingml/2006/main" xmlns:r="http://schemas.openxmlformats.org/officeDocument/2006/relationships" xmlns:p="http://schemas.openxmlformats.org/presentationml/2006/main">
   <p:cSld>
     <p:spTree>
@@ -11423,7 +12127,7 @@
 </p:sld>
 </file>
 
-<file path=ppt/slides/slide6.xml><?xml version="1.0" encoding="utf-8"?>
+<file path=ppt/slides/slide7.xml><?xml version="1.0" encoding="utf-8"?>
 <p:sld xmlns:a="http://schemas.openxmlformats.org/drawingml/2006/main" xmlns:r="http://schemas.openxmlformats.org/officeDocument/2006/relationships" xmlns:p="http://schemas.openxmlformats.org/presentationml/2006/main">
   <p:cSld>
     <p:spTree>
@@ -11545,7 +12249,7 @@
 </p:sld>
 </file>
 
-<file path=ppt/slides/slide7.xml><?xml version="1.0" encoding="utf-8"?>
+<file path=ppt/slides/slide8.xml><?xml version="1.0" encoding="utf-8"?>
 <p:sld xmlns:a="http://schemas.openxmlformats.org/drawingml/2006/main" xmlns:r="http://schemas.openxmlformats.org/officeDocument/2006/relationships" xmlns:p="http://schemas.openxmlformats.org/presentationml/2006/main">
   <p:cSld>
     <p:spTree>
@@ -11672,7 +12376,7 @@
 </p:sld>
 </file>
 
-<file path=ppt/slides/slide8.xml><?xml version="1.0" encoding="utf-8"?>
+<file path=ppt/slides/slide9.xml><?xml version="1.0" encoding="utf-8"?>
 <p:sld xmlns:a="http://schemas.openxmlformats.org/drawingml/2006/main" xmlns:r="http://schemas.openxmlformats.org/officeDocument/2006/relationships" xmlns:p="http://schemas.openxmlformats.org/presentationml/2006/main">
   <p:cSld>
     <p:spTree>
@@ -11755,194 +12459,6 @@
     <p:extLst>
       <p:ext uri="{BB962C8B-B14F-4D97-AF65-F5344CB8AC3E}">
         <p14:creationId xmlns:p14="http://schemas.microsoft.com/office/powerpoint/2010/main" val="2366518131"/>
-      </p:ext>
-    </p:extLst>
-  </p:cSld>
-  <p:clrMapOvr>
-    <a:masterClrMapping/>
-  </p:clrMapOvr>
-</p:sld>
-</file>
-
-<file path=ppt/slides/slide9.xml><?xml version="1.0" encoding="utf-8"?>
-<p:sld xmlns:a="http://schemas.openxmlformats.org/drawingml/2006/main" xmlns:r="http://schemas.openxmlformats.org/officeDocument/2006/relationships" xmlns:p="http://schemas.openxmlformats.org/presentationml/2006/main">
-  <p:cSld>
-    <p:spTree>
-      <p:nvGrpSpPr>
-        <p:cNvPr id="1" name=""/>
-        <p:cNvGrpSpPr/>
-        <p:nvPr/>
-      </p:nvGrpSpPr>
-      <p:grpSpPr>
-        <a:xfrm>
-          <a:off x="0" y="0"/>
-          <a:ext cx="0" cy="0"/>
-          <a:chOff x="0" y="0"/>
-          <a:chExt cx="0" cy="0"/>
-        </a:xfrm>
-      </p:grpSpPr>
-      <p:sp>
-        <p:nvSpPr>
-          <p:cNvPr id="2" name="Title 1">
-            <a:extLst>
-              <a:ext uri="{FF2B5EF4-FFF2-40B4-BE49-F238E27FC236}">
-                <a16:creationId xmlns:a16="http://schemas.microsoft.com/office/drawing/2014/main" id="{CFC39977-0EC4-4AA8-900E-7BDE80E895E4}"/>
-              </a:ext>
-            </a:extLst>
-          </p:cNvPr>
-          <p:cNvSpPr>
-            <a:spLocks noGrp="1"/>
-          </p:cNvSpPr>
-          <p:nvPr>
-            <p:ph type="title"/>
-          </p:nvPr>
-        </p:nvSpPr>
-        <p:spPr/>
-        <p:txBody>
-          <a:bodyPr/>
-          <a:lstStyle/>
-          <a:p>
-            <a:r>
-              <a:rPr lang="en-GB" dirty="0" err="1"/>
-              <a:t>Editeur</a:t>
-            </a:r>
-            <a:r>
-              <a:rPr lang="en-GB" dirty="0"/>
-              <a:t> de code</a:t>
-            </a:r>
-          </a:p>
-        </p:txBody>
-      </p:sp>
-      <p:sp>
-        <p:nvSpPr>
-          <p:cNvPr id="6" name="Content Placeholder 5">
-            <a:extLst>
-              <a:ext uri="{FF2B5EF4-FFF2-40B4-BE49-F238E27FC236}">
-                <a16:creationId xmlns:a16="http://schemas.microsoft.com/office/drawing/2014/main" id="{D16814BA-7F43-4FCC-8EDC-A78E862DBFEA}"/>
-              </a:ext>
-            </a:extLst>
-          </p:cNvPr>
-          <p:cNvSpPr>
-            <a:spLocks noGrp="1"/>
-          </p:cNvSpPr>
-          <p:nvPr>
-            <p:ph idx="1"/>
-          </p:nvPr>
-        </p:nvSpPr>
-        <p:spPr>
-          <a:xfrm>
-            <a:off x="5817326" y="2052918"/>
-            <a:ext cx="5728563" cy="4195481"/>
-          </a:xfrm>
-        </p:spPr>
-        <p:txBody>
-          <a:bodyPr>
-            <a:normAutofit fontScale="92500" lnSpcReduction="10000"/>
-          </a:bodyPr>
-          <a:lstStyle/>
-          <a:p>
-            <a:r>
-              <a:rPr lang="en-GB" dirty="0" err="1"/>
-              <a:t>Langage</a:t>
-            </a:r>
-            <a:r>
-              <a:rPr lang="en-GB" dirty="0"/>
-              <a:t> Lua 5.2</a:t>
-            </a:r>
-          </a:p>
-          <a:p>
-            <a:r>
-              <a:rPr lang="en-GB" dirty="0"/>
-              <a:t>Version "light",</a:t>
-            </a:r>
-            <a:br>
-              <a:rPr lang="en-GB" dirty="0"/>
-            </a:br>
-            <a:r>
-              <a:rPr lang="en-GB" dirty="0" err="1"/>
-              <a:t>peu</a:t>
-            </a:r>
-            <a:r>
-              <a:rPr lang="en-GB" dirty="0"/>
-              <a:t> de </a:t>
-            </a:r>
-            <a:r>
-              <a:rPr lang="en-GB" dirty="0" err="1"/>
-              <a:t>fonctions</a:t>
-            </a:r>
-            <a:endParaRPr lang="en-GB" dirty="0"/>
-          </a:p>
-          <a:p>
-            <a:r>
-              <a:rPr lang="en-GB" dirty="0" err="1"/>
-              <a:t>Quelques</a:t>
-            </a:r>
-            <a:r>
-              <a:rPr lang="en-GB" dirty="0"/>
-              <a:t> </a:t>
-            </a:r>
-            <a:r>
-              <a:rPr lang="en-GB" dirty="0" err="1"/>
-              <a:t>ajouts</a:t>
-            </a:r>
-            <a:r>
-              <a:rPr lang="en-GB" dirty="0"/>
-              <a:t> de </a:t>
-            </a:r>
-            <a:r>
-              <a:rPr lang="en-GB" dirty="0" err="1"/>
-              <a:t>syntaxe</a:t>
-            </a:r>
-            <a:endParaRPr lang="en-GB" dirty="0"/>
-          </a:p>
-          <a:p>
-            <a:r>
-              <a:rPr lang="en-GB" dirty="0"/>
-              <a:t>+= -= !=</a:t>
-            </a:r>
-          </a:p>
-          <a:p>
-            <a:r>
-              <a:rPr lang="en-GB" dirty="0"/>
-              <a:t>⌂⬅️😐♪🅾️◆…</a:t>
-            </a:r>
-          </a:p>
-        </p:txBody>
-      </p:sp>
-      <p:pic>
-        <p:nvPicPr>
-          <p:cNvPr id="4" name="Picture 3">
-            <a:extLst>
-              <a:ext uri="{FF2B5EF4-FFF2-40B4-BE49-F238E27FC236}">
-                <a16:creationId xmlns:a16="http://schemas.microsoft.com/office/drawing/2014/main" id="{8085D287-0EFB-44DF-9E8D-99CA6E6A0340}"/>
-              </a:ext>
-            </a:extLst>
-          </p:cNvPr>
-          <p:cNvPicPr>
-            <a:picLocks noChangeAspect="1"/>
-          </p:cNvPicPr>
-          <p:nvPr/>
-        </p:nvPicPr>
-        <p:blipFill>
-          <a:blip r:embed="rId2"/>
-          <a:stretch>
-            <a:fillRect/>
-          </a:stretch>
-        </p:blipFill>
-        <p:spPr>
-          <a:xfrm>
-            <a:off x="646111" y="1480650"/>
-            <a:ext cx="4817315" cy="4924632"/>
-          </a:xfrm>
-          <a:prstGeom prst="rect">
-            <a:avLst/>
-          </a:prstGeom>
-        </p:spPr>
-      </p:pic>
-    </p:spTree>
-    <p:extLst>
-      <p:ext uri="{BB962C8B-B14F-4D97-AF65-F5344CB8AC3E}">
-        <p14:creationId xmlns:p14="http://schemas.microsoft.com/office/powerpoint/2010/main" val="3839978558"/>
       </p:ext>
     </p:extLst>
   </p:cSld>
